--- a/trunk/pear/submission_materials/PairgrammingDemo.pptx
+++ b/trunk/pear/submission_materials/PairgrammingDemo.pptx
@@ -5,24 +5,28 @@
     <p:sldMasterId id="2147483732" r:id="rId1"/>
   </p:sldMasterIdLst>
   <p:notesMasterIdLst>
-    <p:notesMasterId r:id="rId14"/>
+    <p:notesMasterId r:id="rId18"/>
   </p:notesMasterIdLst>
   <p:handoutMasterIdLst>
-    <p:handoutMasterId r:id="rId15"/>
+    <p:handoutMasterId r:id="rId19"/>
   </p:handoutMasterIdLst>
   <p:sldIdLst>
     <p:sldId id="256" r:id="rId2"/>
     <p:sldId id="257" r:id="rId3"/>
     <p:sldId id="269" r:id="rId4"/>
     <p:sldId id="259" r:id="rId5"/>
-    <p:sldId id="260" r:id="rId6"/>
-    <p:sldId id="261" r:id="rId7"/>
-    <p:sldId id="263" r:id="rId8"/>
-    <p:sldId id="264" r:id="rId9"/>
-    <p:sldId id="265" r:id="rId10"/>
-    <p:sldId id="266" r:id="rId11"/>
-    <p:sldId id="267" r:id="rId12"/>
-    <p:sldId id="268" r:id="rId13"/>
+    <p:sldId id="271" r:id="rId6"/>
+    <p:sldId id="270" r:id="rId7"/>
+    <p:sldId id="260" r:id="rId8"/>
+    <p:sldId id="261" r:id="rId9"/>
+    <p:sldId id="272" r:id="rId10"/>
+    <p:sldId id="273" r:id="rId11"/>
+    <p:sldId id="263" r:id="rId12"/>
+    <p:sldId id="264" r:id="rId13"/>
+    <p:sldId id="265" r:id="rId14"/>
+    <p:sldId id="266" r:id="rId15"/>
+    <p:sldId id="267" r:id="rId16"/>
+    <p:sldId id="268" r:id="rId17"/>
   </p:sldIdLst>
   <p:sldSz cx="10160000" cy="7620000"/>
   <p:notesSz cx="6858000" cy="9144000"/>
@@ -236,7 +240,8 @@
           <a:p>
             <a:fld id="{6A46E41A-CFE6-4CE8-891E-A92138BDC6E8}" type="datetimeFigureOut">
               <a:rPr lang="en-US" smtClean="0"/>
-              <a:t>5/7/2009</a:t>
+              <a:pPr/>
+              <a:t>5/8/2009</a:t>
             </a:fld>
             <a:endParaRPr lang="en-US"/>
           </a:p>
@@ -302,6 +307,7 @@
           <a:p>
             <a:fld id="{94826A52-2472-4A92-BBA4-7D80D65F74BE}" type="slidenum">
               <a:rPr lang="en-US" smtClean="0"/>
+              <a:pPr/>
               <a:t>‹#›</a:t>
             </a:fld>
             <a:endParaRPr lang="en-US"/>
@@ -429,7 +435,7 @@
         <p:nvSpPr>
           <p:cNvPr id="4100" name="Rectangle 4"/>
           <p:cNvSpPr>
-            <a:spLocks noChangeArrowheads="1" noTextEdit="1"/>
+            <a:spLocks noGrp="1" noRot="1" noChangeAspect="1" noChangeArrowheads="1" noTextEdit="1"/>
           </p:cNvSpPr>
           <p:nvPr>
             <p:ph type="sldImg" idx="2"/>
@@ -792,7 +798,7 @@
         <p:nvSpPr>
           <p:cNvPr id="5121" name="Rectangle 1"/>
           <p:cNvSpPr>
-            <a:spLocks noChangeArrowheads="1"/>
+            <a:spLocks noGrp="1" noRot="1" noChangeAspect="1" noChangeArrowheads="1"/>
           </p:cNvSpPr>
           <p:nvPr>
             <p:ph type="sldImg"/>
@@ -937,7 +943,7 @@
         <p:nvSpPr>
           <p:cNvPr id="5121" name="Rectangle 1"/>
           <p:cNvSpPr>
-            <a:spLocks noChangeArrowheads="1"/>
+            <a:spLocks noGrp="1" noRot="1" noChangeAspect="1" noChangeArrowheads="1"/>
           </p:cNvSpPr>
           <p:nvPr>
             <p:ph type="sldImg"/>
@@ -1082,7 +1088,7 @@
         <p:nvSpPr>
           <p:cNvPr id="8193" name="Rectangle 1"/>
           <p:cNvSpPr>
-            <a:spLocks noChangeArrowheads="1"/>
+            <a:spLocks noGrp="1" noRot="1" noChangeAspect="1" noChangeArrowheads="1"/>
           </p:cNvSpPr>
           <p:nvPr>
             <p:ph type="sldImg"/>
@@ -1501,7 +1507,7 @@
             <a:fld id="{6E67A383-98D9-4A03-8FE8-5F5491D9EED8}" type="slidenum">
               <a:rPr lang="en-US" smtClean="0"/>
               <a:pPr/>
-              <a:t>9</a:t>
+              <a:t>13</a:t>
             </a:fld>
             <a:endParaRPr lang="en-US"/>
           </a:p>
@@ -1552,7 +1558,7 @@
             <a:fld id="{5A7F9019-2E9C-4041-8590-4C17D18CBCC7}" type="slidenum">
               <a:rPr lang="en-US"/>
               <a:pPr/>
-              <a:t>11</a:t>
+              <a:t>15</a:t>
             </a:fld>
             <a:endParaRPr lang="en-US"/>
           </a:p>
@@ -1562,7 +1568,7 @@
         <p:nvSpPr>
           <p:cNvPr id="17409" name="Rectangle 1"/>
           <p:cNvSpPr>
-            <a:spLocks noChangeArrowheads="1"/>
+            <a:spLocks noGrp="1" noRot="1" noChangeAspect="1" noChangeArrowheads="1"/>
           </p:cNvSpPr>
           <p:nvPr>
             <p:ph type="sldImg"/>
@@ -5677,144 +5683,60 @@
       </p:grpSpPr>
       <p:sp>
         <p:nvSpPr>
-          <p:cNvPr id="15361" name="Rectangle 1"/>
+          <p:cNvPr id="9" name="Title 8"/>
           <p:cNvSpPr>
-            <a:spLocks noGrp="1" noChangeArrowheads="1"/>
+            <a:spLocks noGrp="1"/>
           </p:cNvSpPr>
           <p:nvPr>
             <p:ph type="title"/>
           </p:nvPr>
         </p:nvSpPr>
-        <p:spPr>
+        <p:spPr/>
+        <p:txBody>
+          <a:bodyPr/>
+          <a:lstStyle/>
+          <a:p>
+            <a:r>
+              <a:rPr lang="en-US" dirty="0" err="1" smtClean="0"/>
+              <a:t>Django</a:t>
+            </a:r>
+            <a:endParaRPr lang="en-US" dirty="0"/>
+          </a:p>
+        </p:txBody>
+      </p:sp>
+      <p:pic>
+        <p:nvPicPr>
+          <p:cNvPr id="3074" name="Picture 2"/>
+          <p:cNvPicPr>
+            <a:picLocks noChangeAspect="1" noChangeArrowheads="1"/>
+          </p:cNvPicPr>
+          <p:nvPr/>
+        </p:nvPicPr>
+        <p:blipFill>
+          <a:blip r:embed="rId2"/>
+          <a:srcRect l="7552" t="6250" r="7973" b="24716"/>
+          <a:stretch>
+            <a:fillRect/>
+          </a:stretch>
+        </p:blipFill>
+        <p:spPr bwMode="auto">
           <a:xfrm>
-            <a:off x="247650" y="304800"/>
-            <a:ext cx="9912350" cy="914400"/>
+            <a:off x="355600" y="1828800"/>
+            <a:ext cx="9448800" cy="5791200"/>
           </a:xfrm>
+          <a:prstGeom prst="rect">
+            <a:avLst/>
+          </a:prstGeom>
+          <a:noFill/>
+          <a:ln w="9525">
+            <a:noFill/>
+            <a:miter lim="800000"/>
+            <a:headEnd/>
+            <a:tailEnd/>
+          </a:ln>
+          <a:effectLst/>
         </p:spPr>
-        <p:txBody>
-          <a:bodyPr lIns="0" tIns="0" rIns="0" bIns="0" anchor="t">
-            <a:noAutofit/>
-          </a:bodyPr>
-          <a:lstStyle/>
-          <a:p>
-            <a:pPr algn="l">
-              <a:lnSpc>
-                <a:spcPct val="95000"/>
-              </a:lnSpc>
-            </a:pPr>
-            <a:r>
-              <a:rPr lang="en-US" sz="5300" i="1" dirty="0">
-                <a:solidFill>
-                  <a:srgbClr val="DEAF0D"/>
-                </a:solidFill>
-                <a:latin typeface="Bodoni" pitchFamily="34"/>
-              </a:rPr>
-              <a:t>...but we've got a long way to go</a:t>
-            </a:r>
-          </a:p>
-        </p:txBody>
-      </p:sp>
-      <p:sp>
-        <p:nvSpPr>
-          <p:cNvPr id="15362" name="Rectangle 2"/>
-          <p:cNvSpPr>
-            <a:spLocks noGrp="1" noChangeArrowheads="1"/>
-          </p:cNvSpPr>
-          <p:nvPr>
-            <p:ph idx="1"/>
-          </p:nvPr>
-        </p:nvSpPr>
-        <p:spPr>
-          <a:xfrm>
-            <a:off x="247650" y="1828800"/>
-            <a:ext cx="9664700" cy="5486400"/>
-          </a:xfrm>
-        </p:spPr>
-        <p:txBody>
-          <a:bodyPr lIns="0" tIns="0" rIns="0" bIns="0">
-            <a:normAutofit/>
-          </a:bodyPr>
-          <a:lstStyle/>
-          <a:p>
-            <a:pPr marL="457191" lvl="1" indent="-342893">
-              <a:lnSpc>
-                <a:spcPct val="95000"/>
-              </a:lnSpc>
-              <a:spcBef>
-                <a:spcPct val="0"/>
-              </a:spcBef>
-              <a:buClr>
-                <a:srgbClr val="000000"/>
-              </a:buClr>
-              <a:buFontTx/>
-              <a:buChar char="•"/>
-            </a:pPr>
-            <a:r>
-              <a:rPr lang="en-US" sz="4400" dirty="0">
-                <a:latin typeface="Tahoma" pitchFamily="34" charset="0"/>
-                <a:ea typeface="Tahoma" pitchFamily="34" charset="0"/>
-                <a:cs typeface="Tahoma" pitchFamily="34" charset="0"/>
-              </a:rPr>
-              <a:t>things we still want to improve, expand, work </a:t>
-            </a:r>
-            <a:r>
-              <a:rPr lang="en-US" sz="4400" dirty="0" smtClean="0">
-                <a:latin typeface="Tahoma" pitchFamily="34" charset="0"/>
-                <a:ea typeface="Tahoma" pitchFamily="34" charset="0"/>
-                <a:cs typeface="Tahoma" pitchFamily="34" charset="0"/>
-              </a:rPr>
-              <a:t>on</a:t>
-            </a:r>
-          </a:p>
-          <a:p>
-            <a:pPr marL="457191" lvl="1" indent="-342893">
-              <a:lnSpc>
-                <a:spcPct val="95000"/>
-              </a:lnSpc>
-              <a:spcBef>
-                <a:spcPct val="0"/>
-              </a:spcBef>
-              <a:buClr>
-                <a:srgbClr val="000000"/>
-              </a:buClr>
-              <a:buFontTx/>
-              <a:buChar char="•"/>
-            </a:pPr>
-            <a:r>
-              <a:rPr lang="en-US" sz="4400" dirty="0" err="1" smtClean="0">
-                <a:latin typeface="Tahoma" pitchFamily="34" charset="0"/>
-                <a:ea typeface="Tahoma" pitchFamily="34" charset="0"/>
-                <a:cs typeface="Tahoma" pitchFamily="34" charset="0"/>
-              </a:rPr>
-              <a:t>heh</a:t>
-            </a:r>
-            <a:r>
-              <a:rPr lang="en-US" sz="4400" dirty="0" smtClean="0">
-                <a:latin typeface="Tahoma" pitchFamily="34" charset="0"/>
-                <a:ea typeface="Tahoma" pitchFamily="34" charset="0"/>
-                <a:cs typeface="Tahoma" pitchFamily="34" charset="0"/>
-              </a:rPr>
-              <a:t> </a:t>
-            </a:r>
-            <a:r>
-              <a:rPr lang="en-US" sz="4400" dirty="0" err="1" smtClean="0">
-                <a:latin typeface="Tahoma" pitchFamily="34" charset="0"/>
-                <a:ea typeface="Tahoma" pitchFamily="34" charset="0"/>
-                <a:cs typeface="Tahoma" pitchFamily="34" charset="0"/>
-              </a:rPr>
-              <a:t>heh</a:t>
-            </a:r>
-            <a:r>
-              <a:rPr lang="en-US" sz="4400" dirty="0" smtClean="0">
-                <a:latin typeface="Tahoma" pitchFamily="34" charset="0"/>
-                <a:ea typeface="Tahoma" pitchFamily="34" charset="0"/>
-                <a:cs typeface="Tahoma" pitchFamily="34" charset="0"/>
-              </a:rPr>
-              <a:t> we have no bugs… no bugs at all…</a:t>
-            </a:r>
-          </a:p>
-        </p:txBody>
-      </p:sp>
+      </p:pic>
     </p:spTree>
   </p:cSld>
   <p:clrMapOvr>
@@ -5849,258 +5771,24 @@
       </p:grpSpPr>
       <p:sp>
         <p:nvSpPr>
-          <p:cNvPr id="16385" name="Rectangle 1"/>
+          <p:cNvPr id="9" name="Title 8"/>
           <p:cNvSpPr>
-            <a:spLocks noGrp="1" noChangeArrowheads="1"/>
+            <a:spLocks noGrp="1"/>
           </p:cNvSpPr>
           <p:nvPr>
             <p:ph type="title"/>
           </p:nvPr>
         </p:nvSpPr>
-        <p:spPr>
-          <a:xfrm>
-            <a:off x="247650" y="304800"/>
-            <a:ext cx="9664700" cy="914400"/>
-          </a:xfrm>
-        </p:spPr>
-        <p:txBody>
-          <a:bodyPr lIns="0" tIns="0" rIns="0" bIns="0" anchor="t">
-            <a:normAutofit/>
-          </a:bodyPr>
+        <p:spPr/>
+        <p:txBody>
+          <a:bodyPr/>
           <a:lstStyle/>
           <a:p>
-            <a:pPr algn="l">
-              <a:lnSpc>
-                <a:spcPct val="95000"/>
-              </a:lnSpc>
-            </a:pPr>
-            <a:r>
-              <a:rPr lang="en-US" sz="6000" i="1" dirty="0">
-                <a:solidFill>
-                  <a:srgbClr val="DEAF0D"/>
-                </a:solidFill>
-                <a:latin typeface="Bodoni" pitchFamily="34"/>
-              </a:rPr>
-              <a:t>Acknowledgements</a:t>
-            </a:r>
-          </a:p>
-        </p:txBody>
-      </p:sp>
-      <p:sp>
-        <p:nvSpPr>
-          <p:cNvPr id="16386" name="Rectangle 2"/>
-          <p:cNvSpPr>
-            <a:spLocks noGrp="1" noChangeArrowheads="1"/>
-          </p:cNvSpPr>
-          <p:nvPr>
-            <p:ph idx="1"/>
-          </p:nvPr>
-        </p:nvSpPr>
-        <p:spPr>
-          <a:xfrm>
-            <a:off x="247650" y="2057400"/>
-            <a:ext cx="9664700" cy="5486400"/>
-          </a:xfrm>
-        </p:spPr>
-        <p:txBody>
-          <a:bodyPr lIns="0" tIns="0" rIns="0" bIns="0">
-            <a:noAutofit/>
-          </a:bodyPr>
-          <a:lstStyle/>
-          <a:p>
-            <a:pPr marL="0" indent="0" algn="ctr">
-              <a:lnSpc>
-                <a:spcPct val="150000"/>
-              </a:lnSpc>
-              <a:spcBef>
-                <a:spcPct val="0"/>
-              </a:spcBef>
-              <a:buNone/>
-            </a:pPr>
-            <a:r>
-              <a:rPr lang="en-US" sz="4400" dirty="0" smtClean="0">
-                <a:latin typeface="Tahoma" pitchFamily="34" charset="0"/>
-                <a:ea typeface="Tahoma" pitchFamily="34" charset="0"/>
-                <a:cs typeface="Tahoma" pitchFamily="34" charset="0"/>
-              </a:rPr>
-              <a:t>Prof. Kernighan</a:t>
-            </a:r>
-            <a:endParaRPr lang="en-US" sz="4400" dirty="0">
-              <a:latin typeface="Tahoma" pitchFamily="34" charset="0"/>
-              <a:ea typeface="Tahoma" pitchFamily="34" charset="0"/>
-              <a:cs typeface="Tahoma" pitchFamily="34" charset="0"/>
-            </a:endParaRPr>
-          </a:p>
-          <a:p>
-            <a:pPr marL="0" indent="0" algn="ctr">
-              <a:lnSpc>
-                <a:spcPct val="150000"/>
-              </a:lnSpc>
-              <a:spcBef>
-                <a:spcPct val="0"/>
-              </a:spcBef>
-              <a:buNone/>
-            </a:pPr>
-            <a:r>
-              <a:rPr lang="en-US" sz="4400" dirty="0" err="1">
-                <a:latin typeface="Tahoma" pitchFamily="34" charset="0"/>
-                <a:ea typeface="Tahoma" pitchFamily="34" charset="0"/>
-                <a:cs typeface="Tahoma" pitchFamily="34" charset="0"/>
-              </a:rPr>
-              <a:t>Peng</a:t>
-            </a:r>
-            <a:r>
-              <a:rPr lang="en-US" sz="4400" dirty="0">
-                <a:latin typeface="Tahoma" pitchFamily="34" charset="0"/>
-                <a:ea typeface="Tahoma" pitchFamily="34" charset="0"/>
-                <a:cs typeface="Tahoma" pitchFamily="34" charset="0"/>
-              </a:rPr>
-              <a:t> </a:t>
-            </a:r>
-            <a:r>
-              <a:rPr lang="en-US" sz="4400" dirty="0" smtClean="0">
-                <a:latin typeface="Tahoma" pitchFamily="34" charset="0"/>
-                <a:ea typeface="Tahoma" pitchFamily="34" charset="0"/>
-                <a:cs typeface="Tahoma" pitchFamily="34" charset="0"/>
-              </a:rPr>
-              <a:t>Jiang</a:t>
-            </a:r>
-            <a:endParaRPr lang="en-US" sz="4400" dirty="0">
-              <a:latin typeface="Tahoma" pitchFamily="34" charset="0"/>
-              <a:ea typeface="Tahoma" pitchFamily="34" charset="0"/>
-              <a:cs typeface="Tahoma" pitchFamily="34" charset="0"/>
-            </a:endParaRPr>
-          </a:p>
-          <a:p>
-            <a:pPr marL="0" indent="0" algn="ctr">
-              <a:lnSpc>
-                <a:spcPct val="150000"/>
-              </a:lnSpc>
-              <a:spcBef>
-                <a:spcPct val="0"/>
-              </a:spcBef>
-              <a:buNone/>
-            </a:pPr>
-            <a:r>
-              <a:rPr lang="en-US" sz="4400" dirty="0">
-                <a:latin typeface="Tahoma" pitchFamily="34" charset="0"/>
-                <a:ea typeface="Tahoma" pitchFamily="34" charset="0"/>
-                <a:cs typeface="Tahoma" pitchFamily="34" charset="0"/>
-              </a:rPr>
-              <a:t>Dr. </a:t>
-            </a:r>
-            <a:r>
-              <a:rPr lang="en-US" sz="4400" dirty="0">
-                <a:latin typeface="Tahoma" pitchFamily="34" charset="0"/>
-                <a:ea typeface="Tahoma" pitchFamily="34" charset="0"/>
-                <a:cs typeface="Tahoma" pitchFamily="34" charset="0"/>
-              </a:rPr>
-              <a:t>Robert </a:t>
-            </a:r>
-            <a:r>
-              <a:rPr lang="en-US" sz="4400" dirty="0" err="1" smtClean="0">
-                <a:latin typeface="Tahoma" pitchFamily="34" charset="0"/>
-                <a:ea typeface="Tahoma" pitchFamily="34" charset="0"/>
-                <a:cs typeface="Tahoma" pitchFamily="34" charset="0"/>
-              </a:rPr>
-              <a:t>Dondero</a:t>
-            </a:r>
-            <a:endParaRPr lang="en-US" sz="4400" dirty="0">
-              <a:latin typeface="Tahoma" pitchFamily="34" charset="0"/>
-              <a:ea typeface="Tahoma" pitchFamily="34" charset="0"/>
-              <a:cs typeface="Tahoma" pitchFamily="34" charset="0"/>
-            </a:endParaRPr>
-          </a:p>
-          <a:p>
-            <a:pPr marL="0" indent="0" algn="ctr">
-              <a:lnSpc>
-                <a:spcPct val="150000"/>
-              </a:lnSpc>
-              <a:spcBef>
-                <a:spcPct val="0"/>
-              </a:spcBef>
-              <a:buNone/>
-            </a:pPr>
-            <a:r>
-              <a:rPr lang="en-US" sz="4400" dirty="0" err="1">
-                <a:latin typeface="Tahoma" pitchFamily="34" charset="0"/>
-                <a:ea typeface="Tahoma" pitchFamily="34" charset="0"/>
-                <a:cs typeface="Tahoma" pitchFamily="34" charset="0"/>
-              </a:rPr>
-              <a:t>Gyeong-Sik</a:t>
-            </a:r>
-            <a:r>
-              <a:rPr lang="en-US" sz="4400" dirty="0">
-                <a:latin typeface="Tahoma" pitchFamily="34" charset="0"/>
-                <a:ea typeface="Tahoma" pitchFamily="34" charset="0"/>
-                <a:cs typeface="Tahoma" pitchFamily="34" charset="0"/>
-              </a:rPr>
-              <a:t> </a:t>
-            </a:r>
-            <a:r>
-              <a:rPr lang="en-US" sz="4400" dirty="0" err="1">
-                <a:latin typeface="Tahoma" pitchFamily="34" charset="0"/>
-                <a:ea typeface="Tahoma" pitchFamily="34" charset="0"/>
-                <a:cs typeface="Tahoma" pitchFamily="34" charset="0"/>
-              </a:rPr>
-              <a:t>Choi</a:t>
-            </a:r>
-            <a:r>
-              <a:rPr lang="en-US" sz="4400" dirty="0">
-                <a:latin typeface="Tahoma" pitchFamily="34" charset="0"/>
-                <a:ea typeface="Tahoma" pitchFamily="34" charset="0"/>
-                <a:cs typeface="Tahoma" pitchFamily="34" charset="0"/>
-              </a:rPr>
-              <a:t> &amp; </a:t>
-            </a:r>
-            <a:r>
-              <a:rPr lang="en-US" sz="4400" dirty="0" smtClean="0">
-                <a:latin typeface="Tahoma" pitchFamily="34" charset="0"/>
-                <a:ea typeface="Tahoma" pitchFamily="34" charset="0"/>
-                <a:cs typeface="Tahoma" pitchFamily="34" charset="0"/>
-              </a:rPr>
-              <a:t>our </a:t>
-            </a:r>
-            <a:r>
-              <a:rPr lang="en-US" sz="4400" dirty="0" err="1" smtClean="0">
-                <a:latin typeface="Tahoma" pitchFamily="34" charset="0"/>
-                <a:ea typeface="Tahoma" pitchFamily="34" charset="0"/>
-                <a:cs typeface="Tahoma" pitchFamily="34" charset="0"/>
-              </a:rPr>
-              <a:t>Frist</a:t>
-            </a:r>
-            <a:r>
-              <a:rPr lang="en-US" sz="4400" dirty="0" smtClean="0">
-                <a:latin typeface="Tahoma" pitchFamily="34" charset="0"/>
-                <a:ea typeface="Tahoma" pitchFamily="34" charset="0"/>
-                <a:cs typeface="Tahoma" pitchFamily="34" charset="0"/>
-              </a:rPr>
-              <a:t> cohorts</a:t>
-            </a:r>
-            <a:endParaRPr lang="en-US" sz="4400" dirty="0">
-              <a:latin typeface="Tahoma" pitchFamily="34" charset="0"/>
-              <a:ea typeface="Tahoma" pitchFamily="34" charset="0"/>
-              <a:cs typeface="Tahoma" pitchFamily="34" charset="0"/>
-            </a:endParaRPr>
-          </a:p>
-          <a:p>
-            <a:pPr marL="0" indent="0" algn="ctr">
-              <a:lnSpc>
-                <a:spcPct val="150000"/>
-              </a:lnSpc>
-              <a:spcBef>
-                <a:spcPct val="0"/>
-              </a:spcBef>
-              <a:buNone/>
-            </a:pPr>
-            <a:r>
-              <a:rPr lang="en-US" sz="4400" dirty="0">
-                <a:latin typeface="Tahoma" pitchFamily="34" charset="0"/>
-                <a:ea typeface="Tahoma" pitchFamily="34" charset="0"/>
-                <a:cs typeface="Tahoma" pitchFamily="34" charset="0"/>
-              </a:rPr>
-              <a:t>You!</a:t>
-            </a:r>
+            <a:r>
+              <a:rPr lang="en-US" dirty="0" err="1" smtClean="0"/>
+              <a:t>Pyjamas</a:t>
+            </a:r>
+            <a:endParaRPr lang="en-US" dirty="0"/>
           </a:p>
         </p:txBody>
       </p:sp>
@@ -6138,6 +5826,985 @@
       </p:grpSpPr>
       <p:sp>
         <p:nvSpPr>
+          <p:cNvPr id="9" name="Content Placeholder 8"/>
+          <p:cNvSpPr>
+            <a:spLocks noGrp="1"/>
+          </p:cNvSpPr>
+          <p:nvPr>
+            <p:ph idx="1"/>
+          </p:nvPr>
+        </p:nvSpPr>
+        <p:spPr/>
+        <p:txBody>
+          <a:bodyPr/>
+          <a:lstStyle/>
+          <a:p>
+            <a:r>
+              <a:rPr lang="en-US" dirty="0" smtClean="0"/>
+              <a:t>prepare a very simple demo illustrating main functionality and 1-2 nice things; do not get too detailed or include anything that might break</a:t>
+            </a:r>
+            <a:endParaRPr lang="en-US" dirty="0"/>
+          </a:p>
+        </p:txBody>
+      </p:sp>
+      <p:sp>
+        <p:nvSpPr>
+          <p:cNvPr id="13317" name="Text Box 5"/>
+          <p:cNvSpPr txBox="1">
+            <a:spLocks noChangeArrowheads="1"/>
+          </p:cNvSpPr>
+          <p:nvPr/>
+        </p:nvSpPr>
+        <p:spPr bwMode="auto">
+          <a:xfrm>
+            <a:off x="1041400" y="4572000"/>
+            <a:ext cx="8229600" cy="2763064"/>
+          </a:xfrm>
+          <a:prstGeom prst="rect">
+            <a:avLst/>
+          </a:prstGeom>
+          <a:noFill/>
+          <a:ln w="9525">
+            <a:noFill/>
+            <a:miter lim="800000"/>
+            <a:headEnd/>
+            <a:tailEnd/>
+          </a:ln>
+          <a:effectLst/>
+        </p:spPr>
+        <p:txBody>
+          <a:bodyPr wrap="square" lIns="0" tIns="0" rIns="0" bIns="0">
+            <a:spAutoFit/>
+          </a:bodyPr>
+          <a:lstStyle/>
+          <a:p>
+            <a:pPr>
+              <a:lnSpc>
+                <a:spcPct val="95000"/>
+              </a:lnSpc>
+            </a:pPr>
+            <a:r>
+              <a:rPr lang="en-US" sz="2700" dirty="0">
+                <a:latin typeface="Arial" pitchFamily="34" charset="0"/>
+              </a:rPr>
+              <a:t>probably: </a:t>
+            </a:r>
+            <a:endParaRPr lang="en-US" dirty="0"/>
+          </a:p>
+          <a:p>
+            <a:pPr lvl="1" indent="-342893">
+              <a:lnSpc>
+                <a:spcPct val="95000"/>
+              </a:lnSpc>
+              <a:buClr>
+                <a:srgbClr val="000000"/>
+              </a:buClr>
+              <a:buSzPct val="100000"/>
+              <a:buFontTx/>
+              <a:buAutoNum type="arabicPeriod"/>
+            </a:pPr>
+            <a:r>
+              <a:rPr lang="en-US" sz="2700" dirty="0">
+                <a:latin typeface="Arial" pitchFamily="34" charset="0"/>
+              </a:rPr>
+              <a:t>write a basic hello world in your </a:t>
+            </a:r>
+            <a:r>
+              <a:rPr lang="en-US" sz="2700" dirty="0" err="1">
+                <a:latin typeface="Arial" pitchFamily="34" charset="0"/>
+              </a:rPr>
+              <a:t>fav</a:t>
+            </a:r>
+            <a:r>
+              <a:rPr lang="en-US" sz="2700" dirty="0">
+                <a:latin typeface="Arial" pitchFamily="34" charset="0"/>
+              </a:rPr>
+              <a:t> </a:t>
+            </a:r>
+            <a:r>
+              <a:rPr lang="en-US" sz="2700" dirty="0" err="1">
+                <a:latin typeface="Arial" pitchFamily="34" charset="0"/>
+              </a:rPr>
+              <a:t>lang</a:t>
+            </a:r>
+            <a:r>
+              <a:rPr lang="en-US" sz="2700" dirty="0">
+                <a:latin typeface="Arial" pitchFamily="34" charset="0"/>
+              </a:rPr>
+              <a:t>, </a:t>
+            </a:r>
+            <a:r>
+              <a:rPr lang="en-US" sz="2700" dirty="0" err="1">
+                <a:latin typeface="Arial" pitchFamily="34" charset="0"/>
+              </a:rPr>
+              <a:t>yay</a:t>
+            </a:r>
+            <a:r>
+              <a:rPr lang="en-US" sz="2700" dirty="0">
+                <a:latin typeface="Arial" pitchFamily="34" charset="0"/>
+              </a:rPr>
+              <a:t> both computers can see</a:t>
+            </a:r>
+            <a:endParaRPr lang="en-US" dirty="0"/>
+          </a:p>
+          <a:p>
+            <a:pPr lvl="1" indent="-342893">
+              <a:lnSpc>
+                <a:spcPct val="95000"/>
+              </a:lnSpc>
+              <a:buClr>
+                <a:srgbClr val="000000"/>
+              </a:buClr>
+              <a:buSzPct val="100000"/>
+              <a:buFontTx/>
+              <a:buAutoNum type="arabicPeriod"/>
+            </a:pPr>
+            <a:r>
+              <a:rPr lang="en-US" sz="2700" dirty="0">
+                <a:latin typeface="Arial" pitchFamily="34" charset="0"/>
+              </a:rPr>
+              <a:t>(if this is smooth enough, switch drivers)</a:t>
+            </a:r>
+            <a:endParaRPr lang="en-US" dirty="0"/>
+          </a:p>
+          <a:p>
+            <a:pPr lvl="1" indent="-342893">
+              <a:lnSpc>
+                <a:spcPct val="95000"/>
+              </a:lnSpc>
+              <a:buClr>
+                <a:srgbClr val="000000"/>
+              </a:buClr>
+              <a:buSzPct val="100000"/>
+              <a:buFontTx/>
+              <a:buAutoNum type="arabicPeriod"/>
+            </a:pPr>
+            <a:r>
+              <a:rPr lang="en-US" sz="2700" dirty="0">
+                <a:latin typeface="Arial" pitchFamily="34" charset="0"/>
+              </a:rPr>
+              <a:t>compile and run, </a:t>
+            </a:r>
+            <a:r>
+              <a:rPr lang="en-US" sz="2700" dirty="0" err="1">
+                <a:latin typeface="Arial" pitchFamily="34" charset="0"/>
+              </a:rPr>
+              <a:t>yay</a:t>
+            </a:r>
+            <a:r>
+              <a:rPr lang="en-US" sz="2700" dirty="0">
+                <a:latin typeface="Arial" pitchFamily="34" charset="0"/>
+              </a:rPr>
+              <a:t> it works</a:t>
+            </a:r>
+            <a:endParaRPr lang="en-US" dirty="0"/>
+          </a:p>
+          <a:p>
+            <a:pPr lvl="1" indent="-342893">
+              <a:lnSpc>
+                <a:spcPct val="95000"/>
+              </a:lnSpc>
+              <a:buClr>
+                <a:srgbClr val="000000"/>
+              </a:buClr>
+              <a:buSzPct val="100000"/>
+              <a:buFontTx/>
+              <a:buAutoNum type="arabicPeriod"/>
+            </a:pPr>
+            <a:r>
+              <a:rPr lang="en-US" sz="2700" dirty="0">
+                <a:latin typeface="Arial" pitchFamily="34" charset="0"/>
+              </a:rPr>
+              <a:t>use text chat a little ("hi mom!")</a:t>
+            </a:r>
+            <a:endParaRPr lang="en-US" dirty="0"/>
+          </a:p>
+          <a:p>
+            <a:pPr lvl="1" indent="-342893">
+              <a:lnSpc>
+                <a:spcPct val="95000"/>
+              </a:lnSpc>
+              <a:buClr>
+                <a:srgbClr val="000000"/>
+              </a:buClr>
+              <a:buSzPct val="100000"/>
+              <a:buFontTx/>
+              <a:buAutoNum type="arabicPeriod"/>
+            </a:pPr>
+            <a:r>
+              <a:rPr lang="en-US" sz="2700" dirty="0">
+                <a:latin typeface="Arial" pitchFamily="34" charset="0"/>
+              </a:rPr>
+              <a:t>save and quit</a:t>
+            </a:r>
+          </a:p>
+        </p:txBody>
+      </p:sp>
+      <p:sp>
+        <p:nvSpPr>
+          <p:cNvPr id="10" name="Title 9"/>
+          <p:cNvSpPr>
+            <a:spLocks noGrp="1"/>
+          </p:cNvSpPr>
+          <p:nvPr>
+            <p:ph type="title"/>
+          </p:nvPr>
+        </p:nvSpPr>
+        <p:spPr/>
+        <p:txBody>
+          <a:bodyPr/>
+          <a:lstStyle/>
+          <a:p>
+            <a:r>
+              <a:rPr lang="en-US" dirty="0" smtClean="0"/>
+              <a:t>Demo</a:t>
+            </a:r>
+            <a:endParaRPr lang="en-US" dirty="0"/>
+          </a:p>
+        </p:txBody>
+      </p:sp>
+    </p:spTree>
+  </p:cSld>
+  <p:clrMapOvr>
+    <a:masterClrMapping/>
+  </p:clrMapOvr>
+  <p:timing>
+    <p:tnLst>
+      <p:par>
+        <p:cTn id="1" dur="indefinite" restart="never" nodeType="tmRoot"/>
+      </p:par>
+    </p:tnLst>
+  </p:timing>
+</p:sld>
+</file>
+
+<file path=ppt/slides/slide13.xml><?xml version="1.0" encoding="utf-8"?>
+<p:sld xmlns:a="http://schemas.openxmlformats.org/drawingml/2006/main" xmlns:r="http://schemas.openxmlformats.org/officeDocument/2006/relationships" xmlns:p="http://schemas.openxmlformats.org/presentationml/2006/main">
+  <p:cSld>
+    <p:spTree>
+      <p:nvGrpSpPr>
+        <p:cNvPr id="1" name=""/>
+        <p:cNvGrpSpPr/>
+        <p:nvPr/>
+      </p:nvGrpSpPr>
+      <p:grpSpPr>
+        <a:xfrm>
+          <a:off x="0" y="0"/>
+          <a:ext cx="0" cy="0"/>
+          <a:chOff x="0" y="0"/>
+          <a:chExt cx="0" cy="0"/>
+        </a:xfrm>
+      </p:grpSpPr>
+      <p:sp>
+        <p:nvSpPr>
+          <p:cNvPr id="14337" name="Rectangle 1"/>
+          <p:cNvSpPr>
+            <a:spLocks noGrp="1" noChangeArrowheads="1"/>
+          </p:cNvSpPr>
+          <p:nvPr>
+            <p:ph type="title"/>
+          </p:nvPr>
+        </p:nvSpPr>
+        <p:spPr>
+          <a:xfrm>
+            <a:off x="247650" y="304800"/>
+            <a:ext cx="9664700" cy="914400"/>
+          </a:xfrm>
+        </p:spPr>
+        <p:txBody>
+          <a:bodyPr lIns="0" tIns="0" rIns="0" bIns="0" anchor="t">
+            <a:normAutofit/>
+          </a:bodyPr>
+          <a:lstStyle/>
+          <a:p>
+            <a:pPr algn="l">
+              <a:lnSpc>
+                <a:spcPct val="95000"/>
+              </a:lnSpc>
+            </a:pPr>
+            <a:r>
+              <a:rPr lang="en-US" sz="6000" i="1" dirty="0">
+                <a:solidFill>
+                  <a:srgbClr val="DEAF0D"/>
+                </a:solidFill>
+                <a:latin typeface="Bodoni" pitchFamily="34"/>
+              </a:rPr>
+              <a:t>We've come a long way...</a:t>
+            </a:r>
+          </a:p>
+        </p:txBody>
+      </p:sp>
+      <p:sp>
+        <p:nvSpPr>
+          <p:cNvPr id="14338" name="Rectangle 2"/>
+          <p:cNvSpPr>
+            <a:spLocks noGrp="1" noChangeArrowheads="1"/>
+          </p:cNvSpPr>
+          <p:nvPr>
+            <p:ph idx="1"/>
+          </p:nvPr>
+        </p:nvSpPr>
+        <p:spPr>
+          <a:xfrm>
+            <a:off x="247650" y="1828800"/>
+            <a:ext cx="9664700" cy="5486400"/>
+          </a:xfrm>
+        </p:spPr>
+        <p:txBody>
+          <a:bodyPr lIns="0" tIns="0" rIns="0" bIns="0">
+            <a:normAutofit/>
+          </a:bodyPr>
+          <a:lstStyle/>
+          <a:p>
+            <a:pPr marL="457191" lvl="1" indent="-342893">
+              <a:lnSpc>
+                <a:spcPct val="95000"/>
+              </a:lnSpc>
+              <a:spcBef>
+                <a:spcPct val="0"/>
+              </a:spcBef>
+              <a:buClr>
+                <a:srgbClr val="000000"/>
+              </a:buClr>
+              <a:buFontTx/>
+              <a:buChar char="•"/>
+            </a:pPr>
+            <a:r>
+              <a:rPr lang="en-US" sz="4400" dirty="0" smtClean="0">
+                <a:latin typeface="Tahoma" pitchFamily="34" charset="0"/>
+                <a:ea typeface="Tahoma" pitchFamily="34" charset="0"/>
+                <a:cs typeface="Tahoma" pitchFamily="34" charset="0"/>
+              </a:rPr>
+              <a:t>Documentation</a:t>
+            </a:r>
+          </a:p>
+          <a:p>
+            <a:pPr marL="457191" lvl="1" indent="-342893">
+              <a:lnSpc>
+                <a:spcPct val="95000"/>
+              </a:lnSpc>
+              <a:spcBef>
+                <a:spcPct val="0"/>
+              </a:spcBef>
+              <a:buClr>
+                <a:srgbClr val="000000"/>
+              </a:buClr>
+              <a:buFontTx/>
+              <a:buChar char="•"/>
+            </a:pPr>
+            <a:r>
+              <a:rPr lang="en-US" sz="4400" dirty="0" smtClean="0">
+                <a:latin typeface="Tahoma" pitchFamily="34" charset="0"/>
+                <a:ea typeface="Tahoma" pitchFamily="34" charset="0"/>
+                <a:cs typeface="Tahoma" pitchFamily="34" charset="0"/>
+              </a:rPr>
+              <a:t>Be cautious using new things</a:t>
+            </a:r>
+          </a:p>
+          <a:p>
+            <a:pPr marL="457191" lvl="1" indent="-342893">
+              <a:lnSpc>
+                <a:spcPct val="95000"/>
+              </a:lnSpc>
+              <a:spcBef>
+                <a:spcPct val="0"/>
+              </a:spcBef>
+              <a:buClr>
+                <a:srgbClr val="000000"/>
+              </a:buClr>
+              <a:buFontTx/>
+              <a:buChar char="•"/>
+            </a:pPr>
+            <a:r>
+              <a:rPr lang="en-US" sz="4400" dirty="0" smtClean="0">
+                <a:latin typeface="Tahoma" pitchFamily="34" charset="0"/>
+                <a:ea typeface="Tahoma" pitchFamily="34" charset="0"/>
+                <a:cs typeface="Tahoma" pitchFamily="34" charset="0"/>
+              </a:rPr>
+              <a:t>Communication</a:t>
+            </a:r>
+          </a:p>
+          <a:p>
+            <a:pPr marL="457191" lvl="1" indent="-342893">
+              <a:lnSpc>
+                <a:spcPct val="95000"/>
+              </a:lnSpc>
+              <a:spcBef>
+                <a:spcPct val="0"/>
+              </a:spcBef>
+              <a:buClr>
+                <a:srgbClr val="000000"/>
+              </a:buClr>
+              <a:buFontTx/>
+              <a:buChar char="•"/>
+            </a:pPr>
+            <a:r>
+              <a:rPr lang="en-US" sz="4400" dirty="0" smtClean="0">
+                <a:latin typeface="Tahoma" pitchFamily="34" charset="0"/>
+                <a:ea typeface="Tahoma" pitchFamily="34" charset="0"/>
+                <a:cs typeface="Tahoma" pitchFamily="34" charset="0"/>
+              </a:rPr>
+              <a:t>SVN</a:t>
+            </a:r>
+          </a:p>
+          <a:p>
+            <a:pPr marL="457191" lvl="1" indent="-342893">
+              <a:lnSpc>
+                <a:spcPct val="95000"/>
+              </a:lnSpc>
+              <a:spcBef>
+                <a:spcPct val="0"/>
+              </a:spcBef>
+              <a:buClr>
+                <a:srgbClr val="000000"/>
+              </a:buClr>
+              <a:buFontTx/>
+              <a:buChar char="•"/>
+            </a:pPr>
+            <a:r>
+              <a:rPr lang="en-US" sz="4400" dirty="0" smtClean="0">
+                <a:latin typeface="Tahoma" pitchFamily="34" charset="0"/>
+                <a:ea typeface="Tahoma" pitchFamily="34" charset="0"/>
+                <a:cs typeface="Tahoma" pitchFamily="34" charset="0"/>
+              </a:rPr>
+              <a:t>Take breaks</a:t>
+            </a:r>
+          </a:p>
+          <a:p>
+            <a:pPr marL="457191" lvl="1" indent="-342893">
+              <a:lnSpc>
+                <a:spcPct val="95000"/>
+              </a:lnSpc>
+              <a:spcBef>
+                <a:spcPct val="0"/>
+              </a:spcBef>
+              <a:buClr>
+                <a:srgbClr val="000000"/>
+              </a:buClr>
+              <a:buFontTx/>
+              <a:buChar char="•"/>
+            </a:pPr>
+            <a:r>
+              <a:rPr lang="en-US" sz="4400" dirty="0" smtClean="0">
+                <a:latin typeface="Tahoma" pitchFamily="34" charset="0"/>
+                <a:ea typeface="Tahoma" pitchFamily="34" charset="0"/>
+                <a:cs typeface="Tahoma" pitchFamily="34" charset="0"/>
+              </a:rPr>
+              <a:t>Open source</a:t>
+            </a:r>
+          </a:p>
+          <a:p>
+            <a:pPr marL="751828" lvl="2" indent="-342893">
+              <a:lnSpc>
+                <a:spcPct val="95000"/>
+              </a:lnSpc>
+              <a:spcBef>
+                <a:spcPct val="0"/>
+              </a:spcBef>
+              <a:buClr>
+                <a:srgbClr val="000000"/>
+              </a:buClr>
+              <a:buFontTx/>
+              <a:buChar char="•"/>
+            </a:pPr>
+            <a:r>
+              <a:rPr lang="en-US" sz="4000" dirty="0" smtClean="0">
+                <a:latin typeface="Tahoma" pitchFamily="34" charset="0"/>
+                <a:ea typeface="Tahoma" pitchFamily="34" charset="0"/>
+                <a:cs typeface="Tahoma" pitchFamily="34" charset="0"/>
+              </a:rPr>
+              <a:t>Don’t be afraid of the French</a:t>
+            </a:r>
+          </a:p>
+        </p:txBody>
+      </p:sp>
+    </p:spTree>
+  </p:cSld>
+  <p:clrMapOvr>
+    <a:masterClrMapping/>
+  </p:clrMapOvr>
+  <p:timing>
+    <p:tnLst>
+      <p:par>
+        <p:cTn id="1" dur="indefinite" restart="never" nodeType="tmRoot"/>
+      </p:par>
+    </p:tnLst>
+  </p:timing>
+</p:sld>
+</file>
+
+<file path=ppt/slides/slide14.xml><?xml version="1.0" encoding="utf-8"?>
+<p:sld xmlns:a="http://schemas.openxmlformats.org/drawingml/2006/main" xmlns:r="http://schemas.openxmlformats.org/officeDocument/2006/relationships" xmlns:p="http://schemas.openxmlformats.org/presentationml/2006/main">
+  <p:cSld>
+    <p:spTree>
+      <p:nvGrpSpPr>
+        <p:cNvPr id="1" name=""/>
+        <p:cNvGrpSpPr/>
+        <p:nvPr/>
+      </p:nvGrpSpPr>
+      <p:grpSpPr>
+        <a:xfrm>
+          <a:off x="0" y="0"/>
+          <a:ext cx="0" cy="0"/>
+          <a:chOff x="0" y="0"/>
+          <a:chExt cx="0" cy="0"/>
+        </a:xfrm>
+      </p:grpSpPr>
+      <p:sp>
+        <p:nvSpPr>
+          <p:cNvPr id="15361" name="Rectangle 1"/>
+          <p:cNvSpPr>
+            <a:spLocks noGrp="1" noChangeArrowheads="1"/>
+          </p:cNvSpPr>
+          <p:nvPr>
+            <p:ph type="title"/>
+          </p:nvPr>
+        </p:nvSpPr>
+        <p:spPr>
+          <a:xfrm>
+            <a:off x="247650" y="304800"/>
+            <a:ext cx="9912350" cy="914400"/>
+          </a:xfrm>
+        </p:spPr>
+        <p:txBody>
+          <a:bodyPr lIns="0" tIns="0" rIns="0" bIns="0" anchor="t">
+            <a:noAutofit/>
+          </a:bodyPr>
+          <a:lstStyle/>
+          <a:p>
+            <a:pPr algn="l">
+              <a:lnSpc>
+                <a:spcPct val="95000"/>
+              </a:lnSpc>
+            </a:pPr>
+            <a:r>
+              <a:rPr lang="en-US" sz="5300" i="1" dirty="0">
+                <a:solidFill>
+                  <a:srgbClr val="DEAF0D"/>
+                </a:solidFill>
+                <a:latin typeface="Bodoni" pitchFamily="34"/>
+              </a:rPr>
+              <a:t>...but we've got a long way to go</a:t>
+            </a:r>
+          </a:p>
+        </p:txBody>
+      </p:sp>
+      <p:sp>
+        <p:nvSpPr>
+          <p:cNvPr id="15362" name="Rectangle 2"/>
+          <p:cNvSpPr>
+            <a:spLocks noGrp="1" noChangeArrowheads="1"/>
+          </p:cNvSpPr>
+          <p:nvPr>
+            <p:ph idx="1"/>
+          </p:nvPr>
+        </p:nvSpPr>
+        <p:spPr>
+          <a:xfrm>
+            <a:off x="247650" y="1828800"/>
+            <a:ext cx="9664700" cy="5486400"/>
+          </a:xfrm>
+        </p:spPr>
+        <p:txBody>
+          <a:bodyPr lIns="0" tIns="0" rIns="0" bIns="0">
+            <a:normAutofit/>
+          </a:bodyPr>
+          <a:lstStyle/>
+          <a:p>
+            <a:pPr marL="457191" lvl="1" indent="-342893">
+              <a:lnSpc>
+                <a:spcPct val="95000"/>
+              </a:lnSpc>
+              <a:spcBef>
+                <a:spcPct val="0"/>
+              </a:spcBef>
+              <a:buClr>
+                <a:srgbClr val="000000"/>
+              </a:buClr>
+              <a:buFontTx/>
+              <a:buChar char="•"/>
+            </a:pPr>
+            <a:r>
+              <a:rPr lang="en-US" sz="4400" dirty="0">
+                <a:latin typeface="Tahoma" pitchFamily="34" charset="0"/>
+                <a:ea typeface="Tahoma" pitchFamily="34" charset="0"/>
+                <a:cs typeface="Tahoma" pitchFamily="34" charset="0"/>
+              </a:rPr>
+              <a:t>things we still want to improve, expand, work </a:t>
+            </a:r>
+            <a:r>
+              <a:rPr lang="en-US" sz="4400" dirty="0" smtClean="0">
+                <a:latin typeface="Tahoma" pitchFamily="34" charset="0"/>
+                <a:ea typeface="Tahoma" pitchFamily="34" charset="0"/>
+                <a:cs typeface="Tahoma" pitchFamily="34" charset="0"/>
+              </a:rPr>
+              <a:t>on</a:t>
+            </a:r>
+          </a:p>
+          <a:p>
+            <a:pPr marL="457191" lvl="1" indent="-342893">
+              <a:lnSpc>
+                <a:spcPct val="95000"/>
+              </a:lnSpc>
+              <a:spcBef>
+                <a:spcPct val="0"/>
+              </a:spcBef>
+              <a:buClr>
+                <a:srgbClr val="000000"/>
+              </a:buClr>
+              <a:buFontTx/>
+              <a:buChar char="•"/>
+            </a:pPr>
+            <a:r>
+              <a:rPr lang="en-US" sz="4400" dirty="0" err="1" smtClean="0">
+                <a:latin typeface="Tahoma" pitchFamily="34" charset="0"/>
+                <a:ea typeface="Tahoma" pitchFamily="34" charset="0"/>
+                <a:cs typeface="Tahoma" pitchFamily="34" charset="0"/>
+              </a:rPr>
+              <a:t>heh</a:t>
+            </a:r>
+            <a:r>
+              <a:rPr lang="en-US" sz="4400" dirty="0" smtClean="0">
+                <a:latin typeface="Tahoma" pitchFamily="34" charset="0"/>
+                <a:ea typeface="Tahoma" pitchFamily="34" charset="0"/>
+                <a:cs typeface="Tahoma" pitchFamily="34" charset="0"/>
+              </a:rPr>
+              <a:t> </a:t>
+            </a:r>
+            <a:r>
+              <a:rPr lang="en-US" sz="4400" dirty="0" err="1" smtClean="0">
+                <a:latin typeface="Tahoma" pitchFamily="34" charset="0"/>
+                <a:ea typeface="Tahoma" pitchFamily="34" charset="0"/>
+                <a:cs typeface="Tahoma" pitchFamily="34" charset="0"/>
+              </a:rPr>
+              <a:t>heh</a:t>
+            </a:r>
+            <a:r>
+              <a:rPr lang="en-US" sz="4400" dirty="0" smtClean="0">
+                <a:latin typeface="Tahoma" pitchFamily="34" charset="0"/>
+                <a:ea typeface="Tahoma" pitchFamily="34" charset="0"/>
+                <a:cs typeface="Tahoma" pitchFamily="34" charset="0"/>
+              </a:rPr>
+              <a:t> we have no bugs… no bugs at all…</a:t>
+            </a:r>
+          </a:p>
+        </p:txBody>
+      </p:sp>
+    </p:spTree>
+  </p:cSld>
+  <p:clrMapOvr>
+    <a:masterClrMapping/>
+  </p:clrMapOvr>
+  <p:timing>
+    <p:tnLst>
+      <p:par>
+        <p:cTn id="1" dur="indefinite" restart="never" nodeType="tmRoot"/>
+      </p:par>
+    </p:tnLst>
+  </p:timing>
+</p:sld>
+</file>
+
+<file path=ppt/slides/slide15.xml><?xml version="1.0" encoding="utf-8"?>
+<p:sld xmlns:a="http://schemas.openxmlformats.org/drawingml/2006/main" xmlns:r="http://schemas.openxmlformats.org/officeDocument/2006/relationships" xmlns:p="http://schemas.openxmlformats.org/presentationml/2006/main">
+  <p:cSld>
+    <p:spTree>
+      <p:nvGrpSpPr>
+        <p:cNvPr id="1" name=""/>
+        <p:cNvGrpSpPr/>
+        <p:nvPr/>
+      </p:nvGrpSpPr>
+      <p:grpSpPr>
+        <a:xfrm>
+          <a:off x="0" y="0"/>
+          <a:ext cx="0" cy="0"/>
+          <a:chOff x="0" y="0"/>
+          <a:chExt cx="0" cy="0"/>
+        </a:xfrm>
+      </p:grpSpPr>
+      <p:sp>
+        <p:nvSpPr>
+          <p:cNvPr id="16385" name="Rectangle 1"/>
+          <p:cNvSpPr>
+            <a:spLocks noGrp="1" noChangeArrowheads="1"/>
+          </p:cNvSpPr>
+          <p:nvPr>
+            <p:ph type="title"/>
+          </p:nvPr>
+        </p:nvSpPr>
+        <p:spPr>
+          <a:xfrm>
+            <a:off x="247650" y="304800"/>
+            <a:ext cx="9664700" cy="914400"/>
+          </a:xfrm>
+        </p:spPr>
+        <p:txBody>
+          <a:bodyPr lIns="0" tIns="0" rIns="0" bIns="0" anchor="t">
+            <a:normAutofit/>
+          </a:bodyPr>
+          <a:lstStyle/>
+          <a:p>
+            <a:pPr algn="l">
+              <a:lnSpc>
+                <a:spcPct val="95000"/>
+              </a:lnSpc>
+            </a:pPr>
+            <a:r>
+              <a:rPr lang="en-US" sz="6000" i="1" dirty="0">
+                <a:solidFill>
+                  <a:srgbClr val="DEAF0D"/>
+                </a:solidFill>
+                <a:latin typeface="Bodoni" pitchFamily="34"/>
+              </a:rPr>
+              <a:t>Acknowledgements</a:t>
+            </a:r>
+          </a:p>
+        </p:txBody>
+      </p:sp>
+      <p:sp>
+        <p:nvSpPr>
+          <p:cNvPr id="16386" name="Rectangle 2"/>
+          <p:cNvSpPr>
+            <a:spLocks noGrp="1" noChangeArrowheads="1"/>
+          </p:cNvSpPr>
+          <p:nvPr>
+            <p:ph idx="1"/>
+          </p:nvPr>
+        </p:nvSpPr>
+        <p:spPr>
+          <a:xfrm>
+            <a:off x="247650" y="2057400"/>
+            <a:ext cx="9664700" cy="5486400"/>
+          </a:xfrm>
+        </p:spPr>
+        <p:txBody>
+          <a:bodyPr lIns="0" tIns="0" rIns="0" bIns="0">
+            <a:noAutofit/>
+          </a:bodyPr>
+          <a:lstStyle/>
+          <a:p>
+            <a:pPr marL="0" indent="0" algn="ctr">
+              <a:lnSpc>
+                <a:spcPct val="150000"/>
+              </a:lnSpc>
+              <a:spcBef>
+                <a:spcPct val="0"/>
+              </a:spcBef>
+              <a:buNone/>
+            </a:pPr>
+            <a:r>
+              <a:rPr lang="en-US" sz="4400" dirty="0" smtClean="0">
+                <a:latin typeface="Tahoma" pitchFamily="34" charset="0"/>
+                <a:ea typeface="Tahoma" pitchFamily="34" charset="0"/>
+                <a:cs typeface="Tahoma" pitchFamily="34" charset="0"/>
+              </a:rPr>
+              <a:t>Prof. Kernighan</a:t>
+            </a:r>
+            <a:endParaRPr lang="en-US" sz="4400" dirty="0">
+              <a:latin typeface="Tahoma" pitchFamily="34" charset="0"/>
+              <a:ea typeface="Tahoma" pitchFamily="34" charset="0"/>
+              <a:cs typeface="Tahoma" pitchFamily="34" charset="0"/>
+            </a:endParaRPr>
+          </a:p>
+          <a:p>
+            <a:pPr marL="0" indent="0" algn="ctr">
+              <a:lnSpc>
+                <a:spcPct val="150000"/>
+              </a:lnSpc>
+              <a:spcBef>
+                <a:spcPct val="0"/>
+              </a:spcBef>
+              <a:buNone/>
+            </a:pPr>
+            <a:r>
+              <a:rPr lang="en-US" sz="4400" dirty="0" err="1">
+                <a:latin typeface="Tahoma" pitchFamily="34" charset="0"/>
+                <a:ea typeface="Tahoma" pitchFamily="34" charset="0"/>
+                <a:cs typeface="Tahoma" pitchFamily="34" charset="0"/>
+              </a:rPr>
+              <a:t>Peng</a:t>
+            </a:r>
+            <a:r>
+              <a:rPr lang="en-US" sz="4400" dirty="0">
+                <a:latin typeface="Tahoma" pitchFamily="34" charset="0"/>
+                <a:ea typeface="Tahoma" pitchFamily="34" charset="0"/>
+                <a:cs typeface="Tahoma" pitchFamily="34" charset="0"/>
+              </a:rPr>
+              <a:t> </a:t>
+            </a:r>
+            <a:r>
+              <a:rPr lang="en-US" sz="4400" dirty="0" smtClean="0">
+                <a:latin typeface="Tahoma" pitchFamily="34" charset="0"/>
+                <a:ea typeface="Tahoma" pitchFamily="34" charset="0"/>
+                <a:cs typeface="Tahoma" pitchFamily="34" charset="0"/>
+              </a:rPr>
+              <a:t>Jiang</a:t>
+            </a:r>
+            <a:endParaRPr lang="en-US" sz="4400" dirty="0">
+              <a:latin typeface="Tahoma" pitchFamily="34" charset="0"/>
+              <a:ea typeface="Tahoma" pitchFamily="34" charset="0"/>
+              <a:cs typeface="Tahoma" pitchFamily="34" charset="0"/>
+            </a:endParaRPr>
+          </a:p>
+          <a:p>
+            <a:pPr marL="0" indent="0" algn="ctr">
+              <a:lnSpc>
+                <a:spcPct val="150000"/>
+              </a:lnSpc>
+              <a:spcBef>
+                <a:spcPct val="0"/>
+              </a:spcBef>
+              <a:buNone/>
+            </a:pPr>
+            <a:r>
+              <a:rPr lang="en-US" sz="4400" dirty="0">
+                <a:latin typeface="Tahoma" pitchFamily="34" charset="0"/>
+                <a:ea typeface="Tahoma" pitchFamily="34" charset="0"/>
+                <a:cs typeface="Tahoma" pitchFamily="34" charset="0"/>
+              </a:rPr>
+              <a:t>Dr. Robert </a:t>
+            </a:r>
+            <a:r>
+              <a:rPr lang="en-US" sz="4400" dirty="0" err="1" smtClean="0">
+                <a:latin typeface="Tahoma" pitchFamily="34" charset="0"/>
+                <a:ea typeface="Tahoma" pitchFamily="34" charset="0"/>
+                <a:cs typeface="Tahoma" pitchFamily="34" charset="0"/>
+              </a:rPr>
+              <a:t>Dondero</a:t>
+            </a:r>
+            <a:endParaRPr lang="en-US" sz="4400" dirty="0">
+              <a:latin typeface="Tahoma" pitchFamily="34" charset="0"/>
+              <a:ea typeface="Tahoma" pitchFamily="34" charset="0"/>
+              <a:cs typeface="Tahoma" pitchFamily="34" charset="0"/>
+            </a:endParaRPr>
+          </a:p>
+          <a:p>
+            <a:pPr marL="0" indent="0" algn="ctr">
+              <a:lnSpc>
+                <a:spcPct val="150000"/>
+              </a:lnSpc>
+              <a:spcBef>
+                <a:spcPct val="0"/>
+              </a:spcBef>
+              <a:buNone/>
+            </a:pPr>
+            <a:r>
+              <a:rPr lang="en-US" sz="4400" dirty="0" err="1">
+                <a:latin typeface="Tahoma" pitchFamily="34" charset="0"/>
+                <a:ea typeface="Tahoma" pitchFamily="34" charset="0"/>
+                <a:cs typeface="Tahoma" pitchFamily="34" charset="0"/>
+              </a:rPr>
+              <a:t>Gyeong-Sik</a:t>
+            </a:r>
+            <a:r>
+              <a:rPr lang="en-US" sz="4400" dirty="0">
+                <a:latin typeface="Tahoma" pitchFamily="34" charset="0"/>
+                <a:ea typeface="Tahoma" pitchFamily="34" charset="0"/>
+                <a:cs typeface="Tahoma" pitchFamily="34" charset="0"/>
+              </a:rPr>
+              <a:t> </a:t>
+            </a:r>
+            <a:r>
+              <a:rPr lang="en-US" sz="4400" dirty="0" err="1">
+                <a:latin typeface="Tahoma" pitchFamily="34" charset="0"/>
+                <a:ea typeface="Tahoma" pitchFamily="34" charset="0"/>
+                <a:cs typeface="Tahoma" pitchFamily="34" charset="0"/>
+              </a:rPr>
+              <a:t>Choi</a:t>
+            </a:r>
+            <a:r>
+              <a:rPr lang="en-US" sz="4400" dirty="0">
+                <a:latin typeface="Tahoma" pitchFamily="34" charset="0"/>
+                <a:ea typeface="Tahoma" pitchFamily="34" charset="0"/>
+                <a:cs typeface="Tahoma" pitchFamily="34" charset="0"/>
+              </a:rPr>
+              <a:t> &amp; </a:t>
+            </a:r>
+            <a:r>
+              <a:rPr lang="en-US" sz="4400" dirty="0" smtClean="0">
+                <a:latin typeface="Tahoma" pitchFamily="34" charset="0"/>
+                <a:ea typeface="Tahoma" pitchFamily="34" charset="0"/>
+                <a:cs typeface="Tahoma" pitchFamily="34" charset="0"/>
+              </a:rPr>
+              <a:t>our </a:t>
+            </a:r>
+            <a:r>
+              <a:rPr lang="en-US" sz="4400" dirty="0" err="1" smtClean="0">
+                <a:latin typeface="Tahoma" pitchFamily="34" charset="0"/>
+                <a:ea typeface="Tahoma" pitchFamily="34" charset="0"/>
+                <a:cs typeface="Tahoma" pitchFamily="34" charset="0"/>
+              </a:rPr>
+              <a:t>Frist</a:t>
+            </a:r>
+            <a:r>
+              <a:rPr lang="en-US" sz="4400" dirty="0" smtClean="0">
+                <a:latin typeface="Tahoma" pitchFamily="34" charset="0"/>
+                <a:ea typeface="Tahoma" pitchFamily="34" charset="0"/>
+                <a:cs typeface="Tahoma" pitchFamily="34" charset="0"/>
+              </a:rPr>
+              <a:t> cohorts</a:t>
+            </a:r>
+            <a:endParaRPr lang="en-US" sz="4400" dirty="0">
+              <a:latin typeface="Tahoma" pitchFamily="34" charset="0"/>
+              <a:ea typeface="Tahoma" pitchFamily="34" charset="0"/>
+              <a:cs typeface="Tahoma" pitchFamily="34" charset="0"/>
+            </a:endParaRPr>
+          </a:p>
+          <a:p>
+            <a:pPr marL="0" indent="0" algn="ctr">
+              <a:lnSpc>
+                <a:spcPct val="150000"/>
+              </a:lnSpc>
+              <a:spcBef>
+                <a:spcPct val="0"/>
+              </a:spcBef>
+              <a:buNone/>
+            </a:pPr>
+            <a:r>
+              <a:rPr lang="en-US" sz="4400" dirty="0">
+                <a:latin typeface="Tahoma" pitchFamily="34" charset="0"/>
+                <a:ea typeface="Tahoma" pitchFamily="34" charset="0"/>
+                <a:cs typeface="Tahoma" pitchFamily="34" charset="0"/>
+              </a:rPr>
+              <a:t>You!</a:t>
+            </a:r>
+          </a:p>
+        </p:txBody>
+      </p:sp>
+    </p:spTree>
+  </p:cSld>
+  <p:clrMapOvr>
+    <a:masterClrMapping/>
+  </p:clrMapOvr>
+  <p:timing>
+    <p:tnLst>
+      <p:par>
+        <p:cTn id="1" dur="indefinite" restart="never" nodeType="tmRoot"/>
+      </p:par>
+    </p:tnLst>
+  </p:timing>
+</p:sld>
+</file>
+
+<file path=ppt/slides/slide16.xml><?xml version="1.0" encoding="utf-8"?>
+<p:sld xmlns:a="http://schemas.openxmlformats.org/drawingml/2006/main" xmlns:r="http://schemas.openxmlformats.org/officeDocument/2006/relationships" xmlns:p="http://schemas.openxmlformats.org/presentationml/2006/main">
+  <p:cSld>
+    <p:spTree>
+      <p:nvGrpSpPr>
+        <p:cNvPr id="1" name=""/>
+        <p:cNvGrpSpPr/>
+        <p:nvPr/>
+      </p:nvGrpSpPr>
+      <p:grpSpPr>
+        <a:xfrm>
+          <a:off x="0" y="0"/>
+          <a:ext cx="0" cy="0"/>
+          <a:chOff x="0" y="0"/>
+          <a:chExt cx="0" cy="0"/>
+        </a:xfrm>
+      </p:grpSpPr>
+      <p:sp>
+        <p:nvSpPr>
           <p:cNvPr id="18433" name="Rectangle 1"/>
           <p:cNvSpPr>
             <a:spLocks noGrp="1" noChangeArrowheads="1"/>
@@ -6359,15 +7026,7 @@
                 <a:ea typeface="Tahoma" pitchFamily="34" charset="0"/>
                 <a:cs typeface="Tahoma" pitchFamily="34" charset="0"/>
               </a:rPr>
-              <a:t>"a practice in which two programmers work side-by-side at one computer, continuously collaborating on the same design, algorithm, code, or test</a:t>
-            </a:r>
-            <a:r>
-              <a:rPr lang="en-US" sz="4400" dirty="0" smtClean="0">
-                <a:latin typeface="Tahoma" pitchFamily="34" charset="0"/>
-                <a:ea typeface="Tahoma" pitchFamily="34" charset="0"/>
-                <a:cs typeface="Tahoma" pitchFamily="34" charset="0"/>
-              </a:rPr>
-              <a:t>.”</a:t>
+              <a:t>"a practice in which two programmers work side-by-side at one computer, continuously collaborating on the same design, algorithm, code, or test.”</a:t>
             </a:r>
             <a:endParaRPr lang="en-US" sz="4400" dirty="0">
               <a:latin typeface="Tahoma" pitchFamily="34" charset="0"/>
@@ -6544,15 +7203,7 @@
                 <a:ea typeface="Tahoma" pitchFamily="34" charset="0"/>
                 <a:cs typeface="Tahoma" pitchFamily="34" charset="0"/>
               </a:rPr>
-              <a:t> continuously collaborating on the same design, algorithm, code, or test</a:t>
-            </a:r>
-            <a:r>
-              <a:rPr lang="en-US" sz="4400" dirty="0" smtClean="0">
-                <a:latin typeface="Tahoma" pitchFamily="34" charset="0"/>
-                <a:ea typeface="Tahoma" pitchFamily="34" charset="0"/>
-                <a:cs typeface="Tahoma" pitchFamily="34" charset="0"/>
-              </a:rPr>
-              <a:t>.”</a:t>
+              <a:t> continuously collaborating on the same design, algorithm, code, or test.”</a:t>
             </a:r>
             <a:endParaRPr lang="en-US" sz="4400" dirty="0">
               <a:latin typeface="Tahoma" pitchFamily="34" charset="0"/>
@@ -6694,11 +7345,6 @@
               </a:rPr>
               <a:t>Flexibility</a:t>
             </a:r>
-            <a:endParaRPr lang="en-US" sz="4400" dirty="0">
-              <a:latin typeface="Tahoma" pitchFamily="34" charset="0"/>
-              <a:ea typeface="Tahoma" pitchFamily="34" charset="0"/>
-              <a:cs typeface="Tahoma" pitchFamily="34" charset="0"/>
-            </a:endParaRPr>
           </a:p>
           <a:p>
             <a:pPr marL="457191" lvl="1" indent="-342893">
@@ -6722,11 +7368,6 @@
               </a:rPr>
               <a:t>Save time</a:t>
             </a:r>
-            <a:endParaRPr lang="en-US" sz="4400" dirty="0">
-              <a:latin typeface="Tahoma" pitchFamily="34" charset="0"/>
-              <a:ea typeface="Tahoma" pitchFamily="34" charset="0"/>
-              <a:cs typeface="Tahoma" pitchFamily="34" charset="0"/>
-            </a:endParaRPr>
           </a:p>
           <a:p>
             <a:pPr marL="457191" lvl="1" indent="-342893">
@@ -6750,11 +7391,6 @@
               </a:rPr>
               <a:t>Built-in SVN</a:t>
             </a:r>
-            <a:endParaRPr lang="en-US" sz="4400" dirty="0">
-              <a:latin typeface="Tahoma" pitchFamily="34" charset="0"/>
-              <a:ea typeface="Tahoma" pitchFamily="34" charset="0"/>
-              <a:cs typeface="Tahoma" pitchFamily="34" charset="0"/>
-            </a:endParaRPr>
           </a:p>
           <a:p>
             <a:pPr marL="457191" lvl="1" indent="-342893">
@@ -6778,11 +7414,6 @@
               </a:rPr>
               <a:t>Multiplatform</a:t>
             </a:r>
-            <a:endParaRPr lang="en-US" sz="4400" dirty="0">
-              <a:latin typeface="Tahoma" pitchFamily="34" charset="0"/>
-              <a:ea typeface="Tahoma" pitchFamily="34" charset="0"/>
-              <a:cs typeface="Tahoma" pitchFamily="34" charset="0"/>
-            </a:endParaRPr>
           </a:p>
           <a:p>
             <a:pPr marL="457191" lvl="1" indent="-342893">
@@ -6806,11 +7437,6 @@
               </a:rPr>
               <a:t>No special installations</a:t>
             </a:r>
-            <a:endParaRPr lang="en-US" sz="4400" dirty="0">
-              <a:latin typeface="Tahoma" pitchFamily="34" charset="0"/>
-              <a:ea typeface="Tahoma" pitchFamily="34" charset="0"/>
-              <a:cs typeface="Tahoma" pitchFamily="34" charset="0"/>
-            </a:endParaRPr>
           </a:p>
           <a:p>
             <a:pPr marL="457191" lvl="1" indent="-342893">
@@ -6834,11 +7460,6 @@
               </a:rPr>
               <a:t>Syntax highlighting GUI</a:t>
             </a:r>
-            <a:endParaRPr lang="en-US" sz="4400" dirty="0">
-              <a:latin typeface="Tahoma" pitchFamily="34" charset="0"/>
-              <a:ea typeface="Tahoma" pitchFamily="34" charset="0"/>
-              <a:cs typeface="Tahoma" pitchFamily="34" charset="0"/>
-            </a:endParaRPr>
           </a:p>
           <a:p>
             <a:pPr marL="457191" lvl="1" indent="-342893">
@@ -6862,11 +7483,6 @@
               </a:rPr>
               <a:t>Security</a:t>
             </a:r>
-            <a:endParaRPr lang="en-US" sz="4400" dirty="0">
-              <a:latin typeface="Tahoma" pitchFamily="34" charset="0"/>
-              <a:ea typeface="Tahoma" pitchFamily="34" charset="0"/>
-              <a:cs typeface="Tahoma" pitchFamily="34" charset="0"/>
-            </a:endParaRPr>
           </a:p>
           <a:p>
             <a:pPr marL="457191" lvl="1" indent="-342893">
@@ -6925,91 +7541,283 @@
           <a:chExt cx="0" cy="0"/>
         </a:xfrm>
       </p:grpSpPr>
-      <p:sp>
-        <p:nvSpPr>
-          <p:cNvPr id="8" name="Content Placeholder 7"/>
-          <p:cNvSpPr>
-            <a:spLocks noGrp="1"/>
-          </p:cNvSpPr>
-          <p:nvPr>
-            <p:ph idx="1"/>
-          </p:nvPr>
-        </p:nvSpPr>
-        <p:spPr/>
-        <p:txBody>
-          <a:bodyPr/>
-          <a:lstStyle/>
-          <a:p>
-            <a:endParaRPr lang="en-US" dirty="0"/>
-          </a:p>
-        </p:txBody>
-      </p:sp>
-      <p:sp>
-        <p:nvSpPr>
-          <p:cNvPr id="9220" name="Text Box 4"/>
-          <p:cNvSpPr txBox="1">
-            <a:spLocks noChangeArrowheads="1"/>
-          </p:cNvSpPr>
+      <p:grpSp>
+        <p:nvGrpSpPr>
+          <p:cNvPr id="2" name="Group 48"/>
+          <p:cNvGrpSpPr/>
           <p:nvPr/>
-        </p:nvSpPr>
-        <p:spPr bwMode="auto">
+        </p:nvGrpSpPr>
+        <p:grpSpPr>
           <a:xfrm>
-            <a:off x="2482850" y="1905000"/>
-            <a:ext cx="5194300" cy="1184170"/>
+            <a:off x="127000" y="4800600"/>
+            <a:ext cx="2819400" cy="2286000"/>
+            <a:chOff x="584200" y="4648200"/>
+            <a:chExt cx="5181600" cy="2971800"/>
+          </a:xfrm>
+          <a:solidFill>
+            <a:schemeClr val="accent2">
+              <a:lumMod val="40000"/>
+              <a:lumOff val="60000"/>
+            </a:schemeClr>
+          </a:solidFill>
+        </p:grpSpPr>
+        <p:sp>
+          <p:nvSpPr>
+            <p:cNvPr id="50" name="Rectangle 49"/>
+            <p:cNvSpPr/>
+            <p:nvPr/>
+          </p:nvSpPr>
+          <p:spPr>
+            <a:xfrm>
+              <a:off x="584200" y="4648200"/>
+              <a:ext cx="2590800" cy="2971800"/>
+            </a:xfrm>
+            <a:prstGeom prst="rect">
+              <a:avLst/>
+            </a:prstGeom>
+            <a:solidFill>
+              <a:schemeClr val="accent2">
+                <a:lumMod val="60000"/>
+                <a:lumOff val="40000"/>
+              </a:schemeClr>
+            </a:solidFill>
+            <a:ln>
+              <a:noFill/>
+            </a:ln>
+          </p:spPr>
+          <p:style>
+            <a:lnRef idx="1">
+              <a:schemeClr val="accent2"/>
+            </a:lnRef>
+            <a:fillRef idx="3">
+              <a:schemeClr val="accent2"/>
+            </a:fillRef>
+            <a:effectRef idx="2">
+              <a:schemeClr val="accent2"/>
+            </a:effectRef>
+            <a:fontRef idx="minor">
+              <a:schemeClr val="lt1"/>
+            </a:fontRef>
+          </p:style>
+          <p:txBody>
+            <a:bodyPr rtlCol="0" anchor="ctr"/>
+            <a:lstStyle/>
+            <a:p>
+              <a:pPr algn="ctr"/>
+              <a:r>
+                <a:rPr lang="en-US" sz="2100" dirty="0" smtClean="0">
+                  <a:solidFill>
+                    <a:schemeClr val="tx1"/>
+                  </a:solidFill>
+                  <a:latin typeface="Tahoma" pitchFamily="34" charset="0"/>
+                  <a:ea typeface="Tahoma" pitchFamily="34" charset="0"/>
+                  <a:cs typeface="Tahoma" pitchFamily="34" charset="0"/>
+                </a:rPr>
+                <a:t>Editor</a:t>
+              </a:r>
+              <a:endParaRPr lang="en-US" sz="2100" dirty="0">
+                <a:solidFill>
+                  <a:schemeClr val="tx1"/>
+                </a:solidFill>
+                <a:latin typeface="Tahoma" pitchFamily="34" charset="0"/>
+                <a:ea typeface="Tahoma" pitchFamily="34" charset="0"/>
+                <a:cs typeface="Tahoma" pitchFamily="34" charset="0"/>
+              </a:endParaRPr>
+            </a:p>
+          </p:txBody>
+        </p:sp>
+        <p:sp>
+          <p:nvSpPr>
+            <p:cNvPr id="51" name="Rectangle 50"/>
+            <p:cNvSpPr/>
+            <p:nvPr/>
+          </p:nvSpPr>
+          <p:spPr>
+            <a:xfrm>
+              <a:off x="3175000" y="6629400"/>
+              <a:ext cx="2590800" cy="990600"/>
+            </a:xfrm>
+            <a:prstGeom prst="rect">
+              <a:avLst/>
+            </a:prstGeom>
+            <a:solidFill>
+              <a:schemeClr val="accent2">
+                <a:lumMod val="40000"/>
+                <a:lumOff val="60000"/>
+              </a:schemeClr>
+            </a:solidFill>
+            <a:ln>
+              <a:noFill/>
+            </a:ln>
+          </p:spPr>
+          <p:style>
+            <a:lnRef idx="1">
+              <a:schemeClr val="accent2"/>
+            </a:lnRef>
+            <a:fillRef idx="3">
+              <a:schemeClr val="accent2"/>
+            </a:fillRef>
+            <a:effectRef idx="2">
+              <a:schemeClr val="accent2"/>
+            </a:effectRef>
+            <a:fontRef idx="minor">
+              <a:schemeClr val="lt1"/>
+            </a:fontRef>
+          </p:style>
+          <p:txBody>
+            <a:bodyPr rtlCol="0" anchor="ctr"/>
+            <a:lstStyle/>
+            <a:p>
+              <a:pPr algn="ctr"/>
+              <a:r>
+                <a:rPr lang="en-US" sz="2100" dirty="0" smtClean="0">
+                  <a:solidFill>
+                    <a:schemeClr val="tx1"/>
+                  </a:solidFill>
+                  <a:latin typeface="Tahoma" pitchFamily="34" charset="0"/>
+                  <a:ea typeface="Tahoma" pitchFamily="34" charset="0"/>
+                  <a:cs typeface="Tahoma" pitchFamily="34" charset="0"/>
+                </a:rPr>
+                <a:t>Text Chat</a:t>
+              </a:r>
+              <a:endParaRPr lang="en-US" sz="2100" dirty="0">
+                <a:solidFill>
+                  <a:schemeClr val="tx1"/>
+                </a:solidFill>
+                <a:latin typeface="Tahoma" pitchFamily="34" charset="0"/>
+                <a:ea typeface="Tahoma" pitchFamily="34" charset="0"/>
+                <a:cs typeface="Tahoma" pitchFamily="34" charset="0"/>
+              </a:endParaRPr>
+            </a:p>
+          </p:txBody>
+        </p:sp>
+        <p:sp>
+          <p:nvSpPr>
+            <p:cNvPr id="52" name="Rectangle 51"/>
+            <p:cNvSpPr/>
+            <p:nvPr/>
+          </p:nvSpPr>
+          <p:spPr>
+            <a:xfrm>
+              <a:off x="3175000" y="4648200"/>
+              <a:ext cx="2590800" cy="1981200"/>
+            </a:xfrm>
+            <a:prstGeom prst="rect">
+              <a:avLst/>
+            </a:prstGeom>
+            <a:solidFill>
+              <a:schemeClr val="accent2">
+                <a:lumMod val="20000"/>
+                <a:lumOff val="80000"/>
+              </a:schemeClr>
+            </a:solidFill>
+            <a:ln>
+              <a:noFill/>
+            </a:ln>
+          </p:spPr>
+          <p:style>
+            <a:lnRef idx="1">
+              <a:schemeClr val="accent2"/>
+            </a:lnRef>
+            <a:fillRef idx="3">
+              <a:schemeClr val="accent2"/>
+            </a:fillRef>
+            <a:effectRef idx="2">
+              <a:schemeClr val="accent2"/>
+            </a:effectRef>
+            <a:fontRef idx="minor">
+              <a:schemeClr val="lt1"/>
+            </a:fontRef>
+          </p:style>
+          <p:txBody>
+            <a:bodyPr rtlCol="0" anchor="ctr"/>
+            <a:lstStyle/>
+            <a:p>
+              <a:pPr algn="ctr"/>
+              <a:r>
+                <a:rPr lang="en-US" sz="2100" dirty="0" smtClean="0">
+                  <a:solidFill>
+                    <a:schemeClr val="tx1"/>
+                  </a:solidFill>
+                  <a:latin typeface="Tahoma" pitchFamily="34" charset="0"/>
+                  <a:ea typeface="Tahoma" pitchFamily="34" charset="0"/>
+                  <a:cs typeface="Tahoma" pitchFamily="34" charset="0"/>
+                </a:rPr>
+                <a:t>Console</a:t>
+              </a:r>
+              <a:endParaRPr lang="en-US" sz="2100" dirty="0">
+                <a:solidFill>
+                  <a:schemeClr val="tx1"/>
+                </a:solidFill>
+                <a:latin typeface="Tahoma" pitchFamily="34" charset="0"/>
+                <a:ea typeface="Tahoma" pitchFamily="34" charset="0"/>
+                <a:cs typeface="Tahoma" pitchFamily="34" charset="0"/>
+              </a:endParaRPr>
+            </a:p>
+          </p:txBody>
+        </p:sp>
+      </p:grpSp>
+      <p:sp>
+        <p:nvSpPr>
+          <p:cNvPr id="53" name="Rectangle 52"/>
+          <p:cNvSpPr/>
+          <p:nvPr/>
+        </p:nvSpPr>
+        <p:spPr>
+          <a:xfrm>
+            <a:off x="3708400" y="5715000"/>
+            <a:ext cx="838200" cy="457200"/>
           </a:xfrm>
           <a:prstGeom prst="rect">
             <a:avLst/>
           </a:prstGeom>
-          <a:noFill/>
-          <a:ln w="9525">
+          <a:solidFill>
+            <a:schemeClr val="accent2">
+              <a:lumMod val="75000"/>
+            </a:schemeClr>
+          </a:solidFill>
+          <a:ln>
             <a:noFill/>
-            <a:miter lim="800000"/>
-            <a:headEnd/>
-            <a:tailEnd/>
           </a:ln>
-          <a:effectLst/>
         </p:spPr>
-        <p:txBody>
-          <a:bodyPr lIns="0" tIns="0" rIns="0" bIns="0">
-            <a:spAutoFit/>
-          </a:bodyPr>
+        <p:style>
+          <a:lnRef idx="1">
+            <a:schemeClr val="accent2"/>
+          </a:lnRef>
+          <a:fillRef idx="3">
+            <a:schemeClr val="accent2"/>
+          </a:fillRef>
+          <a:effectRef idx="2">
+            <a:schemeClr val="accent2"/>
+          </a:effectRef>
+          <a:fontRef idx="minor">
+            <a:schemeClr val="lt1"/>
+          </a:fontRef>
+        </p:style>
+        <p:txBody>
+          <a:bodyPr rtlCol="0" anchor="ctr"/>
           <a:lstStyle/>
           <a:p>
-            <a:pPr>
-              <a:lnSpc>
-                <a:spcPct val="95000"/>
-              </a:lnSpc>
-            </a:pPr>
-            <a:r>
-              <a:rPr lang="en-US" sz="2700" dirty="0">
-                <a:latin typeface="Arial" pitchFamily="34" charset="0"/>
+            <a:pPr algn="ctr"/>
+            <a:r>
+              <a:rPr lang="en-US" sz="2100" dirty="0" smtClean="0">
+                <a:solidFill>
+                  <a:schemeClr val="bg1"/>
+                </a:solidFill>
+                <a:latin typeface="Tahoma" pitchFamily="34" charset="0"/>
+                <a:ea typeface="Tahoma" pitchFamily="34" charset="0"/>
+                <a:cs typeface="Tahoma" pitchFamily="34" charset="0"/>
               </a:rPr>
-              <a:t>something like the diagram </a:t>
-            </a:r>
-            <a:r>
-              <a:rPr lang="en-US" sz="2700" dirty="0" err="1">
-                <a:latin typeface="Arial" pitchFamily="34" charset="0"/>
-              </a:rPr>
-              <a:t>garrett</a:t>
-            </a:r>
-            <a:r>
-              <a:rPr lang="en-US" sz="2700" dirty="0">
-                <a:latin typeface="Arial" pitchFamily="34" charset="0"/>
-              </a:rPr>
-              <a:t> drew for </a:t>
-            </a:r>
-            <a:r>
-              <a:rPr lang="en-US" sz="2700" dirty="0" err="1">
-                <a:latin typeface="Arial" pitchFamily="34" charset="0"/>
-              </a:rPr>
-              <a:t>dondero</a:t>
-            </a:r>
-            <a:r>
-              <a:rPr lang="en-US" sz="2700" dirty="0">
-                <a:latin typeface="Arial" pitchFamily="34" charset="0"/>
-              </a:rPr>
-              <a:t> here, but let's keep it simple</a:t>
-            </a:r>
+              <a:t>SSH</a:t>
+            </a:r>
+            <a:endParaRPr lang="en-US" sz="2100" dirty="0">
+              <a:solidFill>
+                <a:schemeClr val="bg1"/>
+              </a:solidFill>
+              <a:latin typeface="Tahoma" pitchFamily="34" charset="0"/>
+              <a:ea typeface="Tahoma" pitchFamily="34" charset="0"/>
+              <a:cs typeface="Tahoma" pitchFamily="34" charset="0"/>
+            </a:endParaRPr>
           </a:p>
         </p:txBody>
       </p:sp>
@@ -7030,12 +7838,708 @@
           <a:p>
             <a:r>
               <a:rPr lang="en-US" dirty="0" smtClean="0"/>
-              <a:t>Data Flow</a:t>
+              <a:t>Data </a:t>
+            </a:r>
+            <a:r>
+              <a:rPr lang="en-US" dirty="0" smtClean="0"/>
+              <a:t>Flow  ~ Driver</a:t>
             </a:r>
             <a:endParaRPr lang="en-US" dirty="0"/>
           </a:p>
         </p:txBody>
       </p:sp>
+      <p:sp>
+        <p:nvSpPr>
+          <p:cNvPr id="7" name="Rectangle 6"/>
+          <p:cNvSpPr/>
+          <p:nvPr/>
+        </p:nvSpPr>
+        <p:spPr>
+          <a:xfrm>
+            <a:off x="3632200" y="1752600"/>
+            <a:ext cx="2971800" cy="990600"/>
+          </a:xfrm>
+          <a:prstGeom prst="rect">
+            <a:avLst/>
+          </a:prstGeom>
+          <a:solidFill>
+            <a:schemeClr val="tx2">
+              <a:lumMod val="40000"/>
+              <a:lumOff val="60000"/>
+            </a:schemeClr>
+          </a:solidFill>
+          <a:ln>
+            <a:noFill/>
+          </a:ln>
+        </p:spPr>
+        <p:style>
+          <a:lnRef idx="1">
+            <a:schemeClr val="accent2"/>
+          </a:lnRef>
+          <a:fillRef idx="3">
+            <a:schemeClr val="accent2"/>
+          </a:fillRef>
+          <a:effectRef idx="2">
+            <a:schemeClr val="accent2"/>
+          </a:effectRef>
+          <a:fontRef idx="minor">
+            <a:schemeClr val="lt1"/>
+          </a:fontRef>
+        </p:style>
+        <p:txBody>
+          <a:bodyPr rtlCol="0" anchor="ctr"/>
+          <a:lstStyle/>
+          <a:p>
+            <a:pPr algn="ctr"/>
+            <a:r>
+              <a:rPr lang="en-US" sz="2100" dirty="0" err="1" smtClean="0">
+                <a:solidFill>
+                  <a:schemeClr val="tx1"/>
+                </a:solidFill>
+                <a:latin typeface="Tahoma" pitchFamily="34" charset="0"/>
+                <a:ea typeface="Tahoma" pitchFamily="34" charset="0"/>
+                <a:cs typeface="Tahoma" pitchFamily="34" charset="0"/>
+              </a:rPr>
+              <a:t>Django</a:t>
+            </a:r>
+            <a:r>
+              <a:rPr lang="en-US" sz="2100" dirty="0" smtClean="0">
+                <a:solidFill>
+                  <a:schemeClr val="tx1"/>
+                </a:solidFill>
+                <a:latin typeface="Tahoma" pitchFamily="34" charset="0"/>
+                <a:ea typeface="Tahoma" pitchFamily="34" charset="0"/>
+                <a:cs typeface="Tahoma" pitchFamily="34" charset="0"/>
+              </a:rPr>
+              <a:t> &amp; Subversion Server (Apache)</a:t>
+            </a:r>
+            <a:endParaRPr lang="en-US" sz="2100" dirty="0">
+              <a:solidFill>
+                <a:schemeClr val="tx1"/>
+              </a:solidFill>
+              <a:latin typeface="Tahoma" pitchFamily="34" charset="0"/>
+              <a:ea typeface="Tahoma" pitchFamily="34" charset="0"/>
+              <a:cs typeface="Tahoma" pitchFamily="34" charset="0"/>
+            </a:endParaRPr>
+          </a:p>
+        </p:txBody>
+      </p:sp>
+      <p:sp>
+        <p:nvSpPr>
+          <p:cNvPr id="10" name="Rectangle 9"/>
+          <p:cNvSpPr/>
+          <p:nvPr/>
+        </p:nvSpPr>
+        <p:spPr>
+          <a:xfrm>
+            <a:off x="3784600" y="3200400"/>
+            <a:ext cx="2590800" cy="990600"/>
+          </a:xfrm>
+          <a:prstGeom prst="rect">
+            <a:avLst/>
+          </a:prstGeom>
+          <a:solidFill>
+            <a:schemeClr val="accent1">
+              <a:lumMod val="60000"/>
+              <a:lumOff val="40000"/>
+            </a:schemeClr>
+          </a:solidFill>
+          <a:ln>
+            <a:noFill/>
+          </a:ln>
+        </p:spPr>
+        <p:style>
+          <a:lnRef idx="1">
+            <a:schemeClr val="accent2"/>
+          </a:lnRef>
+          <a:fillRef idx="3">
+            <a:schemeClr val="accent2"/>
+          </a:fillRef>
+          <a:effectRef idx="2">
+            <a:schemeClr val="accent2"/>
+          </a:effectRef>
+          <a:fontRef idx="minor">
+            <a:schemeClr val="lt1"/>
+          </a:fontRef>
+        </p:style>
+        <p:txBody>
+          <a:bodyPr rtlCol="0" anchor="ctr"/>
+          <a:lstStyle/>
+          <a:p>
+            <a:pPr algn="ctr"/>
+            <a:r>
+              <a:rPr lang="en-US" sz="2100" dirty="0" err="1" smtClean="0">
+                <a:solidFill>
+                  <a:schemeClr val="tx1"/>
+                </a:solidFill>
+                <a:latin typeface="Tahoma" pitchFamily="34" charset="0"/>
+                <a:ea typeface="Tahoma" pitchFamily="34" charset="0"/>
+                <a:cs typeface="Tahoma" pitchFamily="34" charset="0"/>
+              </a:rPr>
+              <a:t>Ajaxterm</a:t>
+            </a:r>
+            <a:r>
+              <a:rPr lang="en-US" sz="2100" dirty="0" smtClean="0">
+                <a:solidFill>
+                  <a:schemeClr val="tx1"/>
+                </a:solidFill>
+                <a:latin typeface="Tahoma" pitchFamily="34" charset="0"/>
+                <a:ea typeface="Tahoma" pitchFamily="34" charset="0"/>
+                <a:cs typeface="Tahoma" pitchFamily="34" charset="0"/>
+              </a:rPr>
+              <a:t> Server (standalone)</a:t>
+            </a:r>
+            <a:endParaRPr lang="en-US" sz="2100" dirty="0">
+              <a:solidFill>
+                <a:schemeClr val="tx1"/>
+              </a:solidFill>
+              <a:latin typeface="Tahoma" pitchFamily="34" charset="0"/>
+              <a:ea typeface="Tahoma" pitchFamily="34" charset="0"/>
+              <a:cs typeface="Tahoma" pitchFamily="34" charset="0"/>
+            </a:endParaRPr>
+          </a:p>
+        </p:txBody>
+      </p:sp>
+      <p:sp>
+        <p:nvSpPr>
+          <p:cNvPr id="24" name="TextBox 23"/>
+          <p:cNvSpPr txBox="1"/>
+          <p:nvPr/>
+        </p:nvSpPr>
+        <p:spPr>
+          <a:xfrm>
+            <a:off x="3673501" y="6594902"/>
+            <a:ext cx="949299" cy="415498"/>
+          </a:xfrm>
+          <a:prstGeom prst="rect">
+            <a:avLst/>
+          </a:prstGeom>
+          <a:noFill/>
+          <a:ln>
+            <a:solidFill>
+              <a:schemeClr val="accent2">
+                <a:lumMod val="75000"/>
+              </a:schemeClr>
+            </a:solidFill>
+          </a:ln>
+        </p:spPr>
+        <p:txBody>
+          <a:bodyPr wrap="none" rtlCol="0">
+            <a:spAutoFit/>
+          </a:bodyPr>
+          <a:lstStyle/>
+          <a:p>
+            <a:r>
+              <a:rPr lang="en-US" sz="2100" b="1" dirty="0" smtClean="0"/>
+              <a:t>Driver</a:t>
+            </a:r>
+            <a:endParaRPr lang="en-US" sz="2100" b="1" dirty="0"/>
+          </a:p>
+        </p:txBody>
+      </p:sp>
+      <p:sp>
+        <p:nvSpPr>
+          <p:cNvPr id="25" name="TextBox 24"/>
+          <p:cNvSpPr txBox="1"/>
+          <p:nvPr/>
+        </p:nvSpPr>
+        <p:spPr>
+          <a:xfrm>
+            <a:off x="5537200" y="6594902"/>
+            <a:ext cx="1337226" cy="415498"/>
+          </a:xfrm>
+          <a:prstGeom prst="rect">
+            <a:avLst/>
+          </a:prstGeom>
+          <a:noFill/>
+          <a:ln>
+            <a:solidFill>
+              <a:schemeClr val="accent2">
+                <a:lumMod val="75000"/>
+              </a:schemeClr>
+            </a:solidFill>
+          </a:ln>
+        </p:spPr>
+        <p:txBody>
+          <a:bodyPr wrap="none" rtlCol="0">
+            <a:spAutoFit/>
+          </a:bodyPr>
+          <a:lstStyle/>
+          <a:p>
+            <a:r>
+              <a:rPr lang="en-US" sz="2100" b="1" dirty="0" smtClean="0"/>
+              <a:t>Passenger</a:t>
+            </a:r>
+            <a:endParaRPr lang="en-US" sz="2100" b="1" dirty="0"/>
+          </a:p>
+        </p:txBody>
+      </p:sp>
+      <p:sp>
+        <p:nvSpPr>
+          <p:cNvPr id="61" name="Rectangle 60"/>
+          <p:cNvSpPr/>
+          <p:nvPr/>
+        </p:nvSpPr>
+        <p:spPr>
+          <a:xfrm>
+            <a:off x="5765800" y="5715000"/>
+            <a:ext cx="838200" cy="457200"/>
+          </a:xfrm>
+          <a:prstGeom prst="rect">
+            <a:avLst/>
+          </a:prstGeom>
+          <a:solidFill>
+            <a:schemeClr val="accent2">
+              <a:lumMod val="75000"/>
+            </a:schemeClr>
+          </a:solidFill>
+          <a:ln>
+            <a:noFill/>
+          </a:ln>
+        </p:spPr>
+        <p:style>
+          <a:lnRef idx="1">
+            <a:schemeClr val="accent2"/>
+          </a:lnRef>
+          <a:fillRef idx="3">
+            <a:schemeClr val="accent2"/>
+          </a:fillRef>
+          <a:effectRef idx="2">
+            <a:schemeClr val="accent2"/>
+          </a:effectRef>
+          <a:fontRef idx="minor">
+            <a:schemeClr val="lt1"/>
+          </a:fontRef>
+        </p:style>
+        <p:txBody>
+          <a:bodyPr rtlCol="0" anchor="ctr"/>
+          <a:lstStyle/>
+          <a:p>
+            <a:pPr algn="ctr"/>
+            <a:r>
+              <a:rPr lang="en-US" sz="2100" dirty="0" smtClean="0">
+                <a:solidFill>
+                  <a:schemeClr val="bg1"/>
+                </a:solidFill>
+                <a:latin typeface="Tahoma" pitchFamily="34" charset="0"/>
+                <a:ea typeface="Tahoma" pitchFamily="34" charset="0"/>
+                <a:cs typeface="Tahoma" pitchFamily="34" charset="0"/>
+              </a:rPr>
+              <a:t>SSH</a:t>
+            </a:r>
+            <a:endParaRPr lang="en-US" sz="2100" dirty="0">
+              <a:solidFill>
+                <a:schemeClr val="bg1"/>
+              </a:solidFill>
+              <a:latin typeface="Tahoma" pitchFamily="34" charset="0"/>
+              <a:ea typeface="Tahoma" pitchFamily="34" charset="0"/>
+              <a:cs typeface="Tahoma" pitchFamily="34" charset="0"/>
+            </a:endParaRPr>
+          </a:p>
+        </p:txBody>
+      </p:sp>
+      <p:grpSp>
+        <p:nvGrpSpPr>
+          <p:cNvPr id="3" name="Group 61"/>
+          <p:cNvGrpSpPr/>
+          <p:nvPr/>
+        </p:nvGrpSpPr>
+        <p:grpSpPr>
+          <a:xfrm>
+            <a:off x="7213600" y="4800600"/>
+            <a:ext cx="2819400" cy="2286000"/>
+            <a:chOff x="584200" y="4648200"/>
+            <a:chExt cx="5181600" cy="2971800"/>
+          </a:xfrm>
+          <a:solidFill>
+            <a:schemeClr val="accent2">
+              <a:lumMod val="40000"/>
+              <a:lumOff val="60000"/>
+            </a:schemeClr>
+          </a:solidFill>
+        </p:grpSpPr>
+        <p:sp>
+          <p:nvSpPr>
+            <p:cNvPr id="63" name="Rectangle 62"/>
+            <p:cNvSpPr/>
+            <p:nvPr/>
+          </p:nvSpPr>
+          <p:spPr>
+            <a:xfrm>
+              <a:off x="584200" y="4648200"/>
+              <a:ext cx="2590800" cy="2971800"/>
+            </a:xfrm>
+            <a:prstGeom prst="rect">
+              <a:avLst/>
+            </a:prstGeom>
+            <a:solidFill>
+              <a:schemeClr val="accent2">
+                <a:lumMod val="60000"/>
+                <a:lumOff val="40000"/>
+              </a:schemeClr>
+            </a:solidFill>
+            <a:ln>
+              <a:noFill/>
+            </a:ln>
+          </p:spPr>
+          <p:style>
+            <a:lnRef idx="1">
+              <a:schemeClr val="accent2"/>
+            </a:lnRef>
+            <a:fillRef idx="3">
+              <a:schemeClr val="accent2"/>
+            </a:fillRef>
+            <a:effectRef idx="2">
+              <a:schemeClr val="accent2"/>
+            </a:effectRef>
+            <a:fontRef idx="minor">
+              <a:schemeClr val="lt1"/>
+            </a:fontRef>
+          </p:style>
+          <p:txBody>
+            <a:bodyPr rtlCol="0" anchor="ctr"/>
+            <a:lstStyle/>
+            <a:p>
+              <a:pPr algn="ctr"/>
+              <a:r>
+                <a:rPr lang="en-US" sz="2100" dirty="0" smtClean="0">
+                  <a:solidFill>
+                    <a:schemeClr val="tx1"/>
+                  </a:solidFill>
+                  <a:latin typeface="Tahoma" pitchFamily="34" charset="0"/>
+                  <a:ea typeface="Tahoma" pitchFamily="34" charset="0"/>
+                  <a:cs typeface="Tahoma" pitchFamily="34" charset="0"/>
+                </a:rPr>
+                <a:t>Editor</a:t>
+              </a:r>
+              <a:endParaRPr lang="en-US" sz="2100" dirty="0">
+                <a:solidFill>
+                  <a:schemeClr val="tx1"/>
+                </a:solidFill>
+                <a:latin typeface="Tahoma" pitchFamily="34" charset="0"/>
+                <a:ea typeface="Tahoma" pitchFamily="34" charset="0"/>
+                <a:cs typeface="Tahoma" pitchFamily="34" charset="0"/>
+              </a:endParaRPr>
+            </a:p>
+          </p:txBody>
+        </p:sp>
+        <p:sp>
+          <p:nvSpPr>
+            <p:cNvPr id="64" name="Rectangle 63"/>
+            <p:cNvSpPr/>
+            <p:nvPr/>
+          </p:nvSpPr>
+          <p:spPr>
+            <a:xfrm>
+              <a:off x="3175000" y="6629400"/>
+              <a:ext cx="2590800" cy="990600"/>
+            </a:xfrm>
+            <a:prstGeom prst="rect">
+              <a:avLst/>
+            </a:prstGeom>
+            <a:grpFill/>
+            <a:ln>
+              <a:noFill/>
+            </a:ln>
+          </p:spPr>
+          <p:style>
+            <a:lnRef idx="1">
+              <a:schemeClr val="accent2"/>
+            </a:lnRef>
+            <a:fillRef idx="3">
+              <a:schemeClr val="accent2"/>
+            </a:fillRef>
+            <a:effectRef idx="2">
+              <a:schemeClr val="accent2"/>
+            </a:effectRef>
+            <a:fontRef idx="minor">
+              <a:schemeClr val="lt1"/>
+            </a:fontRef>
+          </p:style>
+          <p:txBody>
+            <a:bodyPr rtlCol="0" anchor="ctr"/>
+            <a:lstStyle/>
+            <a:p>
+              <a:pPr algn="ctr"/>
+              <a:r>
+                <a:rPr lang="en-US" sz="2100" dirty="0" smtClean="0">
+                  <a:solidFill>
+                    <a:schemeClr val="tx1"/>
+                  </a:solidFill>
+                  <a:latin typeface="Tahoma" pitchFamily="34" charset="0"/>
+                  <a:ea typeface="Tahoma" pitchFamily="34" charset="0"/>
+                  <a:cs typeface="Tahoma" pitchFamily="34" charset="0"/>
+                </a:rPr>
+                <a:t>Text Chat</a:t>
+              </a:r>
+              <a:endParaRPr lang="en-US" sz="2100" dirty="0">
+                <a:solidFill>
+                  <a:schemeClr val="tx1"/>
+                </a:solidFill>
+                <a:latin typeface="Tahoma" pitchFamily="34" charset="0"/>
+                <a:ea typeface="Tahoma" pitchFamily="34" charset="0"/>
+                <a:cs typeface="Tahoma" pitchFamily="34" charset="0"/>
+              </a:endParaRPr>
+            </a:p>
+          </p:txBody>
+        </p:sp>
+        <p:sp>
+          <p:nvSpPr>
+            <p:cNvPr id="65" name="Rectangle 64"/>
+            <p:cNvSpPr/>
+            <p:nvPr/>
+          </p:nvSpPr>
+          <p:spPr>
+            <a:xfrm>
+              <a:off x="3175000" y="4648200"/>
+              <a:ext cx="2590800" cy="1981200"/>
+            </a:xfrm>
+            <a:prstGeom prst="rect">
+              <a:avLst/>
+            </a:prstGeom>
+            <a:solidFill>
+              <a:schemeClr val="accent2">
+                <a:lumMod val="20000"/>
+                <a:lumOff val="80000"/>
+              </a:schemeClr>
+            </a:solidFill>
+            <a:ln>
+              <a:noFill/>
+            </a:ln>
+          </p:spPr>
+          <p:style>
+            <a:lnRef idx="1">
+              <a:schemeClr val="accent2"/>
+            </a:lnRef>
+            <a:fillRef idx="3">
+              <a:schemeClr val="accent2"/>
+            </a:fillRef>
+            <a:effectRef idx="2">
+              <a:schemeClr val="accent2"/>
+            </a:effectRef>
+            <a:fontRef idx="minor">
+              <a:schemeClr val="lt1"/>
+            </a:fontRef>
+          </p:style>
+          <p:txBody>
+            <a:bodyPr rtlCol="0" anchor="ctr"/>
+            <a:lstStyle/>
+            <a:p>
+              <a:pPr algn="ctr"/>
+              <a:r>
+                <a:rPr lang="en-US" sz="2100" dirty="0" smtClean="0">
+                  <a:solidFill>
+                    <a:schemeClr val="tx1"/>
+                  </a:solidFill>
+                  <a:latin typeface="Tahoma" pitchFamily="34" charset="0"/>
+                  <a:ea typeface="Tahoma" pitchFamily="34" charset="0"/>
+                  <a:cs typeface="Tahoma" pitchFamily="34" charset="0"/>
+                </a:rPr>
+                <a:t>Console</a:t>
+              </a:r>
+              <a:endParaRPr lang="en-US" sz="2100" dirty="0">
+                <a:solidFill>
+                  <a:schemeClr val="tx1"/>
+                </a:solidFill>
+                <a:latin typeface="Tahoma" pitchFamily="34" charset="0"/>
+                <a:ea typeface="Tahoma" pitchFamily="34" charset="0"/>
+                <a:cs typeface="Tahoma" pitchFamily="34" charset="0"/>
+              </a:endParaRPr>
+            </a:p>
+          </p:txBody>
+        </p:sp>
+      </p:grpSp>
+      <p:cxnSp>
+        <p:nvCxnSpPr>
+          <p:cNvPr id="77" name="Shape 76"/>
+          <p:cNvCxnSpPr>
+            <a:stCxn id="7" idx="1"/>
+            <a:endCxn id="50" idx="0"/>
+          </p:cNvCxnSpPr>
+          <p:nvPr/>
+        </p:nvCxnSpPr>
+        <p:spPr>
+          <a:xfrm rot="10800000" flipV="1">
+            <a:off x="831850" y="2247900"/>
+            <a:ext cx="2800350" cy="2552700"/>
+          </a:xfrm>
+          <a:prstGeom prst="bentConnector2">
+            <a:avLst/>
+          </a:prstGeom>
+          <a:ln>
+            <a:headEnd type="arrow"/>
+            <a:tailEnd type="arrow"/>
+          </a:ln>
+        </p:spPr>
+        <p:style>
+          <a:lnRef idx="3">
+            <a:schemeClr val="accent4"/>
+          </a:lnRef>
+          <a:fillRef idx="0">
+            <a:schemeClr val="accent4"/>
+          </a:fillRef>
+          <a:effectRef idx="2">
+            <a:schemeClr val="accent4"/>
+          </a:effectRef>
+          <a:fontRef idx="minor">
+            <a:schemeClr val="tx1"/>
+          </a:fontRef>
+        </p:style>
+      </p:cxnSp>
+      <p:cxnSp>
+        <p:nvCxnSpPr>
+          <p:cNvPr id="83" name="Elbow Connector 82"/>
+          <p:cNvCxnSpPr>
+            <a:stCxn id="7" idx="1"/>
+            <a:endCxn id="53" idx="1"/>
+          </p:cNvCxnSpPr>
+          <p:nvPr/>
+        </p:nvCxnSpPr>
+        <p:spPr>
+          <a:xfrm rot="10800000" flipH="1" flipV="1">
+            <a:off x="3632200" y="2247900"/>
+            <a:ext cx="76200" cy="3695700"/>
+          </a:xfrm>
+          <a:prstGeom prst="bentConnector3">
+            <a:avLst>
+              <a:gd name="adj1" fmla="val -460000"/>
+            </a:avLst>
+          </a:prstGeom>
+          <a:ln>
+            <a:headEnd type="arrow"/>
+            <a:tailEnd type="arrow"/>
+          </a:ln>
+        </p:spPr>
+        <p:style>
+          <a:lnRef idx="3">
+            <a:schemeClr val="accent4"/>
+          </a:lnRef>
+          <a:fillRef idx="0">
+            <a:schemeClr val="accent4"/>
+          </a:fillRef>
+          <a:effectRef idx="2">
+            <a:schemeClr val="accent4"/>
+          </a:effectRef>
+          <a:fontRef idx="minor">
+            <a:schemeClr val="tx1"/>
+          </a:fontRef>
+        </p:style>
+      </p:cxnSp>
+      <p:cxnSp>
+        <p:nvCxnSpPr>
+          <p:cNvPr id="97" name="Shape 96"/>
+          <p:cNvCxnSpPr>
+            <a:stCxn id="10" idx="1"/>
+            <a:endCxn id="52" idx="0"/>
+          </p:cNvCxnSpPr>
+          <p:nvPr/>
+        </p:nvCxnSpPr>
+        <p:spPr>
+          <a:xfrm rot="10800000" flipV="1">
+            <a:off x="2241550" y="3695700"/>
+            <a:ext cx="1543050" cy="1104900"/>
+          </a:xfrm>
+          <a:prstGeom prst="bentConnector2">
+            <a:avLst/>
+          </a:prstGeom>
+          <a:ln>
+            <a:headEnd type="arrow"/>
+            <a:tailEnd type="arrow"/>
+          </a:ln>
+        </p:spPr>
+        <p:style>
+          <a:lnRef idx="3">
+            <a:schemeClr val="accent3"/>
+          </a:lnRef>
+          <a:fillRef idx="0">
+            <a:schemeClr val="accent3"/>
+          </a:fillRef>
+          <a:effectRef idx="2">
+            <a:schemeClr val="accent3"/>
+          </a:effectRef>
+          <a:fontRef idx="minor">
+            <a:schemeClr val="tx1"/>
+          </a:fontRef>
+        </p:style>
+      </p:cxnSp>
+      <p:cxnSp>
+        <p:nvCxnSpPr>
+          <p:cNvPr id="114" name="Elbow Connector 113"/>
+          <p:cNvCxnSpPr>
+            <a:stCxn id="10" idx="2"/>
+            <a:endCxn id="53" idx="0"/>
+          </p:cNvCxnSpPr>
+          <p:nvPr/>
+        </p:nvCxnSpPr>
+        <p:spPr>
+          <a:xfrm rot="5400000">
+            <a:off x="3841750" y="4476750"/>
+            <a:ext cx="1524000" cy="952500"/>
+          </a:xfrm>
+          <a:prstGeom prst="bentConnector3">
+            <a:avLst>
+              <a:gd name="adj1" fmla="val 50000"/>
+            </a:avLst>
+          </a:prstGeom>
+          <a:ln>
+            <a:headEnd type="arrow"/>
+            <a:tailEnd type="arrow"/>
+          </a:ln>
+        </p:spPr>
+        <p:style>
+          <a:lnRef idx="3">
+            <a:schemeClr val="accent3"/>
+          </a:lnRef>
+          <a:fillRef idx="0">
+            <a:schemeClr val="accent3"/>
+          </a:fillRef>
+          <a:effectRef idx="2">
+            <a:schemeClr val="accent3"/>
+          </a:effectRef>
+          <a:fontRef idx="minor">
+            <a:schemeClr val="tx1"/>
+          </a:fontRef>
+        </p:style>
+      </p:cxnSp>
+      <p:cxnSp>
+        <p:nvCxnSpPr>
+          <p:cNvPr id="116" name="Elbow Connector 115"/>
+          <p:cNvCxnSpPr>
+            <a:stCxn id="7" idx="1"/>
+            <a:endCxn id="51" idx="1"/>
+          </p:cNvCxnSpPr>
+          <p:nvPr/>
+        </p:nvCxnSpPr>
+        <p:spPr>
+          <a:xfrm rot="10800000" flipV="1">
+            <a:off x="1536700" y="2247900"/>
+            <a:ext cx="2095500" cy="4457700"/>
+          </a:xfrm>
+          <a:prstGeom prst="bentConnector3">
+            <a:avLst>
+              <a:gd name="adj1" fmla="val 110909"/>
+            </a:avLst>
+          </a:prstGeom>
+          <a:ln>
+            <a:headEnd type="arrow"/>
+            <a:tailEnd type="arrow"/>
+          </a:ln>
+        </p:spPr>
+        <p:style>
+          <a:lnRef idx="3">
+            <a:schemeClr val="accent4"/>
+          </a:lnRef>
+          <a:fillRef idx="0">
+            <a:schemeClr val="accent4"/>
+          </a:fillRef>
+          <a:effectRef idx="2">
+            <a:schemeClr val="accent4"/>
+          </a:effectRef>
+          <a:fontRef idx="minor">
+            <a:schemeClr val="tx1"/>
+          </a:fontRef>
+        </p:style>
+      </p:cxnSp>
     </p:spTree>
   </p:cSld>
   <p:clrMapOvr>
@@ -7068,79 +8572,283 @@
           <a:chExt cx="0" cy="0"/>
         </a:xfrm>
       </p:grpSpPr>
-      <p:sp>
-        <p:nvSpPr>
-          <p:cNvPr id="8" name="Content Placeholder 7"/>
-          <p:cNvSpPr>
-            <a:spLocks noGrp="1"/>
-          </p:cNvSpPr>
-          <p:nvPr>
-            <p:ph idx="1"/>
-          </p:nvPr>
-        </p:nvSpPr>
-        <p:spPr/>
-        <p:txBody>
-          <a:bodyPr/>
-          <a:lstStyle/>
-          <a:p>
-            <a:endParaRPr lang="en-US"/>
-          </a:p>
-        </p:txBody>
-      </p:sp>
-      <p:sp>
-        <p:nvSpPr>
-          <p:cNvPr id="10244" name="Text Box 4"/>
-          <p:cNvSpPr txBox="1">
-            <a:spLocks noChangeArrowheads="1"/>
-          </p:cNvSpPr>
+      <p:grpSp>
+        <p:nvGrpSpPr>
+          <p:cNvPr id="2" name="Group 48"/>
+          <p:cNvGrpSpPr/>
           <p:nvPr/>
-        </p:nvSpPr>
-        <p:spPr bwMode="auto">
+        </p:nvGrpSpPr>
+        <p:grpSpPr>
           <a:xfrm>
-            <a:off x="2482850" y="1905003"/>
-            <a:ext cx="5194300" cy="789447"/>
+            <a:off x="127000" y="4800600"/>
+            <a:ext cx="2819400" cy="2286000"/>
+            <a:chOff x="584200" y="4648200"/>
+            <a:chExt cx="5181600" cy="2971800"/>
+          </a:xfrm>
+          <a:solidFill>
+            <a:schemeClr val="accent2">
+              <a:lumMod val="40000"/>
+              <a:lumOff val="60000"/>
+            </a:schemeClr>
+          </a:solidFill>
+        </p:grpSpPr>
+        <p:sp>
+          <p:nvSpPr>
+            <p:cNvPr id="50" name="Rectangle 49"/>
+            <p:cNvSpPr/>
+            <p:nvPr/>
+          </p:nvSpPr>
+          <p:spPr>
+            <a:xfrm>
+              <a:off x="584200" y="4648200"/>
+              <a:ext cx="2590800" cy="2971800"/>
+            </a:xfrm>
+            <a:prstGeom prst="rect">
+              <a:avLst/>
+            </a:prstGeom>
+            <a:solidFill>
+              <a:schemeClr val="accent2">
+                <a:lumMod val="60000"/>
+                <a:lumOff val="40000"/>
+              </a:schemeClr>
+            </a:solidFill>
+            <a:ln>
+              <a:noFill/>
+            </a:ln>
+          </p:spPr>
+          <p:style>
+            <a:lnRef idx="1">
+              <a:schemeClr val="accent2"/>
+            </a:lnRef>
+            <a:fillRef idx="3">
+              <a:schemeClr val="accent2"/>
+            </a:fillRef>
+            <a:effectRef idx="2">
+              <a:schemeClr val="accent2"/>
+            </a:effectRef>
+            <a:fontRef idx="minor">
+              <a:schemeClr val="lt1"/>
+            </a:fontRef>
+          </p:style>
+          <p:txBody>
+            <a:bodyPr rtlCol="0" anchor="ctr"/>
+            <a:lstStyle/>
+            <a:p>
+              <a:pPr algn="ctr"/>
+              <a:r>
+                <a:rPr lang="en-US" sz="2100" dirty="0" smtClean="0">
+                  <a:solidFill>
+                    <a:schemeClr val="tx1"/>
+                  </a:solidFill>
+                  <a:latin typeface="Tahoma" pitchFamily="34" charset="0"/>
+                  <a:ea typeface="Tahoma" pitchFamily="34" charset="0"/>
+                  <a:cs typeface="Tahoma" pitchFamily="34" charset="0"/>
+                </a:rPr>
+                <a:t>Editor</a:t>
+              </a:r>
+              <a:endParaRPr lang="en-US" sz="2100" dirty="0">
+                <a:solidFill>
+                  <a:schemeClr val="tx1"/>
+                </a:solidFill>
+                <a:latin typeface="Tahoma" pitchFamily="34" charset="0"/>
+                <a:ea typeface="Tahoma" pitchFamily="34" charset="0"/>
+                <a:cs typeface="Tahoma" pitchFamily="34" charset="0"/>
+              </a:endParaRPr>
+            </a:p>
+          </p:txBody>
+        </p:sp>
+        <p:sp>
+          <p:nvSpPr>
+            <p:cNvPr id="51" name="Rectangle 50"/>
+            <p:cNvSpPr/>
+            <p:nvPr/>
+          </p:nvSpPr>
+          <p:spPr>
+            <a:xfrm>
+              <a:off x="3175000" y="6629400"/>
+              <a:ext cx="2590800" cy="990600"/>
+            </a:xfrm>
+            <a:prstGeom prst="rect">
+              <a:avLst/>
+            </a:prstGeom>
+            <a:solidFill>
+              <a:schemeClr val="accent2">
+                <a:lumMod val="40000"/>
+                <a:lumOff val="60000"/>
+              </a:schemeClr>
+            </a:solidFill>
+            <a:ln>
+              <a:noFill/>
+            </a:ln>
+          </p:spPr>
+          <p:style>
+            <a:lnRef idx="1">
+              <a:schemeClr val="accent2"/>
+            </a:lnRef>
+            <a:fillRef idx="3">
+              <a:schemeClr val="accent2"/>
+            </a:fillRef>
+            <a:effectRef idx="2">
+              <a:schemeClr val="accent2"/>
+            </a:effectRef>
+            <a:fontRef idx="minor">
+              <a:schemeClr val="lt1"/>
+            </a:fontRef>
+          </p:style>
+          <p:txBody>
+            <a:bodyPr rtlCol="0" anchor="ctr"/>
+            <a:lstStyle/>
+            <a:p>
+              <a:pPr algn="ctr"/>
+              <a:r>
+                <a:rPr lang="en-US" sz="2100" dirty="0" smtClean="0">
+                  <a:solidFill>
+                    <a:schemeClr val="tx1"/>
+                  </a:solidFill>
+                  <a:latin typeface="Tahoma" pitchFamily="34" charset="0"/>
+                  <a:ea typeface="Tahoma" pitchFamily="34" charset="0"/>
+                  <a:cs typeface="Tahoma" pitchFamily="34" charset="0"/>
+                </a:rPr>
+                <a:t>Text Chat</a:t>
+              </a:r>
+              <a:endParaRPr lang="en-US" sz="2100" dirty="0">
+                <a:solidFill>
+                  <a:schemeClr val="tx1"/>
+                </a:solidFill>
+                <a:latin typeface="Tahoma" pitchFamily="34" charset="0"/>
+                <a:ea typeface="Tahoma" pitchFamily="34" charset="0"/>
+                <a:cs typeface="Tahoma" pitchFamily="34" charset="0"/>
+              </a:endParaRPr>
+            </a:p>
+          </p:txBody>
+        </p:sp>
+        <p:sp>
+          <p:nvSpPr>
+            <p:cNvPr id="52" name="Rectangle 51"/>
+            <p:cNvSpPr/>
+            <p:nvPr/>
+          </p:nvSpPr>
+          <p:spPr>
+            <a:xfrm>
+              <a:off x="3175000" y="4648200"/>
+              <a:ext cx="2590800" cy="1981200"/>
+            </a:xfrm>
+            <a:prstGeom prst="rect">
+              <a:avLst/>
+            </a:prstGeom>
+            <a:solidFill>
+              <a:schemeClr val="accent2">
+                <a:lumMod val="20000"/>
+                <a:lumOff val="80000"/>
+              </a:schemeClr>
+            </a:solidFill>
+            <a:ln>
+              <a:noFill/>
+            </a:ln>
+          </p:spPr>
+          <p:style>
+            <a:lnRef idx="1">
+              <a:schemeClr val="accent2"/>
+            </a:lnRef>
+            <a:fillRef idx="3">
+              <a:schemeClr val="accent2"/>
+            </a:fillRef>
+            <a:effectRef idx="2">
+              <a:schemeClr val="accent2"/>
+            </a:effectRef>
+            <a:fontRef idx="minor">
+              <a:schemeClr val="lt1"/>
+            </a:fontRef>
+          </p:style>
+          <p:txBody>
+            <a:bodyPr rtlCol="0" anchor="ctr"/>
+            <a:lstStyle/>
+            <a:p>
+              <a:pPr algn="ctr"/>
+              <a:r>
+                <a:rPr lang="en-US" sz="2100" dirty="0" smtClean="0">
+                  <a:solidFill>
+                    <a:schemeClr val="tx1"/>
+                  </a:solidFill>
+                  <a:latin typeface="Tahoma" pitchFamily="34" charset="0"/>
+                  <a:ea typeface="Tahoma" pitchFamily="34" charset="0"/>
+                  <a:cs typeface="Tahoma" pitchFamily="34" charset="0"/>
+                </a:rPr>
+                <a:t>Console</a:t>
+              </a:r>
+              <a:endParaRPr lang="en-US" sz="2100" dirty="0">
+                <a:solidFill>
+                  <a:schemeClr val="tx1"/>
+                </a:solidFill>
+                <a:latin typeface="Tahoma" pitchFamily="34" charset="0"/>
+                <a:ea typeface="Tahoma" pitchFamily="34" charset="0"/>
+                <a:cs typeface="Tahoma" pitchFamily="34" charset="0"/>
+              </a:endParaRPr>
+            </a:p>
+          </p:txBody>
+        </p:sp>
+      </p:grpSp>
+      <p:sp>
+        <p:nvSpPr>
+          <p:cNvPr id="53" name="Rectangle 52"/>
+          <p:cNvSpPr/>
+          <p:nvPr/>
+        </p:nvSpPr>
+        <p:spPr>
+          <a:xfrm>
+            <a:off x="3708400" y="5715000"/>
+            <a:ext cx="838200" cy="457200"/>
           </a:xfrm>
           <a:prstGeom prst="rect">
             <a:avLst/>
           </a:prstGeom>
-          <a:noFill/>
-          <a:ln w="9525">
+          <a:solidFill>
+            <a:schemeClr val="accent2">
+              <a:lumMod val="75000"/>
+            </a:schemeClr>
+          </a:solidFill>
+          <a:ln>
             <a:noFill/>
-            <a:miter lim="800000"/>
-            <a:headEnd/>
-            <a:tailEnd/>
           </a:ln>
-          <a:effectLst/>
         </p:spPr>
-        <p:txBody>
-          <a:bodyPr lIns="0" tIns="0" rIns="0" bIns="0">
-            <a:spAutoFit/>
-          </a:bodyPr>
+        <p:style>
+          <a:lnRef idx="1">
+            <a:schemeClr val="accent2"/>
+          </a:lnRef>
+          <a:fillRef idx="3">
+            <a:schemeClr val="accent2"/>
+          </a:fillRef>
+          <a:effectRef idx="2">
+            <a:schemeClr val="accent2"/>
+          </a:effectRef>
+          <a:fontRef idx="minor">
+            <a:schemeClr val="lt1"/>
+          </a:fontRef>
+        </p:style>
+        <p:txBody>
+          <a:bodyPr rtlCol="0" anchor="ctr"/>
           <a:lstStyle/>
           <a:p>
-            <a:pPr>
-              <a:lnSpc>
-                <a:spcPct val="95000"/>
-              </a:lnSpc>
-            </a:pPr>
-            <a:r>
-              <a:rPr lang="en-US" sz="2700" dirty="0">
-                <a:latin typeface="Arial" pitchFamily="34" charset="0"/>
+            <a:pPr algn="ctr"/>
+            <a:r>
+              <a:rPr lang="en-US" sz="2100" dirty="0" smtClean="0">
+                <a:solidFill>
+                  <a:schemeClr val="bg1"/>
+                </a:solidFill>
+                <a:latin typeface="Tahoma" pitchFamily="34" charset="0"/>
+                <a:ea typeface="Tahoma" pitchFamily="34" charset="0"/>
+                <a:cs typeface="Tahoma" pitchFamily="34" charset="0"/>
               </a:rPr>
-              <a:t>screen shot of </a:t>
-            </a:r>
-            <a:r>
-              <a:rPr lang="en-US" sz="2700" dirty="0" err="1">
-                <a:latin typeface="Arial" pitchFamily="34" charset="0"/>
-              </a:rPr>
-              <a:t>django</a:t>
-            </a:r>
-            <a:r>
-              <a:rPr lang="en-US" sz="2700" dirty="0">
-                <a:latin typeface="Arial" pitchFamily="34" charset="0"/>
-              </a:rPr>
-              <a:t> pages here with labels</a:t>
-            </a:r>
+              <a:t>SSH</a:t>
+            </a:r>
+            <a:endParaRPr lang="en-US" sz="2100" dirty="0">
+              <a:solidFill>
+                <a:schemeClr val="bg1"/>
+              </a:solidFill>
+              <a:latin typeface="Tahoma" pitchFamily="34" charset="0"/>
+              <a:ea typeface="Tahoma" pitchFamily="34" charset="0"/>
+              <a:cs typeface="Tahoma" pitchFamily="34" charset="0"/>
+            </a:endParaRPr>
           </a:p>
         </p:txBody>
       </p:sp>
@@ -7160,13 +8868,670 @@
           <a:lstStyle/>
           <a:p>
             <a:r>
-              <a:rPr lang="en-US" dirty="0" err="1" smtClean="0"/>
+              <a:rPr lang="en-US" dirty="0" smtClean="0"/>
+              <a:t>Data </a:t>
+            </a:r>
+            <a:r>
+              <a:rPr lang="en-US" dirty="0" smtClean="0"/>
+              <a:t>Flow ~ Passenger</a:t>
+            </a:r>
+            <a:endParaRPr lang="en-US" dirty="0"/>
+          </a:p>
+        </p:txBody>
+      </p:sp>
+      <p:sp>
+        <p:nvSpPr>
+          <p:cNvPr id="7" name="Rectangle 6"/>
+          <p:cNvSpPr/>
+          <p:nvPr/>
+        </p:nvSpPr>
+        <p:spPr>
+          <a:xfrm>
+            <a:off x="3632200" y="1752600"/>
+            <a:ext cx="2971800" cy="990600"/>
+          </a:xfrm>
+          <a:prstGeom prst="rect">
+            <a:avLst/>
+          </a:prstGeom>
+          <a:solidFill>
+            <a:schemeClr val="tx2">
+              <a:lumMod val="40000"/>
+              <a:lumOff val="60000"/>
+            </a:schemeClr>
+          </a:solidFill>
+          <a:ln>
+            <a:noFill/>
+          </a:ln>
+        </p:spPr>
+        <p:style>
+          <a:lnRef idx="1">
+            <a:schemeClr val="accent2"/>
+          </a:lnRef>
+          <a:fillRef idx="3">
+            <a:schemeClr val="accent2"/>
+          </a:fillRef>
+          <a:effectRef idx="2">
+            <a:schemeClr val="accent2"/>
+          </a:effectRef>
+          <a:fontRef idx="minor">
+            <a:schemeClr val="lt1"/>
+          </a:fontRef>
+        </p:style>
+        <p:txBody>
+          <a:bodyPr rtlCol="0" anchor="ctr"/>
+          <a:lstStyle/>
+          <a:p>
+            <a:pPr algn="ctr"/>
+            <a:r>
+              <a:rPr lang="en-US" sz="2100" dirty="0" err="1" smtClean="0">
+                <a:solidFill>
+                  <a:schemeClr val="tx1"/>
+                </a:solidFill>
+                <a:latin typeface="Tahoma" pitchFamily="34" charset="0"/>
+                <a:ea typeface="Tahoma" pitchFamily="34" charset="0"/>
+                <a:cs typeface="Tahoma" pitchFamily="34" charset="0"/>
+              </a:rPr>
               <a:t>Django</a:t>
             </a:r>
-            <a:endParaRPr lang="en-US" dirty="0"/>
-          </a:p>
-        </p:txBody>
-      </p:sp>
+            <a:r>
+              <a:rPr lang="en-US" sz="2100" dirty="0" smtClean="0">
+                <a:solidFill>
+                  <a:schemeClr val="tx1"/>
+                </a:solidFill>
+                <a:latin typeface="Tahoma" pitchFamily="34" charset="0"/>
+                <a:ea typeface="Tahoma" pitchFamily="34" charset="0"/>
+                <a:cs typeface="Tahoma" pitchFamily="34" charset="0"/>
+              </a:rPr>
+              <a:t> &amp; Subversion Server (Apache)</a:t>
+            </a:r>
+            <a:endParaRPr lang="en-US" sz="2100" dirty="0">
+              <a:solidFill>
+                <a:schemeClr val="tx1"/>
+              </a:solidFill>
+              <a:latin typeface="Tahoma" pitchFamily="34" charset="0"/>
+              <a:ea typeface="Tahoma" pitchFamily="34" charset="0"/>
+              <a:cs typeface="Tahoma" pitchFamily="34" charset="0"/>
+            </a:endParaRPr>
+          </a:p>
+        </p:txBody>
+      </p:sp>
+      <p:sp>
+        <p:nvSpPr>
+          <p:cNvPr id="10" name="Rectangle 9"/>
+          <p:cNvSpPr/>
+          <p:nvPr/>
+        </p:nvSpPr>
+        <p:spPr>
+          <a:xfrm>
+            <a:off x="3784600" y="3200400"/>
+            <a:ext cx="2590800" cy="990600"/>
+          </a:xfrm>
+          <a:prstGeom prst="rect">
+            <a:avLst/>
+          </a:prstGeom>
+          <a:solidFill>
+            <a:schemeClr val="accent1">
+              <a:lumMod val="60000"/>
+              <a:lumOff val="40000"/>
+            </a:schemeClr>
+          </a:solidFill>
+          <a:ln>
+            <a:noFill/>
+          </a:ln>
+        </p:spPr>
+        <p:style>
+          <a:lnRef idx="1">
+            <a:schemeClr val="accent2"/>
+          </a:lnRef>
+          <a:fillRef idx="3">
+            <a:schemeClr val="accent2"/>
+          </a:fillRef>
+          <a:effectRef idx="2">
+            <a:schemeClr val="accent2"/>
+          </a:effectRef>
+          <a:fontRef idx="minor">
+            <a:schemeClr val="lt1"/>
+          </a:fontRef>
+        </p:style>
+        <p:txBody>
+          <a:bodyPr rtlCol="0" anchor="ctr"/>
+          <a:lstStyle/>
+          <a:p>
+            <a:pPr algn="ctr"/>
+            <a:r>
+              <a:rPr lang="en-US" sz="2100" dirty="0" err="1" smtClean="0">
+                <a:solidFill>
+                  <a:schemeClr val="tx1"/>
+                </a:solidFill>
+                <a:latin typeface="Tahoma" pitchFamily="34" charset="0"/>
+                <a:ea typeface="Tahoma" pitchFamily="34" charset="0"/>
+                <a:cs typeface="Tahoma" pitchFamily="34" charset="0"/>
+              </a:rPr>
+              <a:t>Ajaxterm</a:t>
+            </a:r>
+            <a:r>
+              <a:rPr lang="en-US" sz="2100" dirty="0" smtClean="0">
+                <a:solidFill>
+                  <a:schemeClr val="tx1"/>
+                </a:solidFill>
+                <a:latin typeface="Tahoma" pitchFamily="34" charset="0"/>
+                <a:ea typeface="Tahoma" pitchFamily="34" charset="0"/>
+                <a:cs typeface="Tahoma" pitchFamily="34" charset="0"/>
+              </a:rPr>
+              <a:t> Server (standalone)</a:t>
+            </a:r>
+            <a:endParaRPr lang="en-US" sz="2100" dirty="0">
+              <a:solidFill>
+                <a:schemeClr val="tx1"/>
+              </a:solidFill>
+              <a:latin typeface="Tahoma" pitchFamily="34" charset="0"/>
+              <a:ea typeface="Tahoma" pitchFamily="34" charset="0"/>
+              <a:cs typeface="Tahoma" pitchFamily="34" charset="0"/>
+            </a:endParaRPr>
+          </a:p>
+        </p:txBody>
+      </p:sp>
+      <p:sp>
+        <p:nvSpPr>
+          <p:cNvPr id="24" name="TextBox 23"/>
+          <p:cNvSpPr txBox="1"/>
+          <p:nvPr/>
+        </p:nvSpPr>
+        <p:spPr>
+          <a:xfrm>
+            <a:off x="3673501" y="6594902"/>
+            <a:ext cx="949299" cy="415498"/>
+          </a:xfrm>
+          <a:prstGeom prst="rect">
+            <a:avLst/>
+          </a:prstGeom>
+          <a:noFill/>
+          <a:ln>
+            <a:solidFill>
+              <a:schemeClr val="accent2">
+                <a:lumMod val="75000"/>
+              </a:schemeClr>
+            </a:solidFill>
+          </a:ln>
+        </p:spPr>
+        <p:txBody>
+          <a:bodyPr wrap="none" rtlCol="0">
+            <a:spAutoFit/>
+          </a:bodyPr>
+          <a:lstStyle/>
+          <a:p>
+            <a:r>
+              <a:rPr lang="en-US" sz="2100" b="1" dirty="0" smtClean="0"/>
+              <a:t>Driver</a:t>
+            </a:r>
+            <a:endParaRPr lang="en-US" sz="2100" b="1" dirty="0"/>
+          </a:p>
+        </p:txBody>
+      </p:sp>
+      <p:sp>
+        <p:nvSpPr>
+          <p:cNvPr id="25" name="TextBox 24"/>
+          <p:cNvSpPr txBox="1"/>
+          <p:nvPr/>
+        </p:nvSpPr>
+        <p:spPr>
+          <a:xfrm>
+            <a:off x="5537200" y="6594902"/>
+            <a:ext cx="1337226" cy="415498"/>
+          </a:xfrm>
+          <a:prstGeom prst="rect">
+            <a:avLst/>
+          </a:prstGeom>
+          <a:noFill/>
+          <a:ln>
+            <a:solidFill>
+              <a:schemeClr val="accent2">
+                <a:lumMod val="75000"/>
+              </a:schemeClr>
+            </a:solidFill>
+          </a:ln>
+        </p:spPr>
+        <p:txBody>
+          <a:bodyPr wrap="none" rtlCol="0">
+            <a:spAutoFit/>
+          </a:bodyPr>
+          <a:lstStyle/>
+          <a:p>
+            <a:r>
+              <a:rPr lang="en-US" sz="2100" b="1" dirty="0" smtClean="0"/>
+              <a:t>Passenger</a:t>
+            </a:r>
+            <a:endParaRPr lang="en-US" sz="2100" b="1" dirty="0"/>
+          </a:p>
+        </p:txBody>
+      </p:sp>
+      <p:sp>
+        <p:nvSpPr>
+          <p:cNvPr id="61" name="Rectangle 60"/>
+          <p:cNvSpPr/>
+          <p:nvPr/>
+        </p:nvSpPr>
+        <p:spPr>
+          <a:xfrm>
+            <a:off x="5765800" y="5715000"/>
+            <a:ext cx="838200" cy="457200"/>
+          </a:xfrm>
+          <a:prstGeom prst="rect">
+            <a:avLst/>
+          </a:prstGeom>
+          <a:solidFill>
+            <a:schemeClr val="accent2">
+              <a:lumMod val="75000"/>
+            </a:schemeClr>
+          </a:solidFill>
+          <a:ln>
+            <a:noFill/>
+          </a:ln>
+        </p:spPr>
+        <p:style>
+          <a:lnRef idx="1">
+            <a:schemeClr val="accent2"/>
+          </a:lnRef>
+          <a:fillRef idx="3">
+            <a:schemeClr val="accent2"/>
+          </a:fillRef>
+          <a:effectRef idx="2">
+            <a:schemeClr val="accent2"/>
+          </a:effectRef>
+          <a:fontRef idx="minor">
+            <a:schemeClr val="lt1"/>
+          </a:fontRef>
+        </p:style>
+        <p:txBody>
+          <a:bodyPr rtlCol="0" anchor="ctr"/>
+          <a:lstStyle/>
+          <a:p>
+            <a:pPr algn="ctr"/>
+            <a:r>
+              <a:rPr lang="en-US" sz="2100" dirty="0" smtClean="0">
+                <a:solidFill>
+                  <a:schemeClr val="bg1"/>
+                </a:solidFill>
+                <a:latin typeface="Tahoma" pitchFamily="34" charset="0"/>
+                <a:ea typeface="Tahoma" pitchFamily="34" charset="0"/>
+                <a:cs typeface="Tahoma" pitchFamily="34" charset="0"/>
+              </a:rPr>
+              <a:t>SSH</a:t>
+            </a:r>
+            <a:endParaRPr lang="en-US" sz="2100" dirty="0">
+              <a:solidFill>
+                <a:schemeClr val="bg1"/>
+              </a:solidFill>
+              <a:latin typeface="Tahoma" pitchFamily="34" charset="0"/>
+              <a:ea typeface="Tahoma" pitchFamily="34" charset="0"/>
+              <a:cs typeface="Tahoma" pitchFamily="34" charset="0"/>
+            </a:endParaRPr>
+          </a:p>
+        </p:txBody>
+      </p:sp>
+      <p:grpSp>
+        <p:nvGrpSpPr>
+          <p:cNvPr id="3" name="Group 61"/>
+          <p:cNvGrpSpPr/>
+          <p:nvPr/>
+        </p:nvGrpSpPr>
+        <p:grpSpPr>
+          <a:xfrm>
+            <a:off x="7213600" y="4800600"/>
+            <a:ext cx="2819400" cy="2286000"/>
+            <a:chOff x="584200" y="4648200"/>
+            <a:chExt cx="5181600" cy="2971800"/>
+          </a:xfrm>
+          <a:solidFill>
+            <a:schemeClr val="accent2">
+              <a:lumMod val="40000"/>
+              <a:lumOff val="60000"/>
+            </a:schemeClr>
+          </a:solidFill>
+        </p:grpSpPr>
+        <p:sp>
+          <p:nvSpPr>
+            <p:cNvPr id="63" name="Rectangle 62"/>
+            <p:cNvSpPr/>
+            <p:nvPr/>
+          </p:nvSpPr>
+          <p:spPr>
+            <a:xfrm>
+              <a:off x="584200" y="4648200"/>
+              <a:ext cx="2590800" cy="2971800"/>
+            </a:xfrm>
+            <a:prstGeom prst="rect">
+              <a:avLst/>
+            </a:prstGeom>
+            <a:solidFill>
+              <a:schemeClr val="accent2">
+                <a:lumMod val="60000"/>
+                <a:lumOff val="40000"/>
+              </a:schemeClr>
+            </a:solidFill>
+            <a:ln>
+              <a:noFill/>
+            </a:ln>
+          </p:spPr>
+          <p:style>
+            <a:lnRef idx="1">
+              <a:schemeClr val="accent2"/>
+            </a:lnRef>
+            <a:fillRef idx="3">
+              <a:schemeClr val="accent2"/>
+            </a:fillRef>
+            <a:effectRef idx="2">
+              <a:schemeClr val="accent2"/>
+            </a:effectRef>
+            <a:fontRef idx="minor">
+              <a:schemeClr val="lt1"/>
+            </a:fontRef>
+          </p:style>
+          <p:txBody>
+            <a:bodyPr rtlCol="0" anchor="ctr"/>
+            <a:lstStyle/>
+            <a:p>
+              <a:pPr algn="ctr"/>
+              <a:r>
+                <a:rPr lang="en-US" sz="2100" dirty="0" smtClean="0">
+                  <a:solidFill>
+                    <a:schemeClr val="tx1"/>
+                  </a:solidFill>
+                  <a:latin typeface="Tahoma" pitchFamily="34" charset="0"/>
+                  <a:ea typeface="Tahoma" pitchFamily="34" charset="0"/>
+                  <a:cs typeface="Tahoma" pitchFamily="34" charset="0"/>
+                </a:rPr>
+                <a:t>Editor</a:t>
+              </a:r>
+              <a:endParaRPr lang="en-US" sz="2100" dirty="0">
+                <a:solidFill>
+                  <a:schemeClr val="tx1"/>
+                </a:solidFill>
+                <a:latin typeface="Tahoma" pitchFamily="34" charset="0"/>
+                <a:ea typeface="Tahoma" pitchFamily="34" charset="0"/>
+                <a:cs typeface="Tahoma" pitchFamily="34" charset="0"/>
+              </a:endParaRPr>
+            </a:p>
+          </p:txBody>
+        </p:sp>
+        <p:sp>
+          <p:nvSpPr>
+            <p:cNvPr id="64" name="Rectangle 63"/>
+            <p:cNvSpPr/>
+            <p:nvPr/>
+          </p:nvSpPr>
+          <p:spPr>
+            <a:xfrm>
+              <a:off x="3175000" y="6629400"/>
+              <a:ext cx="2590800" cy="990600"/>
+            </a:xfrm>
+            <a:prstGeom prst="rect">
+              <a:avLst/>
+            </a:prstGeom>
+            <a:grpFill/>
+            <a:ln>
+              <a:noFill/>
+            </a:ln>
+          </p:spPr>
+          <p:style>
+            <a:lnRef idx="1">
+              <a:schemeClr val="accent2"/>
+            </a:lnRef>
+            <a:fillRef idx="3">
+              <a:schemeClr val="accent2"/>
+            </a:fillRef>
+            <a:effectRef idx="2">
+              <a:schemeClr val="accent2"/>
+            </a:effectRef>
+            <a:fontRef idx="minor">
+              <a:schemeClr val="lt1"/>
+            </a:fontRef>
+          </p:style>
+          <p:txBody>
+            <a:bodyPr rtlCol="0" anchor="ctr"/>
+            <a:lstStyle/>
+            <a:p>
+              <a:pPr algn="ctr"/>
+              <a:r>
+                <a:rPr lang="en-US" sz="2100" dirty="0" smtClean="0">
+                  <a:solidFill>
+                    <a:schemeClr val="tx1"/>
+                  </a:solidFill>
+                  <a:latin typeface="Tahoma" pitchFamily="34" charset="0"/>
+                  <a:ea typeface="Tahoma" pitchFamily="34" charset="0"/>
+                  <a:cs typeface="Tahoma" pitchFamily="34" charset="0"/>
+                </a:rPr>
+                <a:t>Text Chat</a:t>
+              </a:r>
+              <a:endParaRPr lang="en-US" sz="2100" dirty="0">
+                <a:solidFill>
+                  <a:schemeClr val="tx1"/>
+                </a:solidFill>
+                <a:latin typeface="Tahoma" pitchFamily="34" charset="0"/>
+                <a:ea typeface="Tahoma" pitchFamily="34" charset="0"/>
+                <a:cs typeface="Tahoma" pitchFamily="34" charset="0"/>
+              </a:endParaRPr>
+            </a:p>
+          </p:txBody>
+        </p:sp>
+        <p:sp>
+          <p:nvSpPr>
+            <p:cNvPr id="65" name="Rectangle 64"/>
+            <p:cNvSpPr/>
+            <p:nvPr/>
+          </p:nvSpPr>
+          <p:spPr>
+            <a:xfrm>
+              <a:off x="3175000" y="4648200"/>
+              <a:ext cx="2590800" cy="1981200"/>
+            </a:xfrm>
+            <a:prstGeom prst="rect">
+              <a:avLst/>
+            </a:prstGeom>
+            <a:solidFill>
+              <a:schemeClr val="accent2">
+                <a:lumMod val="20000"/>
+                <a:lumOff val="80000"/>
+              </a:schemeClr>
+            </a:solidFill>
+            <a:ln>
+              <a:noFill/>
+            </a:ln>
+          </p:spPr>
+          <p:style>
+            <a:lnRef idx="1">
+              <a:schemeClr val="accent2"/>
+            </a:lnRef>
+            <a:fillRef idx="3">
+              <a:schemeClr val="accent2"/>
+            </a:fillRef>
+            <a:effectRef idx="2">
+              <a:schemeClr val="accent2"/>
+            </a:effectRef>
+            <a:fontRef idx="minor">
+              <a:schemeClr val="lt1"/>
+            </a:fontRef>
+          </p:style>
+          <p:txBody>
+            <a:bodyPr rtlCol="0" anchor="ctr"/>
+            <a:lstStyle/>
+            <a:p>
+              <a:pPr algn="ctr"/>
+              <a:r>
+                <a:rPr lang="en-US" sz="2100" dirty="0" smtClean="0">
+                  <a:solidFill>
+                    <a:schemeClr val="tx1"/>
+                  </a:solidFill>
+                  <a:latin typeface="Tahoma" pitchFamily="34" charset="0"/>
+                  <a:ea typeface="Tahoma" pitchFamily="34" charset="0"/>
+                  <a:cs typeface="Tahoma" pitchFamily="34" charset="0"/>
+                </a:rPr>
+                <a:t>Console</a:t>
+              </a:r>
+              <a:endParaRPr lang="en-US" sz="2100" dirty="0">
+                <a:solidFill>
+                  <a:schemeClr val="tx1"/>
+                </a:solidFill>
+                <a:latin typeface="Tahoma" pitchFamily="34" charset="0"/>
+                <a:ea typeface="Tahoma" pitchFamily="34" charset="0"/>
+                <a:cs typeface="Tahoma" pitchFamily="34" charset="0"/>
+              </a:endParaRPr>
+            </a:p>
+          </p:txBody>
+        </p:sp>
+      </p:grpSp>
+      <p:cxnSp>
+        <p:nvCxnSpPr>
+          <p:cNvPr id="104" name="Elbow Connector 103"/>
+          <p:cNvCxnSpPr>
+            <a:stCxn id="10" idx="2"/>
+            <a:endCxn id="61" idx="0"/>
+          </p:cNvCxnSpPr>
+          <p:nvPr/>
+        </p:nvCxnSpPr>
+        <p:spPr>
+          <a:xfrm rot="16200000" flipH="1">
+            <a:off x="4870450" y="4400550"/>
+            <a:ext cx="1524000" cy="1104900"/>
+          </a:xfrm>
+          <a:prstGeom prst="bentConnector3">
+            <a:avLst>
+              <a:gd name="adj1" fmla="val 50000"/>
+            </a:avLst>
+          </a:prstGeom>
+          <a:ln>
+            <a:headEnd type="arrow"/>
+            <a:tailEnd type="arrow"/>
+          </a:ln>
+        </p:spPr>
+        <p:style>
+          <a:lnRef idx="3">
+            <a:schemeClr val="accent3"/>
+          </a:lnRef>
+          <a:fillRef idx="0">
+            <a:schemeClr val="accent3"/>
+          </a:fillRef>
+          <a:effectRef idx="2">
+            <a:schemeClr val="accent3"/>
+          </a:effectRef>
+          <a:fontRef idx="minor">
+            <a:schemeClr val="tx1"/>
+          </a:fontRef>
+        </p:style>
+      </p:cxnSp>
+      <p:cxnSp>
+        <p:nvCxnSpPr>
+          <p:cNvPr id="106" name="Shape 105"/>
+          <p:cNvCxnSpPr>
+            <a:stCxn id="10" idx="3"/>
+            <a:endCxn id="65" idx="0"/>
+          </p:cNvCxnSpPr>
+          <p:nvPr/>
+        </p:nvCxnSpPr>
+        <p:spPr>
+          <a:xfrm>
+            <a:off x="6375400" y="3695700"/>
+            <a:ext cx="2952750" cy="1104900"/>
+          </a:xfrm>
+          <a:prstGeom prst="bentConnector2">
+            <a:avLst/>
+          </a:prstGeom>
+          <a:ln>
+            <a:headEnd type="arrow"/>
+            <a:tailEnd type="arrow"/>
+          </a:ln>
+        </p:spPr>
+        <p:style>
+          <a:lnRef idx="3">
+            <a:schemeClr val="accent3"/>
+          </a:lnRef>
+          <a:fillRef idx="0">
+            <a:schemeClr val="accent3"/>
+          </a:fillRef>
+          <a:effectRef idx="2">
+            <a:schemeClr val="accent3"/>
+          </a:effectRef>
+          <a:fontRef idx="minor">
+            <a:schemeClr val="tx1"/>
+          </a:fontRef>
+        </p:style>
+      </p:cxnSp>
+      <p:cxnSp>
+        <p:nvCxnSpPr>
+          <p:cNvPr id="108" name="Shape 107"/>
+          <p:cNvCxnSpPr>
+            <a:stCxn id="7" idx="3"/>
+            <a:endCxn id="63" idx="0"/>
+          </p:cNvCxnSpPr>
+          <p:nvPr/>
+        </p:nvCxnSpPr>
+        <p:spPr>
+          <a:xfrm>
+            <a:off x="6604000" y="2247900"/>
+            <a:ext cx="1314450" cy="2552700"/>
+          </a:xfrm>
+          <a:prstGeom prst="bentConnector2">
+            <a:avLst/>
+          </a:prstGeom>
+          <a:ln>
+            <a:headEnd type="arrow"/>
+            <a:tailEnd type="arrow"/>
+          </a:ln>
+        </p:spPr>
+        <p:style>
+          <a:lnRef idx="3">
+            <a:schemeClr val="accent4"/>
+          </a:lnRef>
+          <a:fillRef idx="0">
+            <a:schemeClr val="accent4"/>
+          </a:fillRef>
+          <a:effectRef idx="2">
+            <a:schemeClr val="accent4"/>
+          </a:effectRef>
+          <a:fontRef idx="minor">
+            <a:schemeClr val="tx1"/>
+          </a:fontRef>
+        </p:style>
+      </p:cxnSp>
+      <p:cxnSp>
+        <p:nvCxnSpPr>
+          <p:cNvPr id="110" name="Shape 109"/>
+          <p:cNvCxnSpPr>
+            <a:stCxn id="7" idx="3"/>
+            <a:endCxn id="64" idx="1"/>
+          </p:cNvCxnSpPr>
+          <p:nvPr/>
+        </p:nvCxnSpPr>
+        <p:spPr>
+          <a:xfrm>
+            <a:off x="6604000" y="2247900"/>
+            <a:ext cx="2019300" cy="4457700"/>
+          </a:xfrm>
+          <a:prstGeom prst="bentConnector3">
+            <a:avLst>
+              <a:gd name="adj1" fmla="val 86981"/>
+            </a:avLst>
+          </a:prstGeom>
+          <a:ln>
+            <a:headEnd type="arrow"/>
+            <a:tailEnd type="arrow"/>
+          </a:ln>
+        </p:spPr>
+        <p:style>
+          <a:lnRef idx="3">
+            <a:schemeClr val="accent4"/>
+          </a:lnRef>
+          <a:fillRef idx="0">
+            <a:schemeClr val="accent4"/>
+          </a:fillRef>
+          <a:effectRef idx="2">
+            <a:schemeClr val="accent4"/>
+          </a:effectRef>
+          <a:fontRef idx="minor">
+            <a:schemeClr val="tx1"/>
+          </a:fontRef>
+        </p:style>
+      </p:cxnSp>
     </p:spTree>
   </p:cSld>
   <p:clrMapOvr>
@@ -7185,6 +9550,16 @@
 <file path=ppt/slides/slide7.xml><?xml version="1.0" encoding="utf-8"?>
 <p:sld xmlns:a="http://schemas.openxmlformats.org/drawingml/2006/main" xmlns:r="http://schemas.openxmlformats.org/officeDocument/2006/relationships" xmlns:p="http://schemas.openxmlformats.org/presentationml/2006/main">
   <p:cSld>
+    <p:bg>
+      <p:bgPr>
+        <a:solidFill>
+          <a:schemeClr val="bg1">
+            <a:alpha val="0"/>
+          </a:schemeClr>
+        </a:solidFill>
+        <a:effectLst/>
+      </p:bgPr>
+    </p:bg>
     <p:spTree>
       <p:nvGrpSpPr>
         <p:cNvPr id="1" name=""/>
@@ -7199,79 +9574,283 @@
           <a:chExt cx="0" cy="0"/>
         </a:xfrm>
       </p:grpSpPr>
-      <p:sp>
-        <p:nvSpPr>
-          <p:cNvPr id="8" name="Content Placeholder 7"/>
-          <p:cNvSpPr>
-            <a:spLocks noGrp="1"/>
-          </p:cNvSpPr>
-          <p:nvPr>
-            <p:ph idx="1"/>
-          </p:nvPr>
-        </p:nvSpPr>
-        <p:spPr/>
-        <p:txBody>
-          <a:bodyPr/>
-          <a:lstStyle/>
-          <a:p>
-            <a:endParaRPr lang="en-US"/>
-          </a:p>
-        </p:txBody>
-      </p:sp>
-      <p:sp>
-        <p:nvSpPr>
-          <p:cNvPr id="12292" name="Text Box 4"/>
-          <p:cNvSpPr txBox="1">
-            <a:spLocks noChangeArrowheads="1"/>
-          </p:cNvSpPr>
+      <p:grpSp>
+        <p:nvGrpSpPr>
+          <p:cNvPr id="49" name="Group 48"/>
+          <p:cNvGrpSpPr/>
           <p:nvPr/>
-        </p:nvSpPr>
-        <p:spPr bwMode="auto">
+        </p:nvGrpSpPr>
+        <p:grpSpPr>
           <a:xfrm>
-            <a:off x="2482850" y="1905003"/>
-            <a:ext cx="5194300" cy="789447"/>
+            <a:off x="127000" y="4800600"/>
+            <a:ext cx="2819400" cy="2286000"/>
+            <a:chOff x="584200" y="4648200"/>
+            <a:chExt cx="5181600" cy="2971800"/>
+          </a:xfrm>
+          <a:solidFill>
+            <a:schemeClr val="accent2">
+              <a:lumMod val="40000"/>
+              <a:lumOff val="60000"/>
+            </a:schemeClr>
+          </a:solidFill>
+        </p:grpSpPr>
+        <p:sp>
+          <p:nvSpPr>
+            <p:cNvPr id="50" name="Rectangle 49"/>
+            <p:cNvSpPr/>
+            <p:nvPr/>
+          </p:nvSpPr>
+          <p:spPr>
+            <a:xfrm>
+              <a:off x="584200" y="4648200"/>
+              <a:ext cx="2590800" cy="2971800"/>
+            </a:xfrm>
+            <a:prstGeom prst="rect">
+              <a:avLst/>
+            </a:prstGeom>
+            <a:solidFill>
+              <a:schemeClr val="accent2">
+                <a:lumMod val="60000"/>
+                <a:lumOff val="40000"/>
+              </a:schemeClr>
+            </a:solidFill>
+            <a:ln>
+              <a:noFill/>
+            </a:ln>
+          </p:spPr>
+          <p:style>
+            <a:lnRef idx="1">
+              <a:schemeClr val="accent2"/>
+            </a:lnRef>
+            <a:fillRef idx="3">
+              <a:schemeClr val="accent2"/>
+            </a:fillRef>
+            <a:effectRef idx="2">
+              <a:schemeClr val="accent2"/>
+            </a:effectRef>
+            <a:fontRef idx="minor">
+              <a:schemeClr val="lt1"/>
+            </a:fontRef>
+          </p:style>
+          <p:txBody>
+            <a:bodyPr rtlCol="0" anchor="ctr"/>
+            <a:lstStyle/>
+            <a:p>
+              <a:pPr algn="ctr"/>
+              <a:r>
+                <a:rPr lang="en-US" sz="2100" dirty="0" smtClean="0">
+                  <a:solidFill>
+                    <a:schemeClr val="tx1"/>
+                  </a:solidFill>
+                  <a:latin typeface="Tahoma" pitchFamily="34" charset="0"/>
+                  <a:ea typeface="Tahoma" pitchFamily="34" charset="0"/>
+                  <a:cs typeface="Tahoma" pitchFamily="34" charset="0"/>
+                </a:rPr>
+                <a:t>Editor</a:t>
+              </a:r>
+              <a:endParaRPr lang="en-US" sz="2100" dirty="0">
+                <a:solidFill>
+                  <a:schemeClr val="tx1"/>
+                </a:solidFill>
+                <a:latin typeface="Tahoma" pitchFamily="34" charset="0"/>
+                <a:ea typeface="Tahoma" pitchFamily="34" charset="0"/>
+                <a:cs typeface="Tahoma" pitchFamily="34" charset="0"/>
+              </a:endParaRPr>
+            </a:p>
+          </p:txBody>
+        </p:sp>
+        <p:sp>
+          <p:nvSpPr>
+            <p:cNvPr id="51" name="Rectangle 50"/>
+            <p:cNvSpPr/>
+            <p:nvPr/>
+          </p:nvSpPr>
+          <p:spPr>
+            <a:xfrm>
+              <a:off x="3175000" y="6629400"/>
+              <a:ext cx="2590800" cy="990600"/>
+            </a:xfrm>
+            <a:prstGeom prst="rect">
+              <a:avLst/>
+            </a:prstGeom>
+            <a:solidFill>
+              <a:schemeClr val="accent2">
+                <a:lumMod val="40000"/>
+                <a:lumOff val="60000"/>
+              </a:schemeClr>
+            </a:solidFill>
+            <a:ln>
+              <a:noFill/>
+            </a:ln>
+          </p:spPr>
+          <p:style>
+            <a:lnRef idx="1">
+              <a:schemeClr val="accent2"/>
+            </a:lnRef>
+            <a:fillRef idx="3">
+              <a:schemeClr val="accent2"/>
+            </a:fillRef>
+            <a:effectRef idx="2">
+              <a:schemeClr val="accent2"/>
+            </a:effectRef>
+            <a:fontRef idx="minor">
+              <a:schemeClr val="lt1"/>
+            </a:fontRef>
+          </p:style>
+          <p:txBody>
+            <a:bodyPr rtlCol="0" anchor="ctr"/>
+            <a:lstStyle/>
+            <a:p>
+              <a:pPr algn="ctr"/>
+              <a:r>
+                <a:rPr lang="en-US" sz="2100" dirty="0" smtClean="0">
+                  <a:solidFill>
+                    <a:schemeClr val="tx1"/>
+                  </a:solidFill>
+                  <a:latin typeface="Tahoma" pitchFamily="34" charset="0"/>
+                  <a:ea typeface="Tahoma" pitchFamily="34" charset="0"/>
+                  <a:cs typeface="Tahoma" pitchFamily="34" charset="0"/>
+                </a:rPr>
+                <a:t>Text Chat</a:t>
+              </a:r>
+              <a:endParaRPr lang="en-US" sz="2100" dirty="0">
+                <a:solidFill>
+                  <a:schemeClr val="tx1"/>
+                </a:solidFill>
+                <a:latin typeface="Tahoma" pitchFamily="34" charset="0"/>
+                <a:ea typeface="Tahoma" pitchFamily="34" charset="0"/>
+                <a:cs typeface="Tahoma" pitchFamily="34" charset="0"/>
+              </a:endParaRPr>
+            </a:p>
+          </p:txBody>
+        </p:sp>
+        <p:sp>
+          <p:nvSpPr>
+            <p:cNvPr id="52" name="Rectangle 51"/>
+            <p:cNvSpPr/>
+            <p:nvPr/>
+          </p:nvSpPr>
+          <p:spPr>
+            <a:xfrm>
+              <a:off x="3175000" y="4648200"/>
+              <a:ext cx="2590800" cy="1981200"/>
+            </a:xfrm>
+            <a:prstGeom prst="rect">
+              <a:avLst/>
+            </a:prstGeom>
+            <a:solidFill>
+              <a:schemeClr val="accent2">
+                <a:lumMod val="20000"/>
+                <a:lumOff val="80000"/>
+              </a:schemeClr>
+            </a:solidFill>
+            <a:ln>
+              <a:noFill/>
+            </a:ln>
+          </p:spPr>
+          <p:style>
+            <a:lnRef idx="1">
+              <a:schemeClr val="accent2"/>
+            </a:lnRef>
+            <a:fillRef idx="3">
+              <a:schemeClr val="accent2"/>
+            </a:fillRef>
+            <a:effectRef idx="2">
+              <a:schemeClr val="accent2"/>
+            </a:effectRef>
+            <a:fontRef idx="minor">
+              <a:schemeClr val="lt1"/>
+            </a:fontRef>
+          </p:style>
+          <p:txBody>
+            <a:bodyPr rtlCol="0" anchor="ctr"/>
+            <a:lstStyle/>
+            <a:p>
+              <a:pPr algn="ctr"/>
+              <a:r>
+                <a:rPr lang="en-US" sz="2100" dirty="0" smtClean="0">
+                  <a:solidFill>
+                    <a:schemeClr val="tx1"/>
+                  </a:solidFill>
+                  <a:latin typeface="Tahoma" pitchFamily="34" charset="0"/>
+                  <a:ea typeface="Tahoma" pitchFamily="34" charset="0"/>
+                  <a:cs typeface="Tahoma" pitchFamily="34" charset="0"/>
+                </a:rPr>
+                <a:t>Console</a:t>
+              </a:r>
+              <a:endParaRPr lang="en-US" sz="2100" dirty="0">
+                <a:solidFill>
+                  <a:schemeClr val="tx1"/>
+                </a:solidFill>
+                <a:latin typeface="Tahoma" pitchFamily="34" charset="0"/>
+                <a:ea typeface="Tahoma" pitchFamily="34" charset="0"/>
+                <a:cs typeface="Tahoma" pitchFamily="34" charset="0"/>
+              </a:endParaRPr>
+            </a:p>
+          </p:txBody>
+        </p:sp>
+      </p:grpSp>
+      <p:sp>
+        <p:nvSpPr>
+          <p:cNvPr id="53" name="Rectangle 52"/>
+          <p:cNvSpPr/>
+          <p:nvPr/>
+        </p:nvSpPr>
+        <p:spPr>
+          <a:xfrm>
+            <a:off x="3708400" y="5715000"/>
+            <a:ext cx="838200" cy="457200"/>
           </a:xfrm>
           <a:prstGeom prst="rect">
             <a:avLst/>
           </a:prstGeom>
-          <a:noFill/>
-          <a:ln w="9525">
+          <a:solidFill>
+            <a:schemeClr val="accent2">
+              <a:lumMod val="75000"/>
+            </a:schemeClr>
+          </a:solidFill>
+          <a:ln>
             <a:noFill/>
-            <a:miter lim="800000"/>
-            <a:headEnd/>
-            <a:tailEnd/>
           </a:ln>
-          <a:effectLst/>
         </p:spPr>
-        <p:txBody>
-          <a:bodyPr lIns="0" tIns="0" rIns="0" bIns="0">
-            <a:spAutoFit/>
-          </a:bodyPr>
+        <p:style>
+          <a:lnRef idx="1">
+            <a:schemeClr val="accent2"/>
+          </a:lnRef>
+          <a:fillRef idx="3">
+            <a:schemeClr val="accent2"/>
+          </a:fillRef>
+          <a:effectRef idx="2">
+            <a:schemeClr val="accent2"/>
+          </a:effectRef>
+          <a:fontRef idx="minor">
+            <a:schemeClr val="lt1"/>
+          </a:fontRef>
+        </p:style>
+        <p:txBody>
+          <a:bodyPr rtlCol="0" anchor="ctr"/>
           <a:lstStyle/>
           <a:p>
-            <a:pPr>
-              <a:lnSpc>
-                <a:spcPct val="95000"/>
-              </a:lnSpc>
-            </a:pPr>
-            <a:r>
-              <a:rPr lang="en-US" sz="2700" dirty="0">
-                <a:latin typeface="Arial" pitchFamily="34" charset="0"/>
+            <a:pPr algn="ctr"/>
+            <a:r>
+              <a:rPr lang="en-US" sz="2100" dirty="0" smtClean="0">
+                <a:solidFill>
+                  <a:schemeClr val="bg1"/>
+                </a:solidFill>
+                <a:latin typeface="Tahoma" pitchFamily="34" charset="0"/>
+                <a:ea typeface="Tahoma" pitchFamily="34" charset="0"/>
+                <a:cs typeface="Tahoma" pitchFamily="34" charset="0"/>
               </a:rPr>
-              <a:t>screen shot of </a:t>
-            </a:r>
-            <a:r>
-              <a:rPr lang="en-US" sz="2700" dirty="0" err="1">
-                <a:latin typeface="Arial" pitchFamily="34" charset="0"/>
-              </a:rPr>
-              <a:t>pyjamas</a:t>
-            </a:r>
-            <a:r>
-              <a:rPr lang="en-US" sz="2700" dirty="0">
-                <a:latin typeface="Arial" pitchFamily="34" charset="0"/>
-              </a:rPr>
-              <a:t> app here with labels</a:t>
-            </a:r>
+              <a:t>SSH</a:t>
+            </a:r>
+            <a:endParaRPr lang="en-US" sz="2100" dirty="0">
+              <a:solidFill>
+                <a:schemeClr val="bg1"/>
+              </a:solidFill>
+              <a:latin typeface="Tahoma" pitchFamily="34" charset="0"/>
+              <a:ea typeface="Tahoma" pitchFamily="34" charset="0"/>
+              <a:cs typeface="Tahoma" pitchFamily="34" charset="0"/>
+            </a:endParaRPr>
           </a:p>
         </p:txBody>
       </p:sp>
@@ -7291,13 +9870,861 @@
           <a:lstStyle/>
           <a:p>
             <a:r>
-              <a:rPr lang="en-US" dirty="0" err="1" smtClean="0"/>
-              <a:t>Pyjamas</a:t>
+              <a:rPr lang="en-US" dirty="0" smtClean="0"/>
+              <a:t>Data </a:t>
+            </a:r>
+            <a:r>
+              <a:rPr lang="en-US" dirty="0" smtClean="0"/>
+              <a:t>Flow</a:t>
             </a:r>
             <a:endParaRPr lang="en-US" dirty="0"/>
           </a:p>
         </p:txBody>
       </p:sp>
+      <p:sp>
+        <p:nvSpPr>
+          <p:cNvPr id="7" name="Rectangle 6"/>
+          <p:cNvSpPr/>
+          <p:nvPr/>
+        </p:nvSpPr>
+        <p:spPr>
+          <a:xfrm>
+            <a:off x="3632200" y="1752600"/>
+            <a:ext cx="2971800" cy="990600"/>
+          </a:xfrm>
+          <a:prstGeom prst="rect">
+            <a:avLst/>
+          </a:prstGeom>
+          <a:solidFill>
+            <a:schemeClr val="tx2">
+              <a:lumMod val="40000"/>
+              <a:lumOff val="60000"/>
+            </a:schemeClr>
+          </a:solidFill>
+          <a:ln>
+            <a:noFill/>
+          </a:ln>
+        </p:spPr>
+        <p:style>
+          <a:lnRef idx="1">
+            <a:schemeClr val="accent2"/>
+          </a:lnRef>
+          <a:fillRef idx="3">
+            <a:schemeClr val="accent2"/>
+          </a:fillRef>
+          <a:effectRef idx="2">
+            <a:schemeClr val="accent2"/>
+          </a:effectRef>
+          <a:fontRef idx="minor">
+            <a:schemeClr val="lt1"/>
+          </a:fontRef>
+        </p:style>
+        <p:txBody>
+          <a:bodyPr rtlCol="0" anchor="ctr"/>
+          <a:lstStyle/>
+          <a:p>
+            <a:pPr algn="ctr"/>
+            <a:r>
+              <a:rPr lang="en-US" sz="2100" dirty="0" err="1" smtClean="0">
+                <a:solidFill>
+                  <a:schemeClr val="tx1"/>
+                </a:solidFill>
+                <a:latin typeface="Tahoma" pitchFamily="34" charset="0"/>
+                <a:ea typeface="Tahoma" pitchFamily="34" charset="0"/>
+                <a:cs typeface="Tahoma" pitchFamily="34" charset="0"/>
+              </a:rPr>
+              <a:t>Django</a:t>
+            </a:r>
+            <a:r>
+              <a:rPr lang="en-US" sz="2100" dirty="0" smtClean="0">
+                <a:solidFill>
+                  <a:schemeClr val="tx1"/>
+                </a:solidFill>
+                <a:latin typeface="Tahoma" pitchFamily="34" charset="0"/>
+                <a:ea typeface="Tahoma" pitchFamily="34" charset="0"/>
+                <a:cs typeface="Tahoma" pitchFamily="34" charset="0"/>
+              </a:rPr>
+              <a:t> &amp; Subversion Server (Apache)</a:t>
+            </a:r>
+            <a:endParaRPr lang="en-US" sz="2100" dirty="0">
+              <a:solidFill>
+                <a:schemeClr val="tx1"/>
+              </a:solidFill>
+              <a:latin typeface="Tahoma" pitchFamily="34" charset="0"/>
+              <a:ea typeface="Tahoma" pitchFamily="34" charset="0"/>
+              <a:cs typeface="Tahoma" pitchFamily="34" charset="0"/>
+            </a:endParaRPr>
+          </a:p>
+        </p:txBody>
+      </p:sp>
+      <p:sp>
+        <p:nvSpPr>
+          <p:cNvPr id="10" name="Rectangle 9"/>
+          <p:cNvSpPr/>
+          <p:nvPr/>
+        </p:nvSpPr>
+        <p:spPr>
+          <a:xfrm>
+            <a:off x="3784600" y="3200400"/>
+            <a:ext cx="2590800" cy="990600"/>
+          </a:xfrm>
+          <a:prstGeom prst="rect">
+            <a:avLst/>
+          </a:prstGeom>
+          <a:solidFill>
+            <a:schemeClr val="accent1">
+              <a:lumMod val="60000"/>
+              <a:lumOff val="40000"/>
+            </a:schemeClr>
+          </a:solidFill>
+          <a:ln>
+            <a:noFill/>
+          </a:ln>
+        </p:spPr>
+        <p:style>
+          <a:lnRef idx="1">
+            <a:schemeClr val="accent2"/>
+          </a:lnRef>
+          <a:fillRef idx="3">
+            <a:schemeClr val="accent2"/>
+          </a:fillRef>
+          <a:effectRef idx="2">
+            <a:schemeClr val="accent2"/>
+          </a:effectRef>
+          <a:fontRef idx="minor">
+            <a:schemeClr val="lt1"/>
+          </a:fontRef>
+        </p:style>
+        <p:txBody>
+          <a:bodyPr rtlCol="0" anchor="ctr"/>
+          <a:lstStyle/>
+          <a:p>
+            <a:pPr algn="ctr"/>
+            <a:r>
+              <a:rPr lang="en-US" sz="2100" dirty="0" err="1" smtClean="0">
+                <a:solidFill>
+                  <a:schemeClr val="tx1"/>
+                </a:solidFill>
+                <a:latin typeface="Tahoma" pitchFamily="34" charset="0"/>
+                <a:ea typeface="Tahoma" pitchFamily="34" charset="0"/>
+                <a:cs typeface="Tahoma" pitchFamily="34" charset="0"/>
+              </a:rPr>
+              <a:t>Ajaxterm</a:t>
+            </a:r>
+            <a:r>
+              <a:rPr lang="en-US" sz="2100" dirty="0" smtClean="0">
+                <a:solidFill>
+                  <a:schemeClr val="tx1"/>
+                </a:solidFill>
+                <a:latin typeface="Tahoma" pitchFamily="34" charset="0"/>
+                <a:ea typeface="Tahoma" pitchFamily="34" charset="0"/>
+                <a:cs typeface="Tahoma" pitchFamily="34" charset="0"/>
+              </a:rPr>
+              <a:t> Server (standalone)</a:t>
+            </a:r>
+            <a:endParaRPr lang="en-US" sz="2100" dirty="0">
+              <a:solidFill>
+                <a:schemeClr val="tx1"/>
+              </a:solidFill>
+              <a:latin typeface="Tahoma" pitchFamily="34" charset="0"/>
+              <a:ea typeface="Tahoma" pitchFamily="34" charset="0"/>
+              <a:cs typeface="Tahoma" pitchFamily="34" charset="0"/>
+            </a:endParaRPr>
+          </a:p>
+        </p:txBody>
+      </p:sp>
+      <p:sp>
+        <p:nvSpPr>
+          <p:cNvPr id="24" name="TextBox 23"/>
+          <p:cNvSpPr txBox="1"/>
+          <p:nvPr/>
+        </p:nvSpPr>
+        <p:spPr>
+          <a:xfrm>
+            <a:off x="3673501" y="6594902"/>
+            <a:ext cx="949299" cy="415498"/>
+          </a:xfrm>
+          <a:prstGeom prst="rect">
+            <a:avLst/>
+          </a:prstGeom>
+          <a:noFill/>
+          <a:ln>
+            <a:solidFill>
+              <a:schemeClr val="accent2">
+                <a:lumMod val="75000"/>
+              </a:schemeClr>
+            </a:solidFill>
+          </a:ln>
+        </p:spPr>
+        <p:txBody>
+          <a:bodyPr wrap="none" rtlCol="0">
+            <a:spAutoFit/>
+          </a:bodyPr>
+          <a:lstStyle/>
+          <a:p>
+            <a:r>
+              <a:rPr lang="en-US" sz="2100" b="1" dirty="0" smtClean="0"/>
+              <a:t>Driver</a:t>
+            </a:r>
+            <a:endParaRPr lang="en-US" sz="2100" b="1" dirty="0"/>
+          </a:p>
+        </p:txBody>
+      </p:sp>
+      <p:sp>
+        <p:nvSpPr>
+          <p:cNvPr id="25" name="TextBox 24"/>
+          <p:cNvSpPr txBox="1"/>
+          <p:nvPr/>
+        </p:nvSpPr>
+        <p:spPr>
+          <a:xfrm>
+            <a:off x="5537200" y="6594902"/>
+            <a:ext cx="1337226" cy="415498"/>
+          </a:xfrm>
+          <a:prstGeom prst="rect">
+            <a:avLst/>
+          </a:prstGeom>
+          <a:noFill/>
+          <a:ln>
+            <a:solidFill>
+              <a:schemeClr val="accent2">
+                <a:lumMod val="75000"/>
+              </a:schemeClr>
+            </a:solidFill>
+          </a:ln>
+        </p:spPr>
+        <p:txBody>
+          <a:bodyPr wrap="none" rtlCol="0">
+            <a:spAutoFit/>
+          </a:bodyPr>
+          <a:lstStyle/>
+          <a:p>
+            <a:r>
+              <a:rPr lang="en-US" sz="2100" b="1" dirty="0" smtClean="0"/>
+              <a:t>Passenger</a:t>
+            </a:r>
+            <a:endParaRPr lang="en-US" sz="2100" b="1" dirty="0"/>
+          </a:p>
+        </p:txBody>
+      </p:sp>
+      <p:sp>
+        <p:nvSpPr>
+          <p:cNvPr id="61" name="Rectangle 60"/>
+          <p:cNvSpPr/>
+          <p:nvPr/>
+        </p:nvSpPr>
+        <p:spPr>
+          <a:xfrm>
+            <a:off x="5765800" y="5715000"/>
+            <a:ext cx="838200" cy="457200"/>
+          </a:xfrm>
+          <a:prstGeom prst="rect">
+            <a:avLst/>
+          </a:prstGeom>
+          <a:solidFill>
+            <a:schemeClr val="accent2">
+              <a:lumMod val="75000"/>
+            </a:schemeClr>
+          </a:solidFill>
+          <a:ln>
+            <a:noFill/>
+          </a:ln>
+        </p:spPr>
+        <p:style>
+          <a:lnRef idx="1">
+            <a:schemeClr val="accent2"/>
+          </a:lnRef>
+          <a:fillRef idx="3">
+            <a:schemeClr val="accent2"/>
+          </a:fillRef>
+          <a:effectRef idx="2">
+            <a:schemeClr val="accent2"/>
+          </a:effectRef>
+          <a:fontRef idx="minor">
+            <a:schemeClr val="lt1"/>
+          </a:fontRef>
+        </p:style>
+        <p:txBody>
+          <a:bodyPr rtlCol="0" anchor="ctr"/>
+          <a:lstStyle/>
+          <a:p>
+            <a:pPr algn="ctr"/>
+            <a:r>
+              <a:rPr lang="en-US" sz="2100" dirty="0" smtClean="0">
+                <a:solidFill>
+                  <a:schemeClr val="bg1"/>
+                </a:solidFill>
+                <a:latin typeface="Tahoma" pitchFamily="34" charset="0"/>
+                <a:ea typeface="Tahoma" pitchFamily="34" charset="0"/>
+                <a:cs typeface="Tahoma" pitchFamily="34" charset="0"/>
+              </a:rPr>
+              <a:t>SSH</a:t>
+            </a:r>
+            <a:endParaRPr lang="en-US" sz="2100" dirty="0">
+              <a:solidFill>
+                <a:schemeClr val="bg1"/>
+              </a:solidFill>
+              <a:latin typeface="Tahoma" pitchFamily="34" charset="0"/>
+              <a:ea typeface="Tahoma" pitchFamily="34" charset="0"/>
+              <a:cs typeface="Tahoma" pitchFamily="34" charset="0"/>
+            </a:endParaRPr>
+          </a:p>
+        </p:txBody>
+      </p:sp>
+      <p:grpSp>
+        <p:nvGrpSpPr>
+          <p:cNvPr id="62" name="Group 61"/>
+          <p:cNvGrpSpPr/>
+          <p:nvPr/>
+        </p:nvGrpSpPr>
+        <p:grpSpPr>
+          <a:xfrm>
+            <a:off x="7213600" y="4800600"/>
+            <a:ext cx="2819400" cy="2286000"/>
+            <a:chOff x="584200" y="4648200"/>
+            <a:chExt cx="5181600" cy="2971800"/>
+          </a:xfrm>
+          <a:solidFill>
+            <a:schemeClr val="accent2">
+              <a:lumMod val="40000"/>
+              <a:lumOff val="60000"/>
+            </a:schemeClr>
+          </a:solidFill>
+        </p:grpSpPr>
+        <p:sp>
+          <p:nvSpPr>
+            <p:cNvPr id="63" name="Rectangle 62"/>
+            <p:cNvSpPr/>
+            <p:nvPr/>
+          </p:nvSpPr>
+          <p:spPr>
+            <a:xfrm>
+              <a:off x="584200" y="4648200"/>
+              <a:ext cx="2590800" cy="2971800"/>
+            </a:xfrm>
+            <a:prstGeom prst="rect">
+              <a:avLst/>
+            </a:prstGeom>
+            <a:solidFill>
+              <a:schemeClr val="accent2">
+                <a:lumMod val="60000"/>
+                <a:lumOff val="40000"/>
+              </a:schemeClr>
+            </a:solidFill>
+            <a:ln>
+              <a:noFill/>
+            </a:ln>
+          </p:spPr>
+          <p:style>
+            <a:lnRef idx="1">
+              <a:schemeClr val="accent2"/>
+            </a:lnRef>
+            <a:fillRef idx="3">
+              <a:schemeClr val="accent2"/>
+            </a:fillRef>
+            <a:effectRef idx="2">
+              <a:schemeClr val="accent2"/>
+            </a:effectRef>
+            <a:fontRef idx="minor">
+              <a:schemeClr val="lt1"/>
+            </a:fontRef>
+          </p:style>
+          <p:txBody>
+            <a:bodyPr rtlCol="0" anchor="ctr"/>
+            <a:lstStyle/>
+            <a:p>
+              <a:pPr algn="ctr"/>
+              <a:r>
+                <a:rPr lang="en-US" sz="2100" dirty="0" smtClean="0">
+                  <a:solidFill>
+                    <a:schemeClr val="tx1"/>
+                  </a:solidFill>
+                  <a:latin typeface="Tahoma" pitchFamily="34" charset="0"/>
+                  <a:ea typeface="Tahoma" pitchFamily="34" charset="0"/>
+                  <a:cs typeface="Tahoma" pitchFamily="34" charset="0"/>
+                </a:rPr>
+                <a:t>Editor</a:t>
+              </a:r>
+              <a:endParaRPr lang="en-US" sz="2100" dirty="0">
+                <a:solidFill>
+                  <a:schemeClr val="tx1"/>
+                </a:solidFill>
+                <a:latin typeface="Tahoma" pitchFamily="34" charset="0"/>
+                <a:ea typeface="Tahoma" pitchFamily="34" charset="0"/>
+                <a:cs typeface="Tahoma" pitchFamily="34" charset="0"/>
+              </a:endParaRPr>
+            </a:p>
+          </p:txBody>
+        </p:sp>
+        <p:sp>
+          <p:nvSpPr>
+            <p:cNvPr id="64" name="Rectangle 63"/>
+            <p:cNvSpPr/>
+            <p:nvPr/>
+          </p:nvSpPr>
+          <p:spPr>
+            <a:xfrm>
+              <a:off x="3175000" y="6629400"/>
+              <a:ext cx="2590800" cy="990600"/>
+            </a:xfrm>
+            <a:prstGeom prst="rect">
+              <a:avLst/>
+            </a:prstGeom>
+            <a:grpFill/>
+            <a:ln>
+              <a:noFill/>
+            </a:ln>
+          </p:spPr>
+          <p:style>
+            <a:lnRef idx="1">
+              <a:schemeClr val="accent2"/>
+            </a:lnRef>
+            <a:fillRef idx="3">
+              <a:schemeClr val="accent2"/>
+            </a:fillRef>
+            <a:effectRef idx="2">
+              <a:schemeClr val="accent2"/>
+            </a:effectRef>
+            <a:fontRef idx="minor">
+              <a:schemeClr val="lt1"/>
+            </a:fontRef>
+          </p:style>
+          <p:txBody>
+            <a:bodyPr rtlCol="0" anchor="ctr"/>
+            <a:lstStyle/>
+            <a:p>
+              <a:pPr algn="ctr"/>
+              <a:r>
+                <a:rPr lang="en-US" sz="2100" dirty="0" smtClean="0">
+                  <a:solidFill>
+                    <a:schemeClr val="tx1"/>
+                  </a:solidFill>
+                  <a:latin typeface="Tahoma" pitchFamily="34" charset="0"/>
+                  <a:ea typeface="Tahoma" pitchFamily="34" charset="0"/>
+                  <a:cs typeface="Tahoma" pitchFamily="34" charset="0"/>
+                </a:rPr>
+                <a:t>Text Chat</a:t>
+              </a:r>
+              <a:endParaRPr lang="en-US" sz="2100" dirty="0">
+                <a:solidFill>
+                  <a:schemeClr val="tx1"/>
+                </a:solidFill>
+                <a:latin typeface="Tahoma" pitchFamily="34" charset="0"/>
+                <a:ea typeface="Tahoma" pitchFamily="34" charset="0"/>
+                <a:cs typeface="Tahoma" pitchFamily="34" charset="0"/>
+              </a:endParaRPr>
+            </a:p>
+          </p:txBody>
+        </p:sp>
+        <p:sp>
+          <p:nvSpPr>
+            <p:cNvPr id="65" name="Rectangle 64"/>
+            <p:cNvSpPr/>
+            <p:nvPr/>
+          </p:nvSpPr>
+          <p:spPr>
+            <a:xfrm>
+              <a:off x="3175000" y="4648200"/>
+              <a:ext cx="2590800" cy="1981200"/>
+            </a:xfrm>
+            <a:prstGeom prst="rect">
+              <a:avLst/>
+            </a:prstGeom>
+            <a:solidFill>
+              <a:schemeClr val="accent2">
+                <a:lumMod val="20000"/>
+                <a:lumOff val="80000"/>
+              </a:schemeClr>
+            </a:solidFill>
+            <a:ln>
+              <a:noFill/>
+            </a:ln>
+          </p:spPr>
+          <p:style>
+            <a:lnRef idx="1">
+              <a:schemeClr val="accent2"/>
+            </a:lnRef>
+            <a:fillRef idx="3">
+              <a:schemeClr val="accent2"/>
+            </a:fillRef>
+            <a:effectRef idx="2">
+              <a:schemeClr val="accent2"/>
+            </a:effectRef>
+            <a:fontRef idx="minor">
+              <a:schemeClr val="lt1"/>
+            </a:fontRef>
+          </p:style>
+          <p:txBody>
+            <a:bodyPr rtlCol="0" anchor="ctr"/>
+            <a:lstStyle/>
+            <a:p>
+              <a:pPr algn="ctr"/>
+              <a:r>
+                <a:rPr lang="en-US" sz="2100" dirty="0" smtClean="0">
+                  <a:solidFill>
+                    <a:schemeClr val="tx1"/>
+                  </a:solidFill>
+                  <a:latin typeface="Tahoma" pitchFamily="34" charset="0"/>
+                  <a:ea typeface="Tahoma" pitchFamily="34" charset="0"/>
+                  <a:cs typeface="Tahoma" pitchFamily="34" charset="0"/>
+                </a:rPr>
+                <a:t>Console</a:t>
+              </a:r>
+              <a:endParaRPr lang="en-US" sz="2100" dirty="0">
+                <a:solidFill>
+                  <a:schemeClr val="tx1"/>
+                </a:solidFill>
+                <a:latin typeface="Tahoma" pitchFamily="34" charset="0"/>
+                <a:ea typeface="Tahoma" pitchFamily="34" charset="0"/>
+                <a:cs typeface="Tahoma" pitchFamily="34" charset="0"/>
+              </a:endParaRPr>
+            </a:p>
+          </p:txBody>
+        </p:sp>
+      </p:grpSp>
+      <p:cxnSp>
+        <p:nvCxnSpPr>
+          <p:cNvPr id="77" name="Shape 76"/>
+          <p:cNvCxnSpPr>
+            <a:stCxn id="7" idx="1"/>
+            <a:endCxn id="50" idx="0"/>
+          </p:cNvCxnSpPr>
+          <p:nvPr/>
+        </p:nvCxnSpPr>
+        <p:spPr>
+          <a:xfrm rot="10800000" flipV="1">
+            <a:off x="831850" y="2247900"/>
+            <a:ext cx="2800350" cy="2552700"/>
+          </a:xfrm>
+          <a:prstGeom prst="bentConnector2">
+            <a:avLst/>
+          </a:prstGeom>
+          <a:ln>
+            <a:headEnd type="arrow"/>
+            <a:tailEnd type="arrow"/>
+          </a:ln>
+        </p:spPr>
+        <p:style>
+          <a:lnRef idx="3">
+            <a:schemeClr val="accent4"/>
+          </a:lnRef>
+          <a:fillRef idx="0">
+            <a:schemeClr val="accent4"/>
+          </a:fillRef>
+          <a:effectRef idx="2">
+            <a:schemeClr val="accent4"/>
+          </a:effectRef>
+          <a:fontRef idx="minor">
+            <a:schemeClr val="tx1"/>
+          </a:fontRef>
+        </p:style>
+      </p:cxnSp>
+      <p:cxnSp>
+        <p:nvCxnSpPr>
+          <p:cNvPr id="83" name="Elbow Connector 82"/>
+          <p:cNvCxnSpPr>
+            <a:stCxn id="7" idx="1"/>
+            <a:endCxn id="53" idx="1"/>
+          </p:cNvCxnSpPr>
+          <p:nvPr/>
+        </p:nvCxnSpPr>
+        <p:spPr>
+          <a:xfrm rot="10800000" flipH="1" flipV="1">
+            <a:off x="3632200" y="2247900"/>
+            <a:ext cx="76200" cy="3695700"/>
+          </a:xfrm>
+          <a:prstGeom prst="bentConnector3">
+            <a:avLst>
+              <a:gd name="adj1" fmla="val -440000"/>
+            </a:avLst>
+          </a:prstGeom>
+          <a:ln>
+            <a:headEnd type="arrow"/>
+            <a:tailEnd type="arrow"/>
+          </a:ln>
+        </p:spPr>
+        <p:style>
+          <a:lnRef idx="3">
+            <a:schemeClr val="accent4"/>
+          </a:lnRef>
+          <a:fillRef idx="0">
+            <a:schemeClr val="accent4"/>
+          </a:fillRef>
+          <a:effectRef idx="2">
+            <a:schemeClr val="accent4"/>
+          </a:effectRef>
+          <a:fontRef idx="minor">
+            <a:schemeClr val="tx1"/>
+          </a:fontRef>
+        </p:style>
+      </p:cxnSp>
+      <p:cxnSp>
+        <p:nvCxnSpPr>
+          <p:cNvPr id="97" name="Shape 96"/>
+          <p:cNvCxnSpPr>
+            <a:stCxn id="10" idx="1"/>
+            <a:endCxn id="52" idx="0"/>
+          </p:cNvCxnSpPr>
+          <p:nvPr/>
+        </p:nvCxnSpPr>
+        <p:spPr>
+          <a:xfrm rot="10800000" flipV="1">
+            <a:off x="2241550" y="3695700"/>
+            <a:ext cx="1543050" cy="1104900"/>
+          </a:xfrm>
+          <a:prstGeom prst="bentConnector2">
+            <a:avLst/>
+          </a:prstGeom>
+          <a:ln>
+            <a:headEnd type="arrow"/>
+            <a:tailEnd type="arrow"/>
+          </a:ln>
+        </p:spPr>
+        <p:style>
+          <a:lnRef idx="3">
+            <a:schemeClr val="accent3"/>
+          </a:lnRef>
+          <a:fillRef idx="0">
+            <a:schemeClr val="accent3"/>
+          </a:fillRef>
+          <a:effectRef idx="2">
+            <a:schemeClr val="accent3"/>
+          </a:effectRef>
+          <a:fontRef idx="minor">
+            <a:schemeClr val="tx1"/>
+          </a:fontRef>
+        </p:style>
+      </p:cxnSp>
+      <p:cxnSp>
+        <p:nvCxnSpPr>
+          <p:cNvPr id="104" name="Elbow Connector 103"/>
+          <p:cNvCxnSpPr>
+            <a:stCxn id="10" idx="2"/>
+            <a:endCxn id="61" idx="0"/>
+          </p:cNvCxnSpPr>
+          <p:nvPr/>
+        </p:nvCxnSpPr>
+        <p:spPr>
+          <a:xfrm rot="16200000" flipH="1">
+            <a:off x="4870450" y="4400550"/>
+            <a:ext cx="1524000" cy="1104900"/>
+          </a:xfrm>
+          <a:prstGeom prst="bentConnector3">
+            <a:avLst>
+              <a:gd name="adj1" fmla="val 50000"/>
+            </a:avLst>
+          </a:prstGeom>
+          <a:ln>
+            <a:headEnd type="arrow"/>
+            <a:tailEnd type="arrow"/>
+          </a:ln>
+        </p:spPr>
+        <p:style>
+          <a:lnRef idx="3">
+            <a:schemeClr val="accent3"/>
+          </a:lnRef>
+          <a:fillRef idx="0">
+            <a:schemeClr val="accent3"/>
+          </a:fillRef>
+          <a:effectRef idx="2">
+            <a:schemeClr val="accent3"/>
+          </a:effectRef>
+          <a:fontRef idx="minor">
+            <a:schemeClr val="tx1"/>
+          </a:fontRef>
+        </p:style>
+      </p:cxnSp>
+      <p:cxnSp>
+        <p:nvCxnSpPr>
+          <p:cNvPr id="106" name="Shape 105"/>
+          <p:cNvCxnSpPr>
+            <a:stCxn id="10" idx="3"/>
+            <a:endCxn id="65" idx="0"/>
+          </p:cNvCxnSpPr>
+          <p:nvPr/>
+        </p:nvCxnSpPr>
+        <p:spPr>
+          <a:xfrm>
+            <a:off x="6375400" y="3695700"/>
+            <a:ext cx="2952750" cy="1104900"/>
+          </a:xfrm>
+          <a:prstGeom prst="bentConnector2">
+            <a:avLst/>
+          </a:prstGeom>
+          <a:ln>
+            <a:headEnd type="arrow"/>
+            <a:tailEnd type="arrow"/>
+          </a:ln>
+        </p:spPr>
+        <p:style>
+          <a:lnRef idx="3">
+            <a:schemeClr val="accent3"/>
+          </a:lnRef>
+          <a:fillRef idx="0">
+            <a:schemeClr val="accent3"/>
+          </a:fillRef>
+          <a:effectRef idx="2">
+            <a:schemeClr val="accent3"/>
+          </a:effectRef>
+          <a:fontRef idx="minor">
+            <a:schemeClr val="tx1"/>
+          </a:fontRef>
+        </p:style>
+      </p:cxnSp>
+      <p:cxnSp>
+        <p:nvCxnSpPr>
+          <p:cNvPr id="108" name="Shape 107"/>
+          <p:cNvCxnSpPr>
+            <a:stCxn id="7" idx="3"/>
+            <a:endCxn id="63" idx="0"/>
+          </p:cNvCxnSpPr>
+          <p:nvPr/>
+        </p:nvCxnSpPr>
+        <p:spPr>
+          <a:xfrm>
+            <a:off x="6604000" y="2247900"/>
+            <a:ext cx="1314450" cy="2552700"/>
+          </a:xfrm>
+          <a:prstGeom prst="bentConnector2">
+            <a:avLst/>
+          </a:prstGeom>
+          <a:ln>
+            <a:headEnd type="arrow"/>
+            <a:tailEnd type="arrow"/>
+          </a:ln>
+        </p:spPr>
+        <p:style>
+          <a:lnRef idx="3">
+            <a:schemeClr val="accent4"/>
+          </a:lnRef>
+          <a:fillRef idx="0">
+            <a:schemeClr val="accent4"/>
+          </a:fillRef>
+          <a:effectRef idx="2">
+            <a:schemeClr val="accent4"/>
+          </a:effectRef>
+          <a:fontRef idx="minor">
+            <a:schemeClr val="tx1"/>
+          </a:fontRef>
+        </p:style>
+      </p:cxnSp>
+      <p:cxnSp>
+        <p:nvCxnSpPr>
+          <p:cNvPr id="110" name="Shape 109"/>
+          <p:cNvCxnSpPr>
+            <a:stCxn id="7" idx="3"/>
+            <a:endCxn id="64" idx="1"/>
+          </p:cNvCxnSpPr>
+          <p:nvPr/>
+        </p:nvCxnSpPr>
+        <p:spPr>
+          <a:xfrm>
+            <a:off x="6604000" y="2247900"/>
+            <a:ext cx="2019300" cy="4457700"/>
+          </a:xfrm>
+          <a:prstGeom prst="bentConnector3">
+            <a:avLst>
+              <a:gd name="adj1" fmla="val 86981"/>
+            </a:avLst>
+          </a:prstGeom>
+          <a:ln>
+            <a:headEnd type="arrow"/>
+            <a:tailEnd type="arrow"/>
+          </a:ln>
+        </p:spPr>
+        <p:style>
+          <a:lnRef idx="3">
+            <a:schemeClr val="accent4"/>
+          </a:lnRef>
+          <a:fillRef idx="0">
+            <a:schemeClr val="accent4"/>
+          </a:fillRef>
+          <a:effectRef idx="2">
+            <a:schemeClr val="accent4"/>
+          </a:effectRef>
+          <a:fontRef idx="minor">
+            <a:schemeClr val="tx1"/>
+          </a:fontRef>
+        </p:style>
+      </p:cxnSp>
+      <p:cxnSp>
+        <p:nvCxnSpPr>
+          <p:cNvPr id="114" name="Elbow Connector 113"/>
+          <p:cNvCxnSpPr>
+            <a:stCxn id="10" idx="2"/>
+            <a:endCxn id="53" idx="0"/>
+          </p:cNvCxnSpPr>
+          <p:nvPr/>
+        </p:nvCxnSpPr>
+        <p:spPr>
+          <a:xfrm rot="5400000">
+            <a:off x="3841750" y="4476750"/>
+            <a:ext cx="1524000" cy="952500"/>
+          </a:xfrm>
+          <a:prstGeom prst="bentConnector3">
+            <a:avLst>
+              <a:gd name="adj1" fmla="val 50000"/>
+            </a:avLst>
+          </a:prstGeom>
+          <a:ln>
+            <a:headEnd type="arrow"/>
+            <a:tailEnd type="arrow"/>
+          </a:ln>
+        </p:spPr>
+        <p:style>
+          <a:lnRef idx="3">
+            <a:schemeClr val="accent3"/>
+          </a:lnRef>
+          <a:fillRef idx="0">
+            <a:schemeClr val="accent3"/>
+          </a:fillRef>
+          <a:effectRef idx="2">
+            <a:schemeClr val="accent3"/>
+          </a:effectRef>
+          <a:fontRef idx="minor">
+            <a:schemeClr val="tx1"/>
+          </a:fontRef>
+        </p:style>
+      </p:cxnSp>
+      <p:cxnSp>
+        <p:nvCxnSpPr>
+          <p:cNvPr id="116" name="Elbow Connector 115"/>
+          <p:cNvCxnSpPr>
+            <a:stCxn id="7" idx="1"/>
+            <a:endCxn id="51" idx="1"/>
+          </p:cNvCxnSpPr>
+          <p:nvPr/>
+        </p:nvCxnSpPr>
+        <p:spPr>
+          <a:xfrm rot="10800000" flipV="1">
+            <a:off x="1536700" y="2247900"/>
+            <a:ext cx="2095500" cy="4457700"/>
+          </a:xfrm>
+          <a:prstGeom prst="bentConnector3">
+            <a:avLst>
+              <a:gd name="adj1" fmla="val 110909"/>
+            </a:avLst>
+          </a:prstGeom>
+          <a:ln>
+            <a:headEnd type="arrow"/>
+            <a:tailEnd type="arrow"/>
+          </a:ln>
+        </p:spPr>
+        <p:style>
+          <a:lnRef idx="3">
+            <a:schemeClr val="accent4"/>
+          </a:lnRef>
+          <a:fillRef idx="0">
+            <a:schemeClr val="accent4"/>
+          </a:fillRef>
+          <a:effectRef idx="2">
+            <a:schemeClr val="accent4"/>
+          </a:effectRef>
+          <a:fontRef idx="minor">
+            <a:schemeClr val="tx1"/>
+          </a:fontRef>
+        </p:style>
+      </p:cxnSp>
     </p:spTree>
   </p:cSld>
   <p:clrMapOvr>
@@ -7332,12 +10759,12 @@
       </p:grpSpPr>
       <p:sp>
         <p:nvSpPr>
-          <p:cNvPr id="9" name="Content Placeholder 8"/>
+          <p:cNvPr id="9" name="Title 8"/>
           <p:cNvSpPr>
             <a:spLocks noGrp="1"/>
           </p:cNvSpPr>
           <p:nvPr>
-            <p:ph idx="1"/>
+            <p:ph type="title"/>
           </p:nvPr>
         </p:nvSpPr>
         <p:spPr/>
@@ -7346,25 +10773,32 @@
           <a:lstStyle/>
           <a:p>
             <a:r>
-              <a:rPr lang="en-US" dirty="0" smtClean="0"/>
-              <a:t>prepare a very simple demo illustrating main functionality and 1-2 nice things; do not get too detailed or include anything that might break</a:t>
+              <a:rPr lang="en-US" dirty="0" err="1" smtClean="0"/>
+              <a:t>Django</a:t>
             </a:r>
             <a:endParaRPr lang="en-US" dirty="0"/>
           </a:p>
         </p:txBody>
       </p:sp>
-      <p:sp>
-        <p:nvSpPr>
-          <p:cNvPr id="13317" name="Text Box 5"/>
-          <p:cNvSpPr txBox="1">
-            <a:spLocks noChangeArrowheads="1"/>
-          </p:cNvSpPr>
+      <p:pic>
+        <p:nvPicPr>
+          <p:cNvPr id="1028" name="Picture 4"/>
+          <p:cNvPicPr>
+            <a:picLocks noChangeAspect="1" noChangeArrowheads="1"/>
+          </p:cNvPicPr>
           <p:nvPr/>
-        </p:nvSpPr>
+        </p:nvPicPr>
+        <p:blipFill>
+          <a:blip r:embed="rId2"/>
+          <a:srcRect l="7813" t="6250" r="7031" b="38542"/>
+          <a:stretch>
+            <a:fillRect/>
+          </a:stretch>
+        </p:blipFill>
         <p:spPr bwMode="auto">
           <a:xfrm>
-            <a:off x="1041400" y="4572000"/>
-            <a:ext cx="8229600" cy="2763064"/>
+            <a:off x="401608" y="2438400"/>
+            <a:ext cx="9402792" cy="4572000"/>
           </a:xfrm>
           <a:prstGeom prst="rect">
             <a:avLst/>
@@ -7378,197 +10812,7 @@
           </a:ln>
           <a:effectLst/>
         </p:spPr>
-        <p:txBody>
-          <a:bodyPr wrap="square" lIns="0" tIns="0" rIns="0" bIns="0">
-            <a:spAutoFit/>
-          </a:bodyPr>
-          <a:lstStyle/>
-          <a:p>
-            <a:pPr>
-              <a:lnSpc>
-                <a:spcPct val="95000"/>
-              </a:lnSpc>
-            </a:pPr>
-            <a:r>
-              <a:rPr lang="en-US" sz="2700" dirty="0">
-                <a:latin typeface="Arial" pitchFamily="34" charset="0"/>
-              </a:rPr>
-              <a:t>probably: </a:t>
-            </a:r>
-            <a:endParaRPr lang="en-US" dirty="0"/>
-          </a:p>
-          <a:p>
-            <a:pPr lvl="1" indent="-342893">
-              <a:lnSpc>
-                <a:spcPct val="95000"/>
-              </a:lnSpc>
-              <a:buClr>
-                <a:srgbClr val="000000"/>
-              </a:buClr>
-              <a:buSzPct val="100000"/>
-              <a:buFontTx/>
-              <a:buAutoNum type="arabicPeriod"/>
-            </a:pPr>
-            <a:r>
-              <a:rPr lang="en-US" sz="2700" dirty="0">
-                <a:latin typeface="Arial" pitchFamily="34" charset="0"/>
-              </a:rPr>
-              <a:t>write a basic hello world in your </a:t>
-            </a:r>
-            <a:r>
-              <a:rPr lang="en-US" sz="2700" dirty="0" err="1">
-                <a:latin typeface="Arial" pitchFamily="34" charset="0"/>
-              </a:rPr>
-              <a:t>fav</a:t>
-            </a:r>
-            <a:r>
-              <a:rPr lang="en-US" sz="2700" dirty="0">
-                <a:latin typeface="Arial" pitchFamily="34" charset="0"/>
-              </a:rPr>
-              <a:t> </a:t>
-            </a:r>
-            <a:r>
-              <a:rPr lang="en-US" sz="2700" dirty="0" err="1">
-                <a:latin typeface="Arial" pitchFamily="34" charset="0"/>
-              </a:rPr>
-              <a:t>lang</a:t>
-            </a:r>
-            <a:r>
-              <a:rPr lang="en-US" sz="2700" dirty="0">
-                <a:latin typeface="Arial" pitchFamily="34" charset="0"/>
-              </a:rPr>
-              <a:t>, </a:t>
-            </a:r>
-            <a:r>
-              <a:rPr lang="en-US" sz="2700" dirty="0" err="1">
-                <a:latin typeface="Arial" pitchFamily="34" charset="0"/>
-              </a:rPr>
-              <a:t>yay</a:t>
-            </a:r>
-            <a:r>
-              <a:rPr lang="en-US" sz="2700" dirty="0">
-                <a:latin typeface="Arial" pitchFamily="34" charset="0"/>
-              </a:rPr>
-              <a:t> both computers can see</a:t>
-            </a:r>
-            <a:endParaRPr lang="en-US" dirty="0"/>
-          </a:p>
-          <a:p>
-            <a:pPr lvl="1" indent="-342893">
-              <a:lnSpc>
-                <a:spcPct val="95000"/>
-              </a:lnSpc>
-              <a:buClr>
-                <a:srgbClr val="000000"/>
-              </a:buClr>
-              <a:buSzPct val="100000"/>
-              <a:buFontTx/>
-              <a:buAutoNum type="arabicPeriod"/>
-            </a:pPr>
-            <a:r>
-              <a:rPr lang="en-US" sz="2700" dirty="0">
-                <a:latin typeface="Arial" pitchFamily="34" charset="0"/>
-              </a:rPr>
-              <a:t>(if this is smooth enough, switch drivers)</a:t>
-            </a:r>
-            <a:endParaRPr lang="en-US" dirty="0"/>
-          </a:p>
-          <a:p>
-            <a:pPr lvl="1" indent="-342893">
-              <a:lnSpc>
-                <a:spcPct val="95000"/>
-              </a:lnSpc>
-              <a:buClr>
-                <a:srgbClr val="000000"/>
-              </a:buClr>
-              <a:buSzPct val="100000"/>
-              <a:buFontTx/>
-              <a:buAutoNum type="arabicPeriod"/>
-            </a:pPr>
-            <a:r>
-              <a:rPr lang="en-US" sz="2700" dirty="0">
-                <a:latin typeface="Arial" pitchFamily="34" charset="0"/>
-              </a:rPr>
-              <a:t>compile and run, </a:t>
-            </a:r>
-            <a:r>
-              <a:rPr lang="en-US" sz="2700" dirty="0" err="1">
-                <a:latin typeface="Arial" pitchFamily="34" charset="0"/>
-              </a:rPr>
-              <a:t>yay</a:t>
-            </a:r>
-            <a:r>
-              <a:rPr lang="en-US" sz="2700" dirty="0">
-                <a:latin typeface="Arial" pitchFamily="34" charset="0"/>
-              </a:rPr>
-              <a:t> it works</a:t>
-            </a:r>
-            <a:endParaRPr lang="en-US" dirty="0"/>
-          </a:p>
-          <a:p>
-            <a:pPr lvl="1" indent="-342893">
-              <a:lnSpc>
-                <a:spcPct val="95000"/>
-              </a:lnSpc>
-              <a:buClr>
-                <a:srgbClr val="000000"/>
-              </a:buClr>
-              <a:buSzPct val="100000"/>
-              <a:buFontTx/>
-              <a:buAutoNum type="arabicPeriod"/>
-            </a:pPr>
-            <a:r>
-              <a:rPr lang="en-US" sz="2700" dirty="0">
-                <a:latin typeface="Arial" pitchFamily="34" charset="0"/>
-              </a:rPr>
-              <a:t>use text chat a little ("hi mom!")</a:t>
-            </a:r>
-            <a:endParaRPr lang="en-US" dirty="0"/>
-          </a:p>
-          <a:p>
-            <a:pPr lvl="1" indent="-342893">
-              <a:lnSpc>
-                <a:spcPct val="95000"/>
-              </a:lnSpc>
-              <a:buClr>
-                <a:srgbClr val="000000"/>
-              </a:buClr>
-              <a:buSzPct val="100000"/>
-              <a:buFontTx/>
-              <a:buAutoNum type="arabicPeriod"/>
-            </a:pPr>
-            <a:r>
-              <a:rPr lang="en-US" sz="2700" dirty="0">
-                <a:latin typeface="Arial" pitchFamily="34" charset="0"/>
-              </a:rPr>
-              <a:t>save and quit</a:t>
-            </a:r>
-          </a:p>
-        </p:txBody>
-      </p:sp>
-      <p:sp>
-        <p:nvSpPr>
-          <p:cNvPr id="10" name="Title 9"/>
-          <p:cNvSpPr>
-            <a:spLocks noGrp="1"/>
-          </p:cNvSpPr>
-          <p:nvPr>
-            <p:ph type="title"/>
-          </p:nvPr>
-        </p:nvSpPr>
-        <p:spPr/>
-        <p:txBody>
-          <a:bodyPr/>
-          <a:lstStyle/>
-          <a:p>
-            <a:r>
-              <a:rPr lang="en-US" dirty="0" smtClean="0"/>
-              <a:t>Demo</a:t>
-            </a:r>
-            <a:endParaRPr lang="en-US" dirty="0"/>
-          </a:p>
-        </p:txBody>
-      </p:sp>
+      </p:pic>
     </p:spTree>
   </p:cSld>
   <p:clrMapOvr>
@@ -7603,227 +10847,60 @@
       </p:grpSpPr>
       <p:sp>
         <p:nvSpPr>
-          <p:cNvPr id="14337" name="Rectangle 1"/>
+          <p:cNvPr id="9" name="Title 8"/>
           <p:cNvSpPr>
-            <a:spLocks noGrp="1" noChangeArrowheads="1"/>
+            <a:spLocks noGrp="1"/>
           </p:cNvSpPr>
           <p:nvPr>
             <p:ph type="title"/>
           </p:nvPr>
         </p:nvSpPr>
-        <p:spPr>
+        <p:spPr/>
+        <p:txBody>
+          <a:bodyPr/>
+          <a:lstStyle/>
+          <a:p>
+            <a:r>
+              <a:rPr lang="en-US" dirty="0" err="1" smtClean="0"/>
+              <a:t>Django</a:t>
+            </a:r>
+            <a:endParaRPr lang="en-US" dirty="0"/>
+          </a:p>
+        </p:txBody>
+      </p:sp>
+      <p:pic>
+        <p:nvPicPr>
+          <p:cNvPr id="2050" name="Picture 2"/>
+          <p:cNvPicPr>
+            <a:picLocks noChangeAspect="1" noChangeArrowheads="1"/>
+          </p:cNvPicPr>
+          <p:nvPr/>
+        </p:nvPicPr>
+        <p:blipFill>
+          <a:blip r:embed="rId2"/>
+          <a:srcRect l="7031" t="6250" r="6250" b="25000"/>
+          <a:stretch>
+            <a:fillRect/>
+          </a:stretch>
+        </p:blipFill>
+        <p:spPr bwMode="auto">
           <a:xfrm>
-            <a:off x="247650" y="304800"/>
-            <a:ext cx="9664700" cy="914400"/>
+            <a:off x="431800" y="1905000"/>
+            <a:ext cx="9296400" cy="5527589"/>
           </a:xfrm>
+          <a:prstGeom prst="rect">
+            <a:avLst/>
+          </a:prstGeom>
+          <a:noFill/>
+          <a:ln w="9525">
+            <a:noFill/>
+            <a:miter lim="800000"/>
+            <a:headEnd/>
+            <a:tailEnd/>
+          </a:ln>
+          <a:effectLst/>
         </p:spPr>
-        <p:txBody>
-          <a:bodyPr lIns="0" tIns="0" rIns="0" bIns="0" anchor="t">
-            <a:normAutofit/>
-          </a:bodyPr>
-          <a:lstStyle/>
-          <a:p>
-            <a:pPr algn="l">
-              <a:lnSpc>
-                <a:spcPct val="95000"/>
-              </a:lnSpc>
-            </a:pPr>
-            <a:r>
-              <a:rPr lang="en-US" sz="6000" i="1" dirty="0">
-                <a:solidFill>
-                  <a:srgbClr val="DEAF0D"/>
-                </a:solidFill>
-                <a:latin typeface="Bodoni" pitchFamily="34"/>
-              </a:rPr>
-              <a:t>We've come a long way...</a:t>
-            </a:r>
-          </a:p>
-        </p:txBody>
-      </p:sp>
-      <p:sp>
-        <p:nvSpPr>
-          <p:cNvPr id="14338" name="Rectangle 2"/>
-          <p:cNvSpPr>
-            <a:spLocks noGrp="1" noChangeArrowheads="1"/>
-          </p:cNvSpPr>
-          <p:nvPr>
-            <p:ph idx="1"/>
-          </p:nvPr>
-        </p:nvSpPr>
-        <p:spPr>
-          <a:xfrm>
-            <a:off x="247650" y="1828800"/>
-            <a:ext cx="9664700" cy="5486400"/>
-          </a:xfrm>
-        </p:spPr>
-        <p:txBody>
-          <a:bodyPr lIns="0" tIns="0" rIns="0" bIns="0">
-            <a:normAutofit/>
-          </a:bodyPr>
-          <a:lstStyle/>
-          <a:p>
-            <a:pPr marL="457191" lvl="1" indent="-342893">
-              <a:lnSpc>
-                <a:spcPct val="95000"/>
-              </a:lnSpc>
-              <a:spcBef>
-                <a:spcPct val="0"/>
-              </a:spcBef>
-              <a:buClr>
-                <a:srgbClr val="000000"/>
-              </a:buClr>
-              <a:buFontTx/>
-              <a:buChar char="•"/>
-            </a:pPr>
-            <a:r>
-              <a:rPr lang="en-US" sz="4400" dirty="0" smtClean="0">
-                <a:latin typeface="Tahoma" pitchFamily="34" charset="0"/>
-                <a:ea typeface="Tahoma" pitchFamily="34" charset="0"/>
-                <a:cs typeface="Tahoma" pitchFamily="34" charset="0"/>
-              </a:rPr>
-              <a:t>Documentation</a:t>
-            </a:r>
-          </a:p>
-          <a:p>
-            <a:pPr marL="457191" lvl="1" indent="-342893">
-              <a:lnSpc>
-                <a:spcPct val="95000"/>
-              </a:lnSpc>
-              <a:spcBef>
-                <a:spcPct val="0"/>
-              </a:spcBef>
-              <a:buClr>
-                <a:srgbClr val="000000"/>
-              </a:buClr>
-              <a:buFontTx/>
-              <a:buChar char="•"/>
-            </a:pPr>
-            <a:r>
-              <a:rPr lang="en-US" sz="4400" dirty="0" smtClean="0">
-                <a:latin typeface="Tahoma" pitchFamily="34" charset="0"/>
-                <a:ea typeface="Tahoma" pitchFamily="34" charset="0"/>
-                <a:cs typeface="Tahoma" pitchFamily="34" charset="0"/>
-              </a:rPr>
-              <a:t>Be cautious using new things</a:t>
-            </a:r>
-          </a:p>
-          <a:p>
-            <a:pPr marL="457191" lvl="1" indent="-342893">
-              <a:lnSpc>
-                <a:spcPct val="95000"/>
-              </a:lnSpc>
-              <a:spcBef>
-                <a:spcPct val="0"/>
-              </a:spcBef>
-              <a:buClr>
-                <a:srgbClr val="000000"/>
-              </a:buClr>
-              <a:buFontTx/>
-              <a:buChar char="•"/>
-            </a:pPr>
-            <a:r>
-              <a:rPr lang="en-US" sz="4400" dirty="0" smtClean="0">
-                <a:latin typeface="Tahoma" pitchFamily="34" charset="0"/>
-                <a:ea typeface="Tahoma" pitchFamily="34" charset="0"/>
-                <a:cs typeface="Tahoma" pitchFamily="34" charset="0"/>
-              </a:rPr>
-              <a:t>Communication</a:t>
-            </a:r>
-          </a:p>
-          <a:p>
-            <a:pPr marL="457191" lvl="1" indent="-342893">
-              <a:lnSpc>
-                <a:spcPct val="95000"/>
-              </a:lnSpc>
-              <a:spcBef>
-                <a:spcPct val="0"/>
-              </a:spcBef>
-              <a:buClr>
-                <a:srgbClr val="000000"/>
-              </a:buClr>
-              <a:buFontTx/>
-              <a:buChar char="•"/>
-            </a:pPr>
-            <a:r>
-              <a:rPr lang="en-US" sz="4400" dirty="0" smtClean="0">
-                <a:latin typeface="Tahoma" pitchFamily="34" charset="0"/>
-                <a:ea typeface="Tahoma" pitchFamily="34" charset="0"/>
-                <a:cs typeface="Tahoma" pitchFamily="34" charset="0"/>
-              </a:rPr>
-              <a:t>SVN</a:t>
-            </a:r>
-          </a:p>
-          <a:p>
-            <a:pPr marL="457191" lvl="1" indent="-342893">
-              <a:lnSpc>
-                <a:spcPct val="95000"/>
-              </a:lnSpc>
-              <a:spcBef>
-                <a:spcPct val="0"/>
-              </a:spcBef>
-              <a:buClr>
-                <a:srgbClr val="000000"/>
-              </a:buClr>
-              <a:buFontTx/>
-              <a:buChar char="•"/>
-            </a:pPr>
-            <a:r>
-              <a:rPr lang="en-US" sz="4400" dirty="0" smtClean="0">
-                <a:latin typeface="Tahoma" pitchFamily="34" charset="0"/>
-                <a:ea typeface="Tahoma" pitchFamily="34" charset="0"/>
-                <a:cs typeface="Tahoma" pitchFamily="34" charset="0"/>
-              </a:rPr>
-              <a:t>Take breaks</a:t>
-            </a:r>
-          </a:p>
-          <a:p>
-            <a:pPr marL="457191" lvl="1" indent="-342893">
-              <a:lnSpc>
-                <a:spcPct val="95000"/>
-              </a:lnSpc>
-              <a:spcBef>
-                <a:spcPct val="0"/>
-              </a:spcBef>
-              <a:buClr>
-                <a:srgbClr val="000000"/>
-              </a:buClr>
-              <a:buFontTx/>
-              <a:buChar char="•"/>
-            </a:pPr>
-            <a:r>
-              <a:rPr lang="en-US" sz="4400" dirty="0" smtClean="0">
-                <a:latin typeface="Tahoma" pitchFamily="34" charset="0"/>
-                <a:ea typeface="Tahoma" pitchFamily="34" charset="0"/>
-                <a:cs typeface="Tahoma" pitchFamily="34" charset="0"/>
-              </a:rPr>
-              <a:t>Open source</a:t>
-            </a:r>
-          </a:p>
-          <a:p>
-            <a:pPr marL="751828" lvl="2" indent="-342893">
-              <a:lnSpc>
-                <a:spcPct val="95000"/>
-              </a:lnSpc>
-              <a:spcBef>
-                <a:spcPct val="0"/>
-              </a:spcBef>
-              <a:buClr>
-                <a:srgbClr val="000000"/>
-              </a:buClr>
-              <a:buFontTx/>
-              <a:buChar char="•"/>
-            </a:pPr>
-            <a:r>
-              <a:rPr lang="en-US" sz="4000" dirty="0" smtClean="0">
-                <a:latin typeface="Tahoma" pitchFamily="34" charset="0"/>
-                <a:ea typeface="Tahoma" pitchFamily="34" charset="0"/>
-                <a:cs typeface="Tahoma" pitchFamily="34" charset="0"/>
-              </a:rPr>
-              <a:t>Don’t be afraid of the French</a:t>
-            </a:r>
-          </a:p>
-        </p:txBody>
-      </p:sp>
+      </p:pic>
     </p:spTree>
   </p:cSld>
   <p:clrMapOvr>

--- a/trunk/pear/submission_materials/PairgrammingDemo.pptx
+++ b/trunk/pear/submission_materials/PairgrammingDemo.pptx
@@ -5,10 +5,10 @@
     <p:sldMasterId id="2147483732" r:id="rId1"/>
   </p:sldMasterIdLst>
   <p:notesMasterIdLst>
-    <p:notesMasterId r:id="rId18"/>
+    <p:notesMasterId r:id="rId19"/>
   </p:notesMasterIdLst>
   <p:handoutMasterIdLst>
-    <p:handoutMasterId r:id="rId19"/>
+    <p:handoutMasterId r:id="rId20"/>
   </p:handoutMasterIdLst>
   <p:sldIdLst>
     <p:sldId id="256" r:id="rId2"/>
@@ -21,12 +21,13 @@
     <p:sldId id="261" r:id="rId9"/>
     <p:sldId id="272" r:id="rId10"/>
     <p:sldId id="273" r:id="rId11"/>
-    <p:sldId id="263" r:id="rId12"/>
-    <p:sldId id="264" r:id="rId13"/>
-    <p:sldId id="265" r:id="rId14"/>
-    <p:sldId id="266" r:id="rId15"/>
-    <p:sldId id="267" r:id="rId16"/>
-    <p:sldId id="268" r:id="rId17"/>
+    <p:sldId id="274" r:id="rId12"/>
+    <p:sldId id="263" r:id="rId13"/>
+    <p:sldId id="264" r:id="rId14"/>
+    <p:sldId id="265" r:id="rId15"/>
+    <p:sldId id="266" r:id="rId16"/>
+    <p:sldId id="267" r:id="rId17"/>
+    <p:sldId id="268" r:id="rId18"/>
   </p:sldIdLst>
   <p:sldSz cx="10160000" cy="7620000"/>
   <p:notesSz cx="6858000" cy="9144000"/>
@@ -1507,7 +1508,7 @@
             <a:fld id="{6E67A383-98D9-4A03-8FE8-5F5491D9EED8}" type="slidenum">
               <a:rPr lang="en-US" smtClean="0"/>
               <a:pPr/>
-              <a:t>13</a:t>
+              <a:t>14</a:t>
             </a:fld>
             <a:endParaRPr lang="en-US"/>
           </a:p>
@@ -1558,7 +1559,7 @@
             <a:fld id="{5A7F9019-2E9C-4041-8590-4C17D18CBCC7}" type="slidenum">
               <a:rPr lang="en-US"/>
               <a:pPr/>
-              <a:t>15</a:t>
+              <a:t>16</a:t>
             </a:fld>
             <a:endParaRPr lang="en-US"/>
           </a:p>
@@ -5792,6 +5793,182 @@
           </a:p>
         </p:txBody>
       </p:sp>
+      <p:pic>
+        <p:nvPicPr>
+          <p:cNvPr id="2050" name="Picture 2"/>
+          <p:cNvPicPr>
+            <a:picLocks noChangeAspect="1" noChangeArrowheads="1"/>
+          </p:cNvPicPr>
+          <p:nvPr/>
+        </p:nvPicPr>
+        <p:blipFill>
+          <a:blip r:embed="rId2"/>
+          <a:srcRect/>
+          <a:stretch>
+            <a:fillRect/>
+          </a:stretch>
+        </p:blipFill>
+        <p:spPr bwMode="auto">
+          <a:xfrm>
+            <a:off x="660400" y="1752600"/>
+            <a:ext cx="8839200" cy="5811338"/>
+          </a:xfrm>
+          <a:prstGeom prst="rect">
+            <a:avLst/>
+          </a:prstGeom>
+          <a:noFill/>
+          <a:ln w="9525">
+            <a:noFill/>
+            <a:miter lim="800000"/>
+            <a:headEnd/>
+            <a:tailEnd/>
+          </a:ln>
+          <a:effectLst/>
+        </p:spPr>
+      </p:pic>
+      <p:sp>
+        <p:nvSpPr>
+          <p:cNvPr id="7" name="TextBox 6"/>
+          <p:cNvSpPr txBox="1"/>
+          <p:nvPr/>
+        </p:nvSpPr>
+        <p:spPr>
+          <a:xfrm>
+            <a:off x="1651000" y="3733800"/>
+            <a:ext cx="1923540" cy="553998"/>
+          </a:xfrm>
+          <a:prstGeom prst="rect">
+            <a:avLst/>
+          </a:prstGeom>
+        </p:spPr>
+        <p:style>
+          <a:lnRef idx="2">
+            <a:schemeClr val="accent4">
+              <a:shade val="50000"/>
+            </a:schemeClr>
+          </a:lnRef>
+          <a:fillRef idx="1">
+            <a:schemeClr val="accent4"/>
+          </a:fillRef>
+          <a:effectRef idx="0">
+            <a:schemeClr val="accent4"/>
+          </a:effectRef>
+          <a:fontRef idx="minor">
+            <a:schemeClr val="lt1"/>
+          </a:fontRef>
+        </p:style>
+        <p:txBody>
+          <a:bodyPr wrap="none" rtlCol="0">
+            <a:spAutoFit/>
+          </a:bodyPr>
+          <a:lstStyle/>
+          <a:p>
+            <a:r>
+              <a:rPr lang="en-US" sz="3000" dirty="0" smtClean="0"/>
+              <a:t>Text Editor</a:t>
+            </a:r>
+            <a:endParaRPr lang="en-US" sz="3000" dirty="0"/>
+          </a:p>
+        </p:txBody>
+      </p:sp>
+      <p:sp>
+        <p:nvSpPr>
+          <p:cNvPr id="8" name="TextBox 7"/>
+          <p:cNvSpPr txBox="1"/>
+          <p:nvPr/>
+        </p:nvSpPr>
+        <p:spPr>
+          <a:xfrm>
+            <a:off x="5308600" y="2819400"/>
+            <a:ext cx="1460656" cy="553998"/>
+          </a:xfrm>
+          <a:prstGeom prst="rect">
+            <a:avLst/>
+          </a:prstGeom>
+        </p:spPr>
+        <p:style>
+          <a:lnRef idx="2">
+            <a:schemeClr val="accent3">
+              <a:shade val="50000"/>
+            </a:schemeClr>
+          </a:lnRef>
+          <a:fillRef idx="1">
+            <a:schemeClr val="accent3"/>
+          </a:fillRef>
+          <a:effectRef idx="0">
+            <a:schemeClr val="accent3"/>
+          </a:effectRef>
+          <a:fontRef idx="minor">
+            <a:schemeClr val="lt1"/>
+          </a:fontRef>
+        </p:style>
+        <p:txBody>
+          <a:bodyPr wrap="none" rtlCol="0">
+            <a:spAutoFit/>
+          </a:bodyPr>
+          <a:lstStyle/>
+          <a:p>
+            <a:r>
+              <a:rPr lang="en-US" sz="3000" dirty="0" smtClean="0">
+                <a:solidFill>
+                  <a:sysClr val="windowText" lastClr="000000"/>
+                </a:solidFill>
+              </a:rPr>
+              <a:t>Console</a:t>
+            </a:r>
+            <a:endParaRPr lang="en-US" sz="3000" dirty="0">
+              <a:solidFill>
+                <a:sysClr val="windowText" lastClr="000000"/>
+              </a:solidFill>
+            </a:endParaRPr>
+          </a:p>
+        </p:txBody>
+      </p:sp>
+      <p:sp>
+        <p:nvSpPr>
+          <p:cNvPr id="10" name="TextBox 9"/>
+          <p:cNvSpPr txBox="1"/>
+          <p:nvPr/>
+        </p:nvSpPr>
+        <p:spPr>
+          <a:xfrm>
+            <a:off x="7061200" y="6248400"/>
+            <a:ext cx="1687321" cy="553998"/>
+          </a:xfrm>
+          <a:prstGeom prst="rect">
+            <a:avLst/>
+          </a:prstGeom>
+        </p:spPr>
+        <p:style>
+          <a:lnRef idx="2">
+            <a:schemeClr val="accent2">
+              <a:shade val="50000"/>
+            </a:schemeClr>
+          </a:lnRef>
+          <a:fillRef idx="1">
+            <a:schemeClr val="accent2"/>
+          </a:fillRef>
+          <a:effectRef idx="0">
+            <a:schemeClr val="accent2"/>
+          </a:effectRef>
+          <a:fontRef idx="minor">
+            <a:schemeClr val="lt1"/>
+          </a:fontRef>
+        </p:style>
+        <p:txBody>
+          <a:bodyPr wrap="none" rtlCol="0">
+            <a:spAutoFit/>
+          </a:bodyPr>
+          <a:lstStyle/>
+          <a:p>
+            <a:r>
+              <a:rPr lang="en-US" sz="3000" dirty="0" smtClean="0"/>
+              <a:t>Text Chat</a:t>
+            </a:r>
+            <a:endParaRPr lang="en-US" sz="3000" dirty="0"/>
+          </a:p>
+        </p:txBody>
+      </p:sp>
     </p:spTree>
   </p:cSld>
   <p:clrMapOvr>
@@ -5826,12 +6003,12 @@
       </p:grpSpPr>
       <p:sp>
         <p:nvSpPr>
-          <p:cNvPr id="9" name="Content Placeholder 8"/>
+          <p:cNvPr id="9" name="Title 8"/>
           <p:cNvSpPr>
             <a:spLocks noGrp="1"/>
           </p:cNvSpPr>
           <p:nvPr>
-            <p:ph idx="1"/>
+            <p:ph type="title"/>
           </p:nvPr>
         </p:nvSpPr>
         <p:spPr/>
@@ -5840,25 +6017,32 @@
           <a:lstStyle/>
           <a:p>
             <a:r>
-              <a:rPr lang="en-US" dirty="0" smtClean="0"/>
-              <a:t>prepare a very simple demo illustrating main functionality and 1-2 nice things; do not get too detailed or include anything that might break</a:t>
+              <a:rPr lang="en-US" dirty="0" err="1" smtClean="0"/>
+              <a:t>Pyjamas</a:t>
             </a:r>
             <a:endParaRPr lang="en-US" dirty="0"/>
           </a:p>
         </p:txBody>
       </p:sp>
-      <p:sp>
-        <p:nvSpPr>
-          <p:cNvPr id="13317" name="Text Box 5"/>
-          <p:cNvSpPr txBox="1">
-            <a:spLocks noChangeArrowheads="1"/>
-          </p:cNvSpPr>
+      <p:pic>
+        <p:nvPicPr>
+          <p:cNvPr id="2" name="Picture 2"/>
+          <p:cNvPicPr>
+            <a:picLocks noChangeAspect="1" noChangeArrowheads="1"/>
+          </p:cNvPicPr>
           <p:nvPr/>
-        </p:nvSpPr>
+        </p:nvPicPr>
+        <p:blipFill>
+          <a:blip r:embed="rId2"/>
+          <a:srcRect/>
+          <a:stretch>
+            <a:fillRect/>
+          </a:stretch>
+        </p:blipFill>
         <p:spPr bwMode="auto">
           <a:xfrm>
-            <a:off x="1041400" y="4572000"/>
-            <a:ext cx="8229600" cy="2763064"/>
+            <a:off x="584200" y="1676400"/>
+            <a:ext cx="8839200" cy="5849629"/>
           </a:xfrm>
           <a:prstGeom prst="rect">
             <a:avLst/>
@@ -5872,194 +6056,147 @@
           </a:ln>
           <a:effectLst/>
         </p:spPr>
-        <p:txBody>
-          <a:bodyPr wrap="square" lIns="0" tIns="0" rIns="0" bIns="0">
+      </p:pic>
+      <p:sp>
+        <p:nvSpPr>
+          <p:cNvPr id="5" name="TextBox 4"/>
+          <p:cNvSpPr txBox="1"/>
+          <p:nvPr/>
+        </p:nvSpPr>
+        <p:spPr>
+          <a:xfrm>
+            <a:off x="1651000" y="3733800"/>
+            <a:ext cx="1923540" cy="553998"/>
+          </a:xfrm>
+          <a:prstGeom prst="rect">
+            <a:avLst/>
+          </a:prstGeom>
+        </p:spPr>
+        <p:style>
+          <a:lnRef idx="2">
+            <a:schemeClr val="accent4">
+              <a:shade val="50000"/>
+            </a:schemeClr>
+          </a:lnRef>
+          <a:fillRef idx="1">
+            <a:schemeClr val="accent4"/>
+          </a:fillRef>
+          <a:effectRef idx="0">
+            <a:schemeClr val="accent4"/>
+          </a:effectRef>
+          <a:fontRef idx="minor">
+            <a:schemeClr val="lt1"/>
+          </a:fontRef>
+        </p:style>
+        <p:txBody>
+          <a:bodyPr wrap="none" rtlCol="0">
             <a:spAutoFit/>
           </a:bodyPr>
           <a:lstStyle/>
           <a:p>
-            <a:pPr>
-              <a:lnSpc>
-                <a:spcPct val="95000"/>
-              </a:lnSpc>
-            </a:pPr>
-            <a:r>
-              <a:rPr lang="en-US" sz="2700" dirty="0">
-                <a:latin typeface="Arial" pitchFamily="34" charset="0"/>
+            <a:r>
+              <a:rPr lang="en-US" sz="3000" dirty="0" smtClean="0"/>
+              <a:t>Text Editor</a:t>
+            </a:r>
+            <a:endParaRPr lang="en-US" sz="3000" dirty="0"/>
+          </a:p>
+        </p:txBody>
+      </p:sp>
+      <p:sp>
+        <p:nvSpPr>
+          <p:cNvPr id="6" name="TextBox 5"/>
+          <p:cNvSpPr txBox="1"/>
+          <p:nvPr/>
+        </p:nvSpPr>
+        <p:spPr>
+          <a:xfrm>
+            <a:off x="5308600" y="2819400"/>
+            <a:ext cx="1460656" cy="553998"/>
+          </a:xfrm>
+          <a:prstGeom prst="rect">
+            <a:avLst/>
+          </a:prstGeom>
+        </p:spPr>
+        <p:style>
+          <a:lnRef idx="2">
+            <a:schemeClr val="accent3">
+              <a:shade val="50000"/>
+            </a:schemeClr>
+          </a:lnRef>
+          <a:fillRef idx="1">
+            <a:schemeClr val="accent3"/>
+          </a:fillRef>
+          <a:effectRef idx="0">
+            <a:schemeClr val="accent3"/>
+          </a:effectRef>
+          <a:fontRef idx="minor">
+            <a:schemeClr val="lt1"/>
+          </a:fontRef>
+        </p:style>
+        <p:txBody>
+          <a:bodyPr wrap="none" rtlCol="0">
+            <a:spAutoFit/>
+          </a:bodyPr>
+          <a:lstStyle/>
+          <a:p>
+            <a:r>
+              <a:rPr lang="en-US" sz="3000" dirty="0" smtClean="0">
+                <a:solidFill>
+                  <a:sysClr val="windowText" lastClr="000000"/>
+                </a:solidFill>
               </a:rPr>
-              <a:t>probably: </a:t>
-            </a:r>
-            <a:endParaRPr lang="en-US" dirty="0"/>
-          </a:p>
-          <a:p>
-            <a:pPr lvl="1" indent="-342893">
-              <a:lnSpc>
-                <a:spcPct val="95000"/>
-              </a:lnSpc>
-              <a:buClr>
-                <a:srgbClr val="000000"/>
-              </a:buClr>
-              <a:buSzPct val="100000"/>
-              <a:buFontTx/>
-              <a:buAutoNum type="arabicPeriod"/>
-            </a:pPr>
-            <a:r>
-              <a:rPr lang="en-US" sz="2700" dirty="0">
-                <a:latin typeface="Arial" pitchFamily="34" charset="0"/>
-              </a:rPr>
-              <a:t>write a basic hello world in your </a:t>
-            </a:r>
-            <a:r>
-              <a:rPr lang="en-US" sz="2700" dirty="0" err="1">
-                <a:latin typeface="Arial" pitchFamily="34" charset="0"/>
-              </a:rPr>
-              <a:t>fav</a:t>
-            </a:r>
-            <a:r>
-              <a:rPr lang="en-US" sz="2700" dirty="0">
-                <a:latin typeface="Arial" pitchFamily="34" charset="0"/>
-              </a:rPr>
-              <a:t> </a:t>
-            </a:r>
-            <a:r>
-              <a:rPr lang="en-US" sz="2700" dirty="0" err="1">
-                <a:latin typeface="Arial" pitchFamily="34" charset="0"/>
-              </a:rPr>
-              <a:t>lang</a:t>
-            </a:r>
-            <a:r>
-              <a:rPr lang="en-US" sz="2700" dirty="0">
-                <a:latin typeface="Arial" pitchFamily="34" charset="0"/>
-              </a:rPr>
-              <a:t>, </a:t>
-            </a:r>
-            <a:r>
-              <a:rPr lang="en-US" sz="2700" dirty="0" err="1">
-                <a:latin typeface="Arial" pitchFamily="34" charset="0"/>
-              </a:rPr>
-              <a:t>yay</a:t>
-            </a:r>
-            <a:r>
-              <a:rPr lang="en-US" sz="2700" dirty="0">
-                <a:latin typeface="Arial" pitchFamily="34" charset="0"/>
-              </a:rPr>
-              <a:t> both computers can see</a:t>
-            </a:r>
-            <a:endParaRPr lang="en-US" dirty="0"/>
-          </a:p>
-          <a:p>
-            <a:pPr lvl="1" indent="-342893">
-              <a:lnSpc>
-                <a:spcPct val="95000"/>
-              </a:lnSpc>
-              <a:buClr>
-                <a:srgbClr val="000000"/>
-              </a:buClr>
-              <a:buSzPct val="100000"/>
-              <a:buFontTx/>
-              <a:buAutoNum type="arabicPeriod"/>
-            </a:pPr>
-            <a:r>
-              <a:rPr lang="en-US" sz="2700" dirty="0">
-                <a:latin typeface="Arial" pitchFamily="34" charset="0"/>
-              </a:rPr>
-              <a:t>(if this is smooth enough, switch drivers)</a:t>
-            </a:r>
-            <a:endParaRPr lang="en-US" dirty="0"/>
-          </a:p>
-          <a:p>
-            <a:pPr lvl="1" indent="-342893">
-              <a:lnSpc>
-                <a:spcPct val="95000"/>
-              </a:lnSpc>
-              <a:buClr>
-                <a:srgbClr val="000000"/>
-              </a:buClr>
-              <a:buSzPct val="100000"/>
-              <a:buFontTx/>
-              <a:buAutoNum type="arabicPeriod"/>
-            </a:pPr>
-            <a:r>
-              <a:rPr lang="en-US" sz="2700" dirty="0">
-                <a:latin typeface="Arial" pitchFamily="34" charset="0"/>
-              </a:rPr>
-              <a:t>compile and run, </a:t>
-            </a:r>
-            <a:r>
-              <a:rPr lang="en-US" sz="2700" dirty="0" err="1">
-                <a:latin typeface="Arial" pitchFamily="34" charset="0"/>
-              </a:rPr>
-              <a:t>yay</a:t>
-            </a:r>
-            <a:r>
-              <a:rPr lang="en-US" sz="2700" dirty="0">
-                <a:latin typeface="Arial" pitchFamily="34" charset="0"/>
-              </a:rPr>
-              <a:t> it works</a:t>
-            </a:r>
-            <a:endParaRPr lang="en-US" dirty="0"/>
-          </a:p>
-          <a:p>
-            <a:pPr lvl="1" indent="-342893">
-              <a:lnSpc>
-                <a:spcPct val="95000"/>
-              </a:lnSpc>
-              <a:buClr>
-                <a:srgbClr val="000000"/>
-              </a:buClr>
-              <a:buSzPct val="100000"/>
-              <a:buFontTx/>
-              <a:buAutoNum type="arabicPeriod"/>
-            </a:pPr>
-            <a:r>
-              <a:rPr lang="en-US" sz="2700" dirty="0">
-                <a:latin typeface="Arial" pitchFamily="34" charset="0"/>
-              </a:rPr>
-              <a:t>use text chat a little ("hi mom!")</a:t>
-            </a:r>
-            <a:endParaRPr lang="en-US" dirty="0"/>
-          </a:p>
-          <a:p>
-            <a:pPr lvl="1" indent="-342893">
-              <a:lnSpc>
-                <a:spcPct val="95000"/>
-              </a:lnSpc>
-              <a:buClr>
-                <a:srgbClr val="000000"/>
-              </a:buClr>
-              <a:buSzPct val="100000"/>
-              <a:buFontTx/>
-              <a:buAutoNum type="arabicPeriod"/>
-            </a:pPr>
-            <a:r>
-              <a:rPr lang="en-US" sz="2700" dirty="0">
-                <a:latin typeface="Arial" pitchFamily="34" charset="0"/>
-              </a:rPr>
-              <a:t>save and quit</a:t>
-            </a:r>
-          </a:p>
-        </p:txBody>
-      </p:sp>
-      <p:sp>
-        <p:nvSpPr>
-          <p:cNvPr id="10" name="Title 9"/>
-          <p:cNvSpPr>
-            <a:spLocks noGrp="1"/>
-          </p:cNvSpPr>
-          <p:nvPr>
-            <p:ph type="title"/>
-          </p:nvPr>
-        </p:nvSpPr>
-        <p:spPr/>
-        <p:txBody>
-          <a:bodyPr/>
+              <a:t>Console</a:t>
+            </a:r>
+            <a:endParaRPr lang="en-US" sz="3000" dirty="0">
+              <a:solidFill>
+                <a:sysClr val="windowText" lastClr="000000"/>
+              </a:solidFill>
+            </a:endParaRPr>
+          </a:p>
+        </p:txBody>
+      </p:sp>
+      <p:sp>
+        <p:nvSpPr>
+          <p:cNvPr id="7" name="TextBox 6"/>
+          <p:cNvSpPr txBox="1"/>
+          <p:nvPr/>
+        </p:nvSpPr>
+        <p:spPr>
+          <a:xfrm>
+            <a:off x="7061200" y="6248400"/>
+            <a:ext cx="1687321" cy="553998"/>
+          </a:xfrm>
+          <a:prstGeom prst="rect">
+            <a:avLst/>
+          </a:prstGeom>
+        </p:spPr>
+        <p:style>
+          <a:lnRef idx="2">
+            <a:schemeClr val="accent2">
+              <a:shade val="50000"/>
+            </a:schemeClr>
+          </a:lnRef>
+          <a:fillRef idx="1">
+            <a:schemeClr val="accent2"/>
+          </a:fillRef>
+          <a:effectRef idx="0">
+            <a:schemeClr val="accent2"/>
+          </a:effectRef>
+          <a:fontRef idx="minor">
+            <a:schemeClr val="lt1"/>
+          </a:fontRef>
+        </p:style>
+        <p:txBody>
+          <a:bodyPr wrap="none" rtlCol="0">
+            <a:spAutoFit/>
+          </a:bodyPr>
           <a:lstStyle/>
           <a:p>
             <a:r>
-              <a:rPr lang="en-US" dirty="0" smtClean="0"/>
-              <a:t>Demo</a:t>
-            </a:r>
-            <a:endParaRPr lang="en-US" dirty="0"/>
+              <a:rPr lang="en-US" sz="3000" dirty="0" smtClean="0"/>
+              <a:t>Text Chat</a:t>
+            </a:r>
+            <a:endParaRPr lang="en-US" sz="3000" dirty="0"/>
           </a:p>
         </p:txBody>
       </p:sp>
@@ -6097,224 +6234,240 @@
       </p:grpSpPr>
       <p:sp>
         <p:nvSpPr>
-          <p:cNvPr id="14337" name="Rectangle 1"/>
+          <p:cNvPr id="9" name="Content Placeholder 8"/>
           <p:cNvSpPr>
-            <a:spLocks noGrp="1" noChangeArrowheads="1"/>
+            <a:spLocks noGrp="1"/>
+          </p:cNvSpPr>
+          <p:nvPr>
+            <p:ph idx="1"/>
+          </p:nvPr>
+        </p:nvSpPr>
+        <p:spPr/>
+        <p:txBody>
+          <a:bodyPr/>
+          <a:lstStyle/>
+          <a:p>
+            <a:r>
+              <a:rPr lang="en-US" dirty="0" smtClean="0"/>
+              <a:t>prepare a very simple demo illustrating main functionality and 1-2 nice things; do not get too detailed or include anything that might break</a:t>
+            </a:r>
+            <a:endParaRPr lang="en-US" dirty="0"/>
+          </a:p>
+        </p:txBody>
+      </p:sp>
+      <p:sp>
+        <p:nvSpPr>
+          <p:cNvPr id="13317" name="Text Box 5"/>
+          <p:cNvSpPr txBox="1">
+            <a:spLocks noChangeArrowheads="1"/>
+          </p:cNvSpPr>
+          <p:nvPr/>
+        </p:nvSpPr>
+        <p:spPr bwMode="auto">
+          <a:xfrm>
+            <a:off x="1041400" y="4572000"/>
+            <a:ext cx="8229600" cy="2763064"/>
+          </a:xfrm>
+          <a:prstGeom prst="rect">
+            <a:avLst/>
+          </a:prstGeom>
+          <a:noFill/>
+          <a:ln w="9525">
+            <a:noFill/>
+            <a:miter lim="800000"/>
+            <a:headEnd/>
+            <a:tailEnd/>
+          </a:ln>
+          <a:effectLst/>
+        </p:spPr>
+        <p:txBody>
+          <a:bodyPr wrap="square" lIns="0" tIns="0" rIns="0" bIns="0">
+            <a:spAutoFit/>
+          </a:bodyPr>
+          <a:lstStyle/>
+          <a:p>
+            <a:pPr>
+              <a:lnSpc>
+                <a:spcPct val="95000"/>
+              </a:lnSpc>
+            </a:pPr>
+            <a:r>
+              <a:rPr lang="en-US" sz="2700" dirty="0">
+                <a:latin typeface="Arial" pitchFamily="34" charset="0"/>
+              </a:rPr>
+              <a:t>probably: </a:t>
+            </a:r>
+            <a:endParaRPr lang="en-US" dirty="0"/>
+          </a:p>
+          <a:p>
+            <a:pPr lvl="1" indent="-342893">
+              <a:lnSpc>
+                <a:spcPct val="95000"/>
+              </a:lnSpc>
+              <a:buClr>
+                <a:srgbClr val="000000"/>
+              </a:buClr>
+              <a:buSzPct val="100000"/>
+              <a:buFontTx/>
+              <a:buAutoNum type="arabicPeriod"/>
+            </a:pPr>
+            <a:r>
+              <a:rPr lang="en-US" sz="2700" dirty="0">
+                <a:latin typeface="Arial" pitchFamily="34" charset="0"/>
+              </a:rPr>
+              <a:t>write a basic hello world in your </a:t>
+            </a:r>
+            <a:r>
+              <a:rPr lang="en-US" sz="2700" dirty="0" err="1">
+                <a:latin typeface="Arial" pitchFamily="34" charset="0"/>
+              </a:rPr>
+              <a:t>fav</a:t>
+            </a:r>
+            <a:r>
+              <a:rPr lang="en-US" sz="2700" dirty="0">
+                <a:latin typeface="Arial" pitchFamily="34" charset="0"/>
+              </a:rPr>
+              <a:t> </a:t>
+            </a:r>
+            <a:r>
+              <a:rPr lang="en-US" sz="2700" dirty="0" err="1">
+                <a:latin typeface="Arial" pitchFamily="34" charset="0"/>
+              </a:rPr>
+              <a:t>lang</a:t>
+            </a:r>
+            <a:r>
+              <a:rPr lang="en-US" sz="2700" dirty="0">
+                <a:latin typeface="Arial" pitchFamily="34" charset="0"/>
+              </a:rPr>
+              <a:t>, </a:t>
+            </a:r>
+            <a:r>
+              <a:rPr lang="en-US" sz="2700" dirty="0" err="1">
+                <a:latin typeface="Arial" pitchFamily="34" charset="0"/>
+              </a:rPr>
+              <a:t>yay</a:t>
+            </a:r>
+            <a:r>
+              <a:rPr lang="en-US" sz="2700" dirty="0">
+                <a:latin typeface="Arial" pitchFamily="34" charset="0"/>
+              </a:rPr>
+              <a:t> both computers can see</a:t>
+            </a:r>
+            <a:endParaRPr lang="en-US" dirty="0"/>
+          </a:p>
+          <a:p>
+            <a:pPr lvl="1" indent="-342893">
+              <a:lnSpc>
+                <a:spcPct val="95000"/>
+              </a:lnSpc>
+              <a:buClr>
+                <a:srgbClr val="000000"/>
+              </a:buClr>
+              <a:buSzPct val="100000"/>
+              <a:buFontTx/>
+              <a:buAutoNum type="arabicPeriod"/>
+            </a:pPr>
+            <a:r>
+              <a:rPr lang="en-US" sz="2700" dirty="0">
+                <a:latin typeface="Arial" pitchFamily="34" charset="0"/>
+              </a:rPr>
+              <a:t>(if this is smooth enough, switch drivers)</a:t>
+            </a:r>
+            <a:endParaRPr lang="en-US" dirty="0"/>
+          </a:p>
+          <a:p>
+            <a:pPr lvl="1" indent="-342893">
+              <a:lnSpc>
+                <a:spcPct val="95000"/>
+              </a:lnSpc>
+              <a:buClr>
+                <a:srgbClr val="000000"/>
+              </a:buClr>
+              <a:buSzPct val="100000"/>
+              <a:buFontTx/>
+              <a:buAutoNum type="arabicPeriod"/>
+            </a:pPr>
+            <a:r>
+              <a:rPr lang="en-US" sz="2700" dirty="0">
+                <a:latin typeface="Arial" pitchFamily="34" charset="0"/>
+              </a:rPr>
+              <a:t>compile and run, </a:t>
+            </a:r>
+            <a:r>
+              <a:rPr lang="en-US" sz="2700" dirty="0" err="1">
+                <a:latin typeface="Arial" pitchFamily="34" charset="0"/>
+              </a:rPr>
+              <a:t>yay</a:t>
+            </a:r>
+            <a:r>
+              <a:rPr lang="en-US" sz="2700" dirty="0">
+                <a:latin typeface="Arial" pitchFamily="34" charset="0"/>
+              </a:rPr>
+              <a:t> it works</a:t>
+            </a:r>
+            <a:endParaRPr lang="en-US" dirty="0"/>
+          </a:p>
+          <a:p>
+            <a:pPr lvl="1" indent="-342893">
+              <a:lnSpc>
+                <a:spcPct val="95000"/>
+              </a:lnSpc>
+              <a:buClr>
+                <a:srgbClr val="000000"/>
+              </a:buClr>
+              <a:buSzPct val="100000"/>
+              <a:buFontTx/>
+              <a:buAutoNum type="arabicPeriod"/>
+            </a:pPr>
+            <a:r>
+              <a:rPr lang="en-US" sz="2700" dirty="0">
+                <a:latin typeface="Arial" pitchFamily="34" charset="0"/>
+              </a:rPr>
+              <a:t>use text chat a little ("hi mom!")</a:t>
+            </a:r>
+            <a:endParaRPr lang="en-US" dirty="0"/>
+          </a:p>
+          <a:p>
+            <a:pPr lvl="1" indent="-342893">
+              <a:lnSpc>
+                <a:spcPct val="95000"/>
+              </a:lnSpc>
+              <a:buClr>
+                <a:srgbClr val="000000"/>
+              </a:buClr>
+              <a:buSzPct val="100000"/>
+              <a:buFontTx/>
+              <a:buAutoNum type="arabicPeriod"/>
+            </a:pPr>
+            <a:r>
+              <a:rPr lang="en-US" sz="2700" dirty="0">
+                <a:latin typeface="Arial" pitchFamily="34" charset="0"/>
+              </a:rPr>
+              <a:t>save and quit</a:t>
+            </a:r>
+          </a:p>
+        </p:txBody>
+      </p:sp>
+      <p:sp>
+        <p:nvSpPr>
+          <p:cNvPr id="10" name="Title 9"/>
+          <p:cNvSpPr>
+            <a:spLocks noGrp="1"/>
           </p:cNvSpPr>
           <p:nvPr>
             <p:ph type="title"/>
           </p:nvPr>
         </p:nvSpPr>
-        <p:spPr>
-          <a:xfrm>
-            <a:off x="247650" y="304800"/>
-            <a:ext cx="9664700" cy="914400"/>
-          </a:xfrm>
-        </p:spPr>
-        <p:txBody>
-          <a:bodyPr lIns="0" tIns="0" rIns="0" bIns="0" anchor="t">
-            <a:normAutofit/>
-          </a:bodyPr>
+        <p:spPr/>
+        <p:txBody>
+          <a:bodyPr/>
           <a:lstStyle/>
           <a:p>
-            <a:pPr algn="l">
-              <a:lnSpc>
-                <a:spcPct val="95000"/>
-              </a:lnSpc>
-            </a:pPr>
-            <a:r>
-              <a:rPr lang="en-US" sz="6000" i="1" dirty="0">
-                <a:solidFill>
-                  <a:srgbClr val="DEAF0D"/>
-                </a:solidFill>
-                <a:latin typeface="Bodoni" pitchFamily="34"/>
-              </a:rPr>
-              <a:t>We've come a long way...</a:t>
-            </a:r>
-          </a:p>
-        </p:txBody>
-      </p:sp>
-      <p:sp>
-        <p:nvSpPr>
-          <p:cNvPr id="14338" name="Rectangle 2"/>
-          <p:cNvSpPr>
-            <a:spLocks noGrp="1" noChangeArrowheads="1"/>
-          </p:cNvSpPr>
-          <p:nvPr>
-            <p:ph idx="1"/>
-          </p:nvPr>
-        </p:nvSpPr>
-        <p:spPr>
-          <a:xfrm>
-            <a:off x="247650" y="1828800"/>
-            <a:ext cx="9664700" cy="5486400"/>
-          </a:xfrm>
-        </p:spPr>
-        <p:txBody>
-          <a:bodyPr lIns="0" tIns="0" rIns="0" bIns="0">
-            <a:normAutofit/>
-          </a:bodyPr>
-          <a:lstStyle/>
-          <a:p>
-            <a:pPr marL="457191" lvl="1" indent="-342893">
-              <a:lnSpc>
-                <a:spcPct val="95000"/>
-              </a:lnSpc>
-              <a:spcBef>
-                <a:spcPct val="0"/>
-              </a:spcBef>
-              <a:buClr>
-                <a:srgbClr val="000000"/>
-              </a:buClr>
-              <a:buFontTx/>
-              <a:buChar char="•"/>
-            </a:pPr>
-            <a:r>
-              <a:rPr lang="en-US" sz="4400" dirty="0" smtClean="0">
-                <a:latin typeface="Tahoma" pitchFamily="34" charset="0"/>
-                <a:ea typeface="Tahoma" pitchFamily="34" charset="0"/>
-                <a:cs typeface="Tahoma" pitchFamily="34" charset="0"/>
-              </a:rPr>
-              <a:t>Documentation</a:t>
-            </a:r>
-          </a:p>
-          <a:p>
-            <a:pPr marL="457191" lvl="1" indent="-342893">
-              <a:lnSpc>
-                <a:spcPct val="95000"/>
-              </a:lnSpc>
-              <a:spcBef>
-                <a:spcPct val="0"/>
-              </a:spcBef>
-              <a:buClr>
-                <a:srgbClr val="000000"/>
-              </a:buClr>
-              <a:buFontTx/>
-              <a:buChar char="•"/>
-            </a:pPr>
-            <a:r>
-              <a:rPr lang="en-US" sz="4400" dirty="0" smtClean="0">
-                <a:latin typeface="Tahoma" pitchFamily="34" charset="0"/>
-                <a:ea typeface="Tahoma" pitchFamily="34" charset="0"/>
-                <a:cs typeface="Tahoma" pitchFamily="34" charset="0"/>
-              </a:rPr>
-              <a:t>Be cautious using new things</a:t>
-            </a:r>
-          </a:p>
-          <a:p>
-            <a:pPr marL="457191" lvl="1" indent="-342893">
-              <a:lnSpc>
-                <a:spcPct val="95000"/>
-              </a:lnSpc>
-              <a:spcBef>
-                <a:spcPct val="0"/>
-              </a:spcBef>
-              <a:buClr>
-                <a:srgbClr val="000000"/>
-              </a:buClr>
-              <a:buFontTx/>
-              <a:buChar char="•"/>
-            </a:pPr>
-            <a:r>
-              <a:rPr lang="en-US" sz="4400" dirty="0" smtClean="0">
-                <a:latin typeface="Tahoma" pitchFamily="34" charset="0"/>
-                <a:ea typeface="Tahoma" pitchFamily="34" charset="0"/>
-                <a:cs typeface="Tahoma" pitchFamily="34" charset="0"/>
-              </a:rPr>
-              <a:t>Communication</a:t>
-            </a:r>
-          </a:p>
-          <a:p>
-            <a:pPr marL="457191" lvl="1" indent="-342893">
-              <a:lnSpc>
-                <a:spcPct val="95000"/>
-              </a:lnSpc>
-              <a:spcBef>
-                <a:spcPct val="0"/>
-              </a:spcBef>
-              <a:buClr>
-                <a:srgbClr val="000000"/>
-              </a:buClr>
-              <a:buFontTx/>
-              <a:buChar char="•"/>
-            </a:pPr>
-            <a:r>
-              <a:rPr lang="en-US" sz="4400" dirty="0" smtClean="0">
-                <a:latin typeface="Tahoma" pitchFamily="34" charset="0"/>
-                <a:ea typeface="Tahoma" pitchFamily="34" charset="0"/>
-                <a:cs typeface="Tahoma" pitchFamily="34" charset="0"/>
-              </a:rPr>
-              <a:t>SVN</a:t>
-            </a:r>
-          </a:p>
-          <a:p>
-            <a:pPr marL="457191" lvl="1" indent="-342893">
-              <a:lnSpc>
-                <a:spcPct val="95000"/>
-              </a:lnSpc>
-              <a:spcBef>
-                <a:spcPct val="0"/>
-              </a:spcBef>
-              <a:buClr>
-                <a:srgbClr val="000000"/>
-              </a:buClr>
-              <a:buFontTx/>
-              <a:buChar char="•"/>
-            </a:pPr>
-            <a:r>
-              <a:rPr lang="en-US" sz="4400" dirty="0" smtClean="0">
-                <a:latin typeface="Tahoma" pitchFamily="34" charset="0"/>
-                <a:ea typeface="Tahoma" pitchFamily="34" charset="0"/>
-                <a:cs typeface="Tahoma" pitchFamily="34" charset="0"/>
-              </a:rPr>
-              <a:t>Take breaks</a:t>
-            </a:r>
-          </a:p>
-          <a:p>
-            <a:pPr marL="457191" lvl="1" indent="-342893">
-              <a:lnSpc>
-                <a:spcPct val="95000"/>
-              </a:lnSpc>
-              <a:spcBef>
-                <a:spcPct val="0"/>
-              </a:spcBef>
-              <a:buClr>
-                <a:srgbClr val="000000"/>
-              </a:buClr>
-              <a:buFontTx/>
-              <a:buChar char="•"/>
-            </a:pPr>
-            <a:r>
-              <a:rPr lang="en-US" sz="4400" dirty="0" smtClean="0">
-                <a:latin typeface="Tahoma" pitchFamily="34" charset="0"/>
-                <a:ea typeface="Tahoma" pitchFamily="34" charset="0"/>
-                <a:cs typeface="Tahoma" pitchFamily="34" charset="0"/>
-              </a:rPr>
-              <a:t>Open source</a:t>
-            </a:r>
-          </a:p>
-          <a:p>
-            <a:pPr marL="751828" lvl="2" indent="-342893">
-              <a:lnSpc>
-                <a:spcPct val="95000"/>
-              </a:lnSpc>
-              <a:spcBef>
-                <a:spcPct val="0"/>
-              </a:spcBef>
-              <a:buClr>
-                <a:srgbClr val="000000"/>
-              </a:buClr>
-              <a:buFontTx/>
-              <a:buChar char="•"/>
-            </a:pPr>
-            <a:r>
-              <a:rPr lang="en-US" sz="4000" dirty="0" smtClean="0">
-                <a:latin typeface="Tahoma" pitchFamily="34" charset="0"/>
-                <a:ea typeface="Tahoma" pitchFamily="34" charset="0"/>
-                <a:cs typeface="Tahoma" pitchFamily="34" charset="0"/>
-              </a:rPr>
-              <a:t>Don’t be afraid of the French</a:t>
-            </a:r>
+            <a:r>
+              <a:rPr lang="en-US" dirty="0" smtClean="0"/>
+              <a:t>Demo</a:t>
+            </a:r>
+            <a:endParaRPr lang="en-US" dirty="0"/>
           </a:p>
         </p:txBody>
       </p:sp>
@@ -6352,7 +6505,7 @@
       </p:grpSpPr>
       <p:sp>
         <p:nvSpPr>
-          <p:cNvPr id="15361" name="Rectangle 1"/>
+          <p:cNvPr id="14337" name="Rectangle 1"/>
           <p:cNvSpPr>
             <a:spLocks noGrp="1" noChangeArrowheads="1"/>
           </p:cNvSpPr>
@@ -6363,12 +6516,12 @@
         <p:spPr>
           <a:xfrm>
             <a:off x="247650" y="304800"/>
-            <a:ext cx="9912350" cy="914400"/>
+            <a:ext cx="9664700" cy="914400"/>
           </a:xfrm>
         </p:spPr>
         <p:txBody>
           <a:bodyPr lIns="0" tIns="0" rIns="0" bIns="0" anchor="t">
-            <a:noAutofit/>
+            <a:normAutofit/>
           </a:bodyPr>
           <a:lstStyle/>
           <a:p>
@@ -6378,20 +6531,20 @@
               </a:lnSpc>
             </a:pPr>
             <a:r>
-              <a:rPr lang="en-US" sz="5300" i="1" dirty="0">
+              <a:rPr lang="en-US" sz="6000" i="1" dirty="0">
                 <a:solidFill>
                   <a:srgbClr val="DEAF0D"/>
                 </a:solidFill>
                 <a:latin typeface="Bodoni" pitchFamily="34"/>
               </a:rPr>
-              <a:t>...but we've got a long way to go</a:t>
-            </a:r>
-          </a:p>
-        </p:txBody>
-      </p:sp>
-      <p:sp>
-        <p:nvSpPr>
-          <p:cNvPr id="15362" name="Rectangle 2"/>
+              <a:t>We've come a long way...</a:t>
+            </a:r>
+          </a:p>
+        </p:txBody>
+      </p:sp>
+      <p:sp>
+        <p:nvSpPr>
+          <p:cNvPr id="14338" name="Rectangle 2"/>
           <p:cNvSpPr>
             <a:spLocks noGrp="1" noChangeArrowheads="1"/>
           </p:cNvSpPr>
@@ -6425,20 +6578,12 @@
               <a:buChar char="•"/>
             </a:pPr>
             <a:r>
-              <a:rPr lang="en-US" sz="4400" dirty="0">
-                <a:latin typeface="Tahoma" pitchFamily="34" charset="0"/>
-                <a:ea typeface="Tahoma" pitchFamily="34" charset="0"/>
-                <a:cs typeface="Tahoma" pitchFamily="34" charset="0"/>
-              </a:rPr>
-              <a:t>things we still want to improve, expand, work </a:t>
-            </a:r>
-            <a:r>
               <a:rPr lang="en-US" sz="4400" dirty="0" smtClean="0">
                 <a:latin typeface="Tahoma" pitchFamily="34" charset="0"/>
                 <a:ea typeface="Tahoma" pitchFamily="34" charset="0"/>
                 <a:cs typeface="Tahoma" pitchFamily="34" charset="0"/>
               </a:rPr>
-              <a:t>on</a:t>
+              <a:t>Documentation</a:t>
             </a:r>
           </a:p>
           <a:p>
@@ -6456,36 +6601,127 @@
               <a:buChar char="•"/>
             </a:pPr>
             <a:r>
-              <a:rPr lang="en-US" sz="4400" dirty="0" err="1" smtClean="0">
-                <a:latin typeface="Tahoma" pitchFamily="34" charset="0"/>
-                <a:ea typeface="Tahoma" pitchFamily="34" charset="0"/>
-                <a:cs typeface="Tahoma" pitchFamily="34" charset="0"/>
-              </a:rPr>
-              <a:t>heh</a:t>
-            </a:r>
-            <a:r>
               <a:rPr lang="en-US" sz="4400" dirty="0" smtClean="0">
                 <a:latin typeface="Tahoma" pitchFamily="34" charset="0"/>
                 <a:ea typeface="Tahoma" pitchFamily="34" charset="0"/>
                 <a:cs typeface="Tahoma" pitchFamily="34" charset="0"/>
               </a:rPr>
-              <a:t> </a:t>
-            </a:r>
-            <a:r>
-              <a:rPr lang="en-US" sz="4400" dirty="0" err="1" smtClean="0">
-                <a:latin typeface="Tahoma" pitchFamily="34" charset="0"/>
-                <a:ea typeface="Tahoma" pitchFamily="34" charset="0"/>
-                <a:cs typeface="Tahoma" pitchFamily="34" charset="0"/>
-              </a:rPr>
-              <a:t>heh</a:t>
-            </a:r>
+              <a:t>Be cautious using new things</a:t>
+            </a:r>
+          </a:p>
+          <a:p>
+            <a:pPr marL="457191" lvl="1" indent="-342893">
+              <a:lnSpc>
+                <a:spcPct val="95000"/>
+              </a:lnSpc>
+              <a:spcBef>
+                <a:spcPct val="0"/>
+              </a:spcBef>
+              <a:buClr>
+                <a:srgbClr val="000000"/>
+              </a:buClr>
+              <a:buFontTx/>
+              <a:buChar char="•"/>
+            </a:pPr>
             <a:r>
               <a:rPr lang="en-US" sz="4400" dirty="0" smtClean="0">
                 <a:latin typeface="Tahoma" pitchFamily="34" charset="0"/>
                 <a:ea typeface="Tahoma" pitchFamily="34" charset="0"/>
                 <a:cs typeface="Tahoma" pitchFamily="34" charset="0"/>
               </a:rPr>
-              <a:t> we have no bugs… no bugs at all…</a:t>
+              <a:t>Communication</a:t>
+            </a:r>
+          </a:p>
+          <a:p>
+            <a:pPr marL="457191" lvl="1" indent="-342893">
+              <a:lnSpc>
+                <a:spcPct val="95000"/>
+              </a:lnSpc>
+              <a:spcBef>
+                <a:spcPct val="0"/>
+              </a:spcBef>
+              <a:buClr>
+                <a:srgbClr val="000000"/>
+              </a:buClr>
+              <a:buFontTx/>
+              <a:buChar char="•"/>
+            </a:pPr>
+            <a:r>
+              <a:rPr lang="en-US" sz="4400" dirty="0" smtClean="0">
+                <a:latin typeface="Tahoma" pitchFamily="34" charset="0"/>
+                <a:ea typeface="Tahoma" pitchFamily="34" charset="0"/>
+                <a:cs typeface="Tahoma" pitchFamily="34" charset="0"/>
+              </a:rPr>
+              <a:t>SVN</a:t>
+            </a:r>
+          </a:p>
+          <a:p>
+            <a:pPr marL="457191" lvl="1" indent="-342893">
+              <a:lnSpc>
+                <a:spcPct val="95000"/>
+              </a:lnSpc>
+              <a:spcBef>
+                <a:spcPct val="0"/>
+              </a:spcBef>
+              <a:buClr>
+                <a:srgbClr val="000000"/>
+              </a:buClr>
+              <a:buFontTx/>
+              <a:buChar char="•"/>
+            </a:pPr>
+            <a:r>
+              <a:rPr lang="en-US" sz="4400" dirty="0" smtClean="0">
+                <a:latin typeface="Tahoma" pitchFamily="34" charset="0"/>
+                <a:ea typeface="Tahoma" pitchFamily="34" charset="0"/>
+                <a:cs typeface="Tahoma" pitchFamily="34" charset="0"/>
+              </a:rPr>
+              <a:t>Take breaks</a:t>
+            </a:r>
+          </a:p>
+          <a:p>
+            <a:pPr marL="457191" lvl="1" indent="-342893">
+              <a:lnSpc>
+                <a:spcPct val="95000"/>
+              </a:lnSpc>
+              <a:spcBef>
+                <a:spcPct val="0"/>
+              </a:spcBef>
+              <a:buClr>
+                <a:srgbClr val="000000"/>
+              </a:buClr>
+              <a:buFontTx/>
+              <a:buChar char="•"/>
+            </a:pPr>
+            <a:r>
+              <a:rPr lang="en-US" sz="4400" dirty="0" smtClean="0">
+                <a:latin typeface="Tahoma" pitchFamily="34" charset="0"/>
+                <a:ea typeface="Tahoma" pitchFamily="34" charset="0"/>
+                <a:cs typeface="Tahoma" pitchFamily="34" charset="0"/>
+              </a:rPr>
+              <a:t>Open source</a:t>
+            </a:r>
+          </a:p>
+          <a:p>
+            <a:pPr marL="751828" lvl="2" indent="-342893">
+              <a:lnSpc>
+                <a:spcPct val="95000"/>
+              </a:lnSpc>
+              <a:spcBef>
+                <a:spcPct val="0"/>
+              </a:spcBef>
+              <a:buClr>
+                <a:srgbClr val="000000"/>
+              </a:buClr>
+              <a:buFontTx/>
+              <a:buChar char="•"/>
+            </a:pPr>
+            <a:r>
+              <a:rPr lang="en-US" sz="4000" dirty="0" smtClean="0">
+                <a:latin typeface="Tahoma" pitchFamily="34" charset="0"/>
+                <a:ea typeface="Tahoma" pitchFamily="34" charset="0"/>
+                <a:cs typeface="Tahoma" pitchFamily="34" charset="0"/>
+              </a:rPr>
+              <a:t>Don’t be afraid of the French</a:t>
             </a:r>
           </a:p>
         </p:txBody>
@@ -6524,7 +6760,7 @@
       </p:grpSpPr>
       <p:sp>
         <p:nvSpPr>
-          <p:cNvPr id="16385" name="Rectangle 1"/>
+          <p:cNvPr id="15361" name="Rectangle 1"/>
           <p:cNvSpPr>
             <a:spLocks noGrp="1" noChangeArrowheads="1"/>
           </p:cNvSpPr>
@@ -6535,12 +6771,12 @@
         <p:spPr>
           <a:xfrm>
             <a:off x="247650" y="304800"/>
-            <a:ext cx="9664700" cy="914400"/>
+            <a:ext cx="9912350" cy="914400"/>
           </a:xfrm>
         </p:spPr>
         <p:txBody>
           <a:bodyPr lIns="0" tIns="0" rIns="0" bIns="0" anchor="t">
-            <a:normAutofit/>
+            <a:noAutofit/>
           </a:bodyPr>
           <a:lstStyle/>
           <a:p>
@@ -6550,20 +6786,20 @@
               </a:lnSpc>
             </a:pPr>
             <a:r>
-              <a:rPr lang="en-US" sz="6000" i="1" dirty="0">
+              <a:rPr lang="en-US" sz="5300" i="1" dirty="0">
                 <a:solidFill>
                   <a:srgbClr val="DEAF0D"/>
                 </a:solidFill>
                 <a:latin typeface="Bodoni" pitchFamily="34"/>
               </a:rPr>
-              <a:t>Acknowledgements</a:t>
-            </a:r>
-          </a:p>
-        </p:txBody>
-      </p:sp>
-      <p:sp>
-        <p:nvSpPr>
-          <p:cNvPr id="16386" name="Rectangle 2"/>
+              <a:t>...but we've got a long way to go</a:t>
+            </a:r>
+          </a:p>
+        </p:txBody>
+      </p:sp>
+      <p:sp>
+        <p:nvSpPr>
+          <p:cNvPr id="15362" name="Rectangle 2"/>
           <p:cNvSpPr>
             <a:spLocks noGrp="1" noChangeArrowheads="1"/>
           </p:cNvSpPr>
@@ -6573,59 +6809,70 @@
         </p:nvSpPr>
         <p:spPr>
           <a:xfrm>
-            <a:off x="247650" y="2057400"/>
+            <a:off x="247650" y="1828800"/>
             <a:ext cx="9664700" cy="5486400"/>
           </a:xfrm>
         </p:spPr>
         <p:txBody>
           <a:bodyPr lIns="0" tIns="0" rIns="0" bIns="0">
-            <a:noAutofit/>
+            <a:normAutofit/>
           </a:bodyPr>
           <a:lstStyle/>
           <a:p>
-            <a:pPr marL="0" indent="0" algn="ctr">
+            <a:pPr marL="457191" lvl="1" indent="-342893">
               <a:lnSpc>
-                <a:spcPct val="150000"/>
+                <a:spcPct val="95000"/>
               </a:lnSpc>
               <a:spcBef>
                 <a:spcPct val="0"/>
               </a:spcBef>
-              <a:buNone/>
+              <a:buClr>
+                <a:srgbClr val="000000"/>
+              </a:buClr>
+              <a:buFontTx/>
+              <a:buChar char="•"/>
             </a:pPr>
+            <a:r>
+              <a:rPr lang="en-US" sz="4400" dirty="0">
+                <a:latin typeface="Tahoma" pitchFamily="34" charset="0"/>
+                <a:ea typeface="Tahoma" pitchFamily="34" charset="0"/>
+                <a:cs typeface="Tahoma" pitchFamily="34" charset="0"/>
+              </a:rPr>
+              <a:t>things we still want to improve, expand, work </a:t>
+            </a:r>
             <a:r>
               <a:rPr lang="en-US" sz="4400" dirty="0" smtClean="0">
                 <a:latin typeface="Tahoma" pitchFamily="34" charset="0"/>
                 <a:ea typeface="Tahoma" pitchFamily="34" charset="0"/>
                 <a:cs typeface="Tahoma" pitchFamily="34" charset="0"/>
               </a:rPr>
-              <a:t>Prof. Kernighan</a:t>
-            </a:r>
-            <a:endParaRPr lang="en-US" sz="4400" dirty="0">
-              <a:latin typeface="Tahoma" pitchFamily="34" charset="0"/>
-              <a:ea typeface="Tahoma" pitchFamily="34" charset="0"/>
-              <a:cs typeface="Tahoma" pitchFamily="34" charset="0"/>
-            </a:endParaRPr>
-          </a:p>
-          <a:p>
-            <a:pPr marL="0" indent="0" algn="ctr">
+              <a:t>on</a:t>
+            </a:r>
+          </a:p>
+          <a:p>
+            <a:pPr marL="457191" lvl="1" indent="-342893">
               <a:lnSpc>
-                <a:spcPct val="150000"/>
+                <a:spcPct val="95000"/>
               </a:lnSpc>
               <a:spcBef>
                 <a:spcPct val="0"/>
               </a:spcBef>
-              <a:buNone/>
+              <a:buClr>
+                <a:srgbClr val="000000"/>
+              </a:buClr>
+              <a:buFontTx/>
+              <a:buChar char="•"/>
             </a:pPr>
             <a:r>
-              <a:rPr lang="en-US" sz="4400" dirty="0" err="1">
+              <a:rPr lang="en-US" sz="4400" dirty="0" err="1" smtClean="0">
                 <a:latin typeface="Tahoma" pitchFamily="34" charset="0"/>
                 <a:ea typeface="Tahoma" pitchFamily="34" charset="0"/>
                 <a:cs typeface="Tahoma" pitchFamily="34" charset="0"/>
               </a:rPr>
-              <a:t>Peng</a:t>
-            </a:r>
-            <a:r>
-              <a:rPr lang="en-US" sz="4400" dirty="0">
+              <a:t>heh</a:t>
+            </a:r>
+            <a:r>
+              <a:rPr lang="en-US" sz="4400" dirty="0" smtClean="0">
                 <a:latin typeface="Tahoma" pitchFamily="34" charset="0"/>
                 <a:ea typeface="Tahoma" pitchFamily="34" charset="0"/>
                 <a:cs typeface="Tahoma" pitchFamily="34" charset="0"/>
@@ -6633,140 +6880,20 @@
               <a:t> </a:t>
             </a:r>
             <a:r>
+              <a:rPr lang="en-US" sz="4400" dirty="0" err="1" smtClean="0">
+                <a:latin typeface="Tahoma" pitchFamily="34" charset="0"/>
+                <a:ea typeface="Tahoma" pitchFamily="34" charset="0"/>
+                <a:cs typeface="Tahoma" pitchFamily="34" charset="0"/>
+              </a:rPr>
+              <a:t>heh</a:t>
+            </a:r>
+            <a:r>
               <a:rPr lang="en-US" sz="4400" dirty="0" smtClean="0">
                 <a:latin typeface="Tahoma" pitchFamily="34" charset="0"/>
                 <a:ea typeface="Tahoma" pitchFamily="34" charset="0"/>
                 <a:cs typeface="Tahoma" pitchFamily="34" charset="0"/>
               </a:rPr>
-              <a:t>Jiang</a:t>
-            </a:r>
-            <a:endParaRPr lang="en-US" sz="4400" dirty="0">
-              <a:latin typeface="Tahoma" pitchFamily="34" charset="0"/>
-              <a:ea typeface="Tahoma" pitchFamily="34" charset="0"/>
-              <a:cs typeface="Tahoma" pitchFamily="34" charset="0"/>
-            </a:endParaRPr>
-          </a:p>
-          <a:p>
-            <a:pPr marL="0" indent="0" algn="ctr">
-              <a:lnSpc>
-                <a:spcPct val="150000"/>
-              </a:lnSpc>
-              <a:spcBef>
-                <a:spcPct val="0"/>
-              </a:spcBef>
-              <a:buNone/>
-            </a:pPr>
-            <a:r>
-              <a:rPr lang="en-US" sz="4400" dirty="0">
-                <a:latin typeface="Tahoma" pitchFamily="34" charset="0"/>
-                <a:ea typeface="Tahoma" pitchFamily="34" charset="0"/>
-                <a:cs typeface="Tahoma" pitchFamily="34" charset="0"/>
-              </a:rPr>
-              <a:t>Dr. Robert </a:t>
-            </a:r>
-            <a:r>
-              <a:rPr lang="en-US" sz="4400" dirty="0" err="1" smtClean="0">
-                <a:latin typeface="Tahoma" pitchFamily="34" charset="0"/>
-                <a:ea typeface="Tahoma" pitchFamily="34" charset="0"/>
-                <a:cs typeface="Tahoma" pitchFamily="34" charset="0"/>
-              </a:rPr>
-              <a:t>Dondero</a:t>
-            </a:r>
-            <a:endParaRPr lang="en-US" sz="4400" dirty="0">
-              <a:latin typeface="Tahoma" pitchFamily="34" charset="0"/>
-              <a:ea typeface="Tahoma" pitchFamily="34" charset="0"/>
-              <a:cs typeface="Tahoma" pitchFamily="34" charset="0"/>
-            </a:endParaRPr>
-          </a:p>
-          <a:p>
-            <a:pPr marL="0" indent="0" algn="ctr">
-              <a:lnSpc>
-                <a:spcPct val="150000"/>
-              </a:lnSpc>
-              <a:spcBef>
-                <a:spcPct val="0"/>
-              </a:spcBef>
-              <a:buNone/>
-            </a:pPr>
-            <a:r>
-              <a:rPr lang="en-US" sz="4400" dirty="0" err="1">
-                <a:latin typeface="Tahoma" pitchFamily="34" charset="0"/>
-                <a:ea typeface="Tahoma" pitchFamily="34" charset="0"/>
-                <a:cs typeface="Tahoma" pitchFamily="34" charset="0"/>
-              </a:rPr>
-              <a:t>Gyeong-Sik</a:t>
-            </a:r>
-            <a:r>
-              <a:rPr lang="en-US" sz="4400" dirty="0">
-                <a:latin typeface="Tahoma" pitchFamily="34" charset="0"/>
-                <a:ea typeface="Tahoma" pitchFamily="34" charset="0"/>
-                <a:cs typeface="Tahoma" pitchFamily="34" charset="0"/>
-              </a:rPr>
-              <a:t> </a:t>
-            </a:r>
-            <a:r>
-              <a:rPr lang="en-US" sz="4400" dirty="0" err="1">
-                <a:latin typeface="Tahoma" pitchFamily="34" charset="0"/>
-                <a:ea typeface="Tahoma" pitchFamily="34" charset="0"/>
-                <a:cs typeface="Tahoma" pitchFamily="34" charset="0"/>
-              </a:rPr>
-              <a:t>Choi</a:t>
-            </a:r>
-            <a:r>
-              <a:rPr lang="en-US" sz="4400" dirty="0">
-                <a:latin typeface="Tahoma" pitchFamily="34" charset="0"/>
-                <a:ea typeface="Tahoma" pitchFamily="34" charset="0"/>
-                <a:cs typeface="Tahoma" pitchFamily="34" charset="0"/>
-              </a:rPr>
-              <a:t> &amp; </a:t>
-            </a:r>
-            <a:r>
-              <a:rPr lang="en-US" sz="4400" dirty="0" smtClean="0">
-                <a:latin typeface="Tahoma" pitchFamily="34" charset="0"/>
-                <a:ea typeface="Tahoma" pitchFamily="34" charset="0"/>
-                <a:cs typeface="Tahoma" pitchFamily="34" charset="0"/>
-              </a:rPr>
-              <a:t>our </a:t>
-            </a:r>
-            <a:r>
-              <a:rPr lang="en-US" sz="4400" dirty="0" err="1" smtClean="0">
-                <a:latin typeface="Tahoma" pitchFamily="34" charset="0"/>
-                <a:ea typeface="Tahoma" pitchFamily="34" charset="0"/>
-                <a:cs typeface="Tahoma" pitchFamily="34" charset="0"/>
-              </a:rPr>
-              <a:t>Frist</a:t>
-            </a:r>
-            <a:r>
-              <a:rPr lang="en-US" sz="4400" dirty="0" smtClean="0">
-                <a:latin typeface="Tahoma" pitchFamily="34" charset="0"/>
-                <a:ea typeface="Tahoma" pitchFamily="34" charset="0"/>
-                <a:cs typeface="Tahoma" pitchFamily="34" charset="0"/>
-              </a:rPr>
-              <a:t> cohorts</a:t>
-            </a:r>
-            <a:endParaRPr lang="en-US" sz="4400" dirty="0">
-              <a:latin typeface="Tahoma" pitchFamily="34" charset="0"/>
-              <a:ea typeface="Tahoma" pitchFamily="34" charset="0"/>
-              <a:cs typeface="Tahoma" pitchFamily="34" charset="0"/>
-            </a:endParaRPr>
-          </a:p>
-          <a:p>
-            <a:pPr marL="0" indent="0" algn="ctr">
-              <a:lnSpc>
-                <a:spcPct val="150000"/>
-              </a:lnSpc>
-              <a:spcBef>
-                <a:spcPct val="0"/>
-              </a:spcBef>
-              <a:buNone/>
-            </a:pPr>
-            <a:r>
-              <a:rPr lang="en-US" sz="4400" dirty="0">
-                <a:latin typeface="Tahoma" pitchFamily="34" charset="0"/>
-                <a:ea typeface="Tahoma" pitchFamily="34" charset="0"/>
-                <a:cs typeface="Tahoma" pitchFamily="34" charset="0"/>
-              </a:rPr>
-              <a:t>You!</a:t>
+              <a:t> we have no bugs… no bugs at all…</a:t>
             </a:r>
           </a:p>
         </p:txBody>
@@ -6787,6 +6914,287 @@
 </file>
 
 <file path=ppt/slides/slide16.xml><?xml version="1.0" encoding="utf-8"?>
+<p:sld xmlns:a="http://schemas.openxmlformats.org/drawingml/2006/main" xmlns:r="http://schemas.openxmlformats.org/officeDocument/2006/relationships" xmlns:p="http://schemas.openxmlformats.org/presentationml/2006/main">
+  <p:cSld>
+    <p:spTree>
+      <p:nvGrpSpPr>
+        <p:cNvPr id="1" name=""/>
+        <p:cNvGrpSpPr/>
+        <p:nvPr/>
+      </p:nvGrpSpPr>
+      <p:grpSpPr>
+        <a:xfrm>
+          <a:off x="0" y="0"/>
+          <a:ext cx="0" cy="0"/>
+          <a:chOff x="0" y="0"/>
+          <a:chExt cx="0" cy="0"/>
+        </a:xfrm>
+      </p:grpSpPr>
+      <p:sp>
+        <p:nvSpPr>
+          <p:cNvPr id="16385" name="Rectangle 1"/>
+          <p:cNvSpPr>
+            <a:spLocks noGrp="1" noChangeArrowheads="1"/>
+          </p:cNvSpPr>
+          <p:nvPr>
+            <p:ph type="title"/>
+          </p:nvPr>
+        </p:nvSpPr>
+        <p:spPr>
+          <a:xfrm>
+            <a:off x="247650" y="304800"/>
+            <a:ext cx="9664700" cy="914400"/>
+          </a:xfrm>
+        </p:spPr>
+        <p:txBody>
+          <a:bodyPr lIns="0" tIns="0" rIns="0" bIns="0" anchor="t">
+            <a:normAutofit/>
+          </a:bodyPr>
+          <a:lstStyle/>
+          <a:p>
+            <a:pPr algn="l">
+              <a:lnSpc>
+                <a:spcPct val="95000"/>
+              </a:lnSpc>
+            </a:pPr>
+            <a:r>
+              <a:rPr lang="en-US" sz="6000" i="1" dirty="0">
+                <a:solidFill>
+                  <a:srgbClr val="DEAF0D"/>
+                </a:solidFill>
+                <a:latin typeface="Bodoni" pitchFamily="34"/>
+              </a:rPr>
+              <a:t>Acknowledgements</a:t>
+            </a:r>
+          </a:p>
+        </p:txBody>
+      </p:sp>
+      <p:sp>
+        <p:nvSpPr>
+          <p:cNvPr id="16386" name="Rectangle 2"/>
+          <p:cNvSpPr>
+            <a:spLocks noGrp="1" noChangeArrowheads="1"/>
+          </p:cNvSpPr>
+          <p:nvPr>
+            <p:ph idx="1"/>
+          </p:nvPr>
+        </p:nvSpPr>
+        <p:spPr>
+          <a:xfrm>
+            <a:off x="247650" y="2057400"/>
+            <a:ext cx="9664700" cy="5486400"/>
+          </a:xfrm>
+        </p:spPr>
+        <p:txBody>
+          <a:bodyPr lIns="0" tIns="0" rIns="0" bIns="0">
+            <a:noAutofit/>
+          </a:bodyPr>
+          <a:lstStyle/>
+          <a:p>
+            <a:pPr marL="0" indent="0" algn="ctr">
+              <a:lnSpc>
+                <a:spcPct val="150000"/>
+              </a:lnSpc>
+              <a:spcBef>
+                <a:spcPct val="0"/>
+              </a:spcBef>
+              <a:buNone/>
+            </a:pPr>
+            <a:r>
+              <a:rPr lang="en-US" sz="4400" dirty="0" smtClean="0">
+                <a:latin typeface="Tahoma" pitchFamily="34" charset="0"/>
+                <a:ea typeface="Tahoma" pitchFamily="34" charset="0"/>
+                <a:cs typeface="Tahoma" pitchFamily="34" charset="0"/>
+              </a:rPr>
+              <a:t>Prof. Kernighan</a:t>
+            </a:r>
+            <a:endParaRPr lang="en-US" sz="4400" dirty="0">
+              <a:latin typeface="Tahoma" pitchFamily="34" charset="0"/>
+              <a:ea typeface="Tahoma" pitchFamily="34" charset="0"/>
+              <a:cs typeface="Tahoma" pitchFamily="34" charset="0"/>
+            </a:endParaRPr>
+          </a:p>
+          <a:p>
+            <a:pPr marL="0" indent="0" algn="ctr">
+              <a:lnSpc>
+                <a:spcPct val="150000"/>
+              </a:lnSpc>
+              <a:spcBef>
+                <a:spcPct val="0"/>
+              </a:spcBef>
+              <a:buNone/>
+            </a:pPr>
+            <a:r>
+              <a:rPr lang="en-US" sz="4400" dirty="0" err="1">
+                <a:latin typeface="Tahoma" pitchFamily="34" charset="0"/>
+                <a:ea typeface="Tahoma" pitchFamily="34" charset="0"/>
+                <a:cs typeface="Tahoma" pitchFamily="34" charset="0"/>
+              </a:rPr>
+              <a:t>Peng</a:t>
+            </a:r>
+            <a:r>
+              <a:rPr lang="en-US" sz="4400" dirty="0">
+                <a:latin typeface="Tahoma" pitchFamily="34" charset="0"/>
+                <a:ea typeface="Tahoma" pitchFamily="34" charset="0"/>
+                <a:cs typeface="Tahoma" pitchFamily="34" charset="0"/>
+              </a:rPr>
+              <a:t> </a:t>
+            </a:r>
+            <a:r>
+              <a:rPr lang="en-US" sz="4400" dirty="0" smtClean="0">
+                <a:latin typeface="Tahoma" pitchFamily="34" charset="0"/>
+                <a:ea typeface="Tahoma" pitchFamily="34" charset="0"/>
+                <a:cs typeface="Tahoma" pitchFamily="34" charset="0"/>
+              </a:rPr>
+              <a:t>Jiang</a:t>
+            </a:r>
+            <a:endParaRPr lang="en-US" sz="4400" dirty="0">
+              <a:latin typeface="Tahoma" pitchFamily="34" charset="0"/>
+              <a:ea typeface="Tahoma" pitchFamily="34" charset="0"/>
+              <a:cs typeface="Tahoma" pitchFamily="34" charset="0"/>
+            </a:endParaRPr>
+          </a:p>
+          <a:p>
+            <a:pPr marL="0" indent="0" algn="ctr">
+              <a:lnSpc>
+                <a:spcPct val="150000"/>
+              </a:lnSpc>
+              <a:spcBef>
+                <a:spcPct val="0"/>
+              </a:spcBef>
+              <a:buNone/>
+            </a:pPr>
+            <a:r>
+              <a:rPr lang="en-US" sz="4400" dirty="0">
+                <a:latin typeface="Tahoma" pitchFamily="34" charset="0"/>
+                <a:ea typeface="Tahoma" pitchFamily="34" charset="0"/>
+                <a:cs typeface="Tahoma" pitchFamily="34" charset="0"/>
+              </a:rPr>
+              <a:t>Dr. Robert </a:t>
+            </a:r>
+            <a:r>
+              <a:rPr lang="en-US" sz="4400" dirty="0" err="1" smtClean="0">
+                <a:latin typeface="Tahoma" pitchFamily="34" charset="0"/>
+                <a:ea typeface="Tahoma" pitchFamily="34" charset="0"/>
+                <a:cs typeface="Tahoma" pitchFamily="34" charset="0"/>
+              </a:rPr>
+              <a:t>Dondero</a:t>
+            </a:r>
+            <a:endParaRPr lang="en-US" sz="4400" dirty="0">
+              <a:latin typeface="Tahoma" pitchFamily="34" charset="0"/>
+              <a:ea typeface="Tahoma" pitchFamily="34" charset="0"/>
+              <a:cs typeface="Tahoma" pitchFamily="34" charset="0"/>
+            </a:endParaRPr>
+          </a:p>
+          <a:p>
+            <a:pPr marL="0" indent="0" algn="ctr">
+              <a:lnSpc>
+                <a:spcPct val="150000"/>
+              </a:lnSpc>
+              <a:spcBef>
+                <a:spcPct val="0"/>
+              </a:spcBef>
+              <a:buNone/>
+            </a:pPr>
+            <a:r>
+              <a:rPr lang="en-US" sz="4400" dirty="0" err="1">
+                <a:latin typeface="Tahoma" pitchFamily="34" charset="0"/>
+                <a:ea typeface="Tahoma" pitchFamily="34" charset="0"/>
+                <a:cs typeface="Tahoma" pitchFamily="34" charset="0"/>
+              </a:rPr>
+              <a:t>Gyeong-Sik</a:t>
+            </a:r>
+            <a:r>
+              <a:rPr lang="en-US" sz="4400" dirty="0">
+                <a:latin typeface="Tahoma" pitchFamily="34" charset="0"/>
+                <a:ea typeface="Tahoma" pitchFamily="34" charset="0"/>
+                <a:cs typeface="Tahoma" pitchFamily="34" charset="0"/>
+              </a:rPr>
+              <a:t> </a:t>
+            </a:r>
+            <a:r>
+              <a:rPr lang="en-US" sz="4400" dirty="0" err="1">
+                <a:latin typeface="Tahoma" pitchFamily="34" charset="0"/>
+                <a:ea typeface="Tahoma" pitchFamily="34" charset="0"/>
+                <a:cs typeface="Tahoma" pitchFamily="34" charset="0"/>
+              </a:rPr>
+              <a:t>Choi</a:t>
+            </a:r>
+            <a:r>
+              <a:rPr lang="en-US" sz="4400" dirty="0">
+                <a:latin typeface="Tahoma" pitchFamily="34" charset="0"/>
+                <a:ea typeface="Tahoma" pitchFamily="34" charset="0"/>
+                <a:cs typeface="Tahoma" pitchFamily="34" charset="0"/>
+              </a:rPr>
+              <a:t> &amp; </a:t>
+            </a:r>
+            <a:r>
+              <a:rPr lang="en-US" sz="4400" dirty="0" smtClean="0">
+                <a:latin typeface="Tahoma" pitchFamily="34" charset="0"/>
+                <a:ea typeface="Tahoma" pitchFamily="34" charset="0"/>
+                <a:cs typeface="Tahoma" pitchFamily="34" charset="0"/>
+              </a:rPr>
+              <a:t>our </a:t>
+            </a:r>
+            <a:r>
+              <a:rPr lang="en-US" sz="4400" dirty="0" err="1" smtClean="0">
+                <a:latin typeface="Tahoma" pitchFamily="34" charset="0"/>
+                <a:ea typeface="Tahoma" pitchFamily="34" charset="0"/>
+                <a:cs typeface="Tahoma" pitchFamily="34" charset="0"/>
+              </a:rPr>
+              <a:t>Frist</a:t>
+            </a:r>
+            <a:r>
+              <a:rPr lang="en-US" sz="4400" dirty="0" smtClean="0">
+                <a:latin typeface="Tahoma" pitchFamily="34" charset="0"/>
+                <a:ea typeface="Tahoma" pitchFamily="34" charset="0"/>
+                <a:cs typeface="Tahoma" pitchFamily="34" charset="0"/>
+              </a:rPr>
+              <a:t> cohorts</a:t>
+            </a:r>
+            <a:endParaRPr lang="en-US" sz="4400" dirty="0">
+              <a:latin typeface="Tahoma" pitchFamily="34" charset="0"/>
+              <a:ea typeface="Tahoma" pitchFamily="34" charset="0"/>
+              <a:cs typeface="Tahoma" pitchFamily="34" charset="0"/>
+            </a:endParaRPr>
+          </a:p>
+          <a:p>
+            <a:pPr marL="0" indent="0" algn="ctr">
+              <a:lnSpc>
+                <a:spcPct val="150000"/>
+              </a:lnSpc>
+              <a:spcBef>
+                <a:spcPct val="0"/>
+              </a:spcBef>
+              <a:buNone/>
+            </a:pPr>
+            <a:r>
+              <a:rPr lang="en-US" sz="4400" dirty="0">
+                <a:latin typeface="Tahoma" pitchFamily="34" charset="0"/>
+                <a:ea typeface="Tahoma" pitchFamily="34" charset="0"/>
+                <a:cs typeface="Tahoma" pitchFamily="34" charset="0"/>
+              </a:rPr>
+              <a:t>You!</a:t>
+            </a:r>
+          </a:p>
+        </p:txBody>
+      </p:sp>
+    </p:spTree>
+  </p:cSld>
+  <p:clrMapOvr>
+    <a:masterClrMapping/>
+  </p:clrMapOvr>
+  <p:timing>
+    <p:tnLst>
+      <p:par>
+        <p:cTn id="1" dur="indefinite" restart="never" nodeType="tmRoot"/>
+      </p:par>
+    </p:tnLst>
+  </p:timing>
+</p:sld>
+</file>
+
+<file path=ppt/slides/slide17.xml><?xml version="1.0" encoding="utf-8"?>
 <p:sld xmlns:a="http://schemas.openxmlformats.org/drawingml/2006/main" xmlns:r="http://schemas.openxmlformats.org/officeDocument/2006/relationships" xmlns:p="http://schemas.openxmlformats.org/presentationml/2006/main">
   <p:cSld>
     <p:spTree>
@@ -7838,11 +8246,7 @@
           <a:p>
             <a:r>
               <a:rPr lang="en-US" dirty="0" smtClean="0"/>
-              <a:t>Data </a:t>
-            </a:r>
-            <a:r>
-              <a:rPr lang="en-US" dirty="0" smtClean="0"/>
-              <a:t>Flow  ~ Driver</a:t>
+              <a:t>Data Flow  ~ Driver</a:t>
             </a:r>
             <a:endParaRPr lang="en-US" dirty="0"/>
           </a:p>
@@ -8869,11 +9273,7 @@
           <a:p>
             <a:r>
               <a:rPr lang="en-US" dirty="0" smtClean="0"/>
-              <a:t>Data </a:t>
-            </a:r>
-            <a:r>
-              <a:rPr lang="en-US" dirty="0" smtClean="0"/>
-              <a:t>Flow ~ Passenger</a:t>
+              <a:t>Data Flow ~ Passenger</a:t>
             </a:r>
             <a:endParaRPr lang="en-US" dirty="0"/>
           </a:p>
@@ -9871,11 +10271,7 @@
           <a:p>
             <a:r>
               <a:rPr lang="en-US" dirty="0" smtClean="0"/>
-              <a:t>Data </a:t>
-            </a:r>
-            <a:r>
-              <a:rPr lang="en-US" dirty="0" smtClean="0"/>
-              <a:t>Flow</a:t>
+              <a:t>Data Flow</a:t>
             </a:r>
             <a:endParaRPr lang="en-US" dirty="0"/>
           </a:p>

--- a/trunk/pear/submission_materials/PairgrammingDemo.pptx
+++ b/trunk/pear/submission_materials/PairgrammingDemo.pptx
@@ -2048,10 +2048,10 @@
           </a:lstStyle>
           <a:p>
             <a:r>
-              <a:rPr kumimoji="0" lang="en-US" smtClean="0"/>
+              <a:rPr kumimoji="0" lang="en-US" dirty="0" smtClean="0"/>
               <a:t>Click to edit Master title style</a:t>
             </a:r>
-            <a:endParaRPr kumimoji="0" lang="en-US"/>
+            <a:endParaRPr kumimoji="0" lang="en-US" dirty="0"/>
           </a:p>
         </p:txBody>
       </p:sp>
@@ -2654,36 +2654,6 @@
           <a:chExt cx="0" cy="0"/>
         </a:xfrm>
       </p:grpSpPr>
-      <p:pic>
-        <p:nvPicPr>
-          <p:cNvPr id="10" name="Picture 2" descr="c:\users\ellenkim\Documents\Ellen Backup 8.15.08\My Pictures\Aqua_Pears.jpg"/>
-          <p:cNvPicPr>
-            <a:picLocks noChangeAspect="1" noChangeArrowheads="1"/>
-          </p:cNvPicPr>
-          <p:nvPr userDrawn="1"/>
-        </p:nvPicPr>
-        <p:blipFill>
-          <a:blip r:embed="rId2">
-            <a:lum bright="58000" contrast="-71000"/>
-          </a:blip>
-          <a:stretch>
-            <a:fillRect/>
-          </a:stretch>
-        </p:blipFill>
-        <p:spPr bwMode="auto">
-          <a:xfrm>
-            <a:off x="0" y="1295400"/>
-            <a:ext cx="10160000" cy="7620000"/>
-          </a:xfrm>
-          <a:prstGeom prst="rect">
-            <a:avLst/>
-          </a:prstGeom>
-          <a:noFill/>
-          <a:ln>
-            <a:noFill/>
-          </a:ln>
-        </p:spPr>
-      </p:pic>
       <p:sp>
         <p:nvSpPr>
           <p:cNvPr id="9" name="Rectangle 8"/>
@@ -3009,6 +2979,37 @@
           </a:p>
         </p:txBody>
       </p:sp>
+      <p:pic>
+        <p:nvPicPr>
+          <p:cNvPr id="11" name="Picture 2" descr="c:\users\ellenkim\Documents\Ellen Backup 8.15.08\My Pictures\Aqua_Pears.jpg"/>
+          <p:cNvPicPr>
+            <a:picLocks noChangeAspect="1" noChangeArrowheads="1"/>
+          </p:cNvPicPr>
+          <p:nvPr userDrawn="1"/>
+        </p:nvPicPr>
+        <p:blipFill>
+          <a:blip r:embed="rId2">
+            <a:lum bright="58000" contrast="-71000"/>
+          </a:blip>
+          <a:srcRect b="17000"/>
+          <a:stretch>
+            <a:fillRect/>
+          </a:stretch>
+        </p:blipFill>
+        <p:spPr bwMode="auto">
+          <a:xfrm>
+            <a:off x="0" y="1295400"/>
+            <a:ext cx="10160000" cy="6324600"/>
+          </a:xfrm>
+          <a:prstGeom prst="rect">
+            <a:avLst/>
+          </a:prstGeom>
+          <a:noFill/>
+          <a:ln>
+            <a:noFill/>
+          </a:ln>
+        </p:spPr>
+      </p:pic>
     </p:spTree>
   </p:cSld>
   <p:clrMapOvr>
@@ -4695,7 +4696,7 @@
       </p:grpSpPr>
       <p:pic>
         <p:nvPicPr>
-          <p:cNvPr id="9" name="Picture 2" descr="c:\users\ellenkim\Documents\Ellen Backup 8.15.08\My Pictures\Aqua_Pears.jpg"/>
+          <p:cNvPr id="11" name="Picture 2" descr="c:\users\ellenkim\Documents\Ellen Backup 8.15.08\My Pictures\Aqua_Pears.jpg"/>
           <p:cNvPicPr>
             <a:picLocks noChangeAspect="1" noChangeArrowheads="1"/>
           </p:cNvPicPr>
@@ -4705,14 +4706,15 @@
           <a:blip r:embed="rId13">
             <a:lum bright="58000" contrast="-71000"/>
           </a:blip>
+          <a:srcRect b="17000"/>
           <a:stretch>
             <a:fillRect/>
           </a:stretch>
         </p:blipFill>
         <p:spPr bwMode="auto">
           <a:xfrm>
-            <a:off x="0" y="1268437"/>
-            <a:ext cx="10160000" cy="7620000"/>
+            <a:off x="0" y="1295400"/>
+            <a:ext cx="10160000" cy="6324600"/>
           </a:xfrm>
           <a:prstGeom prst="rect">
             <a:avLst/>
@@ -5715,7 +5717,7 @@
         </p:nvPicPr>
         <p:blipFill>
           <a:blip r:embed="rId2"/>
-          <a:srcRect l="7552" t="6250" r="7973" b="24716"/>
+          <a:srcRect l="7552" t="6250" r="7973" b="27441"/>
           <a:stretch>
             <a:fillRect/>
           </a:stretch>
@@ -5723,7 +5725,7 @@
         <p:spPr bwMode="auto">
           <a:xfrm>
             <a:off x="355600" y="1828800"/>
-            <a:ext cx="9448800" cy="5791200"/>
+            <a:ext cx="9448800" cy="5562600"/>
           </a:xfrm>
           <a:prstGeom prst="rect">
             <a:avLst/>
@@ -6247,204 +6249,7 @@
           <a:bodyPr/>
           <a:lstStyle/>
           <a:p>
-            <a:r>
-              <a:rPr lang="en-US" dirty="0" smtClean="0"/>
-              <a:t>prepare a very simple demo illustrating main functionality and 1-2 nice things; do not get too detailed or include anything that might break</a:t>
-            </a:r>
             <a:endParaRPr lang="en-US" dirty="0"/>
-          </a:p>
-        </p:txBody>
-      </p:sp>
-      <p:sp>
-        <p:nvSpPr>
-          <p:cNvPr id="13317" name="Text Box 5"/>
-          <p:cNvSpPr txBox="1">
-            <a:spLocks noChangeArrowheads="1"/>
-          </p:cNvSpPr>
-          <p:nvPr/>
-        </p:nvSpPr>
-        <p:spPr bwMode="auto">
-          <a:xfrm>
-            <a:off x="1041400" y="4572000"/>
-            <a:ext cx="8229600" cy="2763064"/>
-          </a:xfrm>
-          <a:prstGeom prst="rect">
-            <a:avLst/>
-          </a:prstGeom>
-          <a:noFill/>
-          <a:ln w="9525">
-            <a:noFill/>
-            <a:miter lim="800000"/>
-            <a:headEnd/>
-            <a:tailEnd/>
-          </a:ln>
-          <a:effectLst/>
-        </p:spPr>
-        <p:txBody>
-          <a:bodyPr wrap="square" lIns="0" tIns="0" rIns="0" bIns="0">
-            <a:spAutoFit/>
-          </a:bodyPr>
-          <a:lstStyle/>
-          <a:p>
-            <a:pPr>
-              <a:lnSpc>
-                <a:spcPct val="95000"/>
-              </a:lnSpc>
-            </a:pPr>
-            <a:r>
-              <a:rPr lang="en-US" sz="2700" dirty="0">
-                <a:latin typeface="Arial" pitchFamily="34" charset="0"/>
-              </a:rPr>
-              <a:t>probably: </a:t>
-            </a:r>
-            <a:endParaRPr lang="en-US" dirty="0"/>
-          </a:p>
-          <a:p>
-            <a:pPr lvl="1" indent="-342893">
-              <a:lnSpc>
-                <a:spcPct val="95000"/>
-              </a:lnSpc>
-              <a:buClr>
-                <a:srgbClr val="000000"/>
-              </a:buClr>
-              <a:buSzPct val="100000"/>
-              <a:buFontTx/>
-              <a:buAutoNum type="arabicPeriod"/>
-            </a:pPr>
-            <a:r>
-              <a:rPr lang="en-US" sz="2700" dirty="0">
-                <a:latin typeface="Arial" pitchFamily="34" charset="0"/>
-              </a:rPr>
-              <a:t>write a basic hello world in your </a:t>
-            </a:r>
-            <a:r>
-              <a:rPr lang="en-US" sz="2700" dirty="0" err="1">
-                <a:latin typeface="Arial" pitchFamily="34" charset="0"/>
-              </a:rPr>
-              <a:t>fav</a:t>
-            </a:r>
-            <a:r>
-              <a:rPr lang="en-US" sz="2700" dirty="0">
-                <a:latin typeface="Arial" pitchFamily="34" charset="0"/>
-              </a:rPr>
-              <a:t> </a:t>
-            </a:r>
-            <a:r>
-              <a:rPr lang="en-US" sz="2700" dirty="0" err="1">
-                <a:latin typeface="Arial" pitchFamily="34" charset="0"/>
-              </a:rPr>
-              <a:t>lang</a:t>
-            </a:r>
-            <a:r>
-              <a:rPr lang="en-US" sz="2700" dirty="0">
-                <a:latin typeface="Arial" pitchFamily="34" charset="0"/>
-              </a:rPr>
-              <a:t>, </a:t>
-            </a:r>
-            <a:r>
-              <a:rPr lang="en-US" sz="2700" dirty="0" err="1">
-                <a:latin typeface="Arial" pitchFamily="34" charset="0"/>
-              </a:rPr>
-              <a:t>yay</a:t>
-            </a:r>
-            <a:r>
-              <a:rPr lang="en-US" sz="2700" dirty="0">
-                <a:latin typeface="Arial" pitchFamily="34" charset="0"/>
-              </a:rPr>
-              <a:t> both computers can see</a:t>
-            </a:r>
-            <a:endParaRPr lang="en-US" dirty="0"/>
-          </a:p>
-          <a:p>
-            <a:pPr lvl="1" indent="-342893">
-              <a:lnSpc>
-                <a:spcPct val="95000"/>
-              </a:lnSpc>
-              <a:buClr>
-                <a:srgbClr val="000000"/>
-              </a:buClr>
-              <a:buSzPct val="100000"/>
-              <a:buFontTx/>
-              <a:buAutoNum type="arabicPeriod"/>
-            </a:pPr>
-            <a:r>
-              <a:rPr lang="en-US" sz="2700" dirty="0">
-                <a:latin typeface="Arial" pitchFamily="34" charset="0"/>
-              </a:rPr>
-              <a:t>(if this is smooth enough, switch drivers)</a:t>
-            </a:r>
-            <a:endParaRPr lang="en-US" dirty="0"/>
-          </a:p>
-          <a:p>
-            <a:pPr lvl="1" indent="-342893">
-              <a:lnSpc>
-                <a:spcPct val="95000"/>
-              </a:lnSpc>
-              <a:buClr>
-                <a:srgbClr val="000000"/>
-              </a:buClr>
-              <a:buSzPct val="100000"/>
-              <a:buFontTx/>
-              <a:buAutoNum type="arabicPeriod"/>
-            </a:pPr>
-            <a:r>
-              <a:rPr lang="en-US" sz="2700" dirty="0">
-                <a:latin typeface="Arial" pitchFamily="34" charset="0"/>
-              </a:rPr>
-              <a:t>compile and run, </a:t>
-            </a:r>
-            <a:r>
-              <a:rPr lang="en-US" sz="2700" dirty="0" err="1">
-                <a:latin typeface="Arial" pitchFamily="34" charset="0"/>
-              </a:rPr>
-              <a:t>yay</a:t>
-            </a:r>
-            <a:r>
-              <a:rPr lang="en-US" sz="2700" dirty="0">
-                <a:latin typeface="Arial" pitchFamily="34" charset="0"/>
-              </a:rPr>
-              <a:t> it works</a:t>
-            </a:r>
-            <a:endParaRPr lang="en-US" dirty="0"/>
-          </a:p>
-          <a:p>
-            <a:pPr lvl="1" indent="-342893">
-              <a:lnSpc>
-                <a:spcPct val="95000"/>
-              </a:lnSpc>
-              <a:buClr>
-                <a:srgbClr val="000000"/>
-              </a:buClr>
-              <a:buSzPct val="100000"/>
-              <a:buFontTx/>
-              <a:buAutoNum type="arabicPeriod"/>
-            </a:pPr>
-            <a:r>
-              <a:rPr lang="en-US" sz="2700" dirty="0">
-                <a:latin typeface="Arial" pitchFamily="34" charset="0"/>
-              </a:rPr>
-              <a:t>use text chat a little ("hi mom!")</a:t>
-            </a:r>
-            <a:endParaRPr lang="en-US" dirty="0"/>
-          </a:p>
-          <a:p>
-            <a:pPr lvl="1" indent="-342893">
-              <a:lnSpc>
-                <a:spcPct val="95000"/>
-              </a:lnSpc>
-              <a:buClr>
-                <a:srgbClr val="000000"/>
-              </a:buClr>
-              <a:buSzPct val="100000"/>
-              <a:buFontTx/>
-              <a:buAutoNum type="arabicPeriod"/>
-            </a:pPr>
-            <a:r>
-              <a:rPr lang="en-US" sz="2700" dirty="0">
-                <a:latin typeface="Arial" pitchFamily="34" charset="0"/>
-              </a:rPr>
-              <a:t>save and quit</a:t>
-            </a:r>
           </a:p>
         </p:txBody>
       </p:sp>
@@ -6531,11 +6336,11 @@
               </a:lnSpc>
             </a:pPr>
             <a:r>
-              <a:rPr lang="en-US" sz="6000" i="1" dirty="0">
+              <a:rPr lang="en-US" sz="5400" i="1" dirty="0">
                 <a:solidFill>
                   <a:srgbClr val="DEAF0D"/>
                 </a:solidFill>
-                <a:latin typeface="Bodoni" pitchFamily="34"/>
+                <a:latin typeface="Garamond" pitchFamily="18" charset="0"/>
               </a:rPr>
               <a:t>We've come a long way...</a:t>
             </a:r>
@@ -6578,7 +6383,7 @@
               <a:buChar char="•"/>
             </a:pPr>
             <a:r>
-              <a:rPr lang="en-US" sz="4400" dirty="0" smtClean="0">
+              <a:rPr lang="en-US" sz="4000" dirty="0" smtClean="0">
                 <a:latin typeface="Tahoma" pitchFamily="34" charset="0"/>
                 <a:ea typeface="Tahoma" pitchFamily="34" charset="0"/>
                 <a:cs typeface="Tahoma" pitchFamily="34" charset="0"/>
@@ -6601,7 +6406,7 @@
               <a:buChar char="•"/>
             </a:pPr>
             <a:r>
-              <a:rPr lang="en-US" sz="4400" dirty="0" smtClean="0">
+              <a:rPr lang="en-US" sz="4000" dirty="0" smtClean="0">
                 <a:latin typeface="Tahoma" pitchFamily="34" charset="0"/>
                 <a:ea typeface="Tahoma" pitchFamily="34" charset="0"/>
                 <a:cs typeface="Tahoma" pitchFamily="34" charset="0"/>
@@ -6624,7 +6429,7 @@
               <a:buChar char="•"/>
             </a:pPr>
             <a:r>
-              <a:rPr lang="en-US" sz="4400" dirty="0" smtClean="0">
+              <a:rPr lang="en-US" sz="4000" dirty="0" smtClean="0">
                 <a:latin typeface="Tahoma" pitchFamily="34" charset="0"/>
                 <a:ea typeface="Tahoma" pitchFamily="34" charset="0"/>
                 <a:cs typeface="Tahoma" pitchFamily="34" charset="0"/>
@@ -6647,7 +6452,7 @@
               <a:buChar char="•"/>
             </a:pPr>
             <a:r>
-              <a:rPr lang="en-US" sz="4400" dirty="0" smtClean="0">
+              <a:rPr lang="en-US" sz="4000" dirty="0" smtClean="0">
                 <a:latin typeface="Tahoma" pitchFamily="34" charset="0"/>
                 <a:ea typeface="Tahoma" pitchFamily="34" charset="0"/>
                 <a:cs typeface="Tahoma" pitchFamily="34" charset="0"/>
@@ -6670,7 +6475,7 @@
               <a:buChar char="•"/>
             </a:pPr>
             <a:r>
-              <a:rPr lang="en-US" sz="4400" dirty="0" smtClean="0">
+              <a:rPr lang="en-US" sz="4000" dirty="0" smtClean="0">
                 <a:latin typeface="Tahoma" pitchFamily="34" charset="0"/>
                 <a:ea typeface="Tahoma" pitchFamily="34" charset="0"/>
                 <a:cs typeface="Tahoma" pitchFamily="34" charset="0"/>
@@ -6693,36 +6498,26 @@
               <a:buChar char="•"/>
             </a:pPr>
             <a:r>
-              <a:rPr lang="en-US" sz="4400" dirty="0" smtClean="0">
-                <a:latin typeface="Tahoma" pitchFamily="34" charset="0"/>
-                <a:ea typeface="Tahoma" pitchFamily="34" charset="0"/>
-                <a:cs typeface="Tahoma" pitchFamily="34" charset="0"/>
-              </a:rPr>
-              <a:t>Open source</a:t>
-            </a:r>
-          </a:p>
-          <a:p>
-            <a:pPr marL="751828" lvl="2" indent="-342893">
-              <a:lnSpc>
-                <a:spcPct val="95000"/>
-              </a:lnSpc>
-              <a:spcBef>
-                <a:spcPct val="0"/>
-              </a:spcBef>
-              <a:buClr>
-                <a:srgbClr val="000000"/>
-              </a:buClr>
-              <a:buFontTx/>
-              <a:buChar char="•"/>
-            </a:pPr>
-            <a:r>
               <a:rPr lang="en-US" sz="4000" dirty="0" smtClean="0">
                 <a:latin typeface="Tahoma" pitchFamily="34" charset="0"/>
                 <a:ea typeface="Tahoma" pitchFamily="34" charset="0"/>
                 <a:cs typeface="Tahoma" pitchFamily="34" charset="0"/>
               </a:rPr>
-              <a:t>Don’t be afraid of the French</a:t>
-            </a:r>
+              <a:t>Open </a:t>
+            </a:r>
+            <a:r>
+              <a:rPr lang="en-US" sz="4000" dirty="0" smtClean="0">
+                <a:latin typeface="Tahoma" pitchFamily="34" charset="0"/>
+                <a:ea typeface="Tahoma" pitchFamily="34" charset="0"/>
+                <a:cs typeface="Tahoma" pitchFamily="34" charset="0"/>
+              </a:rPr>
+              <a:t>source</a:t>
+            </a:r>
+            <a:endParaRPr lang="en-US" sz="4000" dirty="0" smtClean="0">
+              <a:latin typeface="Tahoma" pitchFamily="34" charset="0"/>
+              <a:ea typeface="Tahoma" pitchFamily="34" charset="0"/>
+              <a:cs typeface="Tahoma" pitchFamily="34" charset="0"/>
+            </a:endParaRPr>
           </a:p>
         </p:txBody>
       </p:sp>
@@ -6786,11 +6581,11 @@
               </a:lnSpc>
             </a:pPr>
             <a:r>
-              <a:rPr lang="en-US" sz="5300" i="1" dirty="0">
+              <a:rPr lang="en-US" sz="5400" i="1" dirty="0">
                 <a:solidFill>
                   <a:srgbClr val="DEAF0D"/>
                 </a:solidFill>
-                <a:latin typeface="Bodoni" pitchFamily="34"/>
+                <a:latin typeface="Garamond" pitchFamily="18" charset="0"/>
               </a:rPr>
               <a:t>...but we've got a long way to go</a:t>
             </a:r>
@@ -6833,20 +6628,12 @@
               <a:buChar char="•"/>
             </a:pPr>
             <a:r>
-              <a:rPr lang="en-US" sz="4400" dirty="0">
+              <a:rPr lang="en-US" sz="4000" dirty="0" smtClean="0">
                 <a:latin typeface="Tahoma" pitchFamily="34" charset="0"/>
                 <a:ea typeface="Tahoma" pitchFamily="34" charset="0"/>
                 <a:cs typeface="Tahoma" pitchFamily="34" charset="0"/>
               </a:rPr>
-              <a:t>things we still want to improve, expand, work </a:t>
-            </a:r>
-            <a:r>
-              <a:rPr lang="en-US" sz="4400" dirty="0" smtClean="0">
-                <a:latin typeface="Tahoma" pitchFamily="34" charset="0"/>
-                <a:ea typeface="Tahoma" pitchFamily="34" charset="0"/>
-                <a:cs typeface="Tahoma" pitchFamily="34" charset="0"/>
-              </a:rPr>
-              <a:t>on</a:t>
+              <a:t>Smoother switch drivers</a:t>
             </a:r>
           </a:p>
           <a:p>
@@ -6864,37 +6651,133 @@
               <a:buChar char="•"/>
             </a:pPr>
             <a:r>
-              <a:rPr lang="en-US" sz="4400" dirty="0" err="1" smtClean="0">
+              <a:rPr lang="en-US" sz="4000" dirty="0" smtClean="0">
                 <a:latin typeface="Tahoma" pitchFamily="34" charset="0"/>
                 <a:ea typeface="Tahoma" pitchFamily="34" charset="0"/>
                 <a:cs typeface="Tahoma" pitchFamily="34" charset="0"/>
               </a:rPr>
-              <a:t>heh</a:t>
-            </a:r>
-            <a:r>
-              <a:rPr lang="en-US" sz="4400" dirty="0" smtClean="0">
+              <a:t>Faster, smoother updates</a:t>
+            </a:r>
+          </a:p>
+          <a:p>
+            <a:pPr marL="457191" lvl="1" indent="-342893">
+              <a:lnSpc>
+                <a:spcPct val="95000"/>
+              </a:lnSpc>
+              <a:spcBef>
+                <a:spcPct val="0"/>
+              </a:spcBef>
+              <a:buClr>
+                <a:srgbClr val="000000"/>
+              </a:buClr>
+              <a:buFontTx/>
+              <a:buChar char="•"/>
+            </a:pPr>
+            <a:r>
+              <a:rPr lang="en-US" sz="4000" dirty="0" smtClean="0">
                 <a:latin typeface="Tahoma" pitchFamily="34" charset="0"/>
                 <a:ea typeface="Tahoma" pitchFamily="34" charset="0"/>
                 <a:cs typeface="Tahoma" pitchFamily="34" charset="0"/>
               </a:rPr>
-              <a:t> </a:t>
-            </a:r>
-            <a:r>
-              <a:rPr lang="en-US" sz="4400" dirty="0" err="1" smtClean="0">
+              <a:t>Finish file tree</a:t>
+            </a:r>
+          </a:p>
+          <a:p>
+            <a:pPr marL="457191" lvl="1" indent="-342893">
+              <a:lnSpc>
+                <a:spcPct val="95000"/>
+              </a:lnSpc>
+              <a:spcBef>
+                <a:spcPct val="0"/>
+              </a:spcBef>
+              <a:buClr>
+                <a:srgbClr val="000000"/>
+              </a:buClr>
+              <a:buFontTx/>
+              <a:buChar char="•"/>
+            </a:pPr>
+            <a:r>
+              <a:rPr lang="en-US" sz="4000" dirty="0" smtClean="0">
                 <a:latin typeface="Tahoma" pitchFamily="34" charset="0"/>
                 <a:ea typeface="Tahoma" pitchFamily="34" charset="0"/>
                 <a:cs typeface="Tahoma" pitchFamily="34" charset="0"/>
               </a:rPr>
-              <a:t>heh</a:t>
-            </a:r>
-            <a:r>
-              <a:rPr lang="en-US" sz="4400" dirty="0" smtClean="0">
+              <a:t>Protect &amp; improve text chat</a:t>
+            </a:r>
+          </a:p>
+          <a:p>
+            <a:pPr marL="457191" lvl="1" indent="-342893">
+              <a:lnSpc>
+                <a:spcPct val="95000"/>
+              </a:lnSpc>
+              <a:spcBef>
+                <a:spcPct val="0"/>
+              </a:spcBef>
+              <a:buClr>
+                <a:srgbClr val="000000"/>
+              </a:buClr>
+              <a:buFontTx/>
+              <a:buChar char="•"/>
+            </a:pPr>
+            <a:r>
+              <a:rPr lang="en-US" sz="4000" dirty="0" smtClean="0">
                 <a:latin typeface="Tahoma" pitchFamily="34" charset="0"/>
                 <a:ea typeface="Tahoma" pitchFamily="34" charset="0"/>
                 <a:cs typeface="Tahoma" pitchFamily="34" charset="0"/>
               </a:rPr>
-              <a:t> we have no bugs… no bugs at all…</a:t>
-            </a:r>
+              <a:t>Better integration of audio chat</a:t>
+            </a:r>
+          </a:p>
+          <a:p>
+            <a:pPr marL="457191" lvl="1" indent="-342893">
+              <a:lnSpc>
+                <a:spcPct val="95000"/>
+              </a:lnSpc>
+              <a:spcBef>
+                <a:spcPct val="0"/>
+              </a:spcBef>
+              <a:buClr>
+                <a:srgbClr val="000000"/>
+              </a:buClr>
+              <a:buFontTx/>
+              <a:buChar char="•"/>
+            </a:pPr>
+            <a:r>
+              <a:rPr lang="en-US" sz="4000" dirty="0" smtClean="0">
+                <a:latin typeface="Tahoma" pitchFamily="34" charset="0"/>
+                <a:ea typeface="Tahoma" pitchFamily="34" charset="0"/>
+                <a:cs typeface="Tahoma" pitchFamily="34" charset="0"/>
+              </a:rPr>
+              <a:t>Fix flash</a:t>
+            </a:r>
+          </a:p>
+          <a:p>
+            <a:pPr marL="457191" lvl="1" indent="-342893">
+              <a:lnSpc>
+                <a:spcPct val="95000"/>
+              </a:lnSpc>
+              <a:spcBef>
+                <a:spcPct val="0"/>
+              </a:spcBef>
+              <a:buClr>
+                <a:srgbClr val="000000"/>
+              </a:buClr>
+              <a:buFontTx/>
+              <a:buChar char="•"/>
+            </a:pPr>
+            <a:r>
+              <a:rPr lang="en-US" sz="4000" dirty="0" smtClean="0">
+                <a:latin typeface="Tahoma" pitchFamily="34" charset="0"/>
+                <a:ea typeface="Tahoma" pitchFamily="34" charset="0"/>
+                <a:cs typeface="Tahoma" pitchFamily="34" charset="0"/>
+              </a:rPr>
+              <a:t>Bug hunts…</a:t>
+            </a:r>
+            <a:endParaRPr lang="en-US" sz="4000" dirty="0" smtClean="0">
+              <a:latin typeface="Tahoma" pitchFamily="34" charset="0"/>
+              <a:ea typeface="Tahoma" pitchFamily="34" charset="0"/>
+              <a:cs typeface="Tahoma" pitchFamily="34" charset="0"/>
+            </a:endParaRPr>
           </a:p>
         </p:txBody>
       </p:sp>
@@ -6958,11 +6841,11 @@
               </a:lnSpc>
             </a:pPr>
             <a:r>
-              <a:rPr lang="en-US" sz="6000" i="1" dirty="0">
+              <a:rPr lang="en-US" sz="5400" i="1" dirty="0">
                 <a:solidFill>
                   <a:srgbClr val="DEAF0D"/>
                 </a:solidFill>
-                <a:latin typeface="Bodoni" pitchFamily="34"/>
+                <a:latin typeface="Garamond" pitchFamily="18" charset="0"/>
               </a:rPr>
               <a:t>Acknowledgements</a:t>
             </a:r>
@@ -7001,14 +6884,14 @@
               <a:buNone/>
             </a:pPr>
             <a:r>
-              <a:rPr lang="en-US" sz="4400" dirty="0" smtClean="0">
+              <a:rPr lang="en-US" sz="4000" dirty="0" smtClean="0">
                 <a:latin typeface="Tahoma" pitchFamily="34" charset="0"/>
                 <a:ea typeface="Tahoma" pitchFamily="34" charset="0"/>
                 <a:cs typeface="Tahoma" pitchFamily="34" charset="0"/>
               </a:rPr>
               <a:t>Prof. Kernighan</a:t>
             </a:r>
-            <a:endParaRPr lang="en-US" sz="4400" dirty="0">
+            <a:endParaRPr lang="en-US" sz="4000" dirty="0">
               <a:latin typeface="Tahoma" pitchFamily="34" charset="0"/>
               <a:ea typeface="Tahoma" pitchFamily="34" charset="0"/>
               <a:cs typeface="Tahoma" pitchFamily="34" charset="0"/>
@@ -7025,7 +6908,7 @@
               <a:buNone/>
             </a:pPr>
             <a:r>
-              <a:rPr lang="en-US" sz="4400" dirty="0" err="1">
+              <a:rPr lang="en-US" sz="4000" dirty="0" err="1">
                 <a:latin typeface="Tahoma" pitchFamily="34" charset="0"/>
                 <a:ea typeface="Tahoma" pitchFamily="34" charset="0"/>
                 <a:cs typeface="Tahoma" pitchFamily="34" charset="0"/>
@@ -7033,7 +6916,7 @@
               <a:t>Peng</a:t>
             </a:r>
             <a:r>
-              <a:rPr lang="en-US" sz="4400" dirty="0">
+              <a:rPr lang="en-US" sz="4000" dirty="0">
                 <a:latin typeface="Tahoma" pitchFamily="34" charset="0"/>
                 <a:ea typeface="Tahoma" pitchFamily="34" charset="0"/>
                 <a:cs typeface="Tahoma" pitchFamily="34" charset="0"/>
@@ -7041,14 +6924,14 @@
               <a:t> </a:t>
             </a:r>
             <a:r>
-              <a:rPr lang="en-US" sz="4400" dirty="0" smtClean="0">
+              <a:rPr lang="en-US" sz="4000" dirty="0" smtClean="0">
                 <a:latin typeface="Tahoma" pitchFamily="34" charset="0"/>
                 <a:ea typeface="Tahoma" pitchFamily="34" charset="0"/>
                 <a:cs typeface="Tahoma" pitchFamily="34" charset="0"/>
               </a:rPr>
               <a:t>Jiang</a:t>
             </a:r>
-            <a:endParaRPr lang="en-US" sz="4400" dirty="0">
+            <a:endParaRPr lang="en-US" sz="4000" dirty="0">
               <a:latin typeface="Tahoma" pitchFamily="34" charset="0"/>
               <a:ea typeface="Tahoma" pitchFamily="34" charset="0"/>
               <a:cs typeface="Tahoma" pitchFamily="34" charset="0"/>
@@ -7065,7 +6948,7 @@
               <a:buNone/>
             </a:pPr>
             <a:r>
-              <a:rPr lang="en-US" sz="4400" dirty="0">
+              <a:rPr lang="en-US" sz="4000" dirty="0">
                 <a:latin typeface="Tahoma" pitchFamily="34" charset="0"/>
                 <a:ea typeface="Tahoma" pitchFamily="34" charset="0"/>
                 <a:cs typeface="Tahoma" pitchFamily="34" charset="0"/>
@@ -7073,14 +6956,14 @@
               <a:t>Dr. Robert </a:t>
             </a:r>
             <a:r>
-              <a:rPr lang="en-US" sz="4400" dirty="0" err="1" smtClean="0">
+              <a:rPr lang="en-US" sz="4000" dirty="0" err="1" smtClean="0">
                 <a:latin typeface="Tahoma" pitchFamily="34" charset="0"/>
                 <a:ea typeface="Tahoma" pitchFamily="34" charset="0"/>
                 <a:cs typeface="Tahoma" pitchFamily="34" charset="0"/>
               </a:rPr>
               <a:t>Dondero</a:t>
             </a:r>
-            <a:endParaRPr lang="en-US" sz="4400" dirty="0">
+            <a:endParaRPr lang="en-US" sz="4000" dirty="0">
               <a:latin typeface="Tahoma" pitchFamily="34" charset="0"/>
               <a:ea typeface="Tahoma" pitchFamily="34" charset="0"/>
               <a:cs typeface="Tahoma" pitchFamily="34" charset="0"/>
@@ -7097,7 +6980,7 @@
               <a:buNone/>
             </a:pPr>
             <a:r>
-              <a:rPr lang="en-US" sz="4400" dirty="0" err="1">
+              <a:rPr lang="en-US" sz="4000" dirty="0" err="1">
                 <a:latin typeface="Tahoma" pitchFamily="34" charset="0"/>
                 <a:ea typeface="Tahoma" pitchFamily="34" charset="0"/>
                 <a:cs typeface="Tahoma" pitchFamily="34" charset="0"/>
@@ -7105,7 +6988,7 @@
               <a:t>Gyeong-Sik</a:t>
             </a:r>
             <a:r>
-              <a:rPr lang="en-US" sz="4400" dirty="0">
+              <a:rPr lang="en-US" sz="4000" dirty="0">
                 <a:latin typeface="Tahoma" pitchFamily="34" charset="0"/>
                 <a:ea typeface="Tahoma" pitchFamily="34" charset="0"/>
                 <a:cs typeface="Tahoma" pitchFamily="34" charset="0"/>
@@ -7113,7 +6996,7 @@
               <a:t> </a:t>
             </a:r>
             <a:r>
-              <a:rPr lang="en-US" sz="4400" dirty="0" err="1">
+              <a:rPr lang="en-US" sz="4000" dirty="0" err="1" smtClean="0">
                 <a:latin typeface="Tahoma" pitchFamily="34" charset="0"/>
                 <a:ea typeface="Tahoma" pitchFamily="34" charset="0"/>
                 <a:cs typeface="Tahoma" pitchFamily="34" charset="0"/>
@@ -7121,15 +7004,23 @@
               <a:t>Choi</a:t>
             </a:r>
             <a:r>
-              <a:rPr lang="en-US" sz="4400" dirty="0">
+              <a:rPr lang="en-US" sz="4000" dirty="0" smtClean="0">
                 <a:latin typeface="Tahoma" pitchFamily="34" charset="0"/>
                 <a:ea typeface="Tahoma" pitchFamily="34" charset="0"/>
                 <a:cs typeface="Tahoma" pitchFamily="34" charset="0"/>
               </a:rPr>
-              <a:t> &amp; </a:t>
-            </a:r>
-            <a:r>
-              <a:rPr lang="en-US" sz="4400" dirty="0" smtClean="0">
+              <a:t> </a:t>
+            </a:r>
+            <a:r>
+              <a:rPr lang="en-US" sz="4000" dirty="0">
+                <a:latin typeface="Tahoma" pitchFamily="34" charset="0"/>
+                <a:ea typeface="Tahoma" pitchFamily="34" charset="0"/>
+                <a:cs typeface="Tahoma" pitchFamily="34" charset="0"/>
+              </a:rPr>
+              <a:t>&amp; </a:t>
+            </a:r>
+            <a:r>
+              <a:rPr lang="en-US" sz="4000" dirty="0" smtClean="0">
                 <a:latin typeface="Tahoma" pitchFamily="34" charset="0"/>
                 <a:ea typeface="Tahoma" pitchFamily="34" charset="0"/>
                 <a:cs typeface="Tahoma" pitchFamily="34" charset="0"/>
@@ -7137,26 +7028,13 @@
               <a:t>our </a:t>
             </a:r>
             <a:r>
-              <a:rPr lang="en-US" sz="4400" dirty="0" err="1" smtClean="0">
+              <a:rPr lang="en-US" sz="4000" dirty="0" smtClean="0">
                 <a:latin typeface="Tahoma" pitchFamily="34" charset="0"/>
                 <a:ea typeface="Tahoma" pitchFamily="34" charset="0"/>
                 <a:cs typeface="Tahoma" pitchFamily="34" charset="0"/>
               </a:rPr>
-              <a:t>Frist</a:t>
-            </a:r>
-            <a:r>
-              <a:rPr lang="en-US" sz="4400" dirty="0" smtClean="0">
-                <a:latin typeface="Tahoma" pitchFamily="34" charset="0"/>
-                <a:ea typeface="Tahoma" pitchFamily="34" charset="0"/>
-                <a:cs typeface="Tahoma" pitchFamily="34" charset="0"/>
-              </a:rPr>
-              <a:t> cohorts</a:t>
-            </a:r>
-            <a:endParaRPr lang="en-US" sz="4400" dirty="0">
-              <a:latin typeface="Tahoma" pitchFamily="34" charset="0"/>
-              <a:ea typeface="Tahoma" pitchFamily="34" charset="0"/>
-              <a:cs typeface="Tahoma" pitchFamily="34" charset="0"/>
-            </a:endParaRPr>
+              <a:t>study group</a:t>
+            </a:r>
           </a:p>
           <a:p>
             <a:pPr marL="0" indent="0" algn="ctr">
@@ -7169,13 +7047,18 @@
               <a:buNone/>
             </a:pPr>
             <a:r>
-              <a:rPr lang="en-US" sz="4400" dirty="0">
+              <a:rPr lang="en-US" sz="4000" dirty="0" smtClean="0">
                 <a:latin typeface="Tahoma" pitchFamily="34" charset="0"/>
                 <a:ea typeface="Tahoma" pitchFamily="34" charset="0"/>
                 <a:cs typeface="Tahoma" pitchFamily="34" charset="0"/>
               </a:rPr>
-              <a:t>You!</a:t>
-            </a:r>
+              <a:t>You</a:t>
+            </a:r>
+            <a:endParaRPr lang="en-US" sz="4000" dirty="0">
+              <a:latin typeface="Tahoma" pitchFamily="34" charset="0"/>
+              <a:ea typeface="Tahoma" pitchFamily="34" charset="0"/>
+              <a:cs typeface="Tahoma" pitchFamily="34" charset="0"/>
+            </a:endParaRPr>
           </a:p>
         </p:txBody>
       </p:sp>
@@ -7239,11 +7122,11 @@
               </a:lnSpc>
             </a:pPr>
             <a:r>
-              <a:rPr lang="en-US" sz="6000" i="1" dirty="0">
+              <a:rPr lang="en-US" sz="5400" i="1" dirty="0">
                 <a:solidFill>
                   <a:srgbClr val="DEAF0D"/>
                 </a:solidFill>
-                <a:latin typeface="Bodoni" pitchFamily="34"/>
+                <a:latin typeface="Garamond" pitchFamily="18" charset="0"/>
               </a:rPr>
               <a:t>Questions?</a:t>
             </a:r>
@@ -7351,11 +7234,11 @@
               </a:lnSpc>
             </a:pPr>
             <a:r>
-              <a:rPr lang="en-US" sz="6000" i="1" dirty="0">
+              <a:rPr lang="en-US" sz="5400" i="1" dirty="0">
                 <a:solidFill>
                   <a:srgbClr val="DEAF0D"/>
                 </a:solidFill>
-                <a:latin typeface="Bodoni" pitchFamily="34"/>
+                <a:latin typeface="Garamond" pitchFamily="18" charset="0"/>
               </a:rPr>
               <a:t>Overview</a:t>
             </a:r>
@@ -7394,7 +7277,7 @@
               <a:buNone/>
             </a:pPr>
             <a:r>
-              <a:rPr lang="en-US" sz="4400" b="1" dirty="0" smtClean="0">
+              <a:rPr lang="en-US" sz="4000" b="1" dirty="0" smtClean="0">
                 <a:latin typeface="Tahoma" pitchFamily="34" charset="0"/>
                 <a:ea typeface="Tahoma" pitchFamily="34" charset="0"/>
                 <a:cs typeface="Tahoma" pitchFamily="34" charset="0"/>
@@ -7412,7 +7295,7 @@
               </a:spcBef>
               <a:buNone/>
             </a:pPr>
-            <a:endParaRPr lang="en-US" sz="4400" dirty="0" smtClean="0">
+            <a:endParaRPr lang="en-US" sz="4000" dirty="0" smtClean="0">
               <a:latin typeface="Tahoma" pitchFamily="34" charset="0"/>
               <a:ea typeface="Tahoma" pitchFamily="34" charset="0"/>
               <a:cs typeface="Tahoma" pitchFamily="34" charset="0"/>
@@ -7421,7 +7304,7 @@
           <a:p>
             <a:pPr marL="0" indent="0">
               <a:lnSpc>
-                <a:spcPct val="95000"/>
+                <a:spcPct val="150000"/>
               </a:lnSpc>
               <a:spcBef>
                 <a:spcPct val="0"/>
@@ -7429,14 +7312,14 @@
               <a:buNone/>
             </a:pPr>
             <a:r>
-              <a:rPr lang="en-US" sz="4400" dirty="0" smtClean="0">
+              <a:rPr lang="en-US" sz="4000" dirty="0" smtClean="0">
                 <a:latin typeface="Tahoma" pitchFamily="34" charset="0"/>
                 <a:ea typeface="Tahoma" pitchFamily="34" charset="0"/>
                 <a:cs typeface="Tahoma" pitchFamily="34" charset="0"/>
               </a:rPr>
               <a:t>"a practice in which two programmers work side-by-side at one computer, continuously collaborating on the same design, algorithm, code, or test.”</a:t>
             </a:r>
-            <a:endParaRPr lang="en-US" sz="4400" dirty="0">
+            <a:endParaRPr lang="en-US" sz="4000" dirty="0">
               <a:latin typeface="Tahoma" pitchFamily="34" charset="0"/>
               <a:ea typeface="Tahoma" pitchFamily="34" charset="0"/>
               <a:cs typeface="Tahoma" pitchFamily="34" charset="0"/>
@@ -7504,11 +7387,11 @@
               </a:lnSpc>
             </a:pPr>
             <a:r>
-              <a:rPr lang="en-US" sz="6000" i="1" dirty="0">
+              <a:rPr lang="en-US" sz="5400" i="1" dirty="0">
                 <a:solidFill>
                   <a:srgbClr val="DEAF0D"/>
                 </a:solidFill>
-                <a:latin typeface="Bodoni" pitchFamily="34"/>
+                <a:latin typeface="Garamond" pitchFamily="18" charset="0"/>
               </a:rPr>
               <a:t>Overview</a:t>
             </a:r>
@@ -7547,14 +7430,14 @@
               <a:buNone/>
             </a:pPr>
             <a:r>
-              <a:rPr lang="en-US" sz="4400" b="1" dirty="0" err="1" smtClean="0">
+              <a:rPr lang="en-US" sz="4000" b="1" dirty="0" err="1" smtClean="0">
                 <a:latin typeface="Tahoma" pitchFamily="34" charset="0"/>
                 <a:ea typeface="Tahoma" pitchFamily="34" charset="0"/>
                 <a:cs typeface="Tahoma" pitchFamily="34" charset="0"/>
               </a:rPr>
               <a:t>Pairgramming</a:t>
             </a:r>
-            <a:endParaRPr lang="en-US" sz="4400" b="1" dirty="0" smtClean="0">
+            <a:endParaRPr lang="en-US" sz="4000" b="1" dirty="0" smtClean="0">
               <a:latin typeface="Tahoma" pitchFamily="34" charset="0"/>
               <a:ea typeface="Tahoma" pitchFamily="34" charset="0"/>
               <a:cs typeface="Tahoma" pitchFamily="34" charset="0"/>
@@ -7570,7 +7453,7 @@
               </a:spcBef>
               <a:buNone/>
             </a:pPr>
-            <a:endParaRPr lang="en-US" sz="4400" dirty="0" smtClean="0">
+            <a:endParaRPr lang="en-US" sz="4000" dirty="0" smtClean="0">
               <a:latin typeface="Tahoma" pitchFamily="34" charset="0"/>
               <a:ea typeface="Tahoma" pitchFamily="34" charset="0"/>
               <a:cs typeface="Tahoma" pitchFamily="34" charset="0"/>
@@ -7579,7 +7462,7 @@
           <a:p>
             <a:pPr marL="0" indent="0">
               <a:lnSpc>
-                <a:spcPct val="95000"/>
+                <a:spcPct val="150000"/>
               </a:lnSpc>
               <a:spcBef>
                 <a:spcPct val="0"/>
@@ -7587,7 +7470,7 @@
               <a:buNone/>
             </a:pPr>
             <a:r>
-              <a:rPr lang="en-US" sz="4400" dirty="0" smtClean="0">
+              <a:rPr lang="en-US" sz="4000" dirty="0" smtClean="0">
                 <a:latin typeface="Tahoma" pitchFamily="34" charset="0"/>
                 <a:ea typeface="Tahoma" pitchFamily="34" charset="0"/>
                 <a:cs typeface="Tahoma" pitchFamily="34" charset="0"/>
@@ -7595,7 +7478,7 @@
               <a:t>"a practice in which two programmers work </a:t>
             </a:r>
             <a:r>
-              <a:rPr lang="en-US" sz="4400" dirty="0" smtClean="0">
+              <a:rPr lang="en-US" sz="4000" dirty="0" smtClean="0">
                 <a:solidFill>
                   <a:schemeClr val="tx2"/>
                 </a:solidFill>
@@ -7606,14 +7489,14 @@
               <a:t>side-by-side at one computer,</a:t>
             </a:r>
             <a:r>
-              <a:rPr lang="en-US" sz="4400" dirty="0" smtClean="0">
+              <a:rPr lang="en-US" sz="4000" dirty="0" smtClean="0">
                 <a:latin typeface="Tahoma" pitchFamily="34" charset="0"/>
                 <a:ea typeface="Tahoma" pitchFamily="34" charset="0"/>
                 <a:cs typeface="Tahoma" pitchFamily="34" charset="0"/>
               </a:rPr>
               <a:t> continuously collaborating on the same design, algorithm, code, or test.”</a:t>
             </a:r>
-            <a:endParaRPr lang="en-US" sz="4400" dirty="0">
+            <a:endParaRPr lang="en-US" sz="4000" dirty="0">
               <a:latin typeface="Tahoma" pitchFamily="34" charset="0"/>
               <a:ea typeface="Tahoma" pitchFamily="34" charset="0"/>
               <a:cs typeface="Tahoma" pitchFamily="34" charset="0"/>
@@ -7681,29 +7564,29 @@
               </a:lnSpc>
             </a:pPr>
             <a:r>
-              <a:rPr lang="en-US" sz="6000" i="1" dirty="0">
+              <a:rPr lang="en-US" sz="5400" i="1" dirty="0">
                 <a:solidFill>
                   <a:srgbClr val="DEAF0D"/>
                 </a:solidFill>
-                <a:latin typeface="Bodoni" pitchFamily="34"/>
+                <a:latin typeface="Garamond" pitchFamily="18" charset="0"/>
               </a:rPr>
               <a:t>Why </a:t>
             </a:r>
             <a:r>
-              <a:rPr lang="en-US" sz="6000" i="1" dirty="0" err="1">
+              <a:rPr lang="en-US" sz="5400" i="1" dirty="0" err="1">
                 <a:solidFill>
                   <a:srgbClr val="DEAF0D"/>
                 </a:solidFill>
-                <a:latin typeface="Bodoni" pitchFamily="34"/>
+                <a:latin typeface="Garamond" pitchFamily="18" charset="0"/>
               </a:rPr>
               <a:t>Pairgramming</a:t>
             </a:r>
             <a:r>
-              <a:rPr lang="en-US" sz="6000" i="1" dirty="0">
+              <a:rPr lang="en-US" sz="5400" i="1" dirty="0">
                 <a:solidFill>
                   <a:srgbClr val="DEAF0D"/>
                 </a:solidFill>
-                <a:latin typeface="Bodoni" pitchFamily="34"/>
+                <a:latin typeface="Garamond" pitchFamily="18" charset="0"/>
               </a:rPr>
               <a:t>?</a:t>
             </a:r>
@@ -7746,7 +7629,7 @@
               <a:buChar char="•"/>
             </a:pPr>
             <a:r>
-              <a:rPr lang="en-US" sz="4400" dirty="0">
+              <a:rPr lang="en-US" sz="4000" dirty="0">
                 <a:latin typeface="Tahoma" pitchFamily="34" charset="0"/>
                 <a:ea typeface="Tahoma" pitchFamily="34" charset="0"/>
                 <a:cs typeface="Tahoma" pitchFamily="34" charset="0"/>
@@ -7769,7 +7652,7 @@
               <a:buChar char="•"/>
             </a:pPr>
             <a:r>
-              <a:rPr lang="en-US" sz="4400" dirty="0">
+              <a:rPr lang="en-US" sz="4000" dirty="0">
                 <a:latin typeface="Tahoma" pitchFamily="34" charset="0"/>
                 <a:ea typeface="Tahoma" pitchFamily="34" charset="0"/>
                 <a:cs typeface="Tahoma" pitchFamily="34" charset="0"/>
@@ -7792,7 +7675,7 @@
               <a:buChar char="•"/>
             </a:pPr>
             <a:r>
-              <a:rPr lang="en-US" sz="4400" dirty="0">
+              <a:rPr lang="en-US" sz="4000" dirty="0">
                 <a:latin typeface="Tahoma" pitchFamily="34" charset="0"/>
                 <a:ea typeface="Tahoma" pitchFamily="34" charset="0"/>
                 <a:cs typeface="Tahoma" pitchFamily="34" charset="0"/>
@@ -7815,7 +7698,7 @@
               <a:buChar char="•"/>
             </a:pPr>
             <a:r>
-              <a:rPr lang="en-US" sz="4400" dirty="0">
+              <a:rPr lang="en-US" sz="4000" dirty="0">
                 <a:latin typeface="Tahoma" pitchFamily="34" charset="0"/>
                 <a:ea typeface="Tahoma" pitchFamily="34" charset="0"/>
                 <a:cs typeface="Tahoma" pitchFamily="34" charset="0"/>
@@ -7838,7 +7721,7 @@
               <a:buChar char="•"/>
             </a:pPr>
             <a:r>
-              <a:rPr lang="en-US" sz="4400" dirty="0">
+              <a:rPr lang="en-US" sz="4000" dirty="0">
                 <a:latin typeface="Tahoma" pitchFamily="34" charset="0"/>
                 <a:ea typeface="Tahoma" pitchFamily="34" charset="0"/>
                 <a:cs typeface="Tahoma" pitchFamily="34" charset="0"/>
@@ -7861,7 +7744,7 @@
               <a:buChar char="•"/>
             </a:pPr>
             <a:r>
-              <a:rPr lang="en-US" sz="4400" dirty="0">
+              <a:rPr lang="en-US" sz="4000" dirty="0">
                 <a:latin typeface="Tahoma" pitchFamily="34" charset="0"/>
                 <a:ea typeface="Tahoma" pitchFamily="34" charset="0"/>
                 <a:cs typeface="Tahoma" pitchFamily="34" charset="0"/>
@@ -7884,7 +7767,7 @@
               <a:buChar char="•"/>
             </a:pPr>
             <a:r>
-              <a:rPr lang="en-US" sz="4400" dirty="0">
+              <a:rPr lang="en-US" sz="4000" dirty="0">
                 <a:latin typeface="Tahoma" pitchFamily="34" charset="0"/>
                 <a:ea typeface="Tahoma" pitchFamily="34" charset="0"/>
                 <a:cs typeface="Tahoma" pitchFamily="34" charset="0"/>
@@ -7907,7 +7790,7 @@
               <a:buChar char="•"/>
             </a:pPr>
             <a:r>
-              <a:rPr lang="en-US" sz="4400" dirty="0">
+              <a:rPr lang="en-US" sz="4000" dirty="0">
                 <a:latin typeface="Tahoma" pitchFamily="34" charset="0"/>
                 <a:ea typeface="Tahoma" pitchFamily="34" charset="0"/>
                 <a:cs typeface="Tahoma" pitchFamily="34" charset="0"/>

--- a/trunk/pear/submission_materials/PairgrammingDemo.pptx
+++ b/trunk/pear/submission_materials/PairgrammingDemo.pptx
@@ -1404,88 +1404,14 @@
           </a:bodyPr>
           <a:lstStyle/>
           <a:p>
-            <a:pPr>
-              <a:buFont typeface="Arial" pitchFamily="34" charset="0"/>
-              <a:buChar char="•"/>
-            </a:pPr>
-            <a:r>
-              <a:rPr lang="en-US" baseline="0" dirty="0" smtClean="0"/>
-              <a:t>Documentation – it is invaluable.  Motivation for us to have better documentation</a:t>
-            </a:r>
-          </a:p>
-          <a:p>
-            <a:pPr>
-              <a:buFont typeface="Arial" pitchFamily="34" charset="0"/>
-              <a:buChar char="•"/>
-            </a:pPr>
-            <a:r>
-              <a:rPr lang="en-US" baseline="0" dirty="0" smtClean="0"/>
-              <a:t>Be cautious using new things (</a:t>
-            </a:r>
-            <a:r>
-              <a:rPr lang="en-US" baseline="0" dirty="0" err="1" smtClean="0"/>
-              <a:t>Pyjamas</a:t>
-            </a:r>
-            <a:r>
-              <a:rPr lang="en-US" baseline="0" dirty="0" smtClean="0"/>
-              <a:t>… not well documented, some function say “Don’t use this yet”)</a:t>
-            </a:r>
-          </a:p>
-          <a:p>
-            <a:pPr>
-              <a:buFont typeface="Arial" pitchFamily="34" charset="0"/>
-              <a:buChar char="•"/>
-            </a:pPr>
-            <a:r>
-              <a:rPr lang="en-US" baseline="0" dirty="0" smtClean="0"/>
-              <a:t>Communication – know what everyone in the group is working on at all times; communicate approval (good job, x!) and disapproval (x, we’ve noticed you’ve been working on one thing for a while now, how’s progress?)</a:t>
-            </a:r>
-          </a:p>
-          <a:p>
-            <a:pPr>
-              <a:buFont typeface="Arial" pitchFamily="34" charset="0"/>
-              <a:buChar char="•"/>
-            </a:pPr>
-            <a:r>
-              <a:rPr lang="en-US" baseline="0" dirty="0" smtClean="0"/>
-              <a:t>SVN – have good commit comments</a:t>
-            </a:r>
-          </a:p>
-          <a:p>
-            <a:pPr>
-              <a:buFont typeface="Arial" pitchFamily="34" charset="0"/>
-              <a:buChar char="•"/>
-            </a:pPr>
-            <a:r>
-              <a:rPr lang="en-US" baseline="0" dirty="0" smtClean="0"/>
-              <a:t>Take breaks – you will feel more refreshed and your partners will probably appreciate the grasshoppers too</a:t>
-            </a:r>
-          </a:p>
-          <a:p>
-            <a:pPr>
-              <a:buFont typeface="Arial" pitchFamily="34" charset="0"/>
-              <a:buChar char="•"/>
-            </a:pPr>
-            <a:r>
-              <a:rPr lang="en-US" baseline="0" dirty="0" smtClean="0"/>
-              <a:t>Open source – the best and worst thing that can happen to you (saves you a lot of work, but has a lot of bugs/quirks/often not well documented at all)</a:t>
-            </a:r>
-          </a:p>
-          <a:p>
-            <a:pPr lvl="1">
-              <a:buFont typeface="Arial" pitchFamily="34" charset="0"/>
-              <a:buChar char="•"/>
-            </a:pPr>
-            <a:r>
-              <a:rPr lang="en-US" baseline="0" dirty="0" smtClean="0"/>
-              <a:t>Don’t be afraid of the French – the text editor we ended up switching to kind of late in the game was French so we didn’t find it in our first 5 in-depth searches online</a:t>
-            </a:r>
-          </a:p>
-          <a:p>
-            <a:pPr>
-              <a:buFont typeface="Arial" pitchFamily="34" charset="0"/>
-              <a:buChar char="•"/>
-            </a:pPr>
+            <a:r>
+              <a:rPr lang="en-US" dirty="0" smtClean="0"/>
+              <a:t>also </a:t>
+            </a:r>
+            <a:r>
+              <a:rPr lang="en-US" smtClean="0"/>
+              <a:t>open source</a:t>
+            </a:r>
             <a:endParaRPr lang="en-US" dirty="0"/>
           </a:p>
         </p:txBody>
@@ -1508,7 +1434,7 @@
             <a:fld id="{6E67A383-98D9-4A03-8FE8-5F5491D9EED8}" type="slidenum">
               <a:rPr lang="en-US" smtClean="0"/>
               <a:pPr/>
-              <a:t>14</a:t>
+              <a:t>8</a:t>
             </a:fld>
             <a:endParaRPr lang="en-US"/>
           </a:p>
@@ -1523,6 +1449,264 @@
 </file>
 
 <file path=ppt/notesSlides/notesSlide5.xml><?xml version="1.0" encoding="utf-8"?>
+<p:notes xmlns:a="http://schemas.openxmlformats.org/drawingml/2006/main" xmlns:r="http://schemas.openxmlformats.org/officeDocument/2006/relationships" xmlns:p="http://schemas.openxmlformats.org/presentationml/2006/main">
+  <p:cSld>
+    <p:spTree>
+      <p:nvGrpSpPr>
+        <p:cNvPr id="1" name=""/>
+        <p:cNvGrpSpPr/>
+        <p:nvPr/>
+      </p:nvGrpSpPr>
+      <p:grpSpPr>
+        <a:xfrm>
+          <a:off x="0" y="0"/>
+          <a:ext cx="0" cy="0"/>
+          <a:chOff x="0" y="0"/>
+          <a:chExt cx="0" cy="0"/>
+        </a:xfrm>
+      </p:grpSpPr>
+      <p:sp>
+        <p:nvSpPr>
+          <p:cNvPr id="2" name="Slide Image Placeholder 1"/>
+          <p:cNvSpPr>
+            <a:spLocks noGrp="1" noRot="1" noChangeAspect="1"/>
+          </p:cNvSpPr>
+          <p:nvPr>
+            <p:ph type="sldImg"/>
+          </p:nvPr>
+        </p:nvSpPr>
+        <p:spPr/>
+      </p:sp>
+      <p:sp>
+        <p:nvSpPr>
+          <p:cNvPr id="3" name="Notes Placeholder 2"/>
+          <p:cNvSpPr>
+            <a:spLocks noGrp="1"/>
+          </p:cNvSpPr>
+          <p:nvPr>
+            <p:ph type="body" idx="1"/>
+          </p:nvPr>
+        </p:nvSpPr>
+        <p:spPr/>
+        <p:txBody>
+          <a:bodyPr>
+            <a:normAutofit/>
+          </a:bodyPr>
+          <a:lstStyle/>
+          <a:p>
+            <a:r>
+              <a:rPr lang="en-US" dirty="0" smtClean="0"/>
+              <a:t>open source web toolkit in</a:t>
+            </a:r>
+            <a:r>
+              <a:rPr lang="en-US" baseline="0" dirty="0" smtClean="0"/>
+              <a:t> Python, compiles to GWT to </a:t>
+            </a:r>
+            <a:r>
+              <a:rPr lang="en-US" baseline="0" dirty="0" err="1" smtClean="0"/>
+              <a:t>Javascript</a:t>
+            </a:r>
+            <a:endParaRPr lang="en-US" dirty="0"/>
+          </a:p>
+        </p:txBody>
+      </p:sp>
+      <p:sp>
+        <p:nvSpPr>
+          <p:cNvPr id="4" name="Slide Number Placeholder 3"/>
+          <p:cNvSpPr>
+            <a:spLocks noGrp="1"/>
+          </p:cNvSpPr>
+          <p:nvPr>
+            <p:ph type="sldNum" sz="quarter" idx="10"/>
+          </p:nvPr>
+        </p:nvSpPr>
+        <p:spPr/>
+        <p:txBody>
+          <a:bodyPr/>
+          <a:lstStyle/>
+          <a:p>
+            <a:fld id="{6E67A383-98D9-4A03-8FE8-5F5491D9EED8}" type="slidenum">
+              <a:rPr lang="en-US" smtClean="0"/>
+              <a:pPr/>
+              <a:t>11</a:t>
+            </a:fld>
+            <a:endParaRPr lang="en-US"/>
+          </a:p>
+        </p:txBody>
+      </p:sp>
+    </p:spTree>
+  </p:cSld>
+  <p:clrMapOvr>
+    <a:masterClrMapping/>
+  </p:clrMapOvr>
+</p:notes>
+</file>
+
+<file path=ppt/notesSlides/notesSlide6.xml><?xml version="1.0" encoding="utf-8"?>
+<p:notes xmlns:a="http://schemas.openxmlformats.org/drawingml/2006/main" xmlns:r="http://schemas.openxmlformats.org/officeDocument/2006/relationships" xmlns:p="http://schemas.openxmlformats.org/presentationml/2006/main">
+  <p:cSld>
+    <p:spTree>
+      <p:nvGrpSpPr>
+        <p:cNvPr id="1" name=""/>
+        <p:cNvGrpSpPr/>
+        <p:nvPr/>
+      </p:nvGrpSpPr>
+      <p:grpSpPr>
+        <a:xfrm>
+          <a:off x="0" y="0"/>
+          <a:ext cx="0" cy="0"/>
+          <a:chOff x="0" y="0"/>
+          <a:chExt cx="0" cy="0"/>
+        </a:xfrm>
+      </p:grpSpPr>
+      <p:sp>
+        <p:nvSpPr>
+          <p:cNvPr id="2" name="Slide Image Placeholder 1"/>
+          <p:cNvSpPr>
+            <a:spLocks noGrp="1" noRot="1" noChangeAspect="1"/>
+          </p:cNvSpPr>
+          <p:nvPr>
+            <p:ph type="sldImg"/>
+          </p:nvPr>
+        </p:nvSpPr>
+        <p:spPr/>
+      </p:sp>
+      <p:sp>
+        <p:nvSpPr>
+          <p:cNvPr id="3" name="Notes Placeholder 2"/>
+          <p:cNvSpPr>
+            <a:spLocks noGrp="1"/>
+          </p:cNvSpPr>
+          <p:nvPr>
+            <p:ph type="body" idx="1"/>
+          </p:nvPr>
+        </p:nvSpPr>
+        <p:spPr/>
+        <p:txBody>
+          <a:bodyPr>
+            <a:normAutofit/>
+          </a:bodyPr>
+          <a:lstStyle/>
+          <a:p>
+            <a:pPr>
+              <a:buFont typeface="Arial" pitchFamily="34" charset="0"/>
+              <a:buChar char="•"/>
+            </a:pPr>
+            <a:r>
+              <a:rPr lang="en-US" baseline="0" dirty="0" smtClean="0"/>
+              <a:t>Documentation – it is invaluable.  Motivation for us to have better documentation</a:t>
+            </a:r>
+          </a:p>
+          <a:p>
+            <a:pPr>
+              <a:buFont typeface="Arial" pitchFamily="34" charset="0"/>
+              <a:buChar char="•"/>
+            </a:pPr>
+            <a:r>
+              <a:rPr lang="en-US" baseline="0" dirty="0" smtClean="0"/>
+              <a:t>Be cautious using new things (</a:t>
+            </a:r>
+            <a:r>
+              <a:rPr lang="en-US" baseline="0" dirty="0" err="1" smtClean="0"/>
+              <a:t>Pyjamas</a:t>
+            </a:r>
+            <a:r>
+              <a:rPr lang="en-US" baseline="0" dirty="0" smtClean="0"/>
+              <a:t>… not well documented, some function say “Don’t use this yet”)</a:t>
+            </a:r>
+          </a:p>
+          <a:p>
+            <a:pPr>
+              <a:buFont typeface="Arial" pitchFamily="34" charset="0"/>
+              <a:buChar char="•"/>
+            </a:pPr>
+            <a:r>
+              <a:rPr lang="en-US" baseline="0" dirty="0" smtClean="0"/>
+              <a:t>Communication – know what everyone in the group is working on at all times; communicate approval (good job, x!) and disapproval (x, we’ve noticed you’ve been working on one thing for a while now, how’s progress?)</a:t>
+            </a:r>
+          </a:p>
+          <a:p>
+            <a:pPr>
+              <a:buFont typeface="Arial" pitchFamily="34" charset="0"/>
+              <a:buChar char="•"/>
+            </a:pPr>
+            <a:r>
+              <a:rPr lang="en-US" baseline="0" dirty="0" smtClean="0"/>
+              <a:t>SVN – have good commit comments</a:t>
+            </a:r>
+          </a:p>
+          <a:p>
+            <a:pPr>
+              <a:buFont typeface="Arial" pitchFamily="34" charset="0"/>
+              <a:buChar char="•"/>
+            </a:pPr>
+            <a:r>
+              <a:rPr lang="en-US" baseline="0" dirty="0" smtClean="0"/>
+              <a:t>Take breaks – you will feel more refreshed and your partners will probably appreciate the grasshoppers too</a:t>
+            </a:r>
+          </a:p>
+          <a:p>
+            <a:pPr>
+              <a:buFont typeface="Arial" pitchFamily="34" charset="0"/>
+              <a:buChar char="•"/>
+            </a:pPr>
+            <a:r>
+              <a:rPr lang="en-US" baseline="0" dirty="0" smtClean="0"/>
+              <a:t>Open source – the best and worst thing that can happen to you (saves you a lot of work, but has a lot of bugs/quirks/often not well documented at all)</a:t>
+            </a:r>
+          </a:p>
+          <a:p>
+            <a:pPr lvl="1">
+              <a:buFont typeface="Arial" pitchFamily="34" charset="0"/>
+              <a:buChar char="•"/>
+            </a:pPr>
+            <a:r>
+              <a:rPr lang="en-US" baseline="0" dirty="0" smtClean="0"/>
+              <a:t>Don’t be afraid of the French – the text editor we ended up switching to kind of late in the game was French so we didn’t find it in our first 5 in-depth searches online</a:t>
+            </a:r>
+          </a:p>
+          <a:p>
+            <a:pPr>
+              <a:buFont typeface="Arial" pitchFamily="34" charset="0"/>
+              <a:buChar char="•"/>
+            </a:pPr>
+            <a:endParaRPr lang="en-US" dirty="0"/>
+          </a:p>
+        </p:txBody>
+      </p:sp>
+      <p:sp>
+        <p:nvSpPr>
+          <p:cNvPr id="4" name="Slide Number Placeholder 3"/>
+          <p:cNvSpPr>
+            <a:spLocks noGrp="1"/>
+          </p:cNvSpPr>
+          <p:nvPr>
+            <p:ph type="sldNum" sz="quarter" idx="10"/>
+          </p:nvPr>
+        </p:nvSpPr>
+        <p:spPr/>
+        <p:txBody>
+          <a:bodyPr/>
+          <a:lstStyle/>
+          <a:p>
+            <a:fld id="{6E67A383-98D9-4A03-8FE8-5F5491D9EED8}" type="slidenum">
+              <a:rPr lang="en-US" smtClean="0"/>
+              <a:pPr/>
+              <a:t>14</a:t>
+            </a:fld>
+            <a:endParaRPr lang="en-US"/>
+          </a:p>
+        </p:txBody>
+      </p:sp>
+    </p:spTree>
+  </p:cSld>
+  <p:clrMapOvr>
+    <a:masterClrMapping/>
+  </p:clrMapOvr>
+</p:notes>
+</file>
+
+<file path=ppt/notesSlides/notesSlide7.xml><?xml version="1.0" encoding="utf-8"?>
 <p:notes xmlns:a="http://schemas.openxmlformats.org/drawingml/2006/main" xmlns:r="http://schemas.openxmlformats.org/officeDocument/2006/relationships" xmlns:p="http://schemas.openxmlformats.org/presentationml/2006/main">
   <p:cSld>
     <p:spTree>
@@ -5804,7 +5988,7 @@
           <p:nvPr/>
         </p:nvPicPr>
         <p:blipFill>
-          <a:blip r:embed="rId2"/>
+          <a:blip r:embed="rId3"/>
           <a:srcRect/>
           <a:stretch>
             <a:fillRect/>
@@ -6513,7 +6697,74 @@
               </a:rPr>
               <a:t>source</a:t>
             </a:r>
-            <a:endParaRPr lang="en-US" sz="4000" dirty="0" smtClean="0">
+          </a:p>
+          <a:p>
+            <a:pPr marL="995665" lvl="3" indent="-342893">
+              <a:lnSpc>
+                <a:spcPct val="95000"/>
+              </a:lnSpc>
+              <a:spcBef>
+                <a:spcPct val="0"/>
+              </a:spcBef>
+              <a:buClr>
+                <a:srgbClr val="000000"/>
+              </a:buClr>
+              <a:buFontTx/>
+              <a:buChar char="•"/>
+            </a:pPr>
+            <a:r>
+              <a:rPr lang="en-US" sz="3100" dirty="0" smtClean="0">
+                <a:latin typeface="Tahoma" pitchFamily="34" charset="0"/>
+                <a:ea typeface="Tahoma" pitchFamily="34" charset="0"/>
+                <a:cs typeface="Tahoma" pitchFamily="34" charset="0"/>
+              </a:rPr>
+              <a:t>Editor: </a:t>
+            </a:r>
+            <a:r>
+              <a:rPr lang="en-US" sz="3100" dirty="0" err="1" smtClean="0">
+                <a:latin typeface="Tahoma" pitchFamily="34" charset="0"/>
+                <a:ea typeface="Tahoma" pitchFamily="34" charset="0"/>
+                <a:cs typeface="Tahoma" pitchFamily="34" charset="0"/>
+              </a:rPr>
+              <a:t>Editarea</a:t>
+            </a:r>
+            <a:endParaRPr lang="en-US" sz="3100" dirty="0" smtClean="0">
+              <a:latin typeface="Tahoma" pitchFamily="34" charset="0"/>
+              <a:ea typeface="Tahoma" pitchFamily="34" charset="0"/>
+              <a:cs typeface="Tahoma" pitchFamily="34" charset="0"/>
+            </a:endParaRPr>
+          </a:p>
+          <a:p>
+            <a:pPr marL="995665" lvl="3" indent="-342893">
+              <a:lnSpc>
+                <a:spcPct val="95000"/>
+              </a:lnSpc>
+              <a:spcBef>
+                <a:spcPct val="0"/>
+              </a:spcBef>
+              <a:buClr>
+                <a:srgbClr val="000000"/>
+              </a:buClr>
+              <a:buFontTx/>
+              <a:buChar char="•"/>
+            </a:pPr>
+            <a:r>
+              <a:rPr lang="en-US" sz="3100" dirty="0" smtClean="0">
+                <a:latin typeface="Tahoma" pitchFamily="34" charset="0"/>
+                <a:ea typeface="Tahoma" pitchFamily="34" charset="0"/>
+                <a:cs typeface="Tahoma" pitchFamily="34" charset="0"/>
+              </a:rPr>
+              <a:t>Console: </a:t>
+            </a:r>
+            <a:r>
+              <a:rPr lang="en-US" sz="3100" dirty="0" err="1" smtClean="0">
+                <a:latin typeface="Tahoma" pitchFamily="34" charset="0"/>
+                <a:ea typeface="Tahoma" pitchFamily="34" charset="0"/>
+                <a:cs typeface="Tahoma" pitchFamily="34" charset="0"/>
+              </a:rPr>
+              <a:t>Ajaxterm</a:t>
+            </a:r>
+            <a:endParaRPr lang="en-US" sz="3100" dirty="0" smtClean="0">
               <a:latin typeface="Tahoma" pitchFamily="34" charset="0"/>
               <a:ea typeface="Tahoma" pitchFamily="34" charset="0"/>
               <a:cs typeface="Tahoma" pitchFamily="34" charset="0"/>
@@ -11068,7 +11319,7 @@
           <p:nvPr/>
         </p:nvPicPr>
         <p:blipFill>
-          <a:blip r:embed="rId2"/>
+          <a:blip r:embed="rId3"/>
           <a:srcRect l="7813" t="6250" r="7031" b="38542"/>
           <a:stretch>
             <a:fillRect/>

--- a/trunk/pear/submission_materials/PairgrammingDemo.pptx
+++ b/trunk/pear/submission_materials/PairgrammingDemo.pptx
@@ -183,17 +183,17 @@
       </p:grpSpPr>
       <p:sp>
         <p:nvSpPr>
-          <p:cNvPr id="2" name="Header Placeholder 1"/>
+          <p:cNvPr id="5" name="Slide Number Placeholder 4"/>
           <p:cNvSpPr>
             <a:spLocks noGrp="1"/>
           </p:cNvSpPr>
           <p:nvPr>
-            <p:ph type="hdr" sz="quarter"/>
+            <p:ph type="sldNum" sz="quarter" idx="3"/>
           </p:nvPr>
         </p:nvSpPr>
         <p:spPr>
           <a:xfrm>
-            <a:off x="0" y="0"/>
+            <a:off x="3884613" y="8685213"/>
             <a:ext cx="2971800" cy="457200"/>
           </a:xfrm>
           <a:prstGeom prst="rect">
@@ -201,20 +201,25 @@
           </a:prstGeom>
         </p:spPr>
         <p:txBody>
-          <a:bodyPr vert="horz" lIns="91440" tIns="45720" rIns="91440" bIns="45720" rtlCol="0"/>
+          <a:bodyPr vert="horz" lIns="91440" tIns="45720" rIns="91440" bIns="45720" rtlCol="0" anchor="b"/>
           <a:lstStyle>
-            <a:lvl1pPr algn="l">
+            <a:lvl1pPr algn="r">
               <a:defRPr sz="1200"/>
             </a:lvl1pPr>
           </a:lstStyle>
           <a:p>
+            <a:fld id="{94826A52-2472-4A92-BBA4-7D80D65F74BE}" type="slidenum">
+              <a:rPr lang="en-US" smtClean="0"/>
+              <a:pPr/>
+              <a:t>‹#›</a:t>
+            </a:fld>
             <a:endParaRPr lang="en-US"/>
           </a:p>
         </p:txBody>
       </p:sp>
       <p:sp>
         <p:nvSpPr>
-          <p:cNvPr id="3" name="Date Placeholder 2"/>
+          <p:cNvPr id="6" name="Date Placeholder 5"/>
           <p:cNvSpPr>
             <a:spLocks noGrp="1"/>
           </p:cNvSpPr>
@@ -239,77 +244,9 @@
             </a:lvl1pPr>
           </a:lstStyle>
           <a:p>
-            <a:fld id="{6A46E41A-CFE6-4CE8-891E-A92138BDC6E8}" type="datetimeFigureOut">
+            <a:fld id="{862673BC-919E-4394-A25D-7982E3ECBDB5}" type="datetimeFigureOut">
               <a:rPr lang="en-US" smtClean="0"/>
-              <a:pPr/>
               <a:t>5/8/2009</a:t>
-            </a:fld>
-            <a:endParaRPr lang="en-US"/>
-          </a:p>
-        </p:txBody>
-      </p:sp>
-      <p:sp>
-        <p:nvSpPr>
-          <p:cNvPr id="4" name="Footer Placeholder 3"/>
-          <p:cNvSpPr>
-            <a:spLocks noGrp="1"/>
-          </p:cNvSpPr>
-          <p:nvPr>
-            <p:ph type="ftr" sz="quarter" idx="2"/>
-          </p:nvPr>
-        </p:nvSpPr>
-        <p:spPr>
-          <a:xfrm>
-            <a:off x="0" y="8685213"/>
-            <a:ext cx="2971800" cy="457200"/>
-          </a:xfrm>
-          <a:prstGeom prst="rect">
-            <a:avLst/>
-          </a:prstGeom>
-        </p:spPr>
-        <p:txBody>
-          <a:bodyPr vert="horz" lIns="91440" tIns="45720" rIns="91440" bIns="45720" rtlCol="0" anchor="b"/>
-          <a:lstStyle>
-            <a:lvl1pPr algn="l">
-              <a:defRPr sz="1200"/>
-            </a:lvl1pPr>
-          </a:lstStyle>
-          <a:p>
-            <a:endParaRPr lang="en-US"/>
-          </a:p>
-        </p:txBody>
-      </p:sp>
-      <p:sp>
-        <p:nvSpPr>
-          <p:cNvPr id="5" name="Slide Number Placeholder 4"/>
-          <p:cNvSpPr>
-            <a:spLocks noGrp="1"/>
-          </p:cNvSpPr>
-          <p:nvPr>
-            <p:ph type="sldNum" sz="quarter" idx="3"/>
-          </p:nvPr>
-        </p:nvSpPr>
-        <p:spPr>
-          <a:xfrm>
-            <a:off x="3884613" y="8685213"/>
-            <a:ext cx="2971800" cy="457200"/>
-          </a:xfrm>
-          <a:prstGeom prst="rect">
-            <a:avLst/>
-          </a:prstGeom>
-        </p:spPr>
-        <p:txBody>
-          <a:bodyPr vert="horz" lIns="91440" tIns="45720" rIns="91440" bIns="45720" rtlCol="0" anchor="b"/>
-          <a:lstStyle>
-            <a:lvl1pPr algn="r">
-              <a:defRPr sz="1200"/>
-            </a:lvl1pPr>
-          </a:lstStyle>
-          <a:p>
-            <a:fld id="{94826A52-2472-4A92-BBA4-7D80D65F74BE}" type="slidenum">
-              <a:rPr lang="en-US" smtClean="0"/>
-              <a:pPr/>
-              <a:t>‹#›</a:t>
             </a:fld>
             <a:endParaRPr lang="en-US"/>
           </a:p>
@@ -1404,15 +1341,7 @@
           </a:bodyPr>
           <a:lstStyle/>
           <a:p>
-            <a:r>
-              <a:rPr lang="en-US" dirty="0" smtClean="0"/>
-              <a:t>also </a:t>
-            </a:r>
-            <a:r>
-              <a:rPr lang="en-US" smtClean="0"/>
-              <a:t>open source</a:t>
-            </a:r>
-            <a:endParaRPr lang="en-US" dirty="0"/>
+            <a:endParaRPr lang="en-US"/>
           </a:p>
         </p:txBody>
       </p:sp>
@@ -1434,7 +1363,7 @@
             <a:fld id="{6E67A383-98D9-4A03-8FE8-5F5491D9EED8}" type="slidenum">
               <a:rPr lang="en-US" smtClean="0"/>
               <a:pPr/>
-              <a:t>8</a:t>
+              <a:t>6</a:t>
             </a:fld>
             <a:endParaRPr lang="en-US"/>
           </a:p>
@@ -1496,15 +1425,7 @@
           <a:p>
             <a:r>
               <a:rPr lang="en-US" dirty="0" smtClean="0"/>
-              <a:t>open source web toolkit in</a:t>
-            </a:r>
-            <a:r>
-              <a:rPr lang="en-US" baseline="0" dirty="0" smtClean="0"/>
-              <a:t> Python, compiles to GWT to </a:t>
-            </a:r>
-            <a:r>
-              <a:rPr lang="en-US" baseline="0" dirty="0" err="1" smtClean="0"/>
-              <a:t>Javascript</a:t>
+              <a:t>also open source</a:t>
             </a:r>
             <a:endParaRPr lang="en-US" dirty="0"/>
           </a:p>
@@ -1528,7 +1449,7 @@
             <a:fld id="{6E67A383-98D9-4A03-8FE8-5F5491D9EED8}" type="slidenum">
               <a:rPr lang="en-US" smtClean="0"/>
               <a:pPr/>
-              <a:t>11</a:t>
+              <a:t>8</a:t>
             </a:fld>
             <a:endParaRPr lang="en-US"/>
           </a:p>
@@ -1588,88 +1509,18 @@
           </a:bodyPr>
           <a:lstStyle/>
           <a:p>
-            <a:pPr>
-              <a:buFont typeface="Arial" pitchFamily="34" charset="0"/>
-              <a:buChar char="•"/>
-            </a:pPr>
+            <a:r>
+              <a:rPr lang="en-US" dirty="0" smtClean="0"/>
+              <a:t>open source web toolkit in</a:t>
+            </a:r>
             <a:r>
               <a:rPr lang="en-US" baseline="0" dirty="0" smtClean="0"/>
-              <a:t>Documentation – it is invaluable.  Motivation for us to have better documentation</a:t>
-            </a:r>
-          </a:p>
-          <a:p>
-            <a:pPr>
-              <a:buFont typeface="Arial" pitchFamily="34" charset="0"/>
-              <a:buChar char="•"/>
-            </a:pPr>
-            <a:r>
-              <a:rPr lang="en-US" baseline="0" dirty="0" smtClean="0"/>
-              <a:t>Be cautious using new things (</a:t>
+              <a:t> Python, compiles to GWT to </a:t>
             </a:r>
             <a:r>
               <a:rPr lang="en-US" baseline="0" dirty="0" err="1" smtClean="0"/>
-              <a:t>Pyjamas</a:t>
-            </a:r>
-            <a:r>
-              <a:rPr lang="en-US" baseline="0" dirty="0" smtClean="0"/>
-              <a:t>… not well documented, some function say “Don’t use this yet”)</a:t>
-            </a:r>
-          </a:p>
-          <a:p>
-            <a:pPr>
-              <a:buFont typeface="Arial" pitchFamily="34" charset="0"/>
-              <a:buChar char="•"/>
-            </a:pPr>
-            <a:r>
-              <a:rPr lang="en-US" baseline="0" dirty="0" smtClean="0"/>
-              <a:t>Communication – know what everyone in the group is working on at all times; communicate approval (good job, x!) and disapproval (x, we’ve noticed you’ve been working on one thing for a while now, how’s progress?)</a:t>
-            </a:r>
-          </a:p>
-          <a:p>
-            <a:pPr>
-              <a:buFont typeface="Arial" pitchFamily="34" charset="0"/>
-              <a:buChar char="•"/>
-            </a:pPr>
-            <a:r>
-              <a:rPr lang="en-US" baseline="0" dirty="0" smtClean="0"/>
-              <a:t>SVN – have good commit comments</a:t>
-            </a:r>
-          </a:p>
-          <a:p>
-            <a:pPr>
-              <a:buFont typeface="Arial" pitchFamily="34" charset="0"/>
-              <a:buChar char="•"/>
-            </a:pPr>
-            <a:r>
-              <a:rPr lang="en-US" baseline="0" dirty="0" smtClean="0"/>
-              <a:t>Take breaks – you will feel more refreshed and your partners will probably appreciate the grasshoppers too</a:t>
-            </a:r>
-          </a:p>
-          <a:p>
-            <a:pPr>
-              <a:buFont typeface="Arial" pitchFamily="34" charset="0"/>
-              <a:buChar char="•"/>
-            </a:pPr>
-            <a:r>
-              <a:rPr lang="en-US" baseline="0" dirty="0" smtClean="0"/>
-              <a:t>Open source – the best and worst thing that can happen to you (saves you a lot of work, but has a lot of bugs/quirks/often not well documented at all)</a:t>
-            </a:r>
-          </a:p>
-          <a:p>
-            <a:pPr lvl="1">
-              <a:buFont typeface="Arial" pitchFamily="34" charset="0"/>
-              <a:buChar char="•"/>
-            </a:pPr>
-            <a:r>
-              <a:rPr lang="en-US" baseline="0" dirty="0" smtClean="0"/>
-              <a:t>Don’t be afraid of the French – the text editor we ended up switching to kind of late in the game was French so we didn’t find it in our first 5 in-depth searches online</a:t>
-            </a:r>
-          </a:p>
-          <a:p>
-            <a:pPr>
-              <a:buFont typeface="Arial" pitchFamily="34" charset="0"/>
-              <a:buChar char="•"/>
-            </a:pPr>
+              <a:t>Javascript</a:t>
+            </a:r>
             <a:endParaRPr lang="en-US" dirty="0"/>
           </a:p>
         </p:txBody>
@@ -1692,7 +1543,7 @@
             <a:fld id="{6E67A383-98D9-4A03-8FE8-5F5491D9EED8}" type="slidenum">
               <a:rPr lang="en-US" smtClean="0"/>
               <a:pPr/>
-              <a:t>14</a:t>
+              <a:t>11</a:t>
             </a:fld>
             <a:endParaRPr lang="en-US"/>
           </a:p>
@@ -1707,6 +1558,170 @@
 </file>
 
 <file path=ppt/notesSlides/notesSlide7.xml><?xml version="1.0" encoding="utf-8"?>
+<p:notes xmlns:a="http://schemas.openxmlformats.org/drawingml/2006/main" xmlns:r="http://schemas.openxmlformats.org/officeDocument/2006/relationships" xmlns:p="http://schemas.openxmlformats.org/presentationml/2006/main">
+  <p:cSld>
+    <p:spTree>
+      <p:nvGrpSpPr>
+        <p:cNvPr id="1" name=""/>
+        <p:cNvGrpSpPr/>
+        <p:nvPr/>
+      </p:nvGrpSpPr>
+      <p:grpSpPr>
+        <a:xfrm>
+          <a:off x="0" y="0"/>
+          <a:ext cx="0" cy="0"/>
+          <a:chOff x="0" y="0"/>
+          <a:chExt cx="0" cy="0"/>
+        </a:xfrm>
+      </p:grpSpPr>
+      <p:sp>
+        <p:nvSpPr>
+          <p:cNvPr id="2" name="Slide Image Placeholder 1"/>
+          <p:cNvSpPr>
+            <a:spLocks noGrp="1" noRot="1" noChangeAspect="1"/>
+          </p:cNvSpPr>
+          <p:nvPr>
+            <p:ph type="sldImg"/>
+          </p:nvPr>
+        </p:nvSpPr>
+        <p:spPr/>
+      </p:sp>
+      <p:sp>
+        <p:nvSpPr>
+          <p:cNvPr id="3" name="Notes Placeholder 2"/>
+          <p:cNvSpPr>
+            <a:spLocks noGrp="1"/>
+          </p:cNvSpPr>
+          <p:nvPr>
+            <p:ph type="body" idx="1"/>
+          </p:nvPr>
+        </p:nvSpPr>
+        <p:spPr/>
+        <p:txBody>
+          <a:bodyPr>
+            <a:normAutofit/>
+          </a:bodyPr>
+          <a:lstStyle/>
+          <a:p>
+            <a:pPr>
+              <a:buFont typeface="Arial" pitchFamily="34" charset="0"/>
+              <a:buChar char="•"/>
+            </a:pPr>
+            <a:r>
+              <a:rPr lang="en-US" baseline="0" dirty="0" smtClean="0"/>
+              <a:t>Documentation – it is invaluable.  Motivation for us to have better documentation</a:t>
+            </a:r>
+          </a:p>
+          <a:p>
+            <a:pPr>
+              <a:buFont typeface="Arial" pitchFamily="34" charset="0"/>
+              <a:buChar char="•"/>
+            </a:pPr>
+            <a:r>
+              <a:rPr lang="en-US" baseline="0" dirty="0" smtClean="0"/>
+              <a:t>Be cautious using new things (</a:t>
+            </a:r>
+            <a:r>
+              <a:rPr lang="en-US" baseline="0" dirty="0" err="1" smtClean="0"/>
+              <a:t>Pyjamas</a:t>
+            </a:r>
+            <a:r>
+              <a:rPr lang="en-US" baseline="0" dirty="0" smtClean="0"/>
+              <a:t>… not well documented, some function say “Don’t use this yet”)</a:t>
+            </a:r>
+          </a:p>
+          <a:p>
+            <a:pPr>
+              <a:buFont typeface="Arial" pitchFamily="34" charset="0"/>
+              <a:buChar char="•"/>
+            </a:pPr>
+            <a:r>
+              <a:rPr lang="en-US" baseline="0" dirty="0" smtClean="0"/>
+              <a:t>Communication – know what everyone in the group is working on at all times; communicate approval (good job, x!) and disapproval (x, we’ve noticed you’ve been working on one thing for a while now, how’s progress?)</a:t>
+            </a:r>
+          </a:p>
+          <a:p>
+            <a:pPr>
+              <a:buFont typeface="Arial" pitchFamily="34" charset="0"/>
+              <a:buChar char="•"/>
+            </a:pPr>
+            <a:r>
+              <a:rPr lang="en-US" baseline="0" dirty="0" smtClean="0"/>
+              <a:t>SVN – have good commit comments</a:t>
+            </a:r>
+          </a:p>
+          <a:p>
+            <a:pPr>
+              <a:buFont typeface="Arial" pitchFamily="34" charset="0"/>
+              <a:buChar char="•"/>
+            </a:pPr>
+            <a:r>
+              <a:rPr lang="en-US" baseline="0" dirty="0" smtClean="0"/>
+              <a:t>Take breaks – you will feel more refreshed and your partners will probably appreciate the grasshoppers too</a:t>
+            </a:r>
+          </a:p>
+          <a:p>
+            <a:pPr>
+              <a:buFont typeface="Arial" pitchFamily="34" charset="0"/>
+              <a:buChar char="•"/>
+            </a:pPr>
+            <a:r>
+              <a:rPr lang="en-US" baseline="0" dirty="0" smtClean="0"/>
+              <a:t>Open source – the best and worst thing that can happen to you (saves you a lot of work, but has a lot of bugs/quirks/often not well documented at all)</a:t>
+            </a:r>
+          </a:p>
+          <a:p>
+            <a:pPr lvl="1">
+              <a:buFont typeface="Arial" pitchFamily="34" charset="0"/>
+              <a:buChar char="•"/>
+            </a:pPr>
+            <a:r>
+              <a:rPr lang="en-US" baseline="0" dirty="0" smtClean="0"/>
+              <a:t>Don’t be afraid of the French – the text editor we ended up switching to kind of late in the game was French so we didn’t find it in our first 5 in-depth searches online</a:t>
+            </a:r>
+          </a:p>
+          <a:p>
+            <a:pPr>
+              <a:buFont typeface="Arial" pitchFamily="34" charset="0"/>
+              <a:buChar char="•"/>
+            </a:pPr>
+            <a:endParaRPr lang="en-US" dirty="0"/>
+          </a:p>
+        </p:txBody>
+      </p:sp>
+      <p:sp>
+        <p:nvSpPr>
+          <p:cNvPr id="4" name="Slide Number Placeholder 3"/>
+          <p:cNvSpPr>
+            <a:spLocks noGrp="1"/>
+          </p:cNvSpPr>
+          <p:nvPr>
+            <p:ph type="sldNum" sz="quarter" idx="10"/>
+          </p:nvPr>
+        </p:nvSpPr>
+        <p:spPr/>
+        <p:txBody>
+          <a:bodyPr/>
+          <a:lstStyle/>
+          <a:p>
+            <a:fld id="{6E67A383-98D9-4A03-8FE8-5F5491D9EED8}" type="slidenum">
+              <a:rPr lang="en-US" smtClean="0"/>
+              <a:pPr/>
+              <a:t>14</a:t>
+            </a:fld>
+            <a:endParaRPr lang="en-US"/>
+          </a:p>
+        </p:txBody>
+      </p:sp>
+    </p:spTree>
+  </p:cSld>
+  <p:clrMapOvr>
+    <a:masterClrMapping/>
+  </p:clrMapOvr>
+</p:notes>
+</file>
+
+<file path=ppt/notesSlides/notesSlide8.xml><?xml version="1.0" encoding="utf-8"?>
 <p:notes xmlns:a="http://schemas.openxmlformats.org/drawingml/2006/main" xmlns:r="http://schemas.openxmlformats.org/officeDocument/2006/relationships" xmlns:p="http://schemas.openxmlformats.org/presentationml/2006/main">
   <p:cSld>
     <p:spTree>

--- a/trunk/pear/submission_materials/PairgrammingDemo.pptx
+++ b/trunk/pear/submission_materials/PairgrammingDemo.pptx
@@ -246,6 +246,7 @@
           <a:p>
             <a:fld id="{862673BC-919E-4394-A25D-7982E3ECBDB5}" type="datetimeFigureOut">
               <a:rPr lang="en-US" smtClean="0"/>
+              <a:pPr/>
               <a:t>5/8/2009</a:t>
             </a:fld>
             <a:endParaRPr lang="en-US"/>
@@ -6702,15 +6703,7 @@
                 <a:ea typeface="Tahoma" pitchFamily="34" charset="0"/>
                 <a:cs typeface="Tahoma" pitchFamily="34" charset="0"/>
               </a:rPr>
-              <a:t>Open </a:t>
-            </a:r>
-            <a:r>
-              <a:rPr lang="en-US" sz="4000" dirty="0" smtClean="0">
-                <a:latin typeface="Tahoma" pitchFamily="34" charset="0"/>
-                <a:ea typeface="Tahoma" pitchFamily="34" charset="0"/>
-                <a:cs typeface="Tahoma" pitchFamily="34" charset="0"/>
-              </a:rPr>
-              <a:t>source</a:t>
+              <a:t>Open source</a:t>
             </a:r>
           </a:p>
           <a:p>
@@ -6968,8 +6961,21 @@
                 <a:ea typeface="Tahoma" pitchFamily="34" charset="0"/>
                 <a:cs typeface="Tahoma" pitchFamily="34" charset="0"/>
               </a:rPr>
-              <a:t>Protect &amp; improve text chat</a:t>
-            </a:r>
+              <a:t>Protect &amp; improve text </a:t>
+            </a:r>
+            <a:r>
+              <a:rPr lang="en-US" sz="4000" dirty="0" smtClean="0">
+                <a:latin typeface="Tahoma" pitchFamily="34" charset="0"/>
+                <a:ea typeface="Tahoma" pitchFamily="34" charset="0"/>
+                <a:cs typeface="Tahoma" pitchFamily="34" charset="0"/>
+              </a:rPr>
+              <a:t>chat</a:t>
+            </a:r>
+            <a:endParaRPr lang="en-US" sz="4000" dirty="0" smtClean="0">
+              <a:latin typeface="Tahoma" pitchFamily="34" charset="0"/>
+              <a:ea typeface="Tahoma" pitchFamily="34" charset="0"/>
+              <a:cs typeface="Tahoma" pitchFamily="34" charset="0"/>
+            </a:endParaRPr>
           </a:p>
           <a:p>
             <a:pPr marL="457191" lvl="1" indent="-342893">
@@ -6991,7 +6997,7 @@
                 <a:ea typeface="Tahoma" pitchFamily="34" charset="0"/>
                 <a:cs typeface="Tahoma" pitchFamily="34" charset="0"/>
               </a:rPr>
-              <a:t>Better integration of audio chat</a:t>
+              <a:t>Fix flash</a:t>
             </a:r>
           </a:p>
           <a:p>
@@ -7014,36 +7020,8 @@
                 <a:ea typeface="Tahoma" pitchFamily="34" charset="0"/>
                 <a:cs typeface="Tahoma" pitchFamily="34" charset="0"/>
               </a:rPr>
-              <a:t>Fix flash</a:t>
-            </a:r>
-          </a:p>
-          <a:p>
-            <a:pPr marL="457191" lvl="1" indent="-342893">
-              <a:lnSpc>
-                <a:spcPct val="95000"/>
-              </a:lnSpc>
-              <a:spcBef>
-                <a:spcPct val="0"/>
-              </a:spcBef>
-              <a:buClr>
-                <a:srgbClr val="000000"/>
-              </a:buClr>
-              <a:buFontTx/>
-              <a:buChar char="•"/>
-            </a:pPr>
-            <a:r>
-              <a:rPr lang="en-US" sz="4000" dirty="0" smtClean="0">
-                <a:latin typeface="Tahoma" pitchFamily="34" charset="0"/>
-                <a:ea typeface="Tahoma" pitchFamily="34" charset="0"/>
-                <a:cs typeface="Tahoma" pitchFamily="34" charset="0"/>
-              </a:rPr>
               <a:t>Bug hunts…</a:t>
             </a:r>
-            <a:endParaRPr lang="en-US" sz="4000" dirty="0" smtClean="0">
-              <a:latin typeface="Tahoma" pitchFamily="34" charset="0"/>
-              <a:ea typeface="Tahoma" pitchFamily="34" charset="0"/>
-              <a:cs typeface="Tahoma" pitchFamily="34" charset="0"/>
-            </a:endParaRPr>
           </a:p>
         </p:txBody>
       </p:sp>
@@ -7291,15 +7269,7 @@
                 <a:ea typeface="Tahoma" pitchFamily="34" charset="0"/>
                 <a:cs typeface="Tahoma" pitchFamily="34" charset="0"/>
               </a:rPr>
-              <a:t>our </a:t>
-            </a:r>
-            <a:r>
-              <a:rPr lang="en-US" sz="4000" dirty="0" smtClean="0">
-                <a:latin typeface="Tahoma" pitchFamily="34" charset="0"/>
-                <a:ea typeface="Tahoma" pitchFamily="34" charset="0"/>
-                <a:cs typeface="Tahoma" pitchFamily="34" charset="0"/>
-              </a:rPr>
-              <a:t>study group</a:t>
+              <a:t>our study group</a:t>
             </a:r>
           </a:p>
           <a:p>

--- a/trunk/pear/submission_materials/PairgrammingDemo.pptx
+++ b/trunk/pear/submission_materials/PairgrammingDemo.pptx
@@ -5,29 +5,28 @@
     <p:sldMasterId id="2147483732" r:id="rId1"/>
   </p:sldMasterIdLst>
   <p:notesMasterIdLst>
-    <p:notesMasterId r:id="rId19"/>
+    <p:notesMasterId r:id="rId18"/>
   </p:notesMasterIdLst>
   <p:handoutMasterIdLst>
-    <p:handoutMasterId r:id="rId20"/>
+    <p:handoutMasterId r:id="rId19"/>
   </p:handoutMasterIdLst>
   <p:sldIdLst>
     <p:sldId id="256" r:id="rId2"/>
     <p:sldId id="257" r:id="rId3"/>
     <p:sldId id="269" r:id="rId4"/>
-    <p:sldId id="259" r:id="rId5"/>
-    <p:sldId id="271" r:id="rId6"/>
-    <p:sldId id="270" r:id="rId7"/>
-    <p:sldId id="260" r:id="rId8"/>
-    <p:sldId id="261" r:id="rId9"/>
-    <p:sldId id="272" r:id="rId10"/>
-    <p:sldId id="273" r:id="rId11"/>
-    <p:sldId id="274" r:id="rId12"/>
-    <p:sldId id="263" r:id="rId13"/>
-    <p:sldId id="264" r:id="rId14"/>
-    <p:sldId id="265" r:id="rId15"/>
-    <p:sldId id="266" r:id="rId16"/>
-    <p:sldId id="267" r:id="rId17"/>
-    <p:sldId id="268" r:id="rId18"/>
+    <p:sldId id="275" r:id="rId5"/>
+    <p:sldId id="259" r:id="rId6"/>
+    <p:sldId id="260" r:id="rId7"/>
+    <p:sldId id="261" r:id="rId8"/>
+    <p:sldId id="272" r:id="rId9"/>
+    <p:sldId id="273" r:id="rId10"/>
+    <p:sldId id="274" r:id="rId11"/>
+    <p:sldId id="263" r:id="rId12"/>
+    <p:sldId id="264" r:id="rId13"/>
+    <p:sldId id="265" r:id="rId14"/>
+    <p:sldId id="266" r:id="rId15"/>
+    <p:sldId id="267" r:id="rId16"/>
+    <p:sldId id="268" r:id="rId17"/>
   </p:sldIdLst>
   <p:sldSz cx="10160000" cy="7620000"/>
   <p:notesSz cx="6858000" cy="9144000"/>
@@ -771,7 +770,7 @@
               </a:spcBef>
             </a:pPr>
             <a:r>
-              <a:rPr lang="en-US" sz="1600">
+              <a:rPr lang="en-US" sz="1600" dirty="0">
                 <a:solidFill>
                   <a:srgbClr val="000000"/>
                 </a:solidFill>
@@ -780,7 +779,7 @@
               <a:t>One partner is driving (designing and typing the code) while the other is navigating (reviewing the work, identifying bugs, and asking questions). The two partners switch roles every 30-40 minutes, and on demand, brainstorm.</a:t>
             </a:r>
             <a:r>
-              <a:rPr lang="en-US" sz="1600">
+              <a:rPr lang="en-US" sz="1600" dirty="0">
                 <a:solidFill>
                   <a:srgbClr val="FFFFFF"/>
                 </a:solidFill>
@@ -788,7 +787,7 @@
               </a:rPr>
               <a:t> </a:t>
             </a:r>
-            <a:endParaRPr lang="en-US"/>
+            <a:endParaRPr lang="en-US" dirty="0"/>
           </a:p>
           <a:p>
             <a:pPr>
@@ -799,7 +798,7 @@
                 <a:spcPct val="0"/>
               </a:spcBef>
             </a:pPr>
-            <a:endParaRPr lang="en-US" sz="1600">
+            <a:endParaRPr lang="en-US" sz="1600" dirty="0">
               <a:solidFill>
                 <a:srgbClr val="FFFFFF"/>
               </a:solidFill>
@@ -816,13 +815,523 @@
               </a:spcBef>
             </a:pPr>
             <a:r>
-              <a:rPr lang="en-US" sz="1600">
+              <a:rPr lang="en-US" sz="1600" dirty="0" smtClean="0">
                 <a:solidFill>
                   <a:srgbClr val="FFFFFF"/>
                 </a:solidFill>
                 <a:latin typeface="'times new roman'" pitchFamily="34"/>
               </a:rPr>
-              <a:t>Motivation is that it's faster, less tiring, you learn more.</a:t>
+              <a:t>Result</a:t>
+            </a:r>
+            <a:r>
+              <a:rPr lang="en-US" sz="1600" baseline="0" dirty="0" smtClean="0">
+                <a:solidFill>
+                  <a:srgbClr val="FFFFFF"/>
+                </a:solidFill>
+                <a:latin typeface="'times new roman'" pitchFamily="34"/>
+              </a:rPr>
+              <a:t> is more efficiently producing stronger code.</a:t>
+            </a:r>
+            <a:endParaRPr lang="en-US" sz="1600" dirty="0" smtClean="0">
+              <a:solidFill>
+                <a:srgbClr val="FFFFFF"/>
+              </a:solidFill>
+              <a:latin typeface="'times new roman'" pitchFamily="34"/>
+            </a:endParaRPr>
+          </a:p>
+        </p:txBody>
+      </p:sp>
+    </p:spTree>
+  </p:cSld>
+  <p:clrMapOvr>
+    <a:masterClrMapping/>
+  </p:clrMapOvr>
+</p:notes>
+</file>
+
+<file path=ppt/notesSlides/notesSlide10.xml><?xml version="1.0" encoding="utf-8"?>
+<p:notes xmlns:a="http://schemas.openxmlformats.org/drawingml/2006/main" xmlns:r="http://schemas.openxmlformats.org/officeDocument/2006/relationships" xmlns:p="http://schemas.openxmlformats.org/presentationml/2006/main">
+  <p:cSld>
+    <p:spTree>
+      <p:nvGrpSpPr>
+        <p:cNvPr id="1" name=""/>
+        <p:cNvGrpSpPr/>
+        <p:nvPr/>
+      </p:nvGrpSpPr>
+      <p:grpSpPr>
+        <a:xfrm>
+          <a:off x="0" y="0"/>
+          <a:ext cx="0" cy="0"/>
+          <a:chOff x="0" y="0"/>
+          <a:chExt cx="0" cy="0"/>
+        </a:xfrm>
+      </p:grpSpPr>
+      <p:sp>
+        <p:nvSpPr>
+          <p:cNvPr id="2" name="Slide Image Placeholder 1"/>
+          <p:cNvSpPr>
+            <a:spLocks noGrp="1" noRot="1" noChangeAspect="1"/>
+          </p:cNvSpPr>
+          <p:nvPr>
+            <p:ph type="sldImg"/>
+          </p:nvPr>
+        </p:nvSpPr>
+        <p:spPr/>
+      </p:sp>
+      <p:sp>
+        <p:nvSpPr>
+          <p:cNvPr id="3" name="Notes Placeholder 2"/>
+          <p:cNvSpPr>
+            <a:spLocks noGrp="1"/>
+          </p:cNvSpPr>
+          <p:nvPr>
+            <p:ph type="body" idx="1"/>
+          </p:nvPr>
+        </p:nvSpPr>
+        <p:spPr/>
+        <p:txBody>
+          <a:bodyPr>
+            <a:normAutofit/>
+          </a:bodyPr>
+          <a:lstStyle/>
+          <a:p>
+            <a:pPr marL="228600" indent="-228600">
+              <a:buAutoNum type="arabicParenR"/>
+            </a:pPr>
+            <a:r>
+              <a:rPr lang="en-US" dirty="0" smtClean="0"/>
+              <a:t>The passenger</a:t>
+            </a:r>
+            <a:r>
+              <a:rPr lang="en-US" baseline="0" dirty="0" smtClean="0"/>
+              <a:t> screen: The editor is not enabled – it’s actually blank here because we had just started the session and hadn’t typed anything yet, </a:t>
+            </a:r>
+          </a:p>
+          <a:p>
+            <a:pPr marL="685791" lvl="1" indent="-228600">
+              <a:buAutoNum type="arabicParenR"/>
+            </a:pPr>
+            <a:r>
+              <a:rPr lang="en-US" baseline="0" dirty="0" smtClean="0"/>
+              <a:t>but in essence the passenger cannot interact with the console or the editor, but can view what the driver is doing in both. </a:t>
+            </a:r>
+          </a:p>
+          <a:p>
+            <a:pPr marL="228600" indent="-228600">
+              <a:buAutoNum type="arabicParenR"/>
+            </a:pPr>
+            <a:r>
+              <a:rPr lang="en-US" baseline="0" dirty="0" smtClean="0"/>
+              <a:t>the text chat interface is identical</a:t>
+            </a:r>
+            <a:endParaRPr lang="en-US" dirty="0"/>
+          </a:p>
+        </p:txBody>
+      </p:sp>
+      <p:sp>
+        <p:nvSpPr>
+          <p:cNvPr id="4" name="Slide Number Placeholder 3"/>
+          <p:cNvSpPr>
+            <a:spLocks noGrp="1"/>
+          </p:cNvSpPr>
+          <p:nvPr>
+            <p:ph type="sldNum" sz="quarter" idx="10"/>
+          </p:nvPr>
+        </p:nvSpPr>
+        <p:spPr/>
+        <p:txBody>
+          <a:bodyPr/>
+          <a:lstStyle/>
+          <a:p>
+            <a:fld id="{6E67A383-98D9-4A03-8FE8-5F5491D9EED8}" type="slidenum">
+              <a:rPr lang="en-US" smtClean="0"/>
+              <a:pPr/>
+              <a:t>11</a:t>
+            </a:fld>
+            <a:endParaRPr lang="en-US"/>
+          </a:p>
+        </p:txBody>
+      </p:sp>
+    </p:spTree>
+  </p:cSld>
+  <p:clrMapOvr>
+    <a:masterClrMapping/>
+  </p:clrMapOvr>
+</p:notes>
+</file>
+
+<file path=ppt/notesSlides/notesSlide11.xml><?xml version="1.0" encoding="utf-8"?>
+<p:notes xmlns:a="http://schemas.openxmlformats.org/drawingml/2006/main" xmlns:r="http://schemas.openxmlformats.org/officeDocument/2006/relationships" xmlns:p="http://schemas.openxmlformats.org/presentationml/2006/main">
+  <p:cSld>
+    <p:spTree>
+      <p:nvGrpSpPr>
+        <p:cNvPr id="1" name=""/>
+        <p:cNvGrpSpPr/>
+        <p:nvPr/>
+      </p:nvGrpSpPr>
+      <p:grpSpPr>
+        <a:xfrm>
+          <a:off x="0" y="0"/>
+          <a:ext cx="0" cy="0"/>
+          <a:chOff x="0" y="0"/>
+          <a:chExt cx="0" cy="0"/>
+        </a:xfrm>
+      </p:grpSpPr>
+      <p:sp>
+        <p:nvSpPr>
+          <p:cNvPr id="2" name="Slide Image Placeholder 1"/>
+          <p:cNvSpPr>
+            <a:spLocks noGrp="1" noRot="1" noChangeAspect="1"/>
+          </p:cNvSpPr>
+          <p:nvPr>
+            <p:ph type="sldImg"/>
+          </p:nvPr>
+        </p:nvSpPr>
+        <p:spPr/>
+      </p:sp>
+      <p:sp>
+        <p:nvSpPr>
+          <p:cNvPr id="3" name="Notes Placeholder 2"/>
+          <p:cNvSpPr>
+            <a:spLocks noGrp="1"/>
+          </p:cNvSpPr>
+          <p:nvPr>
+            <p:ph type="body" idx="1"/>
+          </p:nvPr>
+        </p:nvSpPr>
+        <p:spPr/>
+        <p:txBody>
+          <a:bodyPr>
+            <a:normAutofit/>
+          </a:bodyPr>
+          <a:lstStyle/>
+          <a:p>
+            <a:pPr>
+              <a:buFont typeface="Arial" pitchFamily="34" charset="0"/>
+              <a:buChar char="•"/>
+            </a:pPr>
+            <a:r>
+              <a:rPr lang="en-US" baseline="0" dirty="0" smtClean="0"/>
+              <a:t>Documentation – it is invaluable.  Motivation for us to have better documentation</a:t>
+            </a:r>
+          </a:p>
+          <a:p>
+            <a:pPr>
+              <a:buFont typeface="Arial" pitchFamily="34" charset="0"/>
+              <a:buChar char="•"/>
+            </a:pPr>
+            <a:r>
+              <a:rPr lang="en-US" baseline="0" dirty="0" smtClean="0"/>
+              <a:t>Be cautious using new things (</a:t>
+            </a:r>
+            <a:r>
+              <a:rPr lang="en-US" baseline="0" dirty="0" err="1" smtClean="0"/>
+              <a:t>Pyjamas</a:t>
+            </a:r>
+            <a:r>
+              <a:rPr lang="en-US" baseline="0" dirty="0" smtClean="0"/>
+              <a:t>… not well documented, some function say “Don’t use this yet</a:t>
+            </a:r>
+            <a:r>
+              <a:rPr lang="en-US" baseline="0" dirty="0" smtClean="0"/>
+              <a:t>”)</a:t>
+            </a:r>
+          </a:p>
+          <a:p>
+            <a:pPr>
+              <a:buFont typeface="Arial" pitchFamily="34" charset="0"/>
+              <a:buChar char="•"/>
+            </a:pPr>
+            <a:r>
+              <a:rPr lang="en-US" baseline="0" dirty="0" smtClean="0"/>
+              <a:t>Open source is open source for a reason sometimes – especially for smaller projects, the motivation for the original creator to maintain and document the code is usually not high, so you have to be very careful in deciding to take the plunge and commit a lot of time into fixing and adapting possibly irreparable or infeasible code. </a:t>
+            </a:r>
+            <a:endParaRPr lang="en-US" baseline="0" dirty="0" smtClean="0"/>
+          </a:p>
+          <a:p>
+            <a:pPr>
+              <a:buFont typeface="Arial" pitchFamily="34" charset="0"/>
+              <a:buChar char="•"/>
+            </a:pPr>
+            <a:r>
+              <a:rPr lang="en-US" baseline="0" dirty="0" smtClean="0"/>
+              <a:t>Communication – know what everyone in the group is working on at all times; communicate approval (good job, x!) and disapproval (x, we’ve noticed you’ve been working on one thing for a while now, how’s progress?)</a:t>
+            </a:r>
+          </a:p>
+          <a:p>
+            <a:pPr>
+              <a:buFont typeface="Arial" pitchFamily="34" charset="0"/>
+              <a:buChar char="•"/>
+            </a:pPr>
+            <a:r>
+              <a:rPr lang="en-US" baseline="0" dirty="0" smtClean="0"/>
+              <a:t>SVN – have good commit comments</a:t>
+            </a:r>
+          </a:p>
+          <a:p>
+            <a:pPr>
+              <a:buFont typeface="Arial" pitchFamily="34" charset="0"/>
+              <a:buChar char="•"/>
+            </a:pPr>
+            <a:r>
+              <a:rPr lang="en-US" baseline="0" dirty="0" smtClean="0"/>
+              <a:t>Take breaks – you will feel more refreshed and your partners will probably appreciate the grasshoppers too</a:t>
+            </a:r>
+          </a:p>
+          <a:p>
+            <a:pPr>
+              <a:buFont typeface="Arial" pitchFamily="34" charset="0"/>
+              <a:buChar char="•"/>
+            </a:pPr>
+            <a:r>
+              <a:rPr lang="en-US" baseline="0" dirty="0" smtClean="0"/>
+              <a:t>Open source – the best and worst thing that can happen to you (saves you a lot of work, but has a lot of bugs/quirks/often not well documented at all)</a:t>
+            </a:r>
+          </a:p>
+          <a:p>
+            <a:pPr lvl="1">
+              <a:buFont typeface="Arial" pitchFamily="34" charset="0"/>
+              <a:buChar char="•"/>
+            </a:pPr>
+            <a:r>
+              <a:rPr lang="en-US" baseline="0" dirty="0" smtClean="0"/>
+              <a:t>Don’t be afraid of the French – the text editor we ended up switching to kind of late in the game was French so we didn’t find it in our first 5 in-depth searches online</a:t>
+            </a:r>
+          </a:p>
+          <a:p>
+            <a:pPr>
+              <a:buFont typeface="Arial" pitchFamily="34" charset="0"/>
+              <a:buChar char="•"/>
+            </a:pPr>
+            <a:endParaRPr lang="en-US" dirty="0"/>
+          </a:p>
+        </p:txBody>
+      </p:sp>
+      <p:sp>
+        <p:nvSpPr>
+          <p:cNvPr id="4" name="Slide Number Placeholder 3"/>
+          <p:cNvSpPr>
+            <a:spLocks noGrp="1"/>
+          </p:cNvSpPr>
+          <p:nvPr>
+            <p:ph type="sldNum" sz="quarter" idx="10"/>
+          </p:nvPr>
+        </p:nvSpPr>
+        <p:spPr/>
+        <p:txBody>
+          <a:bodyPr/>
+          <a:lstStyle/>
+          <a:p>
+            <a:fld id="{6E67A383-98D9-4A03-8FE8-5F5491D9EED8}" type="slidenum">
+              <a:rPr lang="en-US" smtClean="0"/>
+              <a:pPr/>
+              <a:t>13</a:t>
+            </a:fld>
+            <a:endParaRPr lang="en-US"/>
+          </a:p>
+        </p:txBody>
+      </p:sp>
+    </p:spTree>
+  </p:cSld>
+  <p:clrMapOvr>
+    <a:masterClrMapping/>
+  </p:clrMapOvr>
+</p:notes>
+</file>
+
+<file path=ppt/notesSlides/notesSlide12.xml><?xml version="1.0" encoding="utf-8"?>
+<p:notes xmlns:a="http://schemas.openxmlformats.org/drawingml/2006/main" xmlns:r="http://schemas.openxmlformats.org/officeDocument/2006/relationships" xmlns:p="http://schemas.openxmlformats.org/presentationml/2006/main">
+  <p:cSld>
+    <p:spTree>
+      <p:nvGrpSpPr>
+        <p:cNvPr id="1" name=""/>
+        <p:cNvGrpSpPr/>
+        <p:nvPr/>
+      </p:nvGrpSpPr>
+      <p:grpSpPr>
+        <a:xfrm>
+          <a:off x="0" y="0"/>
+          <a:ext cx="0" cy="0"/>
+          <a:chOff x="0" y="0"/>
+          <a:chExt cx="0" cy="0"/>
+        </a:xfrm>
+      </p:grpSpPr>
+      <p:sp>
+        <p:nvSpPr>
+          <p:cNvPr id="7" name="Rectangle 7"/>
+          <p:cNvSpPr>
+            <a:spLocks noGrp="1" noChangeArrowheads="1"/>
+          </p:cNvSpPr>
+          <p:nvPr>
+            <p:ph type="sldNum" sz="quarter" idx="5"/>
+          </p:nvPr>
+        </p:nvSpPr>
+        <p:spPr>
+          <a:ln/>
+        </p:spPr>
+        <p:txBody>
+          <a:bodyPr/>
+          <a:lstStyle/>
+          <a:p>
+            <a:fld id="{5A7F9019-2E9C-4041-8590-4C17D18CBCC7}" type="slidenum">
+              <a:rPr lang="en-US"/>
+              <a:pPr/>
+              <a:t>15</a:t>
+            </a:fld>
+            <a:endParaRPr lang="en-US"/>
+          </a:p>
+        </p:txBody>
+      </p:sp>
+      <p:sp>
+        <p:nvSpPr>
+          <p:cNvPr id="17409" name="Rectangle 1"/>
+          <p:cNvSpPr>
+            <a:spLocks noGrp="1" noRot="1" noChangeAspect="1" noChangeArrowheads="1"/>
+          </p:cNvSpPr>
+          <p:nvPr>
+            <p:ph type="sldImg"/>
+          </p:nvPr>
+        </p:nvSpPr>
+        <p:spPr>
+          <a:ln/>
+        </p:spPr>
+      </p:sp>
+      <p:sp>
+        <p:nvSpPr>
+          <p:cNvPr id="17410" name="Rectangle 2"/>
+          <p:cNvSpPr>
+            <a:spLocks noGrp="1" noChangeArrowheads="1"/>
+          </p:cNvSpPr>
+          <p:nvPr>
+            <p:ph type="body" idx="1"/>
+          </p:nvPr>
+        </p:nvSpPr>
+        <p:spPr/>
+        <p:txBody>
+          <a:bodyPr lIns="0" tIns="0" rIns="0" bIns="0"/>
+          <a:lstStyle/>
+          <a:p>
+            <a:pPr lvl="1" indent="-342900">
+              <a:lnSpc>
+                <a:spcPct val="95000"/>
+              </a:lnSpc>
+              <a:spcBef>
+                <a:spcPct val="0"/>
+              </a:spcBef>
+              <a:buClr>
+                <a:srgbClr val="000000"/>
+              </a:buClr>
+              <a:buFontTx/>
+              <a:buChar char="•"/>
+            </a:pPr>
+            <a:r>
+              <a:rPr lang="en-US" sz="1900">
+                <a:solidFill>
+                  <a:srgbClr val="000000"/>
+                </a:solidFill>
+                <a:latin typeface="Arial" pitchFamily="34" charset="0"/>
+              </a:rPr>
+              <a:t>Prof. Kernighan, opportunity to pursue something really cool for class credit</a:t>
+            </a:r>
+            <a:endParaRPr lang="en-US"/>
+          </a:p>
+          <a:p>
+            <a:pPr lvl="1" indent="-342900">
+              <a:lnSpc>
+                <a:spcPct val="95000"/>
+              </a:lnSpc>
+              <a:spcBef>
+                <a:spcPct val="0"/>
+              </a:spcBef>
+              <a:buClr>
+                <a:srgbClr val="000000"/>
+              </a:buClr>
+              <a:buFontTx/>
+              <a:buChar char="•"/>
+            </a:pPr>
+            <a:r>
+              <a:rPr lang="en-US" sz="1900">
+                <a:solidFill>
+                  <a:srgbClr val="000000"/>
+                </a:solidFill>
+                <a:latin typeface="Arial" pitchFamily="34" charset="0"/>
+              </a:rPr>
+              <a:t>Peng Jiang, high expectations every week</a:t>
+            </a:r>
+            <a:endParaRPr lang="en-US"/>
+          </a:p>
+          <a:p>
+            <a:pPr lvl="1" indent="-342900">
+              <a:lnSpc>
+                <a:spcPct val="95000"/>
+              </a:lnSpc>
+              <a:spcBef>
+                <a:spcPct val="0"/>
+              </a:spcBef>
+              <a:buClr>
+                <a:srgbClr val="000000"/>
+              </a:buClr>
+              <a:buFontTx/>
+              <a:buChar char="•"/>
+            </a:pPr>
+            <a:r>
+              <a:rPr lang="en-US" sz="1900">
+                <a:solidFill>
+                  <a:srgbClr val="000000"/>
+                </a:solidFill>
+                <a:latin typeface="Arial" pitchFamily="34" charset="0"/>
+              </a:rPr>
+              <a:t>Heineken, mini-kegs</a:t>
+            </a:r>
+            <a:endParaRPr lang="en-US"/>
+          </a:p>
+          <a:p>
+            <a:pPr lvl="1" indent="-342900">
+              <a:lnSpc>
+                <a:spcPct val="95000"/>
+              </a:lnSpc>
+              <a:spcBef>
+                <a:spcPct val="0"/>
+              </a:spcBef>
+              <a:buClr>
+                <a:srgbClr val="000000"/>
+              </a:buClr>
+              <a:buFontTx/>
+              <a:buChar char="•"/>
+            </a:pPr>
+            <a:r>
+              <a:rPr lang="en-US" sz="1900">
+                <a:solidFill>
+                  <a:srgbClr val="000000"/>
+                </a:solidFill>
+                <a:latin typeface="Arial" pitchFamily="34" charset="0"/>
+              </a:rPr>
+              <a:t>Gyeong-Sik Choi, initial idea consultant / kick in the butt encourager</a:t>
+            </a:r>
+            <a:endParaRPr lang="en-US"/>
+          </a:p>
+          <a:p>
+            <a:pPr lvl="1" indent="-342900">
+              <a:lnSpc>
+                <a:spcPct val="95000"/>
+              </a:lnSpc>
+              <a:spcBef>
+                <a:spcPct val="0"/>
+              </a:spcBef>
+              <a:buClr>
+                <a:srgbClr val="000000"/>
+              </a:buClr>
+              <a:buFontTx/>
+              <a:buChar char="•"/>
+            </a:pPr>
+            <a:r>
+              <a:rPr lang="en-US" sz="1900">
+                <a:solidFill>
+                  <a:srgbClr val="000000"/>
+                </a:solidFill>
+                <a:latin typeface="Arial" pitchFamily="34" charset="0"/>
+              </a:rPr>
+              <a:t>You, for coming and supporting us and not asking any tough questions---</a:t>
             </a:r>
           </a:p>
         </p:txBody>
@@ -916,59 +1425,20 @@
               </a:spcBef>
             </a:pPr>
             <a:r>
-              <a:rPr lang="en-US" sz="1600">
-                <a:solidFill>
-                  <a:srgbClr val="000000"/>
-                </a:solidFill>
-                <a:latin typeface="&quot;times new roman&quot;" pitchFamily="34"/>
-              </a:rPr>
-              <a:t>One partner is driving (designing and typing the code) while the other is navigating (reviewing the work, identifying bugs, and asking questions). The two partners switch roles every 30-40 minutes, and on demand, brainstorm.</a:t>
-            </a:r>
-            <a:r>
-              <a:rPr lang="en-US" sz="1600">
+              <a:rPr lang="en-US" sz="1600" dirty="0" smtClean="0">
                 <a:solidFill>
                   <a:srgbClr val="FFFFFF"/>
                 </a:solidFill>
-                <a:latin typeface="Calibri" pitchFamily="34" charset="0"/>
-              </a:rPr>
-              <a:t> </a:t>
-            </a:r>
-            <a:endParaRPr lang="en-US"/>
-          </a:p>
-          <a:p>
-            <a:pPr>
-              <a:lnSpc>
-                <a:spcPct val="95000"/>
-              </a:lnSpc>
-              <a:spcBef>
-                <a:spcPct val="0"/>
-              </a:spcBef>
-            </a:pPr>
-            <a:endParaRPr lang="en-US" sz="1600">
+                <a:latin typeface="'times new roman'" pitchFamily="34"/>
+              </a:rPr>
+              <a:t>click</a:t>
+            </a:r>
+            <a:endParaRPr lang="en-US" sz="1600" dirty="0">
               <a:solidFill>
                 <a:srgbClr val="FFFFFF"/>
               </a:solidFill>
               <a:latin typeface="'times new roman'" pitchFamily="34"/>
             </a:endParaRPr>
-          </a:p>
-          <a:p>
-            <a:pPr>
-              <a:lnSpc>
-                <a:spcPct val="95000"/>
-              </a:lnSpc>
-              <a:spcBef>
-                <a:spcPct val="0"/>
-              </a:spcBef>
-            </a:pPr>
-            <a:r>
-              <a:rPr lang="en-US" sz="1600">
-                <a:solidFill>
-                  <a:srgbClr val="FFFFFF"/>
-                </a:solidFill>
-                <a:latin typeface="'times new roman'" pitchFamily="34"/>
-              </a:rPr>
-              <a:t>Motivation is that it's faster, less tiring, you learn more.</a:t>
-            </a:r>
           </a:p>
         </p:txBody>
       </p:sp>
@@ -1061,230 +1531,29 @@
               </a:spcBef>
             </a:pPr>
             <a:r>
-              <a:rPr lang="en-US" sz="1600">
+              <a:rPr lang="en-US" sz="1600" dirty="0" smtClean="0">
                 <a:solidFill>
                   <a:srgbClr val="FFFFFF"/>
                 </a:solidFill>
                 <a:latin typeface="Arial" pitchFamily="34" charset="0"/>
               </a:rPr>
-              <a:t>* Flexibility -- you don't have to be in the same place, but you can be</a:t>
-            </a:r>
-            <a:endParaRPr lang="en-US"/>
-          </a:p>
-          <a:p>
-            <a:pPr>
-              <a:lnSpc>
-                <a:spcPct val="95000"/>
-              </a:lnSpc>
-              <a:spcBef>
-                <a:spcPct val="0"/>
-              </a:spcBef>
-            </a:pPr>
-            <a:endParaRPr lang="en-US" sz="1600">
+              <a:t>one coherent interface for these</a:t>
+            </a:r>
+            <a:r>
+              <a:rPr lang="en-US" sz="1600" baseline="0" dirty="0" smtClean="0">
+                <a:solidFill>
+                  <a:srgbClr val="FFFFFF"/>
+                </a:solidFill>
+                <a:latin typeface="Arial" pitchFamily="34" charset="0"/>
+              </a:rPr>
+              <a:t> 4 main elements</a:t>
+            </a:r>
+            <a:endParaRPr lang="en-US" sz="1600" dirty="0">
               <a:solidFill>
                 <a:srgbClr val="FFFFFF"/>
               </a:solidFill>
               <a:latin typeface="Arial" pitchFamily="34" charset="0"/>
             </a:endParaRPr>
-          </a:p>
-          <a:p>
-            <a:pPr>
-              <a:lnSpc>
-                <a:spcPct val="95000"/>
-              </a:lnSpc>
-              <a:spcBef>
-                <a:spcPct val="0"/>
-              </a:spcBef>
-            </a:pPr>
-            <a:r>
-              <a:rPr lang="en-US" sz="1600">
-                <a:solidFill>
-                  <a:srgbClr val="FFFFFF"/>
-                </a:solidFill>
-                <a:latin typeface="Arial" pitchFamily="34" charset="0"/>
-              </a:rPr>
-              <a:t>* Save time -- you can work with a partner during vacations, and work from friend/forbes without hunting for a free frist classroom or walking out to friend basement</a:t>
-            </a:r>
-            <a:endParaRPr lang="en-US"/>
-          </a:p>
-          <a:p>
-            <a:pPr>
-              <a:lnSpc>
-                <a:spcPct val="95000"/>
-              </a:lnSpc>
-              <a:spcBef>
-                <a:spcPct val="0"/>
-              </a:spcBef>
-            </a:pPr>
-            <a:endParaRPr lang="en-US" sz="1600">
-              <a:solidFill>
-                <a:srgbClr val="FFFFFF"/>
-              </a:solidFill>
-              <a:latin typeface="Arial" pitchFamily="34" charset="0"/>
-            </a:endParaRPr>
-          </a:p>
-          <a:p>
-            <a:pPr>
-              <a:lnSpc>
-                <a:spcPct val="95000"/>
-              </a:lnSpc>
-              <a:spcBef>
-                <a:spcPct val="0"/>
-              </a:spcBef>
-            </a:pPr>
-            <a:r>
-              <a:rPr lang="en-US" sz="1600">
-                <a:solidFill>
-                  <a:srgbClr val="FFFFFF"/>
-                </a:solidFill>
-                <a:latin typeface="Arial" pitchFamily="34" charset="0"/>
-              </a:rPr>
-              <a:t>* SVN control, and backups in multiple physical locations</a:t>
-            </a:r>
-            <a:endParaRPr lang="en-US"/>
-          </a:p>
-          <a:p>
-            <a:pPr>
-              <a:lnSpc>
-                <a:spcPct val="95000"/>
-              </a:lnSpc>
-              <a:spcBef>
-                <a:spcPct val="0"/>
-              </a:spcBef>
-            </a:pPr>
-            <a:endParaRPr lang="en-US" sz="1600">
-              <a:solidFill>
-                <a:srgbClr val="FFFFFF"/>
-              </a:solidFill>
-              <a:latin typeface="Arial" pitchFamily="34" charset="0"/>
-            </a:endParaRPr>
-          </a:p>
-          <a:p>
-            <a:pPr>
-              <a:lnSpc>
-                <a:spcPct val="95000"/>
-              </a:lnSpc>
-              <a:spcBef>
-                <a:spcPct val="0"/>
-              </a:spcBef>
-            </a:pPr>
-            <a:r>
-              <a:rPr lang="en-US" sz="1600">
-                <a:solidFill>
-                  <a:srgbClr val="FFFFFF"/>
-                </a:solidFill>
-                <a:latin typeface="Arial" pitchFamily="34" charset="0"/>
-              </a:rPr>
-              <a:t>* Multiplatform -- any computer with Firefox can run our app, without any special installations  (like putty, dr java, etc.)</a:t>
-            </a:r>
-            <a:endParaRPr lang="en-US"/>
-          </a:p>
-          <a:p>
-            <a:pPr>
-              <a:lnSpc>
-                <a:spcPct val="95000"/>
-              </a:lnSpc>
-              <a:spcBef>
-                <a:spcPct val="0"/>
-              </a:spcBef>
-            </a:pPr>
-            <a:endParaRPr lang="en-US" sz="1600">
-              <a:solidFill>
-                <a:srgbClr val="FFFFFF"/>
-              </a:solidFill>
-              <a:latin typeface="Arial" pitchFamily="34" charset="0"/>
-            </a:endParaRPr>
-          </a:p>
-          <a:p>
-            <a:pPr>
-              <a:lnSpc>
-                <a:spcPct val="95000"/>
-              </a:lnSpc>
-              <a:spcBef>
-                <a:spcPct val="0"/>
-              </a:spcBef>
-            </a:pPr>
-            <a:r>
-              <a:rPr lang="en-US" sz="1600">
-                <a:solidFill>
-                  <a:srgbClr val="FFFFFF"/>
-                </a:solidFill>
-                <a:latin typeface="Arial" pitchFamily="34" charset="0"/>
-              </a:rPr>
-              <a:t>* if you don't like emacs, use our syntax highlighted GUI text editor; if you do like emacs, we'll give you emacs</a:t>
-            </a:r>
-            <a:endParaRPr lang="en-US"/>
-          </a:p>
-          <a:p>
-            <a:pPr>
-              <a:lnSpc>
-                <a:spcPct val="95000"/>
-              </a:lnSpc>
-              <a:spcBef>
-                <a:spcPct val="0"/>
-              </a:spcBef>
-            </a:pPr>
-            <a:endParaRPr lang="en-US" sz="1600">
-              <a:solidFill>
-                <a:srgbClr val="FFFFFF"/>
-              </a:solidFill>
-              <a:latin typeface="Arial" pitchFamily="34" charset="0"/>
-            </a:endParaRPr>
-          </a:p>
-          <a:p>
-            <a:pPr>
-              <a:lnSpc>
-                <a:spcPct val="95000"/>
-              </a:lnSpc>
-              <a:spcBef>
-                <a:spcPct val="0"/>
-              </a:spcBef>
-            </a:pPr>
-            <a:r>
-              <a:rPr lang="en-US" sz="1600">
-                <a:solidFill>
-                  <a:srgbClr val="FFFFFF"/>
-                </a:solidFill>
-                <a:latin typeface="Arial" pitchFamily="34" charset="0"/>
-              </a:rPr>
-              <a:t>* Security -- we don't have your plaintext password, and if you want us out of your hats, you can delete one file</a:t>
-            </a:r>
-            <a:endParaRPr lang="en-US"/>
-          </a:p>
-          <a:p>
-            <a:pPr>
-              <a:lnSpc>
-                <a:spcPct val="95000"/>
-              </a:lnSpc>
-              <a:spcBef>
-                <a:spcPct val="0"/>
-              </a:spcBef>
-            </a:pPr>
-            <a:endParaRPr lang="en-US" sz="1600">
-              <a:solidFill>
-                <a:srgbClr val="FFFFFF"/>
-              </a:solidFill>
-              <a:latin typeface="Arial" pitchFamily="34" charset="0"/>
-            </a:endParaRPr>
-          </a:p>
-          <a:p>
-            <a:pPr>
-              <a:lnSpc>
-                <a:spcPct val="95000"/>
-              </a:lnSpc>
-              <a:spcBef>
-                <a:spcPct val="0"/>
-              </a:spcBef>
-            </a:pPr>
-            <a:r>
-              <a:rPr lang="en-US" sz="1600">
-                <a:solidFill>
-                  <a:srgbClr val="FFFFFF"/>
-                </a:solidFill>
-                <a:latin typeface="Arial" pitchFamily="34" charset="0"/>
-              </a:rPr>
-              <a:t>* Centralized -- no more window juggling, or resizing to make everything fit on one screen</a:t>
-            </a:r>
           </a:p>
         </p:txBody>
       </p:sp>
@@ -1315,58 +1584,477 @@
       </p:grpSpPr>
       <p:sp>
         <p:nvSpPr>
-          <p:cNvPr id="2" name="Slide Image Placeholder 1"/>
-          <p:cNvSpPr>
-            <a:spLocks noGrp="1" noRot="1" noChangeAspect="1"/>
-          </p:cNvSpPr>
-          <p:nvPr>
-            <p:ph type="sldImg"/>
-          </p:nvPr>
-        </p:nvSpPr>
-        <p:spPr/>
-      </p:sp>
-      <p:sp>
-        <p:nvSpPr>
-          <p:cNvPr id="3" name="Notes Placeholder 2"/>
-          <p:cNvSpPr>
-            <a:spLocks noGrp="1"/>
-          </p:cNvSpPr>
-          <p:nvPr>
-            <p:ph type="body" idx="1"/>
-          </p:nvPr>
-        </p:nvSpPr>
-        <p:spPr/>
-        <p:txBody>
-          <a:bodyPr>
-            <a:normAutofit/>
-          </a:bodyPr>
-          <a:lstStyle/>
-          <a:p>
-            <a:endParaRPr lang="en-US"/>
-          </a:p>
-        </p:txBody>
-      </p:sp>
-      <p:sp>
-        <p:nvSpPr>
-          <p:cNvPr id="4" name="Slide Number Placeholder 3"/>
-          <p:cNvSpPr>
-            <a:spLocks noGrp="1"/>
-          </p:cNvSpPr>
-          <p:nvPr>
-            <p:ph type="sldNum" sz="quarter" idx="10"/>
-          </p:nvPr>
-        </p:nvSpPr>
-        <p:spPr/>
+          <p:cNvPr id="7" name="Rectangle 7"/>
+          <p:cNvSpPr>
+            <a:spLocks noGrp="1" noChangeArrowheads="1"/>
+          </p:cNvSpPr>
+          <p:nvPr>
+            <p:ph type="sldNum" sz="quarter" idx="5"/>
+          </p:nvPr>
+        </p:nvSpPr>
+        <p:spPr>
+          <a:ln/>
+        </p:spPr>
         <p:txBody>
           <a:bodyPr/>
           <a:lstStyle/>
           <a:p>
-            <a:fld id="{6E67A383-98D9-4A03-8FE8-5F5491D9EED8}" type="slidenum">
-              <a:rPr lang="en-US" smtClean="0"/>
+            <a:fld id="{B48A0C1E-5700-4BB9-926F-6F5E42410365}" type="slidenum">
+              <a:rPr lang="en-US"/>
               <a:pPr/>
-              <a:t>6</a:t>
+              <a:t>5</a:t>
             </a:fld>
             <a:endParaRPr lang="en-US"/>
+          </a:p>
+        </p:txBody>
+      </p:sp>
+      <p:sp>
+        <p:nvSpPr>
+          <p:cNvPr id="8193" name="Rectangle 1"/>
+          <p:cNvSpPr>
+            <a:spLocks noGrp="1" noRot="1" noChangeAspect="1" noChangeArrowheads="1"/>
+          </p:cNvSpPr>
+          <p:nvPr>
+            <p:ph type="sldImg"/>
+          </p:nvPr>
+        </p:nvSpPr>
+        <p:spPr>
+          <a:ln/>
+        </p:spPr>
+      </p:sp>
+      <p:sp>
+        <p:nvSpPr>
+          <p:cNvPr id="8194" name="Rectangle 2"/>
+          <p:cNvSpPr>
+            <a:spLocks noGrp="1" noChangeArrowheads="1"/>
+          </p:cNvSpPr>
+          <p:nvPr>
+            <p:ph type="body" idx="1"/>
+          </p:nvPr>
+        </p:nvSpPr>
+        <p:spPr/>
+        <p:txBody>
+          <a:bodyPr lIns="0" tIns="0" rIns="0" bIns="0"/>
+          <a:lstStyle/>
+          <a:p>
+            <a:pPr>
+              <a:lnSpc>
+                <a:spcPct val="95000"/>
+              </a:lnSpc>
+              <a:spcBef>
+                <a:spcPct val="0"/>
+              </a:spcBef>
+            </a:pPr>
+            <a:r>
+              <a:rPr lang="en-US" sz="1600" dirty="0" smtClean="0">
+                <a:solidFill>
+                  <a:srgbClr val="FFFFFF"/>
+                </a:solidFill>
+                <a:latin typeface="Arial" pitchFamily="34" charset="0"/>
+              </a:rPr>
+              <a:t>First</a:t>
+            </a:r>
+            <a:r>
+              <a:rPr lang="en-US" sz="1600" smtClean="0">
+                <a:solidFill>
+                  <a:srgbClr val="FFFFFF"/>
+                </a:solidFill>
+                <a:latin typeface="Arial" pitchFamily="34" charset="0"/>
+              </a:rPr>
+              <a:t>,</a:t>
+            </a:r>
+            <a:r>
+              <a:rPr lang="en-US" sz="1600" baseline="0" smtClean="0">
+                <a:solidFill>
+                  <a:srgbClr val="FFFFFF"/>
+                </a:solidFill>
+                <a:latin typeface="Arial" pitchFamily="34" charset="0"/>
+              </a:rPr>
+              <a:t> basically </a:t>
+            </a:r>
+            <a:r>
+              <a:rPr lang="en-US" sz="1600" b="1" baseline="0" dirty="0" smtClean="0">
+                <a:solidFill>
+                  <a:srgbClr val="FFFFFF"/>
+                </a:solidFill>
+                <a:latin typeface="Arial" pitchFamily="34" charset="0"/>
+              </a:rPr>
+              <a:t>everybody </a:t>
+            </a:r>
+            <a:r>
+              <a:rPr lang="en-US" sz="1600" b="1" baseline="0" smtClean="0">
+                <a:solidFill>
+                  <a:srgbClr val="FFFFFF"/>
+                </a:solidFill>
+                <a:latin typeface="Arial" pitchFamily="34" charset="0"/>
+              </a:rPr>
+              <a:t>programs collaboratively</a:t>
+            </a:r>
+            <a:endParaRPr lang="en-US" sz="1600" smtClean="0">
+              <a:solidFill>
+                <a:srgbClr val="FFFFFF"/>
+              </a:solidFill>
+              <a:latin typeface="Arial" pitchFamily="34" charset="0"/>
+            </a:endParaRPr>
+          </a:p>
+          <a:p>
+            <a:pPr>
+              <a:lnSpc>
+                <a:spcPct val="95000"/>
+              </a:lnSpc>
+              <a:spcBef>
+                <a:spcPct val="0"/>
+              </a:spcBef>
+            </a:pPr>
+            <a:endParaRPr lang="en-US" sz="1600" dirty="0" smtClean="0">
+              <a:solidFill>
+                <a:srgbClr val="FFFFFF"/>
+              </a:solidFill>
+              <a:latin typeface="Arial" pitchFamily="34" charset="0"/>
+            </a:endParaRPr>
+          </a:p>
+          <a:p>
+            <a:pPr>
+              <a:lnSpc>
+                <a:spcPct val="95000"/>
+              </a:lnSpc>
+              <a:spcBef>
+                <a:spcPct val="0"/>
+              </a:spcBef>
+            </a:pPr>
+            <a:r>
+              <a:rPr lang="en-US" sz="1600" dirty="0" smtClean="0">
+                <a:solidFill>
+                  <a:srgbClr val="FFFFFF"/>
+                </a:solidFill>
+                <a:latin typeface="Arial" pitchFamily="34" charset="0"/>
+              </a:rPr>
+              <a:t>* </a:t>
+            </a:r>
+            <a:r>
+              <a:rPr lang="en-US" sz="1600" dirty="0">
+                <a:solidFill>
+                  <a:srgbClr val="FFFFFF"/>
+                </a:solidFill>
+                <a:latin typeface="Arial" pitchFamily="34" charset="0"/>
+              </a:rPr>
+              <a:t>Flexibility -- you don't have to be in the same place, but you can be</a:t>
+            </a:r>
+            <a:endParaRPr lang="en-US" dirty="0"/>
+          </a:p>
+          <a:p>
+            <a:pPr>
+              <a:lnSpc>
+                <a:spcPct val="95000"/>
+              </a:lnSpc>
+              <a:spcBef>
+                <a:spcPct val="0"/>
+              </a:spcBef>
+            </a:pPr>
+            <a:endParaRPr lang="en-US" sz="1600" dirty="0">
+              <a:solidFill>
+                <a:srgbClr val="FFFFFF"/>
+              </a:solidFill>
+              <a:latin typeface="Arial" pitchFamily="34" charset="0"/>
+            </a:endParaRPr>
+          </a:p>
+          <a:p>
+            <a:pPr>
+              <a:lnSpc>
+                <a:spcPct val="95000"/>
+              </a:lnSpc>
+              <a:spcBef>
+                <a:spcPct val="0"/>
+              </a:spcBef>
+            </a:pPr>
+            <a:r>
+              <a:rPr lang="en-US" sz="1600" dirty="0">
+                <a:solidFill>
+                  <a:srgbClr val="FFFFFF"/>
+                </a:solidFill>
+                <a:latin typeface="Arial" pitchFamily="34" charset="0"/>
+              </a:rPr>
+              <a:t>* Save time -- you can work with a partner during vacations, and work from friend/</a:t>
+            </a:r>
+            <a:r>
+              <a:rPr lang="en-US" sz="1600" dirty="0" err="1">
+                <a:solidFill>
+                  <a:srgbClr val="FFFFFF"/>
+                </a:solidFill>
+                <a:latin typeface="Arial" pitchFamily="34" charset="0"/>
+              </a:rPr>
+              <a:t>forbes</a:t>
+            </a:r>
+            <a:r>
+              <a:rPr lang="en-US" sz="1600" dirty="0">
+                <a:solidFill>
+                  <a:srgbClr val="FFFFFF"/>
+                </a:solidFill>
+                <a:latin typeface="Arial" pitchFamily="34" charset="0"/>
+              </a:rPr>
+              <a:t> without hunting for a free </a:t>
+            </a:r>
+            <a:r>
+              <a:rPr lang="en-US" sz="1600" dirty="0" err="1">
+                <a:solidFill>
+                  <a:srgbClr val="FFFFFF"/>
+                </a:solidFill>
+                <a:latin typeface="Arial" pitchFamily="34" charset="0"/>
+              </a:rPr>
+              <a:t>frist</a:t>
+            </a:r>
+            <a:r>
+              <a:rPr lang="en-US" sz="1600" dirty="0">
+                <a:solidFill>
+                  <a:srgbClr val="FFFFFF"/>
+                </a:solidFill>
+                <a:latin typeface="Arial" pitchFamily="34" charset="0"/>
+              </a:rPr>
+              <a:t> classroom or walking out to friend basement</a:t>
+            </a:r>
+            <a:endParaRPr lang="en-US" dirty="0"/>
+          </a:p>
+          <a:p>
+            <a:pPr>
+              <a:lnSpc>
+                <a:spcPct val="95000"/>
+              </a:lnSpc>
+              <a:spcBef>
+                <a:spcPct val="0"/>
+              </a:spcBef>
+            </a:pPr>
+            <a:endParaRPr lang="en-US" sz="1600" dirty="0">
+              <a:solidFill>
+                <a:srgbClr val="FFFFFF"/>
+              </a:solidFill>
+              <a:latin typeface="Arial" pitchFamily="34" charset="0"/>
+            </a:endParaRPr>
+          </a:p>
+          <a:p>
+            <a:pPr>
+              <a:lnSpc>
+                <a:spcPct val="95000"/>
+              </a:lnSpc>
+              <a:spcBef>
+                <a:spcPct val="0"/>
+              </a:spcBef>
+            </a:pPr>
+            <a:r>
+              <a:rPr lang="en-US" sz="1600" dirty="0">
+                <a:solidFill>
+                  <a:srgbClr val="FFFFFF"/>
+                </a:solidFill>
+                <a:latin typeface="Arial" pitchFamily="34" charset="0"/>
+              </a:rPr>
+              <a:t>* SVN control, and backups in multiple physical locations</a:t>
+            </a:r>
+            <a:endParaRPr lang="en-US" dirty="0"/>
+          </a:p>
+          <a:p>
+            <a:pPr>
+              <a:lnSpc>
+                <a:spcPct val="95000"/>
+              </a:lnSpc>
+              <a:spcBef>
+                <a:spcPct val="0"/>
+              </a:spcBef>
+            </a:pPr>
+            <a:endParaRPr lang="en-US" sz="1600" dirty="0">
+              <a:solidFill>
+                <a:srgbClr val="FFFFFF"/>
+              </a:solidFill>
+              <a:latin typeface="Arial" pitchFamily="34" charset="0"/>
+            </a:endParaRPr>
+          </a:p>
+          <a:p>
+            <a:pPr>
+              <a:lnSpc>
+                <a:spcPct val="95000"/>
+              </a:lnSpc>
+              <a:spcBef>
+                <a:spcPct val="0"/>
+              </a:spcBef>
+            </a:pPr>
+            <a:r>
+              <a:rPr lang="en-US" sz="1600" dirty="0">
+                <a:solidFill>
+                  <a:srgbClr val="FFFFFF"/>
+                </a:solidFill>
+                <a:latin typeface="Arial" pitchFamily="34" charset="0"/>
+              </a:rPr>
+              <a:t>* Multiplatform -- any computer with Firefox can run our app, without any special installations  (like putty, </a:t>
+            </a:r>
+            <a:r>
+              <a:rPr lang="en-US" sz="1600" dirty="0" err="1">
+                <a:solidFill>
+                  <a:srgbClr val="FFFFFF"/>
+                </a:solidFill>
+                <a:latin typeface="Arial" pitchFamily="34" charset="0"/>
+              </a:rPr>
+              <a:t>dr</a:t>
+            </a:r>
+            <a:r>
+              <a:rPr lang="en-US" sz="1600" dirty="0">
+                <a:solidFill>
+                  <a:srgbClr val="FFFFFF"/>
+                </a:solidFill>
+                <a:latin typeface="Arial" pitchFamily="34" charset="0"/>
+              </a:rPr>
+              <a:t> java, etc.)</a:t>
+            </a:r>
+            <a:endParaRPr lang="en-US" dirty="0"/>
+          </a:p>
+          <a:p>
+            <a:pPr>
+              <a:lnSpc>
+                <a:spcPct val="95000"/>
+              </a:lnSpc>
+              <a:spcBef>
+                <a:spcPct val="0"/>
+              </a:spcBef>
+            </a:pPr>
+            <a:endParaRPr lang="en-US" sz="1600" dirty="0">
+              <a:solidFill>
+                <a:srgbClr val="FFFFFF"/>
+              </a:solidFill>
+              <a:latin typeface="Arial" pitchFamily="34" charset="0"/>
+            </a:endParaRPr>
+          </a:p>
+          <a:p>
+            <a:pPr>
+              <a:lnSpc>
+                <a:spcPct val="95000"/>
+              </a:lnSpc>
+              <a:spcBef>
+                <a:spcPct val="0"/>
+              </a:spcBef>
+            </a:pPr>
+            <a:r>
+              <a:rPr lang="en-US" sz="1600" dirty="0">
+                <a:solidFill>
+                  <a:srgbClr val="FFFFFF"/>
+                </a:solidFill>
+                <a:latin typeface="Arial" pitchFamily="34" charset="0"/>
+              </a:rPr>
+              <a:t>* if you don't like </a:t>
+            </a:r>
+            <a:r>
+              <a:rPr lang="en-US" sz="1600" dirty="0" err="1">
+                <a:solidFill>
+                  <a:srgbClr val="FFFFFF"/>
+                </a:solidFill>
+                <a:latin typeface="Arial" pitchFamily="34" charset="0"/>
+              </a:rPr>
+              <a:t>emacs</a:t>
+            </a:r>
+            <a:r>
+              <a:rPr lang="en-US" sz="1600" dirty="0">
+                <a:solidFill>
+                  <a:srgbClr val="FFFFFF"/>
+                </a:solidFill>
+                <a:latin typeface="Arial" pitchFamily="34" charset="0"/>
+              </a:rPr>
+              <a:t>, use our syntax highlighted GUI text editor; if you do like </a:t>
+            </a:r>
+            <a:r>
+              <a:rPr lang="en-US" sz="1600" dirty="0" err="1">
+                <a:solidFill>
+                  <a:srgbClr val="FFFFFF"/>
+                </a:solidFill>
+                <a:latin typeface="Arial" pitchFamily="34" charset="0"/>
+              </a:rPr>
+              <a:t>emacs</a:t>
+            </a:r>
+            <a:r>
+              <a:rPr lang="en-US" sz="1600" dirty="0">
+                <a:solidFill>
+                  <a:srgbClr val="FFFFFF"/>
+                </a:solidFill>
+                <a:latin typeface="Arial" pitchFamily="34" charset="0"/>
+              </a:rPr>
+              <a:t>, we'll give you </a:t>
+            </a:r>
+            <a:r>
+              <a:rPr lang="en-US" sz="1600" dirty="0" err="1">
+                <a:solidFill>
+                  <a:srgbClr val="FFFFFF"/>
+                </a:solidFill>
+                <a:latin typeface="Arial" pitchFamily="34" charset="0"/>
+              </a:rPr>
+              <a:t>emacs</a:t>
+            </a:r>
+            <a:endParaRPr lang="en-US" dirty="0"/>
+          </a:p>
+          <a:p>
+            <a:pPr>
+              <a:lnSpc>
+                <a:spcPct val="95000"/>
+              </a:lnSpc>
+              <a:spcBef>
+                <a:spcPct val="0"/>
+              </a:spcBef>
+            </a:pPr>
+            <a:endParaRPr lang="en-US" sz="1600" dirty="0">
+              <a:solidFill>
+                <a:srgbClr val="FFFFFF"/>
+              </a:solidFill>
+              <a:latin typeface="Arial" pitchFamily="34" charset="0"/>
+            </a:endParaRPr>
+          </a:p>
+          <a:p>
+            <a:pPr>
+              <a:lnSpc>
+                <a:spcPct val="95000"/>
+              </a:lnSpc>
+              <a:spcBef>
+                <a:spcPct val="0"/>
+              </a:spcBef>
+            </a:pPr>
+            <a:r>
+              <a:rPr lang="en-US" sz="1600" dirty="0">
+                <a:solidFill>
+                  <a:srgbClr val="FFFFFF"/>
+                </a:solidFill>
+                <a:latin typeface="Arial" pitchFamily="34" charset="0"/>
+              </a:rPr>
+              <a:t>* Security -- we don't have your plaintext password, and if you want us out of your hats, you can delete one file</a:t>
+            </a:r>
+            <a:endParaRPr lang="en-US" dirty="0"/>
+          </a:p>
+          <a:p>
+            <a:pPr>
+              <a:lnSpc>
+                <a:spcPct val="95000"/>
+              </a:lnSpc>
+              <a:spcBef>
+                <a:spcPct val="0"/>
+              </a:spcBef>
+            </a:pPr>
+            <a:endParaRPr lang="en-US" sz="1600" dirty="0">
+              <a:solidFill>
+                <a:srgbClr val="FFFFFF"/>
+              </a:solidFill>
+              <a:latin typeface="Arial" pitchFamily="34" charset="0"/>
+            </a:endParaRPr>
+          </a:p>
+          <a:p>
+            <a:pPr>
+              <a:lnSpc>
+                <a:spcPct val="95000"/>
+              </a:lnSpc>
+              <a:spcBef>
+                <a:spcPct val="0"/>
+              </a:spcBef>
+            </a:pPr>
+            <a:r>
+              <a:rPr lang="en-US" sz="1600" dirty="0">
+                <a:solidFill>
+                  <a:srgbClr val="FFFFFF"/>
+                </a:solidFill>
+                <a:latin typeface="Arial" pitchFamily="34" charset="0"/>
+              </a:rPr>
+              <a:t>* Centralized -- no more window juggling, or resizing to make everything fit on one screen</a:t>
+            </a:r>
           </a:p>
         </p:txBody>
       </p:sp>
@@ -1424,11 +2112,43 @@
           </a:bodyPr>
           <a:lstStyle/>
           <a:p>
+            <a:pPr marL="228600" indent="-228600">
+              <a:buAutoNum type="arabicParenR"/>
+            </a:pPr>
             <a:r>
               <a:rPr lang="en-US" dirty="0" smtClean="0"/>
-              <a:t>also open source</a:t>
-            </a:r>
-            <a:endParaRPr lang="en-US" dirty="0"/>
+              <a:t>We store all files -&gt; you don’t need to worry about</a:t>
+            </a:r>
+            <a:r>
+              <a:rPr lang="en-US" baseline="0" dirty="0" smtClean="0"/>
+              <a:t> permissions and where to store it, and you don’t have to deal with file transfers between users. </a:t>
+            </a:r>
+          </a:p>
+          <a:p>
+            <a:pPr marL="228600" indent="-228600">
+              <a:buAutoNum type="arabicParenR"/>
+            </a:pPr>
+            <a:r>
+              <a:rPr lang="en-US" baseline="0" dirty="0" smtClean="0"/>
+              <a:t>We handle </a:t>
+            </a:r>
+            <a:r>
+              <a:rPr lang="en-US" baseline="0" dirty="0" err="1" smtClean="0"/>
+              <a:t>ssh</a:t>
+            </a:r>
+            <a:r>
+              <a:rPr lang="en-US" baseline="0" dirty="0" smtClean="0"/>
+              <a:t> connections to your development server on your behalf, so you don’t have to worry about Putty/etc.</a:t>
+            </a:r>
+          </a:p>
+          <a:p>
+            <a:pPr marL="228600" indent="-228600">
+              <a:buAutoNum type="arabicParenR"/>
+            </a:pPr>
+            <a:r>
+              <a:rPr lang="en-US" baseline="0" dirty="0" smtClean="0"/>
+              <a:t>As you can see on the data-flow diagram, the driver has control over data flow in both directions -&gt; to edit files and interact with the development server, whereas the passenger cannot actively make changes to the source code or interact with the development server in accordance with the paired-programming model.</a:t>
+            </a:r>
           </a:p>
         </p:txBody>
       </p:sp>
@@ -1450,7 +2170,7 @@
             <a:fld id="{6E67A383-98D9-4A03-8FE8-5F5491D9EED8}" type="slidenum">
               <a:rPr lang="en-US" smtClean="0"/>
               <a:pPr/>
-              <a:t>8</a:t>
+              <a:t>6</a:t>
             </a:fld>
             <a:endParaRPr lang="en-US"/>
           </a:p>
@@ -1512,15 +2232,7 @@
           <a:p>
             <a:r>
               <a:rPr lang="en-US" dirty="0" smtClean="0"/>
-              <a:t>open source web toolkit in</a:t>
-            </a:r>
-            <a:r>
-              <a:rPr lang="en-US" baseline="0" dirty="0" smtClean="0"/>
-              <a:t> Python, compiles to GWT to </a:t>
-            </a:r>
-            <a:r>
-              <a:rPr lang="en-US" baseline="0" dirty="0" err="1" smtClean="0"/>
-              <a:t>Javascript</a:t>
+              <a:t>also open source</a:t>
             </a:r>
             <a:endParaRPr lang="en-US" dirty="0"/>
           </a:p>
@@ -1544,7 +2256,7 @@
             <a:fld id="{6E67A383-98D9-4A03-8FE8-5F5491D9EED8}" type="slidenum">
               <a:rPr lang="en-US" smtClean="0"/>
               <a:pPr/>
-              <a:t>11</a:t>
+              <a:t>7</a:t>
             </a:fld>
             <a:endParaRPr lang="en-US"/>
           </a:p>
@@ -1604,88 +2316,10 @@
           </a:bodyPr>
           <a:lstStyle/>
           <a:p>
-            <a:pPr>
-              <a:buFont typeface="Arial" pitchFamily="34" charset="0"/>
-              <a:buChar char="•"/>
-            </a:pPr>
-            <a:r>
-              <a:rPr lang="en-US" baseline="0" dirty="0" smtClean="0"/>
-              <a:t>Documentation – it is invaluable.  Motivation for us to have better documentation</a:t>
-            </a:r>
-          </a:p>
-          <a:p>
-            <a:pPr>
-              <a:buFont typeface="Arial" pitchFamily="34" charset="0"/>
-              <a:buChar char="•"/>
-            </a:pPr>
-            <a:r>
-              <a:rPr lang="en-US" baseline="0" dirty="0" smtClean="0"/>
-              <a:t>Be cautious using new things (</a:t>
-            </a:r>
-            <a:r>
-              <a:rPr lang="en-US" baseline="0" dirty="0" err="1" smtClean="0"/>
-              <a:t>Pyjamas</a:t>
-            </a:r>
-            <a:r>
-              <a:rPr lang="en-US" baseline="0" dirty="0" smtClean="0"/>
-              <a:t>… not well documented, some function say “Don’t use this yet”)</a:t>
-            </a:r>
-          </a:p>
-          <a:p>
-            <a:pPr>
-              <a:buFont typeface="Arial" pitchFamily="34" charset="0"/>
-              <a:buChar char="•"/>
-            </a:pPr>
-            <a:r>
-              <a:rPr lang="en-US" baseline="0" dirty="0" smtClean="0"/>
-              <a:t>Communication – know what everyone in the group is working on at all times; communicate approval (good job, x!) and disapproval (x, we’ve noticed you’ve been working on one thing for a while now, how’s progress?)</a:t>
-            </a:r>
-          </a:p>
-          <a:p>
-            <a:pPr>
-              <a:buFont typeface="Arial" pitchFamily="34" charset="0"/>
-              <a:buChar char="•"/>
-            </a:pPr>
-            <a:r>
-              <a:rPr lang="en-US" baseline="0" dirty="0" smtClean="0"/>
-              <a:t>SVN – have good commit comments</a:t>
-            </a:r>
-          </a:p>
-          <a:p>
-            <a:pPr>
-              <a:buFont typeface="Arial" pitchFamily="34" charset="0"/>
-              <a:buChar char="•"/>
-            </a:pPr>
-            <a:r>
-              <a:rPr lang="en-US" baseline="0" dirty="0" smtClean="0"/>
-              <a:t>Take breaks – you will feel more refreshed and your partners will probably appreciate the grasshoppers too</a:t>
-            </a:r>
-          </a:p>
-          <a:p>
-            <a:pPr>
-              <a:buFont typeface="Arial" pitchFamily="34" charset="0"/>
-              <a:buChar char="•"/>
-            </a:pPr>
-            <a:r>
-              <a:rPr lang="en-US" baseline="0" dirty="0" smtClean="0"/>
-              <a:t>Open source – the best and worst thing that can happen to you (saves you a lot of work, but has a lot of bugs/quirks/often not well documented at all)</a:t>
-            </a:r>
-          </a:p>
-          <a:p>
-            <a:pPr lvl="1">
-              <a:buFont typeface="Arial" pitchFamily="34" charset="0"/>
-              <a:buChar char="•"/>
-            </a:pPr>
-            <a:r>
-              <a:rPr lang="en-US" baseline="0" dirty="0" smtClean="0"/>
-              <a:t>Don’t be afraid of the French – the text editor we ended up switching to kind of late in the game was French so we didn’t find it in our first 5 in-depth searches online</a:t>
-            </a:r>
-          </a:p>
-          <a:p>
-            <a:pPr>
-              <a:buFont typeface="Arial" pitchFamily="34" charset="0"/>
-              <a:buChar char="•"/>
-            </a:pPr>
+            <a:r>
+              <a:rPr lang="en-US" dirty="0" smtClean="0"/>
+              <a:t>Sign up with a valid email address.</a:t>
+            </a:r>
             <a:endParaRPr lang="en-US" dirty="0"/>
           </a:p>
         </p:txBody>
@@ -1708,7 +2342,7 @@
             <a:fld id="{6E67A383-98D9-4A03-8FE8-5F5491D9EED8}" type="slidenum">
               <a:rPr lang="en-US" smtClean="0"/>
               <a:pPr/>
-              <a:t>14</a:t>
+              <a:t>8</a:t>
             </a:fld>
             <a:endParaRPr lang="en-US"/>
           </a:p>
@@ -1741,49 +2375,121 @@
       </p:grpSpPr>
       <p:sp>
         <p:nvSpPr>
-          <p:cNvPr id="7" name="Rectangle 7"/>
-          <p:cNvSpPr>
-            <a:spLocks noGrp="1" noChangeArrowheads="1"/>
-          </p:cNvSpPr>
-          <p:nvPr>
-            <p:ph type="sldNum" sz="quarter" idx="5"/>
-          </p:nvPr>
-        </p:nvSpPr>
-        <p:spPr>
-          <a:ln/>
-        </p:spPr>
+          <p:cNvPr id="2" name="Slide Image Placeholder 1"/>
+          <p:cNvSpPr>
+            <a:spLocks noGrp="1" noRot="1" noChangeAspect="1"/>
+          </p:cNvSpPr>
+          <p:nvPr>
+            <p:ph type="sldImg"/>
+          </p:nvPr>
+        </p:nvSpPr>
+        <p:spPr/>
+      </p:sp>
+      <p:sp>
+        <p:nvSpPr>
+          <p:cNvPr id="3" name="Notes Placeholder 2"/>
+          <p:cNvSpPr>
+            <a:spLocks noGrp="1"/>
+          </p:cNvSpPr>
+          <p:nvPr>
+            <p:ph type="body" idx="1"/>
+          </p:nvPr>
+        </p:nvSpPr>
+        <p:spPr/>
+        <p:txBody>
+          <a:bodyPr>
+            <a:normAutofit/>
+          </a:bodyPr>
+          <a:lstStyle/>
+          <a:p>
+            <a:r>
+              <a:rPr lang="en-US" dirty="0" smtClean="0"/>
+              <a:t>1) Setup once and</a:t>
+            </a:r>
+            <a:r>
+              <a:rPr lang="en-US" baseline="0" dirty="0" smtClean="0"/>
+              <a:t> never have to give us your password again. We do not store your password.</a:t>
+            </a:r>
+          </a:p>
+          <a:p>
+            <a:r>
+              <a:rPr lang="en-US" dirty="0" smtClean="0"/>
+              <a:t>2) Using RSA</a:t>
+            </a:r>
+            <a:r>
+              <a:rPr lang="en-US" baseline="0" dirty="0" smtClean="0"/>
+              <a:t> public-private key pair allows us to SSH to a development server on your behalf but does not allow us to access your webmail account, etc. </a:t>
+            </a:r>
+            <a:endParaRPr lang="en-US" dirty="0"/>
+          </a:p>
+        </p:txBody>
+      </p:sp>
+      <p:sp>
+        <p:nvSpPr>
+          <p:cNvPr id="4" name="Slide Number Placeholder 3"/>
+          <p:cNvSpPr>
+            <a:spLocks noGrp="1"/>
+          </p:cNvSpPr>
+          <p:nvPr>
+            <p:ph type="sldNum" sz="quarter" idx="10"/>
+          </p:nvPr>
+        </p:nvSpPr>
+        <p:spPr/>
         <p:txBody>
           <a:bodyPr/>
           <a:lstStyle/>
           <a:p>
-            <a:fld id="{5A7F9019-2E9C-4041-8590-4C17D18CBCC7}" type="slidenum">
-              <a:rPr lang="en-US"/>
+            <a:fld id="{6E67A383-98D9-4A03-8FE8-5F5491D9EED8}" type="slidenum">
+              <a:rPr lang="en-US" smtClean="0"/>
               <a:pPr/>
-              <a:t>16</a:t>
+              <a:t>9</a:t>
             </a:fld>
             <a:endParaRPr lang="en-US"/>
           </a:p>
         </p:txBody>
       </p:sp>
-      <p:sp>
-        <p:nvSpPr>
-          <p:cNvPr id="17409" name="Rectangle 1"/>
-          <p:cNvSpPr>
-            <a:spLocks noGrp="1" noRot="1" noChangeAspect="1" noChangeArrowheads="1"/>
+    </p:spTree>
+  </p:cSld>
+  <p:clrMapOvr>
+    <a:masterClrMapping/>
+  </p:clrMapOvr>
+</p:notes>
+</file>
+
+<file path=ppt/notesSlides/notesSlide9.xml><?xml version="1.0" encoding="utf-8"?>
+<p:notes xmlns:a="http://schemas.openxmlformats.org/drawingml/2006/main" xmlns:r="http://schemas.openxmlformats.org/officeDocument/2006/relationships" xmlns:p="http://schemas.openxmlformats.org/presentationml/2006/main">
+  <p:cSld>
+    <p:spTree>
+      <p:nvGrpSpPr>
+        <p:cNvPr id="1" name=""/>
+        <p:cNvGrpSpPr/>
+        <p:nvPr/>
+      </p:nvGrpSpPr>
+      <p:grpSpPr>
+        <a:xfrm>
+          <a:off x="0" y="0"/>
+          <a:ext cx="0" cy="0"/>
+          <a:chOff x="0" y="0"/>
+          <a:chExt cx="0" cy="0"/>
+        </a:xfrm>
+      </p:grpSpPr>
+      <p:sp>
+        <p:nvSpPr>
+          <p:cNvPr id="2" name="Slide Image Placeholder 1"/>
+          <p:cNvSpPr>
+            <a:spLocks noGrp="1" noRot="1" noChangeAspect="1"/>
           </p:cNvSpPr>
           <p:nvPr>
             <p:ph type="sldImg"/>
           </p:nvPr>
         </p:nvSpPr>
-        <p:spPr>
-          <a:ln/>
-        </p:spPr>
-      </p:sp>
-      <p:sp>
-        <p:nvSpPr>
-          <p:cNvPr id="17410" name="Rectangle 2"/>
-          <p:cNvSpPr>
-            <a:spLocks noGrp="1" noChangeArrowheads="1"/>
+        <p:spPr/>
+      </p:sp>
+      <p:sp>
+        <p:nvSpPr>
+          <p:cNvPr id="3" name="Notes Placeholder 2"/>
+          <p:cNvSpPr>
+            <a:spLocks noGrp="1"/>
           </p:cNvSpPr>
           <p:nvPr>
             <p:ph type="body" idx="1"/>
@@ -1791,131 +2497,108 @@
         </p:nvSpPr>
         <p:spPr/>
         <p:txBody>
-          <a:bodyPr lIns="0" tIns="0" rIns="0" bIns="0"/>
+          <a:bodyPr>
+            <a:normAutofit/>
+          </a:bodyPr>
           <a:lstStyle/>
           <a:p>
-            <a:pPr lvl="1" indent="-342900">
-              <a:lnSpc>
-                <a:spcPct val="95000"/>
-              </a:lnSpc>
-              <a:spcBef>
-                <a:spcPct val="0"/>
-              </a:spcBef>
-              <a:buClr>
-                <a:srgbClr val="000000"/>
-              </a:buClr>
-              <a:buFontTx/>
-              <a:buChar char="•"/>
+            <a:r>
+              <a:rPr lang="en-US" dirty="0" smtClean="0"/>
+              <a:t>PYJAMAS: open </a:t>
+            </a:r>
+            <a:r>
+              <a:rPr lang="en-US" dirty="0" smtClean="0"/>
+              <a:t>source web toolkit in</a:t>
+            </a:r>
+            <a:r>
+              <a:rPr lang="en-US" baseline="0" dirty="0" smtClean="0"/>
+              <a:t> Python, compiles to GWT to </a:t>
+            </a:r>
+            <a:r>
+              <a:rPr lang="en-US" baseline="0" dirty="0" err="1" smtClean="0"/>
+              <a:t>Javascript</a:t>
+            </a:r>
+            <a:endParaRPr lang="en-US" baseline="0" dirty="0" smtClean="0"/>
+          </a:p>
+          <a:p>
+            <a:endParaRPr lang="en-US" baseline="0" dirty="0" smtClean="0"/>
+          </a:p>
+          <a:p>
+            <a:r>
+              <a:rPr lang="en-US" baseline="0" dirty="0" smtClean="0"/>
+              <a:t>AJAXTERM: open source </a:t>
+            </a:r>
+            <a:r>
+              <a:rPr lang="en-US" baseline="0" dirty="0" err="1" smtClean="0"/>
+              <a:t>javascript</a:t>
+            </a:r>
+            <a:r>
+              <a:rPr lang="en-US" baseline="0" dirty="0" smtClean="0"/>
+              <a:t> shell/console emulator. Our major changes included piping it to two users, enabling logins with keys rather than passwords. </a:t>
+            </a:r>
+          </a:p>
+          <a:p>
+            <a:endParaRPr lang="en-US" baseline="0" dirty="0" smtClean="0"/>
+          </a:p>
+          <a:p>
+            <a:r>
+              <a:rPr lang="en-US" baseline="0" dirty="0" smtClean="0"/>
+              <a:t>EDITAREA: open source </a:t>
+            </a:r>
+            <a:r>
+              <a:rPr lang="en-US" baseline="0" dirty="0" err="1" smtClean="0"/>
+              <a:t>javascript</a:t>
+            </a:r>
+            <a:r>
+              <a:rPr lang="en-US" baseline="0" dirty="0" smtClean="0"/>
+              <a:t> syntax-highlighting text area. Designed for code editing. Our major changes included allowing for the passenger-side editor. </a:t>
+            </a:r>
+          </a:p>
+          <a:p>
+            <a:endParaRPr lang="en-US" baseline="0" dirty="0" smtClean="0"/>
+          </a:p>
+          <a:p>
+            <a:pPr marL="228600" indent="-228600">
+              <a:buAutoNum type="arabicParenR"/>
             </a:pPr>
             <a:r>
-              <a:rPr lang="en-US" sz="1900">
-                <a:solidFill>
-                  <a:srgbClr val="000000"/>
-                </a:solidFill>
-                <a:latin typeface="Arial" pitchFamily="34" charset="0"/>
-              </a:rPr>
-              <a:t>Prof. Kernighan, opportunity to pursue something really cool for class credit</a:t>
-            </a:r>
+              <a:rPr lang="en-US" baseline="0" dirty="0" smtClean="0"/>
+              <a:t>This is the driver screen: driver can interact with the console and also edit code in the syntax-highlighting editor. </a:t>
+            </a:r>
+          </a:p>
+          <a:p>
+            <a:pPr marL="228600" indent="-228600">
+              <a:buAutoNum type="arabicParenR"/>
+            </a:pPr>
+            <a:r>
+              <a:rPr lang="en-US" baseline="0" dirty="0" smtClean="0"/>
+              <a:t>Text chat allows for 2-way communications between the two users. </a:t>
+            </a:r>
+            <a:endParaRPr lang="en-US" dirty="0"/>
+          </a:p>
+        </p:txBody>
+      </p:sp>
+      <p:sp>
+        <p:nvSpPr>
+          <p:cNvPr id="4" name="Slide Number Placeholder 3"/>
+          <p:cNvSpPr>
+            <a:spLocks noGrp="1"/>
+          </p:cNvSpPr>
+          <p:nvPr>
+            <p:ph type="sldNum" sz="quarter" idx="10"/>
+          </p:nvPr>
+        </p:nvSpPr>
+        <p:spPr/>
+        <p:txBody>
+          <a:bodyPr/>
+          <a:lstStyle/>
+          <a:p>
+            <a:fld id="{6E67A383-98D9-4A03-8FE8-5F5491D9EED8}" type="slidenum">
+              <a:rPr lang="en-US" smtClean="0"/>
+              <a:pPr/>
+              <a:t>10</a:t>
+            </a:fld>
             <a:endParaRPr lang="en-US"/>
-          </a:p>
-          <a:p>
-            <a:pPr lvl="1" indent="-342900">
-              <a:lnSpc>
-                <a:spcPct val="95000"/>
-              </a:lnSpc>
-              <a:spcBef>
-                <a:spcPct val="0"/>
-              </a:spcBef>
-              <a:buClr>
-                <a:srgbClr val="000000"/>
-              </a:buClr>
-              <a:buFontTx/>
-              <a:buChar char="•"/>
-            </a:pPr>
-            <a:r>
-              <a:rPr lang="en-US" sz="1900">
-                <a:solidFill>
-                  <a:srgbClr val="000000"/>
-                </a:solidFill>
-                <a:latin typeface="Arial" pitchFamily="34" charset="0"/>
-              </a:rPr>
-              <a:t>Peng Jiang, high expectations every week</a:t>
-            </a:r>
-            <a:endParaRPr lang="en-US"/>
-          </a:p>
-          <a:p>
-            <a:pPr lvl="1" indent="-342900">
-              <a:lnSpc>
-                <a:spcPct val="95000"/>
-              </a:lnSpc>
-              <a:spcBef>
-                <a:spcPct val="0"/>
-              </a:spcBef>
-              <a:buClr>
-                <a:srgbClr val="000000"/>
-              </a:buClr>
-              <a:buFontTx/>
-              <a:buChar char="•"/>
-            </a:pPr>
-            <a:r>
-              <a:rPr lang="en-US" sz="1900">
-                <a:solidFill>
-                  <a:srgbClr val="000000"/>
-                </a:solidFill>
-                <a:latin typeface="Arial" pitchFamily="34" charset="0"/>
-              </a:rPr>
-              <a:t>Heineken, mini-kegs</a:t>
-            </a:r>
-            <a:endParaRPr lang="en-US"/>
-          </a:p>
-          <a:p>
-            <a:pPr lvl="1" indent="-342900">
-              <a:lnSpc>
-                <a:spcPct val="95000"/>
-              </a:lnSpc>
-              <a:spcBef>
-                <a:spcPct val="0"/>
-              </a:spcBef>
-              <a:buClr>
-                <a:srgbClr val="000000"/>
-              </a:buClr>
-              <a:buFontTx/>
-              <a:buChar char="•"/>
-            </a:pPr>
-            <a:r>
-              <a:rPr lang="en-US" sz="1900">
-                <a:solidFill>
-                  <a:srgbClr val="000000"/>
-                </a:solidFill>
-                <a:latin typeface="Arial" pitchFamily="34" charset="0"/>
-              </a:rPr>
-              <a:t>Gyeong-Sik Choi, initial idea consultant / kick in the butt encourager</a:t>
-            </a:r>
-            <a:endParaRPr lang="en-US"/>
-          </a:p>
-          <a:p>
-            <a:pPr lvl="1" indent="-342900">
-              <a:lnSpc>
-                <a:spcPct val="95000"/>
-              </a:lnSpc>
-              <a:spcBef>
-                <a:spcPct val="0"/>
-              </a:spcBef>
-              <a:buClr>
-                <a:srgbClr val="000000"/>
-              </a:buClr>
-              <a:buFontTx/>
-              <a:buChar char="•"/>
-            </a:pPr>
-            <a:r>
-              <a:rPr lang="en-US" sz="1900">
-                <a:solidFill>
-                  <a:srgbClr val="000000"/>
-                </a:solidFill>
-                <a:latin typeface="Arial" pitchFamily="34" charset="0"/>
-              </a:rPr>
-              <a:t>You, for coming and supporting us and not asking any tough questions---</a:t>
-            </a:r>
           </a:p>
         </p:txBody>
       </p:sp>
@@ -5901,94 +6584,6 @@
           <a:p>
             <a:r>
               <a:rPr lang="en-US" dirty="0" err="1" smtClean="0"/>
-              <a:t>Django</a:t>
-            </a:r>
-            <a:endParaRPr lang="en-US" dirty="0"/>
-          </a:p>
-        </p:txBody>
-      </p:sp>
-      <p:pic>
-        <p:nvPicPr>
-          <p:cNvPr id="3074" name="Picture 2"/>
-          <p:cNvPicPr>
-            <a:picLocks noChangeAspect="1" noChangeArrowheads="1"/>
-          </p:cNvPicPr>
-          <p:nvPr/>
-        </p:nvPicPr>
-        <p:blipFill>
-          <a:blip r:embed="rId2"/>
-          <a:srcRect l="7552" t="6250" r="7973" b="27441"/>
-          <a:stretch>
-            <a:fillRect/>
-          </a:stretch>
-        </p:blipFill>
-        <p:spPr bwMode="auto">
-          <a:xfrm>
-            <a:off x="355600" y="1828800"/>
-            <a:ext cx="9448800" cy="5562600"/>
-          </a:xfrm>
-          <a:prstGeom prst="rect">
-            <a:avLst/>
-          </a:prstGeom>
-          <a:noFill/>
-          <a:ln w="9525">
-            <a:noFill/>
-            <a:miter lim="800000"/>
-            <a:headEnd/>
-            <a:tailEnd/>
-          </a:ln>
-          <a:effectLst/>
-        </p:spPr>
-      </p:pic>
-    </p:spTree>
-  </p:cSld>
-  <p:clrMapOvr>
-    <a:masterClrMapping/>
-  </p:clrMapOvr>
-  <p:timing>
-    <p:tnLst>
-      <p:par>
-        <p:cTn id="1" dur="indefinite" restart="never" nodeType="tmRoot"/>
-      </p:par>
-    </p:tnLst>
-  </p:timing>
-</p:sld>
-</file>
-
-<file path=ppt/slides/slide11.xml><?xml version="1.0" encoding="utf-8"?>
-<p:sld xmlns:a="http://schemas.openxmlformats.org/drawingml/2006/main" xmlns:r="http://schemas.openxmlformats.org/officeDocument/2006/relationships" xmlns:p="http://schemas.openxmlformats.org/presentationml/2006/main">
-  <p:cSld>
-    <p:spTree>
-      <p:nvGrpSpPr>
-        <p:cNvPr id="1" name=""/>
-        <p:cNvGrpSpPr/>
-        <p:nvPr/>
-      </p:nvGrpSpPr>
-      <p:grpSpPr>
-        <a:xfrm>
-          <a:off x="0" y="0"/>
-          <a:ext cx="0" cy="0"/>
-          <a:chOff x="0" y="0"/>
-          <a:chExt cx="0" cy="0"/>
-        </a:xfrm>
-      </p:grpSpPr>
-      <p:sp>
-        <p:nvSpPr>
-          <p:cNvPr id="9" name="Title 8"/>
-          <p:cNvSpPr>
-            <a:spLocks noGrp="1"/>
-          </p:cNvSpPr>
-          <p:nvPr>
-            <p:ph type="title"/>
-          </p:nvPr>
-        </p:nvSpPr>
-        <p:spPr/>
-        <p:txBody>
-          <a:bodyPr/>
-          <a:lstStyle/>
-          <a:p>
-            <a:r>
-              <a:rPr lang="en-US" dirty="0" err="1" smtClean="0"/>
               <a:t>Pyjamas</a:t>
             </a:r>
             <a:endParaRPr lang="en-US" dirty="0"/>
@@ -6186,7 +6781,7 @@
 </p:sld>
 </file>
 
-<file path=ppt/slides/slide12.xml><?xml version="1.0" encoding="utf-8"?>
+<file path=ppt/slides/slide11.xml><?xml version="1.0" encoding="utf-8"?>
 <p:sld xmlns:a="http://schemas.openxmlformats.org/drawingml/2006/main" xmlns:r="http://schemas.openxmlformats.org/officeDocument/2006/relationships" xmlns:p="http://schemas.openxmlformats.org/presentationml/2006/main">
   <p:cSld>
     <p:spTree>
@@ -6235,7 +6830,7 @@
           <p:nvPr/>
         </p:nvPicPr>
         <p:blipFill>
-          <a:blip r:embed="rId2"/>
+          <a:blip r:embed="rId3"/>
           <a:srcRect/>
           <a:stretch>
             <a:fillRect/>
@@ -6399,6 +6994,80 @@
               <a:t>Text Chat</a:t>
             </a:r>
             <a:endParaRPr lang="en-US" sz="3000" dirty="0"/>
+          </a:p>
+        </p:txBody>
+      </p:sp>
+    </p:spTree>
+  </p:cSld>
+  <p:clrMapOvr>
+    <a:masterClrMapping/>
+  </p:clrMapOvr>
+  <p:timing>
+    <p:tnLst>
+      <p:par>
+        <p:cTn id="1" dur="indefinite" restart="never" nodeType="tmRoot"/>
+      </p:par>
+    </p:tnLst>
+  </p:timing>
+</p:sld>
+</file>
+
+<file path=ppt/slides/slide12.xml><?xml version="1.0" encoding="utf-8"?>
+<p:sld xmlns:a="http://schemas.openxmlformats.org/drawingml/2006/main" xmlns:r="http://schemas.openxmlformats.org/officeDocument/2006/relationships" xmlns:p="http://schemas.openxmlformats.org/presentationml/2006/main">
+  <p:cSld>
+    <p:spTree>
+      <p:nvGrpSpPr>
+        <p:cNvPr id="1" name=""/>
+        <p:cNvGrpSpPr/>
+        <p:nvPr/>
+      </p:nvGrpSpPr>
+      <p:grpSpPr>
+        <a:xfrm>
+          <a:off x="0" y="0"/>
+          <a:ext cx="0" cy="0"/>
+          <a:chOff x="0" y="0"/>
+          <a:chExt cx="0" cy="0"/>
+        </a:xfrm>
+      </p:grpSpPr>
+      <p:sp>
+        <p:nvSpPr>
+          <p:cNvPr id="9" name="Content Placeholder 8"/>
+          <p:cNvSpPr>
+            <a:spLocks noGrp="1"/>
+          </p:cNvSpPr>
+          <p:nvPr>
+            <p:ph idx="1"/>
+          </p:nvPr>
+        </p:nvSpPr>
+        <p:spPr/>
+        <p:txBody>
+          <a:bodyPr/>
+          <a:lstStyle/>
+          <a:p>
+            <a:endParaRPr lang="en-US" dirty="0"/>
+          </a:p>
+        </p:txBody>
+      </p:sp>
+      <p:sp>
+        <p:nvSpPr>
+          <p:cNvPr id="10" name="Title 9"/>
+          <p:cNvSpPr>
+            <a:spLocks noGrp="1"/>
+          </p:cNvSpPr>
+          <p:nvPr>
+            <p:ph type="title"/>
+          </p:nvPr>
+        </p:nvSpPr>
+        <p:spPr/>
+        <p:txBody>
+          <a:bodyPr/>
+          <a:lstStyle/>
+          <a:p>
+            <a:r>
+              <a:rPr lang="en-US" dirty="0" smtClean="0"/>
+              <a:t>Demo</a:t>
+            </a:r>
+            <a:endParaRPr lang="en-US" dirty="0"/>
           </a:p>
         </p:txBody>
       </p:sp>
@@ -6436,43 +7105,273 @@
       </p:grpSpPr>
       <p:sp>
         <p:nvSpPr>
-          <p:cNvPr id="9" name="Content Placeholder 8"/>
-          <p:cNvSpPr>
-            <a:spLocks noGrp="1"/>
+          <p:cNvPr id="14337" name="Rectangle 1"/>
+          <p:cNvSpPr>
+            <a:spLocks noGrp="1" noChangeArrowheads="1"/>
+          </p:cNvSpPr>
+          <p:nvPr>
+            <p:ph type="title"/>
+          </p:nvPr>
+        </p:nvSpPr>
+        <p:spPr>
+          <a:xfrm>
+            <a:off x="247650" y="304800"/>
+            <a:ext cx="9664700" cy="914400"/>
+          </a:xfrm>
+        </p:spPr>
+        <p:txBody>
+          <a:bodyPr lIns="0" tIns="0" rIns="0" bIns="0" anchor="t">
+            <a:normAutofit/>
+          </a:bodyPr>
+          <a:lstStyle/>
+          <a:p>
+            <a:pPr algn="l">
+              <a:lnSpc>
+                <a:spcPct val="95000"/>
+              </a:lnSpc>
+            </a:pPr>
+            <a:r>
+              <a:rPr lang="en-US" sz="5400" i="1" dirty="0">
+                <a:solidFill>
+                  <a:srgbClr val="DEAF0D"/>
+                </a:solidFill>
+                <a:latin typeface="Garamond" pitchFamily="18" charset="0"/>
+              </a:rPr>
+              <a:t>We've come a long way...</a:t>
+            </a:r>
+          </a:p>
+        </p:txBody>
+      </p:sp>
+      <p:sp>
+        <p:nvSpPr>
+          <p:cNvPr id="14338" name="Rectangle 2"/>
+          <p:cNvSpPr>
+            <a:spLocks noGrp="1" noChangeArrowheads="1"/>
           </p:cNvSpPr>
           <p:nvPr>
             <p:ph idx="1"/>
           </p:nvPr>
         </p:nvSpPr>
-        <p:spPr/>
-        <p:txBody>
-          <a:bodyPr/>
+        <p:spPr>
+          <a:xfrm>
+            <a:off x="247650" y="1828800"/>
+            <a:ext cx="9664700" cy="5486400"/>
+          </a:xfrm>
+        </p:spPr>
+        <p:txBody>
+          <a:bodyPr lIns="0" tIns="0" rIns="0" bIns="0">
+            <a:normAutofit/>
+          </a:bodyPr>
           <a:lstStyle/>
           <a:p>
-            <a:endParaRPr lang="en-US" dirty="0"/>
-          </a:p>
-        </p:txBody>
-      </p:sp>
-      <p:sp>
-        <p:nvSpPr>
-          <p:cNvPr id="10" name="Title 9"/>
-          <p:cNvSpPr>
-            <a:spLocks noGrp="1"/>
-          </p:cNvSpPr>
-          <p:nvPr>
-            <p:ph type="title"/>
-          </p:nvPr>
-        </p:nvSpPr>
-        <p:spPr/>
-        <p:txBody>
-          <a:bodyPr/>
-          <a:lstStyle/>
-          <a:p>
-            <a:r>
-              <a:rPr lang="en-US" dirty="0" smtClean="0"/>
-              <a:t>Demo</a:t>
-            </a:r>
-            <a:endParaRPr lang="en-US" dirty="0"/>
+            <a:pPr marL="457191" lvl="1" indent="-342893">
+              <a:lnSpc>
+                <a:spcPct val="95000"/>
+              </a:lnSpc>
+              <a:spcBef>
+                <a:spcPct val="0"/>
+              </a:spcBef>
+              <a:buClr>
+                <a:srgbClr val="000000"/>
+              </a:buClr>
+              <a:buFontTx/>
+              <a:buChar char="•"/>
+            </a:pPr>
+            <a:r>
+              <a:rPr lang="en-US" sz="4000" dirty="0" smtClean="0">
+                <a:latin typeface="Tahoma" pitchFamily="34" charset="0"/>
+                <a:ea typeface="Tahoma" pitchFamily="34" charset="0"/>
+                <a:cs typeface="Tahoma" pitchFamily="34" charset="0"/>
+              </a:rPr>
+              <a:t>Documentation</a:t>
+            </a:r>
+          </a:p>
+          <a:p>
+            <a:pPr marL="457191" lvl="1" indent="-342893">
+              <a:lnSpc>
+                <a:spcPct val="95000"/>
+              </a:lnSpc>
+              <a:spcBef>
+                <a:spcPct val="0"/>
+              </a:spcBef>
+              <a:buClr>
+                <a:srgbClr val="000000"/>
+              </a:buClr>
+              <a:buFontTx/>
+              <a:buChar char="•"/>
+            </a:pPr>
+            <a:r>
+              <a:rPr lang="en-US" sz="4000" dirty="0" smtClean="0">
+                <a:latin typeface="Tahoma" pitchFamily="34" charset="0"/>
+                <a:ea typeface="Tahoma" pitchFamily="34" charset="0"/>
+                <a:cs typeface="Tahoma" pitchFamily="34" charset="0"/>
+              </a:rPr>
+              <a:t>Be cautious using new things</a:t>
+            </a:r>
+          </a:p>
+          <a:p>
+            <a:pPr marL="457191" lvl="1" indent="-342893">
+              <a:lnSpc>
+                <a:spcPct val="95000"/>
+              </a:lnSpc>
+              <a:spcBef>
+                <a:spcPct val="0"/>
+              </a:spcBef>
+              <a:buClr>
+                <a:srgbClr val="000000"/>
+              </a:buClr>
+              <a:buFontTx/>
+              <a:buChar char="•"/>
+            </a:pPr>
+            <a:r>
+              <a:rPr lang="en-US" sz="4000" dirty="0" smtClean="0">
+                <a:latin typeface="Tahoma" pitchFamily="34" charset="0"/>
+                <a:ea typeface="Tahoma" pitchFamily="34" charset="0"/>
+                <a:cs typeface="Tahoma" pitchFamily="34" charset="0"/>
+              </a:rPr>
+              <a:t>Communication</a:t>
+            </a:r>
+          </a:p>
+          <a:p>
+            <a:pPr marL="457191" lvl="1" indent="-342893">
+              <a:lnSpc>
+                <a:spcPct val="95000"/>
+              </a:lnSpc>
+              <a:spcBef>
+                <a:spcPct val="0"/>
+              </a:spcBef>
+              <a:buClr>
+                <a:srgbClr val="000000"/>
+              </a:buClr>
+              <a:buFontTx/>
+              <a:buChar char="•"/>
+            </a:pPr>
+            <a:r>
+              <a:rPr lang="en-US" sz="4000" dirty="0" smtClean="0">
+                <a:latin typeface="Tahoma" pitchFamily="34" charset="0"/>
+                <a:ea typeface="Tahoma" pitchFamily="34" charset="0"/>
+                <a:cs typeface="Tahoma" pitchFamily="34" charset="0"/>
+              </a:rPr>
+              <a:t>SVN</a:t>
+            </a:r>
+          </a:p>
+          <a:p>
+            <a:pPr marL="457191" lvl="1" indent="-342893">
+              <a:lnSpc>
+                <a:spcPct val="95000"/>
+              </a:lnSpc>
+              <a:spcBef>
+                <a:spcPct val="0"/>
+              </a:spcBef>
+              <a:buClr>
+                <a:srgbClr val="000000"/>
+              </a:buClr>
+              <a:buFontTx/>
+              <a:buChar char="•"/>
+            </a:pPr>
+            <a:r>
+              <a:rPr lang="en-US" sz="4000" dirty="0" smtClean="0">
+                <a:latin typeface="Tahoma" pitchFamily="34" charset="0"/>
+                <a:ea typeface="Tahoma" pitchFamily="34" charset="0"/>
+                <a:cs typeface="Tahoma" pitchFamily="34" charset="0"/>
+              </a:rPr>
+              <a:t>Take breaks</a:t>
+            </a:r>
+          </a:p>
+          <a:p>
+            <a:pPr marL="457191" lvl="1" indent="-342893">
+              <a:lnSpc>
+                <a:spcPct val="95000"/>
+              </a:lnSpc>
+              <a:spcBef>
+                <a:spcPct val="0"/>
+              </a:spcBef>
+              <a:buClr>
+                <a:srgbClr val="000000"/>
+              </a:buClr>
+              <a:buFontTx/>
+              <a:buChar char="•"/>
+            </a:pPr>
+            <a:r>
+              <a:rPr lang="en-US" sz="4000" dirty="0" smtClean="0">
+                <a:latin typeface="Tahoma" pitchFamily="34" charset="0"/>
+                <a:ea typeface="Tahoma" pitchFamily="34" charset="0"/>
+                <a:cs typeface="Tahoma" pitchFamily="34" charset="0"/>
+              </a:rPr>
+              <a:t>Open source</a:t>
+            </a:r>
+          </a:p>
+          <a:p>
+            <a:pPr marL="995665" lvl="3" indent="-342893">
+              <a:lnSpc>
+                <a:spcPct val="95000"/>
+              </a:lnSpc>
+              <a:spcBef>
+                <a:spcPct val="0"/>
+              </a:spcBef>
+              <a:buClr>
+                <a:srgbClr val="000000"/>
+              </a:buClr>
+              <a:buFontTx/>
+              <a:buChar char="•"/>
+            </a:pPr>
+            <a:r>
+              <a:rPr lang="en-US" sz="3100" dirty="0" smtClean="0">
+                <a:latin typeface="Tahoma" pitchFamily="34" charset="0"/>
+                <a:ea typeface="Tahoma" pitchFamily="34" charset="0"/>
+                <a:cs typeface="Tahoma" pitchFamily="34" charset="0"/>
+              </a:rPr>
+              <a:t>Editor: </a:t>
+            </a:r>
+            <a:r>
+              <a:rPr lang="en-US" sz="3100" dirty="0" err="1" smtClean="0">
+                <a:latin typeface="Tahoma" pitchFamily="34" charset="0"/>
+                <a:ea typeface="Tahoma" pitchFamily="34" charset="0"/>
+                <a:cs typeface="Tahoma" pitchFamily="34" charset="0"/>
+              </a:rPr>
+              <a:t>Editarea</a:t>
+            </a:r>
+            <a:endParaRPr lang="en-US" sz="3100" dirty="0" smtClean="0">
+              <a:latin typeface="Tahoma" pitchFamily="34" charset="0"/>
+              <a:ea typeface="Tahoma" pitchFamily="34" charset="0"/>
+              <a:cs typeface="Tahoma" pitchFamily="34" charset="0"/>
+            </a:endParaRPr>
+          </a:p>
+          <a:p>
+            <a:pPr marL="995665" lvl="3" indent="-342893">
+              <a:lnSpc>
+                <a:spcPct val="95000"/>
+              </a:lnSpc>
+              <a:spcBef>
+                <a:spcPct val="0"/>
+              </a:spcBef>
+              <a:buClr>
+                <a:srgbClr val="000000"/>
+              </a:buClr>
+              <a:buFontTx/>
+              <a:buChar char="•"/>
+            </a:pPr>
+            <a:r>
+              <a:rPr lang="en-US" sz="3100" dirty="0" smtClean="0">
+                <a:latin typeface="Tahoma" pitchFamily="34" charset="0"/>
+                <a:ea typeface="Tahoma" pitchFamily="34" charset="0"/>
+                <a:cs typeface="Tahoma" pitchFamily="34" charset="0"/>
+              </a:rPr>
+              <a:t>Console: </a:t>
+            </a:r>
+            <a:r>
+              <a:rPr lang="en-US" sz="3100" dirty="0" err="1" smtClean="0">
+                <a:latin typeface="Tahoma" pitchFamily="34" charset="0"/>
+                <a:ea typeface="Tahoma" pitchFamily="34" charset="0"/>
+                <a:cs typeface="Tahoma" pitchFamily="34" charset="0"/>
+              </a:rPr>
+              <a:t>Ajaxterm</a:t>
+            </a:r>
+            <a:endParaRPr lang="en-US" sz="3100" dirty="0" smtClean="0">
+              <a:latin typeface="Tahoma" pitchFamily="34" charset="0"/>
+              <a:ea typeface="Tahoma" pitchFamily="34" charset="0"/>
+              <a:cs typeface="Tahoma" pitchFamily="34" charset="0"/>
+            </a:endParaRPr>
           </a:p>
         </p:txBody>
       </p:sp>
@@ -6510,7 +7409,7 @@
       </p:grpSpPr>
       <p:sp>
         <p:nvSpPr>
-          <p:cNvPr id="14337" name="Rectangle 1"/>
+          <p:cNvPr id="15361" name="Rectangle 1"/>
           <p:cNvSpPr>
             <a:spLocks noGrp="1" noChangeArrowheads="1"/>
           </p:cNvSpPr>
@@ -6521,12 +7420,12 @@
         <p:spPr>
           <a:xfrm>
             <a:off x="247650" y="304800"/>
-            <a:ext cx="9664700" cy="914400"/>
+            <a:ext cx="9912350" cy="914400"/>
           </a:xfrm>
         </p:spPr>
         <p:txBody>
           <a:bodyPr lIns="0" tIns="0" rIns="0" bIns="0" anchor="t">
-            <a:normAutofit/>
+            <a:noAutofit/>
           </a:bodyPr>
           <a:lstStyle/>
           <a:p>
@@ -6542,14 +7441,14 @@
                 </a:solidFill>
                 <a:latin typeface="Garamond" pitchFamily="18" charset="0"/>
               </a:rPr>
-              <a:t>We've come a long way...</a:t>
-            </a:r>
-          </a:p>
-        </p:txBody>
-      </p:sp>
-      <p:sp>
-        <p:nvSpPr>
-          <p:cNvPr id="14338" name="Rectangle 2"/>
+              <a:t>...but we've got a long way to go</a:t>
+            </a:r>
+          </a:p>
+        </p:txBody>
+      </p:sp>
+      <p:sp>
+        <p:nvSpPr>
+          <p:cNvPr id="15362" name="Rectangle 2"/>
           <p:cNvSpPr>
             <a:spLocks noGrp="1" noChangeArrowheads="1"/>
           </p:cNvSpPr>
@@ -6588,7 +7487,7 @@
                 <a:ea typeface="Tahoma" pitchFamily="34" charset="0"/>
                 <a:cs typeface="Tahoma" pitchFamily="34" charset="0"/>
               </a:rPr>
-              <a:t>Documentation</a:t>
+              <a:t>Smoother switch drivers</a:t>
             </a:r>
           </a:p>
           <a:p>
@@ -6611,7 +7510,7 @@
                 <a:ea typeface="Tahoma" pitchFamily="34" charset="0"/>
                 <a:cs typeface="Tahoma" pitchFamily="34" charset="0"/>
               </a:rPr>
-              <a:t>Be cautious using new things</a:t>
+              <a:t>Faster, smoother updates</a:t>
             </a:r>
           </a:p>
           <a:p>
@@ -6634,7 +7533,23 @@
                 <a:ea typeface="Tahoma" pitchFamily="34" charset="0"/>
                 <a:cs typeface="Tahoma" pitchFamily="34" charset="0"/>
               </a:rPr>
-              <a:t>Communication</a:t>
+              <a:t>Improve</a:t>
+            </a:r>
+            <a:r>
+              <a:rPr lang="en-US" sz="4000" dirty="0" smtClean="0">
+                <a:latin typeface="Tahoma" pitchFamily="34" charset="0"/>
+                <a:ea typeface="Tahoma" pitchFamily="34" charset="0"/>
+                <a:cs typeface="Tahoma" pitchFamily="34" charset="0"/>
+              </a:rPr>
+              <a:t> </a:t>
+            </a:r>
+            <a:r>
+              <a:rPr lang="en-US" sz="4000" dirty="0" smtClean="0">
+                <a:latin typeface="Tahoma" pitchFamily="34" charset="0"/>
+                <a:ea typeface="Tahoma" pitchFamily="34" charset="0"/>
+                <a:cs typeface="Tahoma" pitchFamily="34" charset="0"/>
+              </a:rPr>
+              <a:t>file tree</a:t>
             </a:r>
           </a:p>
           <a:p>
@@ -6657,7 +7572,7 @@
                 <a:ea typeface="Tahoma" pitchFamily="34" charset="0"/>
                 <a:cs typeface="Tahoma" pitchFamily="34" charset="0"/>
               </a:rPr>
-              <a:t>SVN</a:t>
+              <a:t>Protect &amp; improve text chat</a:t>
             </a:r>
           </a:p>
           <a:p>
@@ -6680,8 +7595,13 @@
                 <a:ea typeface="Tahoma" pitchFamily="34" charset="0"/>
                 <a:cs typeface="Tahoma" pitchFamily="34" charset="0"/>
               </a:rPr>
-              <a:t>Take breaks</a:t>
-            </a:r>
+              <a:t>Enhance user communication</a:t>
+            </a:r>
+            <a:endParaRPr lang="en-US" sz="4000" dirty="0" smtClean="0">
+              <a:latin typeface="Tahoma" pitchFamily="34" charset="0"/>
+              <a:ea typeface="Tahoma" pitchFamily="34" charset="0"/>
+              <a:cs typeface="Tahoma" pitchFamily="34" charset="0"/>
+            </a:endParaRPr>
           </a:p>
           <a:p>
             <a:pPr marL="457191" lvl="1" indent="-342893">
@@ -6703,76 +7623,17 @@
                 <a:ea typeface="Tahoma" pitchFamily="34" charset="0"/>
                 <a:cs typeface="Tahoma" pitchFamily="34" charset="0"/>
               </a:rPr>
-              <a:t>Open source</a:t>
-            </a:r>
-          </a:p>
-          <a:p>
-            <a:pPr marL="995665" lvl="3" indent="-342893">
-              <a:lnSpc>
-                <a:spcPct val="95000"/>
-              </a:lnSpc>
-              <a:spcBef>
-                <a:spcPct val="0"/>
-              </a:spcBef>
-              <a:buClr>
-                <a:srgbClr val="000000"/>
-              </a:buClr>
-              <a:buFontTx/>
-              <a:buChar char="•"/>
-            </a:pPr>
-            <a:r>
-              <a:rPr lang="en-US" sz="3100" dirty="0" smtClean="0">
+              <a:t>Bug </a:t>
+            </a:r>
+            <a:r>
+              <a:rPr lang="en-US" sz="4000" dirty="0" smtClean="0">
                 <a:latin typeface="Tahoma" pitchFamily="34" charset="0"/>
                 <a:ea typeface="Tahoma" pitchFamily="34" charset="0"/>
                 <a:cs typeface="Tahoma" pitchFamily="34" charset="0"/>
               </a:rPr>
-              <a:t>Editor: </a:t>
-            </a:r>
-            <a:r>
-              <a:rPr lang="en-US" sz="3100" dirty="0" err="1" smtClean="0">
-                <a:latin typeface="Tahoma" pitchFamily="34" charset="0"/>
-                <a:ea typeface="Tahoma" pitchFamily="34" charset="0"/>
-                <a:cs typeface="Tahoma" pitchFamily="34" charset="0"/>
-              </a:rPr>
-              <a:t>Editarea</a:t>
-            </a:r>
-            <a:endParaRPr lang="en-US" sz="3100" dirty="0" smtClean="0">
-              <a:latin typeface="Tahoma" pitchFamily="34" charset="0"/>
-              <a:ea typeface="Tahoma" pitchFamily="34" charset="0"/>
-              <a:cs typeface="Tahoma" pitchFamily="34" charset="0"/>
-            </a:endParaRPr>
-          </a:p>
-          <a:p>
-            <a:pPr marL="995665" lvl="3" indent="-342893">
-              <a:lnSpc>
-                <a:spcPct val="95000"/>
-              </a:lnSpc>
-              <a:spcBef>
-                <a:spcPct val="0"/>
-              </a:spcBef>
-              <a:buClr>
-                <a:srgbClr val="000000"/>
-              </a:buClr>
-              <a:buFontTx/>
-              <a:buChar char="•"/>
-            </a:pPr>
-            <a:r>
-              <a:rPr lang="en-US" sz="3100" dirty="0" smtClean="0">
-                <a:latin typeface="Tahoma" pitchFamily="34" charset="0"/>
-                <a:ea typeface="Tahoma" pitchFamily="34" charset="0"/>
-                <a:cs typeface="Tahoma" pitchFamily="34" charset="0"/>
-              </a:rPr>
-              <a:t>Console: </a:t>
-            </a:r>
-            <a:r>
-              <a:rPr lang="en-US" sz="3100" dirty="0" err="1" smtClean="0">
-                <a:latin typeface="Tahoma" pitchFamily="34" charset="0"/>
-                <a:ea typeface="Tahoma" pitchFamily="34" charset="0"/>
-                <a:cs typeface="Tahoma" pitchFamily="34" charset="0"/>
-              </a:rPr>
-              <a:t>Ajaxterm</a:t>
-            </a:r>
-            <a:endParaRPr lang="en-US" sz="3100" dirty="0" smtClean="0">
+              <a:t>hunting</a:t>
+            </a:r>
+            <a:endParaRPr lang="en-US" sz="4000" dirty="0" smtClean="0">
               <a:latin typeface="Tahoma" pitchFamily="34" charset="0"/>
               <a:ea typeface="Tahoma" pitchFamily="34" charset="0"/>
               <a:cs typeface="Tahoma" pitchFamily="34" charset="0"/>
@@ -6814,7 +7675,7 @@
       </p:grpSpPr>
       <p:sp>
         <p:nvSpPr>
-          <p:cNvPr id="15361" name="Rectangle 1"/>
+          <p:cNvPr id="16385" name="Rectangle 1"/>
           <p:cNvSpPr>
             <a:spLocks noGrp="1" noChangeArrowheads="1"/>
           </p:cNvSpPr>
@@ -6825,12 +7686,12 @@
         <p:spPr>
           <a:xfrm>
             <a:off x="247650" y="304800"/>
-            <a:ext cx="9912350" cy="914400"/>
+            <a:ext cx="9664700" cy="914400"/>
           </a:xfrm>
         </p:spPr>
         <p:txBody>
           <a:bodyPr lIns="0" tIns="0" rIns="0" bIns="0" anchor="t">
-            <a:noAutofit/>
+            <a:normAutofit/>
           </a:bodyPr>
           <a:lstStyle/>
           <a:p>
@@ -6846,14 +7707,14 @@
                 </a:solidFill>
                 <a:latin typeface="Garamond" pitchFamily="18" charset="0"/>
               </a:rPr>
-              <a:t>...but we've got a long way to go</a:t>
-            </a:r>
-          </a:p>
-        </p:txBody>
-      </p:sp>
-      <p:sp>
-        <p:nvSpPr>
-          <p:cNvPr id="15362" name="Rectangle 2"/>
+              <a:t>Acknowledgements</a:t>
+            </a:r>
+          </a:p>
+        </p:txBody>
+      </p:sp>
+      <p:sp>
+        <p:nvSpPr>
+          <p:cNvPr id="16386" name="Rectangle 2"/>
           <p:cNvSpPr>
             <a:spLocks noGrp="1" noChangeArrowheads="1"/>
           </p:cNvSpPr>
@@ -6863,28 +7724,24 @@
         </p:nvSpPr>
         <p:spPr>
           <a:xfrm>
-            <a:off x="247650" y="1828800"/>
+            <a:off x="247650" y="2057400"/>
             <a:ext cx="9664700" cy="5486400"/>
           </a:xfrm>
         </p:spPr>
         <p:txBody>
           <a:bodyPr lIns="0" tIns="0" rIns="0" bIns="0">
-            <a:normAutofit/>
+            <a:noAutofit/>
           </a:bodyPr>
           <a:lstStyle/>
           <a:p>
-            <a:pPr marL="457191" lvl="1" indent="-342893">
+            <a:pPr marL="0" indent="0" algn="ctr">
               <a:lnSpc>
-                <a:spcPct val="95000"/>
+                <a:spcPct val="150000"/>
               </a:lnSpc>
               <a:spcBef>
                 <a:spcPct val="0"/>
               </a:spcBef>
-              <a:buClr>
-                <a:srgbClr val="000000"/>
-              </a:buClr>
-              <a:buFontTx/>
-              <a:buChar char="•"/>
+              <a:buNone/>
             </a:pPr>
             <a:r>
               <a:rPr lang="en-US" sz="4000" dirty="0" smtClean="0">
@@ -6892,68 +7749,154 @@
                 <a:ea typeface="Tahoma" pitchFamily="34" charset="0"/>
                 <a:cs typeface="Tahoma" pitchFamily="34" charset="0"/>
               </a:rPr>
-              <a:t>Smoother switch drivers</a:t>
-            </a:r>
-          </a:p>
-          <a:p>
-            <a:pPr marL="457191" lvl="1" indent="-342893">
+              <a:t>Prof. Kernighan</a:t>
+            </a:r>
+            <a:endParaRPr lang="en-US" sz="4000" dirty="0">
+              <a:latin typeface="Tahoma" pitchFamily="34" charset="0"/>
+              <a:ea typeface="Tahoma" pitchFamily="34" charset="0"/>
+              <a:cs typeface="Tahoma" pitchFamily="34" charset="0"/>
+            </a:endParaRPr>
+          </a:p>
+          <a:p>
+            <a:pPr marL="0" indent="0" algn="ctr">
               <a:lnSpc>
-                <a:spcPct val="95000"/>
+                <a:spcPct val="150000"/>
               </a:lnSpc>
               <a:spcBef>
                 <a:spcPct val="0"/>
               </a:spcBef>
-              <a:buClr>
-                <a:srgbClr val="000000"/>
-              </a:buClr>
-              <a:buFontTx/>
-              <a:buChar char="•"/>
+              <a:buNone/>
             </a:pPr>
+            <a:r>
+              <a:rPr lang="en-US" sz="4000" dirty="0" err="1">
+                <a:latin typeface="Tahoma" pitchFamily="34" charset="0"/>
+                <a:ea typeface="Tahoma" pitchFamily="34" charset="0"/>
+                <a:cs typeface="Tahoma" pitchFamily="34" charset="0"/>
+              </a:rPr>
+              <a:t>Peng</a:t>
+            </a:r>
+            <a:r>
+              <a:rPr lang="en-US" sz="4000" dirty="0">
+                <a:latin typeface="Tahoma" pitchFamily="34" charset="0"/>
+                <a:ea typeface="Tahoma" pitchFamily="34" charset="0"/>
+                <a:cs typeface="Tahoma" pitchFamily="34" charset="0"/>
+              </a:rPr>
+              <a:t> </a:t>
+            </a:r>
             <a:r>
               <a:rPr lang="en-US" sz="4000" dirty="0" smtClean="0">
                 <a:latin typeface="Tahoma" pitchFamily="34" charset="0"/>
                 <a:ea typeface="Tahoma" pitchFamily="34" charset="0"/>
                 <a:cs typeface="Tahoma" pitchFamily="34" charset="0"/>
               </a:rPr>
-              <a:t>Faster, smoother updates</a:t>
-            </a:r>
-          </a:p>
-          <a:p>
-            <a:pPr marL="457191" lvl="1" indent="-342893">
+              <a:t>Jiang</a:t>
+            </a:r>
+            <a:endParaRPr lang="en-US" sz="4000" dirty="0">
+              <a:latin typeface="Tahoma" pitchFamily="34" charset="0"/>
+              <a:ea typeface="Tahoma" pitchFamily="34" charset="0"/>
+              <a:cs typeface="Tahoma" pitchFamily="34" charset="0"/>
+            </a:endParaRPr>
+          </a:p>
+          <a:p>
+            <a:pPr marL="0" indent="0" algn="ctr">
               <a:lnSpc>
-                <a:spcPct val="95000"/>
+                <a:spcPct val="150000"/>
               </a:lnSpc>
               <a:spcBef>
                 <a:spcPct val="0"/>
               </a:spcBef>
-              <a:buClr>
-                <a:srgbClr val="000000"/>
-              </a:buClr>
-              <a:buFontTx/>
-              <a:buChar char="•"/>
+              <a:buNone/>
             </a:pPr>
+            <a:r>
+              <a:rPr lang="en-US" sz="4000" dirty="0">
+                <a:latin typeface="Tahoma" pitchFamily="34" charset="0"/>
+                <a:ea typeface="Tahoma" pitchFamily="34" charset="0"/>
+                <a:cs typeface="Tahoma" pitchFamily="34" charset="0"/>
+              </a:rPr>
+              <a:t>Dr. Robert </a:t>
+            </a:r>
+            <a:r>
+              <a:rPr lang="en-US" sz="4000" dirty="0" err="1" smtClean="0">
+                <a:latin typeface="Tahoma" pitchFamily="34" charset="0"/>
+                <a:ea typeface="Tahoma" pitchFamily="34" charset="0"/>
+                <a:cs typeface="Tahoma" pitchFamily="34" charset="0"/>
+              </a:rPr>
+              <a:t>Dondero</a:t>
+            </a:r>
+            <a:endParaRPr lang="en-US" sz="4000" dirty="0">
+              <a:latin typeface="Tahoma" pitchFamily="34" charset="0"/>
+              <a:ea typeface="Tahoma" pitchFamily="34" charset="0"/>
+              <a:cs typeface="Tahoma" pitchFamily="34" charset="0"/>
+            </a:endParaRPr>
+          </a:p>
+          <a:p>
+            <a:pPr marL="0" indent="0" algn="ctr">
+              <a:lnSpc>
+                <a:spcPct val="150000"/>
+              </a:lnSpc>
+              <a:spcBef>
+                <a:spcPct val="0"/>
+              </a:spcBef>
+              <a:buNone/>
+            </a:pPr>
+            <a:r>
+              <a:rPr lang="en-US" sz="4000" dirty="0" err="1">
+                <a:latin typeface="Tahoma" pitchFamily="34" charset="0"/>
+                <a:ea typeface="Tahoma" pitchFamily="34" charset="0"/>
+                <a:cs typeface="Tahoma" pitchFamily="34" charset="0"/>
+              </a:rPr>
+              <a:t>Gyeong-Sik</a:t>
+            </a:r>
+            <a:r>
+              <a:rPr lang="en-US" sz="4000" dirty="0">
+                <a:latin typeface="Tahoma" pitchFamily="34" charset="0"/>
+                <a:ea typeface="Tahoma" pitchFamily="34" charset="0"/>
+                <a:cs typeface="Tahoma" pitchFamily="34" charset="0"/>
+              </a:rPr>
+              <a:t> </a:t>
+            </a:r>
+            <a:r>
+              <a:rPr lang="en-US" sz="4000" dirty="0" err="1" smtClean="0">
+                <a:latin typeface="Tahoma" pitchFamily="34" charset="0"/>
+                <a:ea typeface="Tahoma" pitchFamily="34" charset="0"/>
+                <a:cs typeface="Tahoma" pitchFamily="34" charset="0"/>
+              </a:rPr>
+              <a:t>Choi</a:t>
+            </a:r>
             <a:r>
               <a:rPr lang="en-US" sz="4000" dirty="0" smtClean="0">
                 <a:latin typeface="Tahoma" pitchFamily="34" charset="0"/>
                 <a:ea typeface="Tahoma" pitchFamily="34" charset="0"/>
                 <a:cs typeface="Tahoma" pitchFamily="34" charset="0"/>
               </a:rPr>
-              <a:t>Finish file tree</a:t>
-            </a:r>
-          </a:p>
-          <a:p>
-            <a:pPr marL="457191" lvl="1" indent="-342893">
+              <a:t> </a:t>
+            </a:r>
+            <a:r>
+              <a:rPr lang="en-US" sz="4000" dirty="0">
+                <a:latin typeface="Tahoma" pitchFamily="34" charset="0"/>
+                <a:ea typeface="Tahoma" pitchFamily="34" charset="0"/>
+                <a:cs typeface="Tahoma" pitchFamily="34" charset="0"/>
+              </a:rPr>
+              <a:t>&amp; </a:t>
+            </a:r>
+            <a:r>
+              <a:rPr lang="en-US" sz="4000" dirty="0" smtClean="0">
+                <a:latin typeface="Tahoma" pitchFamily="34" charset="0"/>
+                <a:ea typeface="Tahoma" pitchFamily="34" charset="0"/>
+                <a:cs typeface="Tahoma" pitchFamily="34" charset="0"/>
+              </a:rPr>
+              <a:t>our study group</a:t>
+            </a:r>
+          </a:p>
+          <a:p>
+            <a:pPr marL="0" indent="0" algn="ctr">
               <a:lnSpc>
-                <a:spcPct val="95000"/>
+                <a:spcPct val="150000"/>
               </a:lnSpc>
               <a:spcBef>
                 <a:spcPct val="0"/>
               </a:spcBef>
-              <a:buClr>
-                <a:srgbClr val="000000"/>
-              </a:buClr>
-              <a:buFontTx/>
-              <a:buChar char="•"/>
+              <a:buNone/>
             </a:pPr>
             <a:r>
               <a:rPr lang="en-US" sz="4000" dirty="0" smtClean="0">
@@ -6961,67 +7904,13 @@
                 <a:ea typeface="Tahoma" pitchFamily="34" charset="0"/>
                 <a:cs typeface="Tahoma" pitchFamily="34" charset="0"/>
               </a:rPr>
-              <a:t>Protect &amp; improve text </a:t>
-            </a:r>
-            <a:r>
-              <a:rPr lang="en-US" sz="4000" dirty="0" smtClean="0">
-                <a:latin typeface="Tahoma" pitchFamily="34" charset="0"/>
-                <a:ea typeface="Tahoma" pitchFamily="34" charset="0"/>
-                <a:cs typeface="Tahoma" pitchFamily="34" charset="0"/>
-              </a:rPr>
-              <a:t>chat</a:t>
-            </a:r>
-            <a:endParaRPr lang="en-US" sz="4000" dirty="0" smtClean="0">
+              <a:t>You</a:t>
+            </a:r>
+            <a:endParaRPr lang="en-US" sz="4000" dirty="0">
               <a:latin typeface="Tahoma" pitchFamily="34" charset="0"/>
               <a:ea typeface="Tahoma" pitchFamily="34" charset="0"/>
               <a:cs typeface="Tahoma" pitchFamily="34" charset="0"/>
             </a:endParaRPr>
-          </a:p>
-          <a:p>
-            <a:pPr marL="457191" lvl="1" indent="-342893">
-              <a:lnSpc>
-                <a:spcPct val="95000"/>
-              </a:lnSpc>
-              <a:spcBef>
-                <a:spcPct val="0"/>
-              </a:spcBef>
-              <a:buClr>
-                <a:srgbClr val="000000"/>
-              </a:buClr>
-              <a:buFontTx/>
-              <a:buChar char="•"/>
-            </a:pPr>
-            <a:r>
-              <a:rPr lang="en-US" sz="4000" dirty="0" smtClean="0">
-                <a:latin typeface="Tahoma" pitchFamily="34" charset="0"/>
-                <a:ea typeface="Tahoma" pitchFamily="34" charset="0"/>
-                <a:cs typeface="Tahoma" pitchFamily="34" charset="0"/>
-              </a:rPr>
-              <a:t>Fix flash</a:t>
-            </a:r>
-          </a:p>
-          <a:p>
-            <a:pPr marL="457191" lvl="1" indent="-342893">
-              <a:lnSpc>
-                <a:spcPct val="95000"/>
-              </a:lnSpc>
-              <a:spcBef>
-                <a:spcPct val="0"/>
-              </a:spcBef>
-              <a:buClr>
-                <a:srgbClr val="000000"/>
-              </a:buClr>
-              <a:buFontTx/>
-              <a:buChar char="•"/>
-            </a:pPr>
-            <a:r>
-              <a:rPr lang="en-US" sz="4000" dirty="0" smtClean="0">
-                <a:latin typeface="Tahoma" pitchFamily="34" charset="0"/>
-                <a:ea typeface="Tahoma" pitchFamily="34" charset="0"/>
-                <a:cs typeface="Tahoma" pitchFamily="34" charset="0"/>
-              </a:rPr>
-              <a:t>Bug hunts…</a:t>
-            </a:r>
           </a:p>
         </p:txBody>
       </p:sp>
@@ -7059,279 +7948,6 @@
       </p:grpSpPr>
       <p:sp>
         <p:nvSpPr>
-          <p:cNvPr id="16385" name="Rectangle 1"/>
-          <p:cNvSpPr>
-            <a:spLocks noGrp="1" noChangeArrowheads="1"/>
-          </p:cNvSpPr>
-          <p:nvPr>
-            <p:ph type="title"/>
-          </p:nvPr>
-        </p:nvSpPr>
-        <p:spPr>
-          <a:xfrm>
-            <a:off x="247650" y="304800"/>
-            <a:ext cx="9664700" cy="914400"/>
-          </a:xfrm>
-        </p:spPr>
-        <p:txBody>
-          <a:bodyPr lIns="0" tIns="0" rIns="0" bIns="0" anchor="t">
-            <a:normAutofit/>
-          </a:bodyPr>
-          <a:lstStyle/>
-          <a:p>
-            <a:pPr algn="l">
-              <a:lnSpc>
-                <a:spcPct val="95000"/>
-              </a:lnSpc>
-            </a:pPr>
-            <a:r>
-              <a:rPr lang="en-US" sz="5400" i="1" dirty="0">
-                <a:solidFill>
-                  <a:srgbClr val="DEAF0D"/>
-                </a:solidFill>
-                <a:latin typeface="Garamond" pitchFamily="18" charset="0"/>
-              </a:rPr>
-              <a:t>Acknowledgements</a:t>
-            </a:r>
-          </a:p>
-        </p:txBody>
-      </p:sp>
-      <p:sp>
-        <p:nvSpPr>
-          <p:cNvPr id="16386" name="Rectangle 2"/>
-          <p:cNvSpPr>
-            <a:spLocks noGrp="1" noChangeArrowheads="1"/>
-          </p:cNvSpPr>
-          <p:nvPr>
-            <p:ph idx="1"/>
-          </p:nvPr>
-        </p:nvSpPr>
-        <p:spPr>
-          <a:xfrm>
-            <a:off x="247650" y="2057400"/>
-            <a:ext cx="9664700" cy="5486400"/>
-          </a:xfrm>
-        </p:spPr>
-        <p:txBody>
-          <a:bodyPr lIns="0" tIns="0" rIns="0" bIns="0">
-            <a:noAutofit/>
-          </a:bodyPr>
-          <a:lstStyle/>
-          <a:p>
-            <a:pPr marL="0" indent="0" algn="ctr">
-              <a:lnSpc>
-                <a:spcPct val="150000"/>
-              </a:lnSpc>
-              <a:spcBef>
-                <a:spcPct val="0"/>
-              </a:spcBef>
-              <a:buNone/>
-            </a:pPr>
-            <a:r>
-              <a:rPr lang="en-US" sz="4000" dirty="0" smtClean="0">
-                <a:latin typeface="Tahoma" pitchFamily="34" charset="0"/>
-                <a:ea typeface="Tahoma" pitchFamily="34" charset="0"/>
-                <a:cs typeface="Tahoma" pitchFamily="34" charset="0"/>
-              </a:rPr>
-              <a:t>Prof. Kernighan</a:t>
-            </a:r>
-            <a:endParaRPr lang="en-US" sz="4000" dirty="0">
-              <a:latin typeface="Tahoma" pitchFamily="34" charset="0"/>
-              <a:ea typeface="Tahoma" pitchFamily="34" charset="0"/>
-              <a:cs typeface="Tahoma" pitchFamily="34" charset="0"/>
-            </a:endParaRPr>
-          </a:p>
-          <a:p>
-            <a:pPr marL="0" indent="0" algn="ctr">
-              <a:lnSpc>
-                <a:spcPct val="150000"/>
-              </a:lnSpc>
-              <a:spcBef>
-                <a:spcPct val="0"/>
-              </a:spcBef>
-              <a:buNone/>
-            </a:pPr>
-            <a:r>
-              <a:rPr lang="en-US" sz="4000" dirty="0" err="1">
-                <a:latin typeface="Tahoma" pitchFamily="34" charset="0"/>
-                <a:ea typeface="Tahoma" pitchFamily="34" charset="0"/>
-                <a:cs typeface="Tahoma" pitchFamily="34" charset="0"/>
-              </a:rPr>
-              <a:t>Peng</a:t>
-            </a:r>
-            <a:r>
-              <a:rPr lang="en-US" sz="4000" dirty="0">
-                <a:latin typeface="Tahoma" pitchFamily="34" charset="0"/>
-                <a:ea typeface="Tahoma" pitchFamily="34" charset="0"/>
-                <a:cs typeface="Tahoma" pitchFamily="34" charset="0"/>
-              </a:rPr>
-              <a:t> </a:t>
-            </a:r>
-            <a:r>
-              <a:rPr lang="en-US" sz="4000" dirty="0" smtClean="0">
-                <a:latin typeface="Tahoma" pitchFamily="34" charset="0"/>
-                <a:ea typeface="Tahoma" pitchFamily="34" charset="0"/>
-                <a:cs typeface="Tahoma" pitchFamily="34" charset="0"/>
-              </a:rPr>
-              <a:t>Jiang</a:t>
-            </a:r>
-            <a:endParaRPr lang="en-US" sz="4000" dirty="0">
-              <a:latin typeface="Tahoma" pitchFamily="34" charset="0"/>
-              <a:ea typeface="Tahoma" pitchFamily="34" charset="0"/>
-              <a:cs typeface="Tahoma" pitchFamily="34" charset="0"/>
-            </a:endParaRPr>
-          </a:p>
-          <a:p>
-            <a:pPr marL="0" indent="0" algn="ctr">
-              <a:lnSpc>
-                <a:spcPct val="150000"/>
-              </a:lnSpc>
-              <a:spcBef>
-                <a:spcPct val="0"/>
-              </a:spcBef>
-              <a:buNone/>
-            </a:pPr>
-            <a:r>
-              <a:rPr lang="en-US" sz="4000" dirty="0">
-                <a:latin typeface="Tahoma" pitchFamily="34" charset="0"/>
-                <a:ea typeface="Tahoma" pitchFamily="34" charset="0"/>
-                <a:cs typeface="Tahoma" pitchFamily="34" charset="0"/>
-              </a:rPr>
-              <a:t>Dr. Robert </a:t>
-            </a:r>
-            <a:r>
-              <a:rPr lang="en-US" sz="4000" dirty="0" err="1" smtClean="0">
-                <a:latin typeface="Tahoma" pitchFamily="34" charset="0"/>
-                <a:ea typeface="Tahoma" pitchFamily="34" charset="0"/>
-                <a:cs typeface="Tahoma" pitchFamily="34" charset="0"/>
-              </a:rPr>
-              <a:t>Dondero</a:t>
-            </a:r>
-            <a:endParaRPr lang="en-US" sz="4000" dirty="0">
-              <a:latin typeface="Tahoma" pitchFamily="34" charset="0"/>
-              <a:ea typeface="Tahoma" pitchFamily="34" charset="0"/>
-              <a:cs typeface="Tahoma" pitchFamily="34" charset="0"/>
-            </a:endParaRPr>
-          </a:p>
-          <a:p>
-            <a:pPr marL="0" indent="0" algn="ctr">
-              <a:lnSpc>
-                <a:spcPct val="150000"/>
-              </a:lnSpc>
-              <a:spcBef>
-                <a:spcPct val="0"/>
-              </a:spcBef>
-              <a:buNone/>
-            </a:pPr>
-            <a:r>
-              <a:rPr lang="en-US" sz="4000" dirty="0" err="1">
-                <a:latin typeface="Tahoma" pitchFamily="34" charset="0"/>
-                <a:ea typeface="Tahoma" pitchFamily="34" charset="0"/>
-                <a:cs typeface="Tahoma" pitchFamily="34" charset="0"/>
-              </a:rPr>
-              <a:t>Gyeong-Sik</a:t>
-            </a:r>
-            <a:r>
-              <a:rPr lang="en-US" sz="4000" dirty="0">
-                <a:latin typeface="Tahoma" pitchFamily="34" charset="0"/>
-                <a:ea typeface="Tahoma" pitchFamily="34" charset="0"/>
-                <a:cs typeface="Tahoma" pitchFamily="34" charset="0"/>
-              </a:rPr>
-              <a:t> </a:t>
-            </a:r>
-            <a:r>
-              <a:rPr lang="en-US" sz="4000" dirty="0" err="1" smtClean="0">
-                <a:latin typeface="Tahoma" pitchFamily="34" charset="0"/>
-                <a:ea typeface="Tahoma" pitchFamily="34" charset="0"/>
-                <a:cs typeface="Tahoma" pitchFamily="34" charset="0"/>
-              </a:rPr>
-              <a:t>Choi</a:t>
-            </a:r>
-            <a:r>
-              <a:rPr lang="en-US" sz="4000" dirty="0" smtClean="0">
-                <a:latin typeface="Tahoma" pitchFamily="34" charset="0"/>
-                <a:ea typeface="Tahoma" pitchFamily="34" charset="0"/>
-                <a:cs typeface="Tahoma" pitchFamily="34" charset="0"/>
-              </a:rPr>
-              <a:t> </a:t>
-            </a:r>
-            <a:r>
-              <a:rPr lang="en-US" sz="4000" dirty="0">
-                <a:latin typeface="Tahoma" pitchFamily="34" charset="0"/>
-                <a:ea typeface="Tahoma" pitchFamily="34" charset="0"/>
-                <a:cs typeface="Tahoma" pitchFamily="34" charset="0"/>
-              </a:rPr>
-              <a:t>&amp; </a:t>
-            </a:r>
-            <a:r>
-              <a:rPr lang="en-US" sz="4000" dirty="0" smtClean="0">
-                <a:latin typeface="Tahoma" pitchFamily="34" charset="0"/>
-                <a:ea typeface="Tahoma" pitchFamily="34" charset="0"/>
-                <a:cs typeface="Tahoma" pitchFamily="34" charset="0"/>
-              </a:rPr>
-              <a:t>our study group</a:t>
-            </a:r>
-          </a:p>
-          <a:p>
-            <a:pPr marL="0" indent="0" algn="ctr">
-              <a:lnSpc>
-                <a:spcPct val="150000"/>
-              </a:lnSpc>
-              <a:spcBef>
-                <a:spcPct val="0"/>
-              </a:spcBef>
-              <a:buNone/>
-            </a:pPr>
-            <a:r>
-              <a:rPr lang="en-US" sz="4000" dirty="0" smtClean="0">
-                <a:latin typeface="Tahoma" pitchFamily="34" charset="0"/>
-                <a:ea typeface="Tahoma" pitchFamily="34" charset="0"/>
-                <a:cs typeface="Tahoma" pitchFamily="34" charset="0"/>
-              </a:rPr>
-              <a:t>You</a:t>
-            </a:r>
-            <a:endParaRPr lang="en-US" sz="4000" dirty="0">
-              <a:latin typeface="Tahoma" pitchFamily="34" charset="0"/>
-              <a:ea typeface="Tahoma" pitchFamily="34" charset="0"/>
-              <a:cs typeface="Tahoma" pitchFamily="34" charset="0"/>
-            </a:endParaRPr>
-          </a:p>
-        </p:txBody>
-      </p:sp>
-    </p:spTree>
-  </p:cSld>
-  <p:clrMapOvr>
-    <a:masterClrMapping/>
-  </p:clrMapOvr>
-  <p:timing>
-    <p:tnLst>
-      <p:par>
-        <p:cTn id="1" dur="indefinite" restart="never" nodeType="tmRoot"/>
-      </p:par>
-    </p:tnLst>
-  </p:timing>
-</p:sld>
-</file>
-
-<file path=ppt/slides/slide17.xml><?xml version="1.0" encoding="utf-8"?>
-<p:sld xmlns:a="http://schemas.openxmlformats.org/drawingml/2006/main" xmlns:r="http://schemas.openxmlformats.org/officeDocument/2006/relationships" xmlns:p="http://schemas.openxmlformats.org/presentationml/2006/main">
-  <p:cSld>
-    <p:spTree>
-      <p:nvGrpSpPr>
-        <p:cNvPr id="1" name=""/>
-        <p:cNvGrpSpPr/>
-        <p:nvPr/>
-      </p:nvGrpSpPr>
-      <p:grpSpPr>
-        <a:xfrm>
-          <a:off x="0" y="0"/>
-          <a:ext cx="0" cy="0"/>
-          <a:chOff x="0" y="0"/>
-          <a:chExt cx="0" cy="0"/>
-        </a:xfrm>
-      </p:grpSpPr>
-      <p:sp>
-        <p:nvSpPr>
           <p:cNvPr id="18433" name="Rectangle 1"/>
           <p:cNvSpPr>
             <a:spLocks noGrp="1" noChangeArrowheads="1"/>
@@ -7800,32 +8416,56 @@
               </a:lnSpc>
             </a:pPr>
             <a:r>
-              <a:rPr lang="en-US" sz="5400" i="1" dirty="0">
+              <a:rPr lang="en-US" sz="5400" i="1" dirty="0" smtClean="0">
                 <a:solidFill>
                   <a:srgbClr val="DEAF0D"/>
                 </a:solidFill>
                 <a:latin typeface="Garamond" pitchFamily="18" charset="0"/>
               </a:rPr>
-              <a:t>Why </a:t>
-            </a:r>
-            <a:r>
-              <a:rPr lang="en-US" sz="5400" i="1" dirty="0" err="1">
+              <a:t>What </a:t>
+            </a:r>
+            <a:r>
+              <a:rPr lang="en-US" sz="5400" i="1" u="sng" dirty="0" smtClean="0">
                 <a:solidFill>
                   <a:srgbClr val="DEAF0D"/>
                 </a:solidFill>
                 <a:latin typeface="Garamond" pitchFamily="18" charset="0"/>
               </a:rPr>
-              <a:t>Pairgramming</a:t>
-            </a:r>
-            <a:r>
-              <a:rPr lang="en-US" sz="5400" i="1" dirty="0">
+              <a:t>is</a:t>
+            </a:r>
+            <a:r>
+              <a:rPr lang="en-US" sz="5400" i="1" dirty="0" smtClean="0">
                 <a:solidFill>
                   <a:srgbClr val="DEAF0D"/>
                 </a:solidFill>
                 <a:latin typeface="Garamond" pitchFamily="18" charset="0"/>
               </a:rPr>
-              <a:t>?</a:t>
-            </a:r>
+              <a:t> the </a:t>
+            </a:r>
+            <a:r>
+              <a:rPr lang="en-US" sz="5400" i="1" dirty="0" err="1" smtClean="0">
+                <a:solidFill>
+                  <a:srgbClr val="DEAF0D"/>
+                </a:solidFill>
+                <a:latin typeface="Garamond" pitchFamily="18" charset="0"/>
+              </a:rPr>
+              <a:t>Pairgramming</a:t>
+            </a:r>
+            <a:r>
+              <a:rPr lang="en-US" sz="5400" i="1" dirty="0" smtClean="0">
+                <a:solidFill>
+                  <a:srgbClr val="DEAF0D"/>
+                </a:solidFill>
+                <a:latin typeface="Garamond" pitchFamily="18" charset="0"/>
+              </a:rPr>
+              <a:t> app?</a:t>
+            </a:r>
+            <a:endParaRPr lang="en-US" sz="5400" i="1" dirty="0">
+              <a:solidFill>
+                <a:srgbClr val="DEAF0D"/>
+              </a:solidFill>
+              <a:latin typeface="Garamond" pitchFamily="18" charset="0"/>
+            </a:endParaRPr>
           </a:p>
         </p:txBody>
       </p:sp>
@@ -7842,7 +8482,7 @@
         <p:spPr>
           <a:xfrm>
             <a:off x="965200" y="2133600"/>
-            <a:ext cx="8870950" cy="5486400"/>
+            <a:ext cx="8763000" cy="4953000"/>
           </a:xfrm>
         </p:spPr>
         <p:txBody>
@@ -7861,16 +8501,31 @@
               <a:buClr>
                 <a:srgbClr val="000000"/>
               </a:buClr>
-              <a:buFontTx/>
-              <a:buChar char="•"/>
+              <a:buNone/>
             </a:pPr>
             <a:r>
-              <a:rPr lang="en-US" sz="4000" dirty="0">
+              <a:rPr lang="en-US" sz="4000" dirty="0" smtClean="0">
                 <a:latin typeface="Tahoma" pitchFamily="34" charset="0"/>
                 <a:ea typeface="Tahoma" pitchFamily="34" charset="0"/>
                 <a:cs typeface="Tahoma" pitchFamily="34" charset="0"/>
               </a:rPr>
-              <a:t>Flexibility</a:t>
+              <a:t>a web-based </a:t>
+            </a:r>
+            <a:r>
+              <a:rPr lang="en-US" sz="4000" dirty="0" smtClean="0">
+                <a:latin typeface="Tahoma" pitchFamily="34" charset="0"/>
+                <a:ea typeface="Tahoma" pitchFamily="34" charset="0"/>
+                <a:cs typeface="Tahoma" pitchFamily="34" charset="0"/>
+              </a:rPr>
+              <a:t>interface for fully collaborative </a:t>
+            </a:r>
+            <a:r>
+              <a:rPr lang="en-US" sz="4000" dirty="0" smtClean="0">
+                <a:latin typeface="Tahoma" pitchFamily="34" charset="0"/>
+                <a:ea typeface="Tahoma" pitchFamily="34" charset="0"/>
+                <a:cs typeface="Tahoma" pitchFamily="34" charset="0"/>
+              </a:rPr>
+              <a:t>programming:</a:t>
             </a:r>
           </a:p>
           <a:p>
@@ -7884,17 +8539,13 @@
               <a:buClr>
                 <a:srgbClr val="000000"/>
               </a:buClr>
-              <a:buFontTx/>
-              <a:buChar char="•"/>
+              <a:buNone/>
             </a:pPr>
-            <a:r>
-              <a:rPr lang="en-US" sz="4000" dirty="0">
-                <a:latin typeface="Tahoma" pitchFamily="34" charset="0"/>
-                <a:ea typeface="Tahoma" pitchFamily="34" charset="0"/>
-                <a:cs typeface="Tahoma" pitchFamily="34" charset="0"/>
-              </a:rPr>
-              <a:t>Save time</a:t>
-            </a:r>
+            <a:endParaRPr lang="en-US" sz="4000" dirty="0" smtClean="0">
+              <a:latin typeface="Tahoma" pitchFamily="34" charset="0"/>
+              <a:ea typeface="Tahoma" pitchFamily="34" charset="0"/>
+              <a:cs typeface="Tahoma" pitchFamily="34" charset="0"/>
+            </a:endParaRPr>
           </a:p>
           <a:p>
             <a:pPr marL="457191" lvl="1" indent="-342893">
@@ -7907,16 +8558,15 @@
               <a:buClr>
                 <a:srgbClr val="000000"/>
               </a:buClr>
-              <a:buFontTx/>
-              <a:buChar char="•"/>
+              <a:buNone/>
             </a:pPr>
             <a:r>
-              <a:rPr lang="en-US" sz="4000" dirty="0">
+              <a:rPr lang="en-US" sz="4000" dirty="0" smtClean="0">
                 <a:latin typeface="Tahoma" pitchFamily="34" charset="0"/>
                 <a:ea typeface="Tahoma" pitchFamily="34" charset="0"/>
                 <a:cs typeface="Tahoma" pitchFamily="34" charset="0"/>
               </a:rPr>
-              <a:t>Built-in SVN</a:t>
+              <a:t>	1. console</a:t>
             </a:r>
           </a:p>
           <a:p>
@@ -7930,16 +8580,23 @@
               <a:buClr>
                 <a:srgbClr val="000000"/>
               </a:buClr>
-              <a:buFontTx/>
-              <a:buChar char="•"/>
+              <a:buNone/>
             </a:pPr>
             <a:r>
-              <a:rPr lang="en-US" sz="4000" dirty="0">
+              <a:rPr lang="en-US" sz="4000" dirty="0" smtClean="0">
                 <a:latin typeface="Tahoma" pitchFamily="34" charset="0"/>
                 <a:ea typeface="Tahoma" pitchFamily="34" charset="0"/>
                 <a:cs typeface="Tahoma" pitchFamily="34" charset="0"/>
               </a:rPr>
-              <a:t>Multiplatform</a:t>
+              <a:t>	</a:t>
+            </a:r>
+            <a:r>
+              <a:rPr lang="en-US" sz="4000" dirty="0" smtClean="0">
+                <a:latin typeface="Tahoma" pitchFamily="34" charset="0"/>
+                <a:ea typeface="Tahoma" pitchFamily="34" charset="0"/>
+                <a:cs typeface="Tahoma" pitchFamily="34" charset="0"/>
+              </a:rPr>
+              <a:t>2. GUI syntax-highlighted text editor</a:t>
             </a:r>
           </a:p>
           <a:p>
@@ -7953,16 +8610,23 @@
               <a:buClr>
                 <a:srgbClr val="000000"/>
               </a:buClr>
-              <a:buFontTx/>
-              <a:buChar char="•"/>
+              <a:buNone/>
             </a:pPr>
             <a:r>
-              <a:rPr lang="en-US" sz="4000" dirty="0">
+              <a:rPr lang="en-US" sz="4000" dirty="0" smtClean="0">
                 <a:latin typeface="Tahoma" pitchFamily="34" charset="0"/>
                 <a:ea typeface="Tahoma" pitchFamily="34" charset="0"/>
                 <a:cs typeface="Tahoma" pitchFamily="34" charset="0"/>
               </a:rPr>
-              <a:t>No special installations</a:t>
+              <a:t>	</a:t>
+            </a:r>
+            <a:r>
+              <a:rPr lang="en-US" sz="4000" dirty="0" smtClean="0">
+                <a:latin typeface="Tahoma" pitchFamily="34" charset="0"/>
+                <a:ea typeface="Tahoma" pitchFamily="34" charset="0"/>
+                <a:cs typeface="Tahoma" pitchFamily="34" charset="0"/>
+              </a:rPr>
+              <a:t>3. communication</a:t>
             </a:r>
           </a:p>
           <a:p>
@@ -7976,62 +8640,23 @@
               <a:buClr>
                 <a:srgbClr val="000000"/>
               </a:buClr>
-              <a:buFontTx/>
-              <a:buChar char="•"/>
+              <a:buNone/>
             </a:pPr>
             <a:r>
-              <a:rPr lang="en-US" sz="4000" dirty="0">
+              <a:rPr lang="en-US" sz="4000" dirty="0" smtClean="0">
                 <a:latin typeface="Tahoma" pitchFamily="34" charset="0"/>
                 <a:ea typeface="Tahoma" pitchFamily="34" charset="0"/>
                 <a:cs typeface="Tahoma" pitchFamily="34" charset="0"/>
               </a:rPr>
-              <a:t>Syntax highlighting GUI</a:t>
-            </a:r>
-          </a:p>
-          <a:p>
-            <a:pPr marL="457191" lvl="1" indent="-342893">
-              <a:lnSpc>
-                <a:spcPct val="95000"/>
-              </a:lnSpc>
-              <a:spcBef>
-                <a:spcPct val="0"/>
-              </a:spcBef>
-              <a:buClr>
-                <a:srgbClr val="000000"/>
-              </a:buClr>
-              <a:buFontTx/>
-              <a:buChar char="•"/>
-            </a:pPr>
-            <a:r>
-              <a:rPr lang="en-US" sz="4000" dirty="0">
+              <a:t>	</a:t>
+            </a:r>
+            <a:r>
+              <a:rPr lang="en-US" sz="4000" dirty="0" smtClean="0">
                 <a:latin typeface="Tahoma" pitchFamily="34" charset="0"/>
                 <a:ea typeface="Tahoma" pitchFamily="34" charset="0"/>
                 <a:cs typeface="Tahoma" pitchFamily="34" charset="0"/>
               </a:rPr>
-              <a:t>Security</a:t>
-            </a:r>
-          </a:p>
-          <a:p>
-            <a:pPr marL="457191" lvl="1" indent="-342893">
-              <a:lnSpc>
-                <a:spcPct val="95000"/>
-              </a:lnSpc>
-              <a:spcBef>
-                <a:spcPct val="0"/>
-              </a:spcBef>
-              <a:buClr>
-                <a:srgbClr val="000000"/>
-              </a:buClr>
-              <a:buFontTx/>
-              <a:buChar char="•"/>
-            </a:pPr>
-            <a:r>
-              <a:rPr lang="en-US" sz="4000" dirty="0">
-                <a:latin typeface="Tahoma" pitchFamily="34" charset="0"/>
-                <a:ea typeface="Tahoma" pitchFamily="34" charset="0"/>
-                <a:cs typeface="Tahoma" pitchFamily="34" charset="0"/>
-              </a:rPr>
-              <a:t>Centralized</a:t>
+              <a:t>4. file management</a:t>
             </a:r>
           </a:p>
         </p:txBody>
@@ -8068,279 +8693,245 @@
           <a:chExt cx="0" cy="0"/>
         </a:xfrm>
       </p:grpSpPr>
-      <p:grpSp>
-        <p:nvGrpSpPr>
-          <p:cNvPr id="2" name="Group 48"/>
-          <p:cNvGrpSpPr/>
-          <p:nvPr/>
-        </p:nvGrpSpPr>
-        <p:grpSpPr>
+      <p:sp>
+        <p:nvSpPr>
+          <p:cNvPr id="7169" name="Rectangle 1"/>
+          <p:cNvSpPr>
+            <a:spLocks noGrp="1" noChangeArrowheads="1"/>
+          </p:cNvSpPr>
+          <p:nvPr>
+            <p:ph type="title"/>
+          </p:nvPr>
+        </p:nvSpPr>
+        <p:spPr>
           <a:xfrm>
-            <a:off x="127000" y="4800600"/>
-            <a:ext cx="2819400" cy="2286000"/>
-            <a:chOff x="584200" y="4648200"/>
-            <a:chExt cx="5181600" cy="2971800"/>
+            <a:off x="247650" y="304800"/>
+            <a:ext cx="9664700" cy="914400"/>
           </a:xfrm>
-          <a:solidFill>
-            <a:schemeClr val="accent2">
-              <a:lumMod val="40000"/>
-              <a:lumOff val="60000"/>
-            </a:schemeClr>
-          </a:solidFill>
-        </p:grpSpPr>
-        <p:sp>
-          <p:nvSpPr>
-            <p:cNvPr id="50" name="Rectangle 49"/>
-            <p:cNvSpPr/>
-            <p:nvPr/>
-          </p:nvSpPr>
-          <p:spPr>
-            <a:xfrm>
-              <a:off x="584200" y="4648200"/>
-              <a:ext cx="2590800" cy="2971800"/>
-            </a:xfrm>
-            <a:prstGeom prst="rect">
-              <a:avLst/>
-            </a:prstGeom>
-            <a:solidFill>
-              <a:schemeClr val="accent2">
-                <a:lumMod val="60000"/>
-                <a:lumOff val="40000"/>
-              </a:schemeClr>
-            </a:solidFill>
-            <a:ln>
-              <a:noFill/>
-            </a:ln>
-          </p:spPr>
-          <p:style>
-            <a:lnRef idx="1">
-              <a:schemeClr val="accent2"/>
-            </a:lnRef>
-            <a:fillRef idx="3">
-              <a:schemeClr val="accent2"/>
-            </a:fillRef>
-            <a:effectRef idx="2">
-              <a:schemeClr val="accent2"/>
-            </a:effectRef>
-            <a:fontRef idx="minor">
-              <a:schemeClr val="lt1"/>
-            </a:fontRef>
-          </p:style>
-          <p:txBody>
-            <a:bodyPr rtlCol="0" anchor="ctr"/>
-            <a:lstStyle/>
-            <a:p>
-              <a:pPr algn="ctr"/>
-              <a:r>
-                <a:rPr lang="en-US" sz="2100" dirty="0" smtClean="0">
-                  <a:solidFill>
-                    <a:schemeClr val="tx1"/>
-                  </a:solidFill>
-                  <a:latin typeface="Tahoma" pitchFamily="34" charset="0"/>
-                  <a:ea typeface="Tahoma" pitchFamily="34" charset="0"/>
-                  <a:cs typeface="Tahoma" pitchFamily="34" charset="0"/>
-                </a:rPr>
-                <a:t>Editor</a:t>
-              </a:r>
-              <a:endParaRPr lang="en-US" sz="2100" dirty="0">
+        </p:spPr>
+        <p:txBody>
+          <a:bodyPr lIns="0" tIns="0" rIns="0" bIns="0" anchor="t">
+            <a:normAutofit/>
+          </a:bodyPr>
+          <a:lstStyle/>
+          <a:p>
+            <a:pPr algn="l">
+              <a:lnSpc>
+                <a:spcPct val="95000"/>
+              </a:lnSpc>
+            </a:pPr>
+            <a:r>
+              <a:rPr lang="en-US" sz="5400" i="1" dirty="0">
                 <a:solidFill>
-                  <a:schemeClr val="tx1"/>
+                  <a:srgbClr val="DEAF0D"/>
                 </a:solidFill>
+                <a:latin typeface="Garamond" pitchFamily="18" charset="0"/>
+              </a:rPr>
+              <a:t>Why </a:t>
+            </a:r>
+            <a:r>
+              <a:rPr lang="en-US" sz="5400" i="1" dirty="0" err="1">
+                <a:solidFill>
+                  <a:srgbClr val="DEAF0D"/>
+                </a:solidFill>
+                <a:latin typeface="Garamond" pitchFamily="18" charset="0"/>
+              </a:rPr>
+              <a:t>Pairgramming</a:t>
+            </a:r>
+            <a:r>
+              <a:rPr lang="en-US" sz="5400" i="1" dirty="0">
+                <a:solidFill>
+                  <a:srgbClr val="DEAF0D"/>
+                </a:solidFill>
+                <a:latin typeface="Garamond" pitchFamily="18" charset="0"/>
+              </a:rPr>
+              <a:t>?</a:t>
+            </a:r>
+          </a:p>
+        </p:txBody>
+      </p:sp>
+      <p:sp>
+        <p:nvSpPr>
+          <p:cNvPr id="7170" name="Rectangle 2"/>
+          <p:cNvSpPr>
+            <a:spLocks noGrp="1" noChangeArrowheads="1"/>
+          </p:cNvSpPr>
+          <p:nvPr>
+            <p:ph idx="1"/>
+          </p:nvPr>
+        </p:nvSpPr>
+        <p:spPr>
+          <a:xfrm>
+            <a:off x="965200" y="2133600"/>
+            <a:ext cx="8870950" cy="5486400"/>
+          </a:xfrm>
+        </p:spPr>
+        <p:txBody>
+          <a:bodyPr lIns="0" tIns="0" rIns="0" bIns="0">
+            <a:normAutofit/>
+          </a:bodyPr>
+          <a:lstStyle/>
+          <a:p>
+            <a:pPr marL="457191" lvl="1" indent="-342893">
+              <a:lnSpc>
+                <a:spcPct val="95000"/>
+              </a:lnSpc>
+              <a:spcBef>
+                <a:spcPct val="0"/>
+              </a:spcBef>
+              <a:buClr>
+                <a:srgbClr val="000000"/>
+              </a:buClr>
+              <a:buFontTx/>
+              <a:buChar char="•"/>
+            </a:pPr>
+            <a:r>
+              <a:rPr lang="en-US" sz="4000" dirty="0">
                 <a:latin typeface="Tahoma" pitchFamily="34" charset="0"/>
                 <a:ea typeface="Tahoma" pitchFamily="34" charset="0"/>
                 <a:cs typeface="Tahoma" pitchFamily="34" charset="0"/>
-              </a:endParaRPr>
-            </a:p>
-          </p:txBody>
-        </p:sp>
-        <p:sp>
-          <p:nvSpPr>
-            <p:cNvPr id="51" name="Rectangle 50"/>
-            <p:cNvSpPr/>
-            <p:nvPr/>
-          </p:nvSpPr>
-          <p:spPr>
-            <a:xfrm>
-              <a:off x="3175000" y="6629400"/>
-              <a:ext cx="2590800" cy="990600"/>
-            </a:xfrm>
-            <a:prstGeom prst="rect">
-              <a:avLst/>
-            </a:prstGeom>
-            <a:solidFill>
-              <a:schemeClr val="accent2">
-                <a:lumMod val="40000"/>
-                <a:lumOff val="60000"/>
-              </a:schemeClr>
-            </a:solidFill>
-            <a:ln>
-              <a:noFill/>
-            </a:ln>
-          </p:spPr>
-          <p:style>
-            <a:lnRef idx="1">
-              <a:schemeClr val="accent2"/>
-            </a:lnRef>
-            <a:fillRef idx="3">
-              <a:schemeClr val="accent2"/>
-            </a:fillRef>
-            <a:effectRef idx="2">
-              <a:schemeClr val="accent2"/>
-            </a:effectRef>
-            <a:fontRef idx="minor">
-              <a:schemeClr val="lt1"/>
-            </a:fontRef>
-          </p:style>
-          <p:txBody>
-            <a:bodyPr rtlCol="0" anchor="ctr"/>
-            <a:lstStyle/>
-            <a:p>
-              <a:pPr algn="ctr"/>
-              <a:r>
-                <a:rPr lang="en-US" sz="2100" dirty="0" smtClean="0">
-                  <a:solidFill>
-                    <a:schemeClr val="tx1"/>
-                  </a:solidFill>
-                  <a:latin typeface="Tahoma" pitchFamily="34" charset="0"/>
-                  <a:ea typeface="Tahoma" pitchFamily="34" charset="0"/>
-                  <a:cs typeface="Tahoma" pitchFamily="34" charset="0"/>
-                </a:rPr>
-                <a:t>Text Chat</a:t>
-              </a:r>
-              <a:endParaRPr lang="en-US" sz="2100" dirty="0">
-                <a:solidFill>
-                  <a:schemeClr val="tx1"/>
-                </a:solidFill>
+              </a:rPr>
+              <a:t>Flexibility</a:t>
+            </a:r>
+          </a:p>
+          <a:p>
+            <a:pPr marL="457191" lvl="1" indent="-342893">
+              <a:lnSpc>
+                <a:spcPct val="95000"/>
+              </a:lnSpc>
+              <a:spcBef>
+                <a:spcPct val="0"/>
+              </a:spcBef>
+              <a:buClr>
+                <a:srgbClr val="000000"/>
+              </a:buClr>
+              <a:buFontTx/>
+              <a:buChar char="•"/>
+            </a:pPr>
+            <a:r>
+              <a:rPr lang="en-US" sz="4000" dirty="0">
                 <a:latin typeface="Tahoma" pitchFamily="34" charset="0"/>
                 <a:ea typeface="Tahoma" pitchFamily="34" charset="0"/>
                 <a:cs typeface="Tahoma" pitchFamily="34" charset="0"/>
-              </a:endParaRPr>
-            </a:p>
-          </p:txBody>
-        </p:sp>
-        <p:sp>
-          <p:nvSpPr>
-            <p:cNvPr id="52" name="Rectangle 51"/>
-            <p:cNvSpPr/>
-            <p:nvPr/>
-          </p:nvSpPr>
-          <p:spPr>
-            <a:xfrm>
-              <a:off x="3175000" y="4648200"/>
-              <a:ext cx="2590800" cy="1981200"/>
-            </a:xfrm>
-            <a:prstGeom prst="rect">
-              <a:avLst/>
-            </a:prstGeom>
-            <a:solidFill>
-              <a:schemeClr val="accent2">
-                <a:lumMod val="20000"/>
-                <a:lumOff val="80000"/>
-              </a:schemeClr>
-            </a:solidFill>
-            <a:ln>
-              <a:noFill/>
-            </a:ln>
-          </p:spPr>
-          <p:style>
-            <a:lnRef idx="1">
-              <a:schemeClr val="accent2"/>
-            </a:lnRef>
-            <a:fillRef idx="3">
-              <a:schemeClr val="accent2"/>
-            </a:fillRef>
-            <a:effectRef idx="2">
-              <a:schemeClr val="accent2"/>
-            </a:effectRef>
-            <a:fontRef idx="minor">
-              <a:schemeClr val="lt1"/>
-            </a:fontRef>
-          </p:style>
-          <p:txBody>
-            <a:bodyPr rtlCol="0" anchor="ctr"/>
-            <a:lstStyle/>
-            <a:p>
-              <a:pPr algn="ctr"/>
-              <a:r>
-                <a:rPr lang="en-US" sz="2100" dirty="0" smtClean="0">
-                  <a:solidFill>
-                    <a:schemeClr val="tx1"/>
-                  </a:solidFill>
-                  <a:latin typeface="Tahoma" pitchFamily="34" charset="0"/>
-                  <a:ea typeface="Tahoma" pitchFamily="34" charset="0"/>
-                  <a:cs typeface="Tahoma" pitchFamily="34" charset="0"/>
-                </a:rPr>
-                <a:t>Console</a:t>
-              </a:r>
-              <a:endParaRPr lang="en-US" sz="2100" dirty="0">
-                <a:solidFill>
-                  <a:schemeClr val="tx1"/>
-                </a:solidFill>
+              </a:rPr>
+              <a:t>Save time</a:t>
+            </a:r>
+          </a:p>
+          <a:p>
+            <a:pPr marL="457191" lvl="1" indent="-342893">
+              <a:lnSpc>
+                <a:spcPct val="95000"/>
+              </a:lnSpc>
+              <a:spcBef>
+                <a:spcPct val="0"/>
+              </a:spcBef>
+              <a:buClr>
+                <a:srgbClr val="000000"/>
+              </a:buClr>
+              <a:buFontTx/>
+              <a:buChar char="•"/>
+            </a:pPr>
+            <a:r>
+              <a:rPr lang="en-US" sz="4000" dirty="0">
                 <a:latin typeface="Tahoma" pitchFamily="34" charset="0"/>
                 <a:ea typeface="Tahoma" pitchFamily="34" charset="0"/>
                 <a:cs typeface="Tahoma" pitchFamily="34" charset="0"/>
-              </a:endParaRPr>
-            </a:p>
-          </p:txBody>
-        </p:sp>
-      </p:grpSp>
-      <p:sp>
-        <p:nvSpPr>
-          <p:cNvPr id="53" name="Rectangle 52"/>
-          <p:cNvSpPr/>
-          <p:nvPr/>
-        </p:nvSpPr>
-        <p:spPr>
-          <a:xfrm>
-            <a:off x="3708400" y="5715000"/>
-            <a:ext cx="838200" cy="457200"/>
-          </a:xfrm>
-          <a:prstGeom prst="rect">
-            <a:avLst/>
-          </a:prstGeom>
-          <a:solidFill>
-            <a:schemeClr val="accent2">
-              <a:lumMod val="75000"/>
-            </a:schemeClr>
-          </a:solidFill>
-          <a:ln>
-            <a:noFill/>
-          </a:ln>
-        </p:spPr>
-        <p:style>
-          <a:lnRef idx="1">
-            <a:schemeClr val="accent2"/>
-          </a:lnRef>
-          <a:fillRef idx="3">
-            <a:schemeClr val="accent2"/>
-          </a:fillRef>
-          <a:effectRef idx="2">
-            <a:schemeClr val="accent2"/>
-          </a:effectRef>
-          <a:fontRef idx="minor">
-            <a:schemeClr val="lt1"/>
-          </a:fontRef>
-        </p:style>
-        <p:txBody>
-          <a:bodyPr rtlCol="0" anchor="ctr"/>
-          <a:lstStyle/>
-          <a:p>
-            <a:pPr algn="ctr"/>
-            <a:r>
-              <a:rPr lang="en-US" sz="2100" dirty="0" smtClean="0">
-                <a:solidFill>
-                  <a:schemeClr val="bg1"/>
-                </a:solidFill>
+              </a:rPr>
+              <a:t>Built-in SVN</a:t>
+            </a:r>
+          </a:p>
+          <a:p>
+            <a:pPr marL="457191" lvl="1" indent="-342893">
+              <a:lnSpc>
+                <a:spcPct val="95000"/>
+              </a:lnSpc>
+              <a:spcBef>
+                <a:spcPct val="0"/>
+              </a:spcBef>
+              <a:buClr>
+                <a:srgbClr val="000000"/>
+              </a:buClr>
+              <a:buFontTx/>
+              <a:buChar char="•"/>
+            </a:pPr>
+            <a:r>
+              <a:rPr lang="en-US" sz="4000" dirty="0">
                 <a:latin typeface="Tahoma" pitchFamily="34" charset="0"/>
                 <a:ea typeface="Tahoma" pitchFamily="34" charset="0"/>
                 <a:cs typeface="Tahoma" pitchFamily="34" charset="0"/>
               </a:rPr>
-              <a:t>SSH</a:t>
-            </a:r>
-            <a:endParaRPr lang="en-US" sz="2100" dirty="0">
-              <a:solidFill>
-                <a:schemeClr val="bg1"/>
-              </a:solidFill>
+              <a:t>Multiplatform</a:t>
+            </a:r>
+          </a:p>
+          <a:p>
+            <a:pPr marL="457191" lvl="1" indent="-342893">
+              <a:lnSpc>
+                <a:spcPct val="95000"/>
+              </a:lnSpc>
+              <a:spcBef>
+                <a:spcPct val="0"/>
+              </a:spcBef>
+              <a:buClr>
+                <a:srgbClr val="000000"/>
+              </a:buClr>
+              <a:buFontTx/>
+              <a:buChar char="•"/>
+            </a:pPr>
+            <a:r>
+              <a:rPr lang="en-US" sz="4000" dirty="0">
+                <a:latin typeface="Tahoma" pitchFamily="34" charset="0"/>
+                <a:ea typeface="Tahoma" pitchFamily="34" charset="0"/>
+                <a:cs typeface="Tahoma" pitchFamily="34" charset="0"/>
+              </a:rPr>
+              <a:t>No special installations</a:t>
+            </a:r>
+          </a:p>
+          <a:p>
+            <a:pPr marL="457191" lvl="1" indent="-342893">
+              <a:lnSpc>
+                <a:spcPct val="95000"/>
+              </a:lnSpc>
+              <a:spcBef>
+                <a:spcPct val="0"/>
+              </a:spcBef>
+              <a:buClr>
+                <a:srgbClr val="000000"/>
+              </a:buClr>
+              <a:buFontTx/>
+              <a:buChar char="•"/>
+            </a:pPr>
+            <a:r>
+              <a:rPr lang="en-US" sz="4000" dirty="0">
+                <a:latin typeface="Tahoma" pitchFamily="34" charset="0"/>
+                <a:ea typeface="Tahoma" pitchFamily="34" charset="0"/>
+                <a:cs typeface="Tahoma" pitchFamily="34" charset="0"/>
+              </a:rPr>
+              <a:t>Syntax highlighting GUI</a:t>
+            </a:r>
+          </a:p>
+          <a:p>
+            <a:pPr marL="457191" lvl="1" indent="-342893">
+              <a:lnSpc>
+                <a:spcPct val="95000"/>
+              </a:lnSpc>
+              <a:spcBef>
+                <a:spcPct val="0"/>
+              </a:spcBef>
+              <a:buClr>
+                <a:srgbClr val="000000"/>
+              </a:buClr>
+              <a:buFontTx/>
+              <a:buChar char="•"/>
+            </a:pPr>
+            <a:r>
+              <a:rPr lang="en-US" sz="4000" dirty="0" smtClean="0">
+                <a:latin typeface="Tahoma" pitchFamily="34" charset="0"/>
+                <a:ea typeface="Tahoma" pitchFamily="34" charset="0"/>
+                <a:cs typeface="Tahoma" pitchFamily="34" charset="0"/>
+              </a:rPr>
+              <a:t>Cohesive</a:t>
+            </a:r>
+            <a:endParaRPr lang="en-US" sz="4000" dirty="0">
               <a:latin typeface="Tahoma" pitchFamily="34" charset="0"/>
               <a:ea typeface="Tahoma" pitchFamily="34" charset="0"/>
               <a:cs typeface="Tahoma" pitchFamily="34" charset="0"/>
@@ -8348,721 +8939,6 @@
           </a:p>
         </p:txBody>
       </p:sp>
-      <p:sp>
-        <p:nvSpPr>
-          <p:cNvPr id="9" name="Title 8"/>
-          <p:cNvSpPr>
-            <a:spLocks noGrp="1"/>
-          </p:cNvSpPr>
-          <p:nvPr>
-            <p:ph type="title"/>
-          </p:nvPr>
-        </p:nvSpPr>
-        <p:spPr/>
-        <p:txBody>
-          <a:bodyPr/>
-          <a:lstStyle/>
-          <a:p>
-            <a:r>
-              <a:rPr lang="en-US" dirty="0" smtClean="0"/>
-              <a:t>Data Flow  ~ Driver</a:t>
-            </a:r>
-            <a:endParaRPr lang="en-US" dirty="0"/>
-          </a:p>
-        </p:txBody>
-      </p:sp>
-      <p:sp>
-        <p:nvSpPr>
-          <p:cNvPr id="7" name="Rectangle 6"/>
-          <p:cNvSpPr/>
-          <p:nvPr/>
-        </p:nvSpPr>
-        <p:spPr>
-          <a:xfrm>
-            <a:off x="3632200" y="1752600"/>
-            <a:ext cx="2971800" cy="990600"/>
-          </a:xfrm>
-          <a:prstGeom prst="rect">
-            <a:avLst/>
-          </a:prstGeom>
-          <a:solidFill>
-            <a:schemeClr val="tx2">
-              <a:lumMod val="40000"/>
-              <a:lumOff val="60000"/>
-            </a:schemeClr>
-          </a:solidFill>
-          <a:ln>
-            <a:noFill/>
-          </a:ln>
-        </p:spPr>
-        <p:style>
-          <a:lnRef idx="1">
-            <a:schemeClr val="accent2"/>
-          </a:lnRef>
-          <a:fillRef idx="3">
-            <a:schemeClr val="accent2"/>
-          </a:fillRef>
-          <a:effectRef idx="2">
-            <a:schemeClr val="accent2"/>
-          </a:effectRef>
-          <a:fontRef idx="minor">
-            <a:schemeClr val="lt1"/>
-          </a:fontRef>
-        </p:style>
-        <p:txBody>
-          <a:bodyPr rtlCol="0" anchor="ctr"/>
-          <a:lstStyle/>
-          <a:p>
-            <a:pPr algn="ctr"/>
-            <a:r>
-              <a:rPr lang="en-US" sz="2100" dirty="0" err="1" smtClean="0">
-                <a:solidFill>
-                  <a:schemeClr val="tx1"/>
-                </a:solidFill>
-                <a:latin typeface="Tahoma" pitchFamily="34" charset="0"/>
-                <a:ea typeface="Tahoma" pitchFamily="34" charset="0"/>
-                <a:cs typeface="Tahoma" pitchFamily="34" charset="0"/>
-              </a:rPr>
-              <a:t>Django</a:t>
-            </a:r>
-            <a:r>
-              <a:rPr lang="en-US" sz="2100" dirty="0" smtClean="0">
-                <a:solidFill>
-                  <a:schemeClr val="tx1"/>
-                </a:solidFill>
-                <a:latin typeface="Tahoma" pitchFamily="34" charset="0"/>
-                <a:ea typeface="Tahoma" pitchFamily="34" charset="0"/>
-                <a:cs typeface="Tahoma" pitchFamily="34" charset="0"/>
-              </a:rPr>
-              <a:t> &amp; Subversion Server (Apache)</a:t>
-            </a:r>
-            <a:endParaRPr lang="en-US" sz="2100" dirty="0">
-              <a:solidFill>
-                <a:schemeClr val="tx1"/>
-              </a:solidFill>
-              <a:latin typeface="Tahoma" pitchFamily="34" charset="0"/>
-              <a:ea typeface="Tahoma" pitchFamily="34" charset="0"/>
-              <a:cs typeface="Tahoma" pitchFamily="34" charset="0"/>
-            </a:endParaRPr>
-          </a:p>
-        </p:txBody>
-      </p:sp>
-      <p:sp>
-        <p:nvSpPr>
-          <p:cNvPr id="10" name="Rectangle 9"/>
-          <p:cNvSpPr/>
-          <p:nvPr/>
-        </p:nvSpPr>
-        <p:spPr>
-          <a:xfrm>
-            <a:off x="3784600" y="3200400"/>
-            <a:ext cx="2590800" cy="990600"/>
-          </a:xfrm>
-          <a:prstGeom prst="rect">
-            <a:avLst/>
-          </a:prstGeom>
-          <a:solidFill>
-            <a:schemeClr val="accent1">
-              <a:lumMod val="60000"/>
-              <a:lumOff val="40000"/>
-            </a:schemeClr>
-          </a:solidFill>
-          <a:ln>
-            <a:noFill/>
-          </a:ln>
-        </p:spPr>
-        <p:style>
-          <a:lnRef idx="1">
-            <a:schemeClr val="accent2"/>
-          </a:lnRef>
-          <a:fillRef idx="3">
-            <a:schemeClr val="accent2"/>
-          </a:fillRef>
-          <a:effectRef idx="2">
-            <a:schemeClr val="accent2"/>
-          </a:effectRef>
-          <a:fontRef idx="minor">
-            <a:schemeClr val="lt1"/>
-          </a:fontRef>
-        </p:style>
-        <p:txBody>
-          <a:bodyPr rtlCol="0" anchor="ctr"/>
-          <a:lstStyle/>
-          <a:p>
-            <a:pPr algn="ctr"/>
-            <a:r>
-              <a:rPr lang="en-US" sz="2100" dirty="0" err="1" smtClean="0">
-                <a:solidFill>
-                  <a:schemeClr val="tx1"/>
-                </a:solidFill>
-                <a:latin typeface="Tahoma" pitchFamily="34" charset="0"/>
-                <a:ea typeface="Tahoma" pitchFamily="34" charset="0"/>
-                <a:cs typeface="Tahoma" pitchFamily="34" charset="0"/>
-              </a:rPr>
-              <a:t>Ajaxterm</a:t>
-            </a:r>
-            <a:r>
-              <a:rPr lang="en-US" sz="2100" dirty="0" smtClean="0">
-                <a:solidFill>
-                  <a:schemeClr val="tx1"/>
-                </a:solidFill>
-                <a:latin typeface="Tahoma" pitchFamily="34" charset="0"/>
-                <a:ea typeface="Tahoma" pitchFamily="34" charset="0"/>
-                <a:cs typeface="Tahoma" pitchFamily="34" charset="0"/>
-              </a:rPr>
-              <a:t> Server (standalone)</a:t>
-            </a:r>
-            <a:endParaRPr lang="en-US" sz="2100" dirty="0">
-              <a:solidFill>
-                <a:schemeClr val="tx1"/>
-              </a:solidFill>
-              <a:latin typeface="Tahoma" pitchFamily="34" charset="0"/>
-              <a:ea typeface="Tahoma" pitchFamily="34" charset="0"/>
-              <a:cs typeface="Tahoma" pitchFamily="34" charset="0"/>
-            </a:endParaRPr>
-          </a:p>
-        </p:txBody>
-      </p:sp>
-      <p:sp>
-        <p:nvSpPr>
-          <p:cNvPr id="24" name="TextBox 23"/>
-          <p:cNvSpPr txBox="1"/>
-          <p:nvPr/>
-        </p:nvSpPr>
-        <p:spPr>
-          <a:xfrm>
-            <a:off x="3673501" y="6594902"/>
-            <a:ext cx="949299" cy="415498"/>
-          </a:xfrm>
-          <a:prstGeom prst="rect">
-            <a:avLst/>
-          </a:prstGeom>
-          <a:noFill/>
-          <a:ln>
-            <a:solidFill>
-              <a:schemeClr val="accent2">
-                <a:lumMod val="75000"/>
-              </a:schemeClr>
-            </a:solidFill>
-          </a:ln>
-        </p:spPr>
-        <p:txBody>
-          <a:bodyPr wrap="none" rtlCol="0">
-            <a:spAutoFit/>
-          </a:bodyPr>
-          <a:lstStyle/>
-          <a:p>
-            <a:r>
-              <a:rPr lang="en-US" sz="2100" b="1" dirty="0" smtClean="0"/>
-              <a:t>Driver</a:t>
-            </a:r>
-            <a:endParaRPr lang="en-US" sz="2100" b="1" dirty="0"/>
-          </a:p>
-        </p:txBody>
-      </p:sp>
-      <p:sp>
-        <p:nvSpPr>
-          <p:cNvPr id="25" name="TextBox 24"/>
-          <p:cNvSpPr txBox="1"/>
-          <p:nvPr/>
-        </p:nvSpPr>
-        <p:spPr>
-          <a:xfrm>
-            <a:off x="5537200" y="6594902"/>
-            <a:ext cx="1337226" cy="415498"/>
-          </a:xfrm>
-          <a:prstGeom prst="rect">
-            <a:avLst/>
-          </a:prstGeom>
-          <a:noFill/>
-          <a:ln>
-            <a:solidFill>
-              <a:schemeClr val="accent2">
-                <a:lumMod val="75000"/>
-              </a:schemeClr>
-            </a:solidFill>
-          </a:ln>
-        </p:spPr>
-        <p:txBody>
-          <a:bodyPr wrap="none" rtlCol="0">
-            <a:spAutoFit/>
-          </a:bodyPr>
-          <a:lstStyle/>
-          <a:p>
-            <a:r>
-              <a:rPr lang="en-US" sz="2100" b="1" dirty="0" smtClean="0"/>
-              <a:t>Passenger</a:t>
-            </a:r>
-            <a:endParaRPr lang="en-US" sz="2100" b="1" dirty="0"/>
-          </a:p>
-        </p:txBody>
-      </p:sp>
-      <p:sp>
-        <p:nvSpPr>
-          <p:cNvPr id="61" name="Rectangle 60"/>
-          <p:cNvSpPr/>
-          <p:nvPr/>
-        </p:nvSpPr>
-        <p:spPr>
-          <a:xfrm>
-            <a:off x="5765800" y="5715000"/>
-            <a:ext cx="838200" cy="457200"/>
-          </a:xfrm>
-          <a:prstGeom prst="rect">
-            <a:avLst/>
-          </a:prstGeom>
-          <a:solidFill>
-            <a:schemeClr val="accent2">
-              <a:lumMod val="75000"/>
-            </a:schemeClr>
-          </a:solidFill>
-          <a:ln>
-            <a:noFill/>
-          </a:ln>
-        </p:spPr>
-        <p:style>
-          <a:lnRef idx="1">
-            <a:schemeClr val="accent2"/>
-          </a:lnRef>
-          <a:fillRef idx="3">
-            <a:schemeClr val="accent2"/>
-          </a:fillRef>
-          <a:effectRef idx="2">
-            <a:schemeClr val="accent2"/>
-          </a:effectRef>
-          <a:fontRef idx="minor">
-            <a:schemeClr val="lt1"/>
-          </a:fontRef>
-        </p:style>
-        <p:txBody>
-          <a:bodyPr rtlCol="0" anchor="ctr"/>
-          <a:lstStyle/>
-          <a:p>
-            <a:pPr algn="ctr"/>
-            <a:r>
-              <a:rPr lang="en-US" sz="2100" dirty="0" smtClean="0">
-                <a:solidFill>
-                  <a:schemeClr val="bg1"/>
-                </a:solidFill>
-                <a:latin typeface="Tahoma" pitchFamily="34" charset="0"/>
-                <a:ea typeface="Tahoma" pitchFamily="34" charset="0"/>
-                <a:cs typeface="Tahoma" pitchFamily="34" charset="0"/>
-              </a:rPr>
-              <a:t>SSH</a:t>
-            </a:r>
-            <a:endParaRPr lang="en-US" sz="2100" dirty="0">
-              <a:solidFill>
-                <a:schemeClr val="bg1"/>
-              </a:solidFill>
-              <a:latin typeface="Tahoma" pitchFamily="34" charset="0"/>
-              <a:ea typeface="Tahoma" pitchFamily="34" charset="0"/>
-              <a:cs typeface="Tahoma" pitchFamily="34" charset="0"/>
-            </a:endParaRPr>
-          </a:p>
-        </p:txBody>
-      </p:sp>
-      <p:grpSp>
-        <p:nvGrpSpPr>
-          <p:cNvPr id="3" name="Group 61"/>
-          <p:cNvGrpSpPr/>
-          <p:nvPr/>
-        </p:nvGrpSpPr>
-        <p:grpSpPr>
-          <a:xfrm>
-            <a:off x="7213600" y="4800600"/>
-            <a:ext cx="2819400" cy="2286000"/>
-            <a:chOff x="584200" y="4648200"/>
-            <a:chExt cx="5181600" cy="2971800"/>
-          </a:xfrm>
-          <a:solidFill>
-            <a:schemeClr val="accent2">
-              <a:lumMod val="40000"/>
-              <a:lumOff val="60000"/>
-            </a:schemeClr>
-          </a:solidFill>
-        </p:grpSpPr>
-        <p:sp>
-          <p:nvSpPr>
-            <p:cNvPr id="63" name="Rectangle 62"/>
-            <p:cNvSpPr/>
-            <p:nvPr/>
-          </p:nvSpPr>
-          <p:spPr>
-            <a:xfrm>
-              <a:off x="584200" y="4648200"/>
-              <a:ext cx="2590800" cy="2971800"/>
-            </a:xfrm>
-            <a:prstGeom prst="rect">
-              <a:avLst/>
-            </a:prstGeom>
-            <a:solidFill>
-              <a:schemeClr val="accent2">
-                <a:lumMod val="60000"/>
-                <a:lumOff val="40000"/>
-              </a:schemeClr>
-            </a:solidFill>
-            <a:ln>
-              <a:noFill/>
-            </a:ln>
-          </p:spPr>
-          <p:style>
-            <a:lnRef idx="1">
-              <a:schemeClr val="accent2"/>
-            </a:lnRef>
-            <a:fillRef idx="3">
-              <a:schemeClr val="accent2"/>
-            </a:fillRef>
-            <a:effectRef idx="2">
-              <a:schemeClr val="accent2"/>
-            </a:effectRef>
-            <a:fontRef idx="minor">
-              <a:schemeClr val="lt1"/>
-            </a:fontRef>
-          </p:style>
-          <p:txBody>
-            <a:bodyPr rtlCol="0" anchor="ctr"/>
-            <a:lstStyle/>
-            <a:p>
-              <a:pPr algn="ctr"/>
-              <a:r>
-                <a:rPr lang="en-US" sz="2100" dirty="0" smtClean="0">
-                  <a:solidFill>
-                    <a:schemeClr val="tx1"/>
-                  </a:solidFill>
-                  <a:latin typeface="Tahoma" pitchFamily="34" charset="0"/>
-                  <a:ea typeface="Tahoma" pitchFamily="34" charset="0"/>
-                  <a:cs typeface="Tahoma" pitchFamily="34" charset="0"/>
-                </a:rPr>
-                <a:t>Editor</a:t>
-              </a:r>
-              <a:endParaRPr lang="en-US" sz="2100" dirty="0">
-                <a:solidFill>
-                  <a:schemeClr val="tx1"/>
-                </a:solidFill>
-                <a:latin typeface="Tahoma" pitchFamily="34" charset="0"/>
-                <a:ea typeface="Tahoma" pitchFamily="34" charset="0"/>
-                <a:cs typeface="Tahoma" pitchFamily="34" charset="0"/>
-              </a:endParaRPr>
-            </a:p>
-          </p:txBody>
-        </p:sp>
-        <p:sp>
-          <p:nvSpPr>
-            <p:cNvPr id="64" name="Rectangle 63"/>
-            <p:cNvSpPr/>
-            <p:nvPr/>
-          </p:nvSpPr>
-          <p:spPr>
-            <a:xfrm>
-              <a:off x="3175000" y="6629400"/>
-              <a:ext cx="2590800" cy="990600"/>
-            </a:xfrm>
-            <a:prstGeom prst="rect">
-              <a:avLst/>
-            </a:prstGeom>
-            <a:grpFill/>
-            <a:ln>
-              <a:noFill/>
-            </a:ln>
-          </p:spPr>
-          <p:style>
-            <a:lnRef idx="1">
-              <a:schemeClr val="accent2"/>
-            </a:lnRef>
-            <a:fillRef idx="3">
-              <a:schemeClr val="accent2"/>
-            </a:fillRef>
-            <a:effectRef idx="2">
-              <a:schemeClr val="accent2"/>
-            </a:effectRef>
-            <a:fontRef idx="minor">
-              <a:schemeClr val="lt1"/>
-            </a:fontRef>
-          </p:style>
-          <p:txBody>
-            <a:bodyPr rtlCol="0" anchor="ctr"/>
-            <a:lstStyle/>
-            <a:p>
-              <a:pPr algn="ctr"/>
-              <a:r>
-                <a:rPr lang="en-US" sz="2100" dirty="0" smtClean="0">
-                  <a:solidFill>
-                    <a:schemeClr val="tx1"/>
-                  </a:solidFill>
-                  <a:latin typeface="Tahoma" pitchFamily="34" charset="0"/>
-                  <a:ea typeface="Tahoma" pitchFamily="34" charset="0"/>
-                  <a:cs typeface="Tahoma" pitchFamily="34" charset="0"/>
-                </a:rPr>
-                <a:t>Text Chat</a:t>
-              </a:r>
-              <a:endParaRPr lang="en-US" sz="2100" dirty="0">
-                <a:solidFill>
-                  <a:schemeClr val="tx1"/>
-                </a:solidFill>
-                <a:latin typeface="Tahoma" pitchFamily="34" charset="0"/>
-                <a:ea typeface="Tahoma" pitchFamily="34" charset="0"/>
-                <a:cs typeface="Tahoma" pitchFamily="34" charset="0"/>
-              </a:endParaRPr>
-            </a:p>
-          </p:txBody>
-        </p:sp>
-        <p:sp>
-          <p:nvSpPr>
-            <p:cNvPr id="65" name="Rectangle 64"/>
-            <p:cNvSpPr/>
-            <p:nvPr/>
-          </p:nvSpPr>
-          <p:spPr>
-            <a:xfrm>
-              <a:off x="3175000" y="4648200"/>
-              <a:ext cx="2590800" cy="1981200"/>
-            </a:xfrm>
-            <a:prstGeom prst="rect">
-              <a:avLst/>
-            </a:prstGeom>
-            <a:solidFill>
-              <a:schemeClr val="accent2">
-                <a:lumMod val="20000"/>
-                <a:lumOff val="80000"/>
-              </a:schemeClr>
-            </a:solidFill>
-            <a:ln>
-              <a:noFill/>
-            </a:ln>
-          </p:spPr>
-          <p:style>
-            <a:lnRef idx="1">
-              <a:schemeClr val="accent2"/>
-            </a:lnRef>
-            <a:fillRef idx="3">
-              <a:schemeClr val="accent2"/>
-            </a:fillRef>
-            <a:effectRef idx="2">
-              <a:schemeClr val="accent2"/>
-            </a:effectRef>
-            <a:fontRef idx="minor">
-              <a:schemeClr val="lt1"/>
-            </a:fontRef>
-          </p:style>
-          <p:txBody>
-            <a:bodyPr rtlCol="0" anchor="ctr"/>
-            <a:lstStyle/>
-            <a:p>
-              <a:pPr algn="ctr"/>
-              <a:r>
-                <a:rPr lang="en-US" sz="2100" dirty="0" smtClean="0">
-                  <a:solidFill>
-                    <a:schemeClr val="tx1"/>
-                  </a:solidFill>
-                  <a:latin typeface="Tahoma" pitchFamily="34" charset="0"/>
-                  <a:ea typeface="Tahoma" pitchFamily="34" charset="0"/>
-                  <a:cs typeface="Tahoma" pitchFamily="34" charset="0"/>
-                </a:rPr>
-                <a:t>Console</a:t>
-              </a:r>
-              <a:endParaRPr lang="en-US" sz="2100" dirty="0">
-                <a:solidFill>
-                  <a:schemeClr val="tx1"/>
-                </a:solidFill>
-                <a:latin typeface="Tahoma" pitchFamily="34" charset="0"/>
-                <a:ea typeface="Tahoma" pitchFamily="34" charset="0"/>
-                <a:cs typeface="Tahoma" pitchFamily="34" charset="0"/>
-              </a:endParaRPr>
-            </a:p>
-          </p:txBody>
-        </p:sp>
-      </p:grpSp>
-      <p:cxnSp>
-        <p:nvCxnSpPr>
-          <p:cNvPr id="77" name="Shape 76"/>
-          <p:cNvCxnSpPr>
-            <a:stCxn id="7" idx="1"/>
-            <a:endCxn id="50" idx="0"/>
-          </p:cNvCxnSpPr>
-          <p:nvPr/>
-        </p:nvCxnSpPr>
-        <p:spPr>
-          <a:xfrm rot="10800000" flipV="1">
-            <a:off x="831850" y="2247900"/>
-            <a:ext cx="2800350" cy="2552700"/>
-          </a:xfrm>
-          <a:prstGeom prst="bentConnector2">
-            <a:avLst/>
-          </a:prstGeom>
-          <a:ln>
-            <a:headEnd type="arrow"/>
-            <a:tailEnd type="arrow"/>
-          </a:ln>
-        </p:spPr>
-        <p:style>
-          <a:lnRef idx="3">
-            <a:schemeClr val="accent4"/>
-          </a:lnRef>
-          <a:fillRef idx="0">
-            <a:schemeClr val="accent4"/>
-          </a:fillRef>
-          <a:effectRef idx="2">
-            <a:schemeClr val="accent4"/>
-          </a:effectRef>
-          <a:fontRef idx="minor">
-            <a:schemeClr val="tx1"/>
-          </a:fontRef>
-        </p:style>
-      </p:cxnSp>
-      <p:cxnSp>
-        <p:nvCxnSpPr>
-          <p:cNvPr id="83" name="Elbow Connector 82"/>
-          <p:cNvCxnSpPr>
-            <a:stCxn id="7" idx="1"/>
-            <a:endCxn id="53" idx="1"/>
-          </p:cNvCxnSpPr>
-          <p:nvPr/>
-        </p:nvCxnSpPr>
-        <p:spPr>
-          <a:xfrm rot="10800000" flipH="1" flipV="1">
-            <a:off x="3632200" y="2247900"/>
-            <a:ext cx="76200" cy="3695700"/>
-          </a:xfrm>
-          <a:prstGeom prst="bentConnector3">
-            <a:avLst>
-              <a:gd name="adj1" fmla="val -460000"/>
-            </a:avLst>
-          </a:prstGeom>
-          <a:ln>
-            <a:headEnd type="arrow"/>
-            <a:tailEnd type="arrow"/>
-          </a:ln>
-        </p:spPr>
-        <p:style>
-          <a:lnRef idx="3">
-            <a:schemeClr val="accent4"/>
-          </a:lnRef>
-          <a:fillRef idx="0">
-            <a:schemeClr val="accent4"/>
-          </a:fillRef>
-          <a:effectRef idx="2">
-            <a:schemeClr val="accent4"/>
-          </a:effectRef>
-          <a:fontRef idx="minor">
-            <a:schemeClr val="tx1"/>
-          </a:fontRef>
-        </p:style>
-      </p:cxnSp>
-      <p:cxnSp>
-        <p:nvCxnSpPr>
-          <p:cNvPr id="97" name="Shape 96"/>
-          <p:cNvCxnSpPr>
-            <a:stCxn id="10" idx="1"/>
-            <a:endCxn id="52" idx="0"/>
-          </p:cNvCxnSpPr>
-          <p:nvPr/>
-        </p:nvCxnSpPr>
-        <p:spPr>
-          <a:xfrm rot="10800000" flipV="1">
-            <a:off x="2241550" y="3695700"/>
-            <a:ext cx="1543050" cy="1104900"/>
-          </a:xfrm>
-          <a:prstGeom prst="bentConnector2">
-            <a:avLst/>
-          </a:prstGeom>
-          <a:ln>
-            <a:headEnd type="arrow"/>
-            <a:tailEnd type="arrow"/>
-          </a:ln>
-        </p:spPr>
-        <p:style>
-          <a:lnRef idx="3">
-            <a:schemeClr val="accent3"/>
-          </a:lnRef>
-          <a:fillRef idx="0">
-            <a:schemeClr val="accent3"/>
-          </a:fillRef>
-          <a:effectRef idx="2">
-            <a:schemeClr val="accent3"/>
-          </a:effectRef>
-          <a:fontRef idx="minor">
-            <a:schemeClr val="tx1"/>
-          </a:fontRef>
-        </p:style>
-      </p:cxnSp>
-      <p:cxnSp>
-        <p:nvCxnSpPr>
-          <p:cNvPr id="114" name="Elbow Connector 113"/>
-          <p:cNvCxnSpPr>
-            <a:stCxn id="10" idx="2"/>
-            <a:endCxn id="53" idx="0"/>
-          </p:cNvCxnSpPr>
-          <p:nvPr/>
-        </p:nvCxnSpPr>
-        <p:spPr>
-          <a:xfrm rot="5400000">
-            <a:off x="3841750" y="4476750"/>
-            <a:ext cx="1524000" cy="952500"/>
-          </a:xfrm>
-          <a:prstGeom prst="bentConnector3">
-            <a:avLst>
-              <a:gd name="adj1" fmla="val 50000"/>
-            </a:avLst>
-          </a:prstGeom>
-          <a:ln>
-            <a:headEnd type="arrow"/>
-            <a:tailEnd type="arrow"/>
-          </a:ln>
-        </p:spPr>
-        <p:style>
-          <a:lnRef idx="3">
-            <a:schemeClr val="accent3"/>
-          </a:lnRef>
-          <a:fillRef idx="0">
-            <a:schemeClr val="accent3"/>
-          </a:fillRef>
-          <a:effectRef idx="2">
-            <a:schemeClr val="accent3"/>
-          </a:effectRef>
-          <a:fontRef idx="minor">
-            <a:schemeClr val="tx1"/>
-          </a:fontRef>
-        </p:style>
-      </p:cxnSp>
-      <p:cxnSp>
-        <p:nvCxnSpPr>
-          <p:cNvPr id="116" name="Elbow Connector 115"/>
-          <p:cNvCxnSpPr>
-            <a:stCxn id="7" idx="1"/>
-            <a:endCxn id="51" idx="1"/>
-          </p:cNvCxnSpPr>
-          <p:nvPr/>
-        </p:nvCxnSpPr>
-        <p:spPr>
-          <a:xfrm rot="10800000" flipV="1">
-            <a:off x="1536700" y="2247900"/>
-            <a:ext cx="2095500" cy="4457700"/>
-          </a:xfrm>
-          <a:prstGeom prst="bentConnector3">
-            <a:avLst>
-              <a:gd name="adj1" fmla="val 110909"/>
-            </a:avLst>
-          </a:prstGeom>
-          <a:ln>
-            <a:headEnd type="arrow"/>
-            <a:tailEnd type="arrow"/>
-          </a:ln>
-        </p:spPr>
-        <p:style>
-          <a:lnRef idx="3">
-            <a:schemeClr val="accent4"/>
-          </a:lnRef>
-          <a:fillRef idx="0">
-            <a:schemeClr val="accent4"/>
-          </a:fillRef>
-          <a:effectRef idx="2">
-            <a:schemeClr val="accent4"/>
-          </a:effectRef>
-          <a:fontRef idx="minor">
-            <a:schemeClr val="tx1"/>
-          </a:fontRef>
-        </p:style>
-      </p:cxnSp>
     </p:spTree>
   </p:cSld>
   <p:clrMapOvr>
@@ -9079,994 +8955,6 @@
 </file>
 
 <file path=ppt/slides/slide6.xml><?xml version="1.0" encoding="utf-8"?>
-<p:sld xmlns:a="http://schemas.openxmlformats.org/drawingml/2006/main" xmlns:r="http://schemas.openxmlformats.org/officeDocument/2006/relationships" xmlns:p="http://schemas.openxmlformats.org/presentationml/2006/main">
-  <p:cSld>
-    <p:spTree>
-      <p:nvGrpSpPr>
-        <p:cNvPr id="1" name=""/>
-        <p:cNvGrpSpPr/>
-        <p:nvPr/>
-      </p:nvGrpSpPr>
-      <p:grpSpPr>
-        <a:xfrm>
-          <a:off x="0" y="0"/>
-          <a:ext cx="0" cy="0"/>
-          <a:chOff x="0" y="0"/>
-          <a:chExt cx="0" cy="0"/>
-        </a:xfrm>
-      </p:grpSpPr>
-      <p:grpSp>
-        <p:nvGrpSpPr>
-          <p:cNvPr id="2" name="Group 48"/>
-          <p:cNvGrpSpPr/>
-          <p:nvPr/>
-        </p:nvGrpSpPr>
-        <p:grpSpPr>
-          <a:xfrm>
-            <a:off x="127000" y="4800600"/>
-            <a:ext cx="2819400" cy="2286000"/>
-            <a:chOff x="584200" y="4648200"/>
-            <a:chExt cx="5181600" cy="2971800"/>
-          </a:xfrm>
-          <a:solidFill>
-            <a:schemeClr val="accent2">
-              <a:lumMod val="40000"/>
-              <a:lumOff val="60000"/>
-            </a:schemeClr>
-          </a:solidFill>
-        </p:grpSpPr>
-        <p:sp>
-          <p:nvSpPr>
-            <p:cNvPr id="50" name="Rectangle 49"/>
-            <p:cNvSpPr/>
-            <p:nvPr/>
-          </p:nvSpPr>
-          <p:spPr>
-            <a:xfrm>
-              <a:off x="584200" y="4648200"/>
-              <a:ext cx="2590800" cy="2971800"/>
-            </a:xfrm>
-            <a:prstGeom prst="rect">
-              <a:avLst/>
-            </a:prstGeom>
-            <a:solidFill>
-              <a:schemeClr val="accent2">
-                <a:lumMod val="60000"/>
-                <a:lumOff val="40000"/>
-              </a:schemeClr>
-            </a:solidFill>
-            <a:ln>
-              <a:noFill/>
-            </a:ln>
-          </p:spPr>
-          <p:style>
-            <a:lnRef idx="1">
-              <a:schemeClr val="accent2"/>
-            </a:lnRef>
-            <a:fillRef idx="3">
-              <a:schemeClr val="accent2"/>
-            </a:fillRef>
-            <a:effectRef idx="2">
-              <a:schemeClr val="accent2"/>
-            </a:effectRef>
-            <a:fontRef idx="minor">
-              <a:schemeClr val="lt1"/>
-            </a:fontRef>
-          </p:style>
-          <p:txBody>
-            <a:bodyPr rtlCol="0" anchor="ctr"/>
-            <a:lstStyle/>
-            <a:p>
-              <a:pPr algn="ctr"/>
-              <a:r>
-                <a:rPr lang="en-US" sz="2100" dirty="0" smtClean="0">
-                  <a:solidFill>
-                    <a:schemeClr val="tx1"/>
-                  </a:solidFill>
-                  <a:latin typeface="Tahoma" pitchFamily="34" charset="0"/>
-                  <a:ea typeface="Tahoma" pitchFamily="34" charset="0"/>
-                  <a:cs typeface="Tahoma" pitchFamily="34" charset="0"/>
-                </a:rPr>
-                <a:t>Editor</a:t>
-              </a:r>
-              <a:endParaRPr lang="en-US" sz="2100" dirty="0">
-                <a:solidFill>
-                  <a:schemeClr val="tx1"/>
-                </a:solidFill>
-                <a:latin typeface="Tahoma" pitchFamily="34" charset="0"/>
-                <a:ea typeface="Tahoma" pitchFamily="34" charset="0"/>
-                <a:cs typeface="Tahoma" pitchFamily="34" charset="0"/>
-              </a:endParaRPr>
-            </a:p>
-          </p:txBody>
-        </p:sp>
-        <p:sp>
-          <p:nvSpPr>
-            <p:cNvPr id="51" name="Rectangle 50"/>
-            <p:cNvSpPr/>
-            <p:nvPr/>
-          </p:nvSpPr>
-          <p:spPr>
-            <a:xfrm>
-              <a:off x="3175000" y="6629400"/>
-              <a:ext cx="2590800" cy="990600"/>
-            </a:xfrm>
-            <a:prstGeom prst="rect">
-              <a:avLst/>
-            </a:prstGeom>
-            <a:solidFill>
-              <a:schemeClr val="accent2">
-                <a:lumMod val="40000"/>
-                <a:lumOff val="60000"/>
-              </a:schemeClr>
-            </a:solidFill>
-            <a:ln>
-              <a:noFill/>
-            </a:ln>
-          </p:spPr>
-          <p:style>
-            <a:lnRef idx="1">
-              <a:schemeClr val="accent2"/>
-            </a:lnRef>
-            <a:fillRef idx="3">
-              <a:schemeClr val="accent2"/>
-            </a:fillRef>
-            <a:effectRef idx="2">
-              <a:schemeClr val="accent2"/>
-            </a:effectRef>
-            <a:fontRef idx="minor">
-              <a:schemeClr val="lt1"/>
-            </a:fontRef>
-          </p:style>
-          <p:txBody>
-            <a:bodyPr rtlCol="0" anchor="ctr"/>
-            <a:lstStyle/>
-            <a:p>
-              <a:pPr algn="ctr"/>
-              <a:r>
-                <a:rPr lang="en-US" sz="2100" dirty="0" smtClean="0">
-                  <a:solidFill>
-                    <a:schemeClr val="tx1"/>
-                  </a:solidFill>
-                  <a:latin typeface="Tahoma" pitchFamily="34" charset="0"/>
-                  <a:ea typeface="Tahoma" pitchFamily="34" charset="0"/>
-                  <a:cs typeface="Tahoma" pitchFamily="34" charset="0"/>
-                </a:rPr>
-                <a:t>Text Chat</a:t>
-              </a:r>
-              <a:endParaRPr lang="en-US" sz="2100" dirty="0">
-                <a:solidFill>
-                  <a:schemeClr val="tx1"/>
-                </a:solidFill>
-                <a:latin typeface="Tahoma" pitchFamily="34" charset="0"/>
-                <a:ea typeface="Tahoma" pitchFamily="34" charset="0"/>
-                <a:cs typeface="Tahoma" pitchFamily="34" charset="0"/>
-              </a:endParaRPr>
-            </a:p>
-          </p:txBody>
-        </p:sp>
-        <p:sp>
-          <p:nvSpPr>
-            <p:cNvPr id="52" name="Rectangle 51"/>
-            <p:cNvSpPr/>
-            <p:nvPr/>
-          </p:nvSpPr>
-          <p:spPr>
-            <a:xfrm>
-              <a:off x="3175000" y="4648200"/>
-              <a:ext cx="2590800" cy="1981200"/>
-            </a:xfrm>
-            <a:prstGeom prst="rect">
-              <a:avLst/>
-            </a:prstGeom>
-            <a:solidFill>
-              <a:schemeClr val="accent2">
-                <a:lumMod val="20000"/>
-                <a:lumOff val="80000"/>
-              </a:schemeClr>
-            </a:solidFill>
-            <a:ln>
-              <a:noFill/>
-            </a:ln>
-          </p:spPr>
-          <p:style>
-            <a:lnRef idx="1">
-              <a:schemeClr val="accent2"/>
-            </a:lnRef>
-            <a:fillRef idx="3">
-              <a:schemeClr val="accent2"/>
-            </a:fillRef>
-            <a:effectRef idx="2">
-              <a:schemeClr val="accent2"/>
-            </a:effectRef>
-            <a:fontRef idx="minor">
-              <a:schemeClr val="lt1"/>
-            </a:fontRef>
-          </p:style>
-          <p:txBody>
-            <a:bodyPr rtlCol="0" anchor="ctr"/>
-            <a:lstStyle/>
-            <a:p>
-              <a:pPr algn="ctr"/>
-              <a:r>
-                <a:rPr lang="en-US" sz="2100" dirty="0" smtClean="0">
-                  <a:solidFill>
-                    <a:schemeClr val="tx1"/>
-                  </a:solidFill>
-                  <a:latin typeface="Tahoma" pitchFamily="34" charset="0"/>
-                  <a:ea typeface="Tahoma" pitchFamily="34" charset="0"/>
-                  <a:cs typeface="Tahoma" pitchFamily="34" charset="0"/>
-                </a:rPr>
-                <a:t>Console</a:t>
-              </a:r>
-              <a:endParaRPr lang="en-US" sz="2100" dirty="0">
-                <a:solidFill>
-                  <a:schemeClr val="tx1"/>
-                </a:solidFill>
-                <a:latin typeface="Tahoma" pitchFamily="34" charset="0"/>
-                <a:ea typeface="Tahoma" pitchFamily="34" charset="0"/>
-                <a:cs typeface="Tahoma" pitchFamily="34" charset="0"/>
-              </a:endParaRPr>
-            </a:p>
-          </p:txBody>
-        </p:sp>
-      </p:grpSp>
-      <p:sp>
-        <p:nvSpPr>
-          <p:cNvPr id="53" name="Rectangle 52"/>
-          <p:cNvSpPr/>
-          <p:nvPr/>
-        </p:nvSpPr>
-        <p:spPr>
-          <a:xfrm>
-            <a:off x="3708400" y="5715000"/>
-            <a:ext cx="838200" cy="457200"/>
-          </a:xfrm>
-          <a:prstGeom prst="rect">
-            <a:avLst/>
-          </a:prstGeom>
-          <a:solidFill>
-            <a:schemeClr val="accent2">
-              <a:lumMod val="75000"/>
-            </a:schemeClr>
-          </a:solidFill>
-          <a:ln>
-            <a:noFill/>
-          </a:ln>
-        </p:spPr>
-        <p:style>
-          <a:lnRef idx="1">
-            <a:schemeClr val="accent2"/>
-          </a:lnRef>
-          <a:fillRef idx="3">
-            <a:schemeClr val="accent2"/>
-          </a:fillRef>
-          <a:effectRef idx="2">
-            <a:schemeClr val="accent2"/>
-          </a:effectRef>
-          <a:fontRef idx="minor">
-            <a:schemeClr val="lt1"/>
-          </a:fontRef>
-        </p:style>
-        <p:txBody>
-          <a:bodyPr rtlCol="0" anchor="ctr"/>
-          <a:lstStyle/>
-          <a:p>
-            <a:pPr algn="ctr"/>
-            <a:r>
-              <a:rPr lang="en-US" sz="2100" dirty="0" smtClean="0">
-                <a:solidFill>
-                  <a:schemeClr val="bg1"/>
-                </a:solidFill>
-                <a:latin typeface="Tahoma" pitchFamily="34" charset="0"/>
-                <a:ea typeface="Tahoma" pitchFamily="34" charset="0"/>
-                <a:cs typeface="Tahoma" pitchFamily="34" charset="0"/>
-              </a:rPr>
-              <a:t>SSH</a:t>
-            </a:r>
-            <a:endParaRPr lang="en-US" sz="2100" dirty="0">
-              <a:solidFill>
-                <a:schemeClr val="bg1"/>
-              </a:solidFill>
-              <a:latin typeface="Tahoma" pitchFamily="34" charset="0"/>
-              <a:ea typeface="Tahoma" pitchFamily="34" charset="0"/>
-              <a:cs typeface="Tahoma" pitchFamily="34" charset="0"/>
-            </a:endParaRPr>
-          </a:p>
-        </p:txBody>
-      </p:sp>
-      <p:sp>
-        <p:nvSpPr>
-          <p:cNvPr id="9" name="Title 8"/>
-          <p:cNvSpPr>
-            <a:spLocks noGrp="1"/>
-          </p:cNvSpPr>
-          <p:nvPr>
-            <p:ph type="title"/>
-          </p:nvPr>
-        </p:nvSpPr>
-        <p:spPr/>
-        <p:txBody>
-          <a:bodyPr/>
-          <a:lstStyle/>
-          <a:p>
-            <a:r>
-              <a:rPr lang="en-US" dirty="0" smtClean="0"/>
-              <a:t>Data Flow ~ Passenger</a:t>
-            </a:r>
-            <a:endParaRPr lang="en-US" dirty="0"/>
-          </a:p>
-        </p:txBody>
-      </p:sp>
-      <p:sp>
-        <p:nvSpPr>
-          <p:cNvPr id="7" name="Rectangle 6"/>
-          <p:cNvSpPr/>
-          <p:nvPr/>
-        </p:nvSpPr>
-        <p:spPr>
-          <a:xfrm>
-            <a:off x="3632200" y="1752600"/>
-            <a:ext cx="2971800" cy="990600"/>
-          </a:xfrm>
-          <a:prstGeom prst="rect">
-            <a:avLst/>
-          </a:prstGeom>
-          <a:solidFill>
-            <a:schemeClr val="tx2">
-              <a:lumMod val="40000"/>
-              <a:lumOff val="60000"/>
-            </a:schemeClr>
-          </a:solidFill>
-          <a:ln>
-            <a:noFill/>
-          </a:ln>
-        </p:spPr>
-        <p:style>
-          <a:lnRef idx="1">
-            <a:schemeClr val="accent2"/>
-          </a:lnRef>
-          <a:fillRef idx="3">
-            <a:schemeClr val="accent2"/>
-          </a:fillRef>
-          <a:effectRef idx="2">
-            <a:schemeClr val="accent2"/>
-          </a:effectRef>
-          <a:fontRef idx="minor">
-            <a:schemeClr val="lt1"/>
-          </a:fontRef>
-        </p:style>
-        <p:txBody>
-          <a:bodyPr rtlCol="0" anchor="ctr"/>
-          <a:lstStyle/>
-          <a:p>
-            <a:pPr algn="ctr"/>
-            <a:r>
-              <a:rPr lang="en-US" sz="2100" dirty="0" err="1" smtClean="0">
-                <a:solidFill>
-                  <a:schemeClr val="tx1"/>
-                </a:solidFill>
-                <a:latin typeface="Tahoma" pitchFamily="34" charset="0"/>
-                <a:ea typeface="Tahoma" pitchFamily="34" charset="0"/>
-                <a:cs typeface="Tahoma" pitchFamily="34" charset="0"/>
-              </a:rPr>
-              <a:t>Django</a:t>
-            </a:r>
-            <a:r>
-              <a:rPr lang="en-US" sz="2100" dirty="0" smtClean="0">
-                <a:solidFill>
-                  <a:schemeClr val="tx1"/>
-                </a:solidFill>
-                <a:latin typeface="Tahoma" pitchFamily="34" charset="0"/>
-                <a:ea typeface="Tahoma" pitchFamily="34" charset="0"/>
-                <a:cs typeface="Tahoma" pitchFamily="34" charset="0"/>
-              </a:rPr>
-              <a:t> &amp; Subversion Server (Apache)</a:t>
-            </a:r>
-            <a:endParaRPr lang="en-US" sz="2100" dirty="0">
-              <a:solidFill>
-                <a:schemeClr val="tx1"/>
-              </a:solidFill>
-              <a:latin typeface="Tahoma" pitchFamily="34" charset="0"/>
-              <a:ea typeface="Tahoma" pitchFamily="34" charset="0"/>
-              <a:cs typeface="Tahoma" pitchFamily="34" charset="0"/>
-            </a:endParaRPr>
-          </a:p>
-        </p:txBody>
-      </p:sp>
-      <p:sp>
-        <p:nvSpPr>
-          <p:cNvPr id="10" name="Rectangle 9"/>
-          <p:cNvSpPr/>
-          <p:nvPr/>
-        </p:nvSpPr>
-        <p:spPr>
-          <a:xfrm>
-            <a:off x="3784600" y="3200400"/>
-            <a:ext cx="2590800" cy="990600"/>
-          </a:xfrm>
-          <a:prstGeom prst="rect">
-            <a:avLst/>
-          </a:prstGeom>
-          <a:solidFill>
-            <a:schemeClr val="accent1">
-              <a:lumMod val="60000"/>
-              <a:lumOff val="40000"/>
-            </a:schemeClr>
-          </a:solidFill>
-          <a:ln>
-            <a:noFill/>
-          </a:ln>
-        </p:spPr>
-        <p:style>
-          <a:lnRef idx="1">
-            <a:schemeClr val="accent2"/>
-          </a:lnRef>
-          <a:fillRef idx="3">
-            <a:schemeClr val="accent2"/>
-          </a:fillRef>
-          <a:effectRef idx="2">
-            <a:schemeClr val="accent2"/>
-          </a:effectRef>
-          <a:fontRef idx="minor">
-            <a:schemeClr val="lt1"/>
-          </a:fontRef>
-        </p:style>
-        <p:txBody>
-          <a:bodyPr rtlCol="0" anchor="ctr"/>
-          <a:lstStyle/>
-          <a:p>
-            <a:pPr algn="ctr"/>
-            <a:r>
-              <a:rPr lang="en-US" sz="2100" dirty="0" err="1" smtClean="0">
-                <a:solidFill>
-                  <a:schemeClr val="tx1"/>
-                </a:solidFill>
-                <a:latin typeface="Tahoma" pitchFamily="34" charset="0"/>
-                <a:ea typeface="Tahoma" pitchFamily="34" charset="0"/>
-                <a:cs typeface="Tahoma" pitchFamily="34" charset="0"/>
-              </a:rPr>
-              <a:t>Ajaxterm</a:t>
-            </a:r>
-            <a:r>
-              <a:rPr lang="en-US" sz="2100" dirty="0" smtClean="0">
-                <a:solidFill>
-                  <a:schemeClr val="tx1"/>
-                </a:solidFill>
-                <a:latin typeface="Tahoma" pitchFamily="34" charset="0"/>
-                <a:ea typeface="Tahoma" pitchFamily="34" charset="0"/>
-                <a:cs typeface="Tahoma" pitchFamily="34" charset="0"/>
-              </a:rPr>
-              <a:t> Server (standalone)</a:t>
-            </a:r>
-            <a:endParaRPr lang="en-US" sz="2100" dirty="0">
-              <a:solidFill>
-                <a:schemeClr val="tx1"/>
-              </a:solidFill>
-              <a:latin typeface="Tahoma" pitchFamily="34" charset="0"/>
-              <a:ea typeface="Tahoma" pitchFamily="34" charset="0"/>
-              <a:cs typeface="Tahoma" pitchFamily="34" charset="0"/>
-            </a:endParaRPr>
-          </a:p>
-        </p:txBody>
-      </p:sp>
-      <p:sp>
-        <p:nvSpPr>
-          <p:cNvPr id="24" name="TextBox 23"/>
-          <p:cNvSpPr txBox="1"/>
-          <p:nvPr/>
-        </p:nvSpPr>
-        <p:spPr>
-          <a:xfrm>
-            <a:off x="3673501" y="6594902"/>
-            <a:ext cx="949299" cy="415498"/>
-          </a:xfrm>
-          <a:prstGeom prst="rect">
-            <a:avLst/>
-          </a:prstGeom>
-          <a:noFill/>
-          <a:ln>
-            <a:solidFill>
-              <a:schemeClr val="accent2">
-                <a:lumMod val="75000"/>
-              </a:schemeClr>
-            </a:solidFill>
-          </a:ln>
-        </p:spPr>
-        <p:txBody>
-          <a:bodyPr wrap="none" rtlCol="0">
-            <a:spAutoFit/>
-          </a:bodyPr>
-          <a:lstStyle/>
-          <a:p>
-            <a:r>
-              <a:rPr lang="en-US" sz="2100" b="1" dirty="0" smtClean="0"/>
-              <a:t>Driver</a:t>
-            </a:r>
-            <a:endParaRPr lang="en-US" sz="2100" b="1" dirty="0"/>
-          </a:p>
-        </p:txBody>
-      </p:sp>
-      <p:sp>
-        <p:nvSpPr>
-          <p:cNvPr id="25" name="TextBox 24"/>
-          <p:cNvSpPr txBox="1"/>
-          <p:nvPr/>
-        </p:nvSpPr>
-        <p:spPr>
-          <a:xfrm>
-            <a:off x="5537200" y="6594902"/>
-            <a:ext cx="1337226" cy="415498"/>
-          </a:xfrm>
-          <a:prstGeom prst="rect">
-            <a:avLst/>
-          </a:prstGeom>
-          <a:noFill/>
-          <a:ln>
-            <a:solidFill>
-              <a:schemeClr val="accent2">
-                <a:lumMod val="75000"/>
-              </a:schemeClr>
-            </a:solidFill>
-          </a:ln>
-        </p:spPr>
-        <p:txBody>
-          <a:bodyPr wrap="none" rtlCol="0">
-            <a:spAutoFit/>
-          </a:bodyPr>
-          <a:lstStyle/>
-          <a:p>
-            <a:r>
-              <a:rPr lang="en-US" sz="2100" b="1" dirty="0" smtClean="0"/>
-              <a:t>Passenger</a:t>
-            </a:r>
-            <a:endParaRPr lang="en-US" sz="2100" b="1" dirty="0"/>
-          </a:p>
-        </p:txBody>
-      </p:sp>
-      <p:sp>
-        <p:nvSpPr>
-          <p:cNvPr id="61" name="Rectangle 60"/>
-          <p:cNvSpPr/>
-          <p:nvPr/>
-        </p:nvSpPr>
-        <p:spPr>
-          <a:xfrm>
-            <a:off x="5765800" y="5715000"/>
-            <a:ext cx="838200" cy="457200"/>
-          </a:xfrm>
-          <a:prstGeom prst="rect">
-            <a:avLst/>
-          </a:prstGeom>
-          <a:solidFill>
-            <a:schemeClr val="accent2">
-              <a:lumMod val="75000"/>
-            </a:schemeClr>
-          </a:solidFill>
-          <a:ln>
-            <a:noFill/>
-          </a:ln>
-        </p:spPr>
-        <p:style>
-          <a:lnRef idx="1">
-            <a:schemeClr val="accent2"/>
-          </a:lnRef>
-          <a:fillRef idx="3">
-            <a:schemeClr val="accent2"/>
-          </a:fillRef>
-          <a:effectRef idx="2">
-            <a:schemeClr val="accent2"/>
-          </a:effectRef>
-          <a:fontRef idx="minor">
-            <a:schemeClr val="lt1"/>
-          </a:fontRef>
-        </p:style>
-        <p:txBody>
-          <a:bodyPr rtlCol="0" anchor="ctr"/>
-          <a:lstStyle/>
-          <a:p>
-            <a:pPr algn="ctr"/>
-            <a:r>
-              <a:rPr lang="en-US" sz="2100" dirty="0" smtClean="0">
-                <a:solidFill>
-                  <a:schemeClr val="bg1"/>
-                </a:solidFill>
-                <a:latin typeface="Tahoma" pitchFamily="34" charset="0"/>
-                <a:ea typeface="Tahoma" pitchFamily="34" charset="0"/>
-                <a:cs typeface="Tahoma" pitchFamily="34" charset="0"/>
-              </a:rPr>
-              <a:t>SSH</a:t>
-            </a:r>
-            <a:endParaRPr lang="en-US" sz="2100" dirty="0">
-              <a:solidFill>
-                <a:schemeClr val="bg1"/>
-              </a:solidFill>
-              <a:latin typeface="Tahoma" pitchFamily="34" charset="0"/>
-              <a:ea typeface="Tahoma" pitchFamily="34" charset="0"/>
-              <a:cs typeface="Tahoma" pitchFamily="34" charset="0"/>
-            </a:endParaRPr>
-          </a:p>
-        </p:txBody>
-      </p:sp>
-      <p:grpSp>
-        <p:nvGrpSpPr>
-          <p:cNvPr id="3" name="Group 61"/>
-          <p:cNvGrpSpPr/>
-          <p:nvPr/>
-        </p:nvGrpSpPr>
-        <p:grpSpPr>
-          <a:xfrm>
-            <a:off x="7213600" y="4800600"/>
-            <a:ext cx="2819400" cy="2286000"/>
-            <a:chOff x="584200" y="4648200"/>
-            <a:chExt cx="5181600" cy="2971800"/>
-          </a:xfrm>
-          <a:solidFill>
-            <a:schemeClr val="accent2">
-              <a:lumMod val="40000"/>
-              <a:lumOff val="60000"/>
-            </a:schemeClr>
-          </a:solidFill>
-        </p:grpSpPr>
-        <p:sp>
-          <p:nvSpPr>
-            <p:cNvPr id="63" name="Rectangle 62"/>
-            <p:cNvSpPr/>
-            <p:nvPr/>
-          </p:nvSpPr>
-          <p:spPr>
-            <a:xfrm>
-              <a:off x="584200" y="4648200"/>
-              <a:ext cx="2590800" cy="2971800"/>
-            </a:xfrm>
-            <a:prstGeom prst="rect">
-              <a:avLst/>
-            </a:prstGeom>
-            <a:solidFill>
-              <a:schemeClr val="accent2">
-                <a:lumMod val="60000"/>
-                <a:lumOff val="40000"/>
-              </a:schemeClr>
-            </a:solidFill>
-            <a:ln>
-              <a:noFill/>
-            </a:ln>
-          </p:spPr>
-          <p:style>
-            <a:lnRef idx="1">
-              <a:schemeClr val="accent2"/>
-            </a:lnRef>
-            <a:fillRef idx="3">
-              <a:schemeClr val="accent2"/>
-            </a:fillRef>
-            <a:effectRef idx="2">
-              <a:schemeClr val="accent2"/>
-            </a:effectRef>
-            <a:fontRef idx="minor">
-              <a:schemeClr val="lt1"/>
-            </a:fontRef>
-          </p:style>
-          <p:txBody>
-            <a:bodyPr rtlCol="0" anchor="ctr"/>
-            <a:lstStyle/>
-            <a:p>
-              <a:pPr algn="ctr"/>
-              <a:r>
-                <a:rPr lang="en-US" sz="2100" dirty="0" smtClean="0">
-                  <a:solidFill>
-                    <a:schemeClr val="tx1"/>
-                  </a:solidFill>
-                  <a:latin typeface="Tahoma" pitchFamily="34" charset="0"/>
-                  <a:ea typeface="Tahoma" pitchFamily="34" charset="0"/>
-                  <a:cs typeface="Tahoma" pitchFamily="34" charset="0"/>
-                </a:rPr>
-                <a:t>Editor</a:t>
-              </a:r>
-              <a:endParaRPr lang="en-US" sz="2100" dirty="0">
-                <a:solidFill>
-                  <a:schemeClr val="tx1"/>
-                </a:solidFill>
-                <a:latin typeface="Tahoma" pitchFamily="34" charset="0"/>
-                <a:ea typeface="Tahoma" pitchFamily="34" charset="0"/>
-                <a:cs typeface="Tahoma" pitchFamily="34" charset="0"/>
-              </a:endParaRPr>
-            </a:p>
-          </p:txBody>
-        </p:sp>
-        <p:sp>
-          <p:nvSpPr>
-            <p:cNvPr id="64" name="Rectangle 63"/>
-            <p:cNvSpPr/>
-            <p:nvPr/>
-          </p:nvSpPr>
-          <p:spPr>
-            <a:xfrm>
-              <a:off x="3175000" y="6629400"/>
-              <a:ext cx="2590800" cy="990600"/>
-            </a:xfrm>
-            <a:prstGeom prst="rect">
-              <a:avLst/>
-            </a:prstGeom>
-            <a:grpFill/>
-            <a:ln>
-              <a:noFill/>
-            </a:ln>
-          </p:spPr>
-          <p:style>
-            <a:lnRef idx="1">
-              <a:schemeClr val="accent2"/>
-            </a:lnRef>
-            <a:fillRef idx="3">
-              <a:schemeClr val="accent2"/>
-            </a:fillRef>
-            <a:effectRef idx="2">
-              <a:schemeClr val="accent2"/>
-            </a:effectRef>
-            <a:fontRef idx="minor">
-              <a:schemeClr val="lt1"/>
-            </a:fontRef>
-          </p:style>
-          <p:txBody>
-            <a:bodyPr rtlCol="0" anchor="ctr"/>
-            <a:lstStyle/>
-            <a:p>
-              <a:pPr algn="ctr"/>
-              <a:r>
-                <a:rPr lang="en-US" sz="2100" dirty="0" smtClean="0">
-                  <a:solidFill>
-                    <a:schemeClr val="tx1"/>
-                  </a:solidFill>
-                  <a:latin typeface="Tahoma" pitchFamily="34" charset="0"/>
-                  <a:ea typeface="Tahoma" pitchFamily="34" charset="0"/>
-                  <a:cs typeface="Tahoma" pitchFamily="34" charset="0"/>
-                </a:rPr>
-                <a:t>Text Chat</a:t>
-              </a:r>
-              <a:endParaRPr lang="en-US" sz="2100" dirty="0">
-                <a:solidFill>
-                  <a:schemeClr val="tx1"/>
-                </a:solidFill>
-                <a:latin typeface="Tahoma" pitchFamily="34" charset="0"/>
-                <a:ea typeface="Tahoma" pitchFamily="34" charset="0"/>
-                <a:cs typeface="Tahoma" pitchFamily="34" charset="0"/>
-              </a:endParaRPr>
-            </a:p>
-          </p:txBody>
-        </p:sp>
-        <p:sp>
-          <p:nvSpPr>
-            <p:cNvPr id="65" name="Rectangle 64"/>
-            <p:cNvSpPr/>
-            <p:nvPr/>
-          </p:nvSpPr>
-          <p:spPr>
-            <a:xfrm>
-              <a:off x="3175000" y="4648200"/>
-              <a:ext cx="2590800" cy="1981200"/>
-            </a:xfrm>
-            <a:prstGeom prst="rect">
-              <a:avLst/>
-            </a:prstGeom>
-            <a:solidFill>
-              <a:schemeClr val="accent2">
-                <a:lumMod val="20000"/>
-                <a:lumOff val="80000"/>
-              </a:schemeClr>
-            </a:solidFill>
-            <a:ln>
-              <a:noFill/>
-            </a:ln>
-          </p:spPr>
-          <p:style>
-            <a:lnRef idx="1">
-              <a:schemeClr val="accent2"/>
-            </a:lnRef>
-            <a:fillRef idx="3">
-              <a:schemeClr val="accent2"/>
-            </a:fillRef>
-            <a:effectRef idx="2">
-              <a:schemeClr val="accent2"/>
-            </a:effectRef>
-            <a:fontRef idx="minor">
-              <a:schemeClr val="lt1"/>
-            </a:fontRef>
-          </p:style>
-          <p:txBody>
-            <a:bodyPr rtlCol="0" anchor="ctr"/>
-            <a:lstStyle/>
-            <a:p>
-              <a:pPr algn="ctr"/>
-              <a:r>
-                <a:rPr lang="en-US" sz="2100" dirty="0" smtClean="0">
-                  <a:solidFill>
-                    <a:schemeClr val="tx1"/>
-                  </a:solidFill>
-                  <a:latin typeface="Tahoma" pitchFamily="34" charset="0"/>
-                  <a:ea typeface="Tahoma" pitchFamily="34" charset="0"/>
-                  <a:cs typeface="Tahoma" pitchFamily="34" charset="0"/>
-                </a:rPr>
-                <a:t>Console</a:t>
-              </a:r>
-              <a:endParaRPr lang="en-US" sz="2100" dirty="0">
-                <a:solidFill>
-                  <a:schemeClr val="tx1"/>
-                </a:solidFill>
-                <a:latin typeface="Tahoma" pitchFamily="34" charset="0"/>
-                <a:ea typeface="Tahoma" pitchFamily="34" charset="0"/>
-                <a:cs typeface="Tahoma" pitchFamily="34" charset="0"/>
-              </a:endParaRPr>
-            </a:p>
-          </p:txBody>
-        </p:sp>
-      </p:grpSp>
-      <p:cxnSp>
-        <p:nvCxnSpPr>
-          <p:cNvPr id="104" name="Elbow Connector 103"/>
-          <p:cNvCxnSpPr>
-            <a:stCxn id="10" idx="2"/>
-            <a:endCxn id="61" idx="0"/>
-          </p:cNvCxnSpPr>
-          <p:nvPr/>
-        </p:nvCxnSpPr>
-        <p:spPr>
-          <a:xfrm rot="16200000" flipH="1">
-            <a:off x="4870450" y="4400550"/>
-            <a:ext cx="1524000" cy="1104900"/>
-          </a:xfrm>
-          <a:prstGeom prst="bentConnector3">
-            <a:avLst>
-              <a:gd name="adj1" fmla="val 50000"/>
-            </a:avLst>
-          </a:prstGeom>
-          <a:ln>
-            <a:headEnd type="arrow"/>
-            <a:tailEnd type="arrow"/>
-          </a:ln>
-        </p:spPr>
-        <p:style>
-          <a:lnRef idx="3">
-            <a:schemeClr val="accent3"/>
-          </a:lnRef>
-          <a:fillRef idx="0">
-            <a:schemeClr val="accent3"/>
-          </a:fillRef>
-          <a:effectRef idx="2">
-            <a:schemeClr val="accent3"/>
-          </a:effectRef>
-          <a:fontRef idx="minor">
-            <a:schemeClr val="tx1"/>
-          </a:fontRef>
-        </p:style>
-      </p:cxnSp>
-      <p:cxnSp>
-        <p:nvCxnSpPr>
-          <p:cNvPr id="106" name="Shape 105"/>
-          <p:cNvCxnSpPr>
-            <a:stCxn id="10" idx="3"/>
-            <a:endCxn id="65" idx="0"/>
-          </p:cNvCxnSpPr>
-          <p:nvPr/>
-        </p:nvCxnSpPr>
-        <p:spPr>
-          <a:xfrm>
-            <a:off x="6375400" y="3695700"/>
-            <a:ext cx="2952750" cy="1104900"/>
-          </a:xfrm>
-          <a:prstGeom prst="bentConnector2">
-            <a:avLst/>
-          </a:prstGeom>
-          <a:ln>
-            <a:headEnd type="arrow"/>
-            <a:tailEnd type="arrow"/>
-          </a:ln>
-        </p:spPr>
-        <p:style>
-          <a:lnRef idx="3">
-            <a:schemeClr val="accent3"/>
-          </a:lnRef>
-          <a:fillRef idx="0">
-            <a:schemeClr val="accent3"/>
-          </a:fillRef>
-          <a:effectRef idx="2">
-            <a:schemeClr val="accent3"/>
-          </a:effectRef>
-          <a:fontRef idx="minor">
-            <a:schemeClr val="tx1"/>
-          </a:fontRef>
-        </p:style>
-      </p:cxnSp>
-      <p:cxnSp>
-        <p:nvCxnSpPr>
-          <p:cNvPr id="108" name="Shape 107"/>
-          <p:cNvCxnSpPr>
-            <a:stCxn id="7" idx="3"/>
-            <a:endCxn id="63" idx="0"/>
-          </p:cNvCxnSpPr>
-          <p:nvPr/>
-        </p:nvCxnSpPr>
-        <p:spPr>
-          <a:xfrm>
-            <a:off x="6604000" y="2247900"/>
-            <a:ext cx="1314450" cy="2552700"/>
-          </a:xfrm>
-          <a:prstGeom prst="bentConnector2">
-            <a:avLst/>
-          </a:prstGeom>
-          <a:ln>
-            <a:headEnd type="arrow"/>
-            <a:tailEnd type="arrow"/>
-          </a:ln>
-        </p:spPr>
-        <p:style>
-          <a:lnRef idx="3">
-            <a:schemeClr val="accent4"/>
-          </a:lnRef>
-          <a:fillRef idx="0">
-            <a:schemeClr val="accent4"/>
-          </a:fillRef>
-          <a:effectRef idx="2">
-            <a:schemeClr val="accent4"/>
-          </a:effectRef>
-          <a:fontRef idx="minor">
-            <a:schemeClr val="tx1"/>
-          </a:fontRef>
-        </p:style>
-      </p:cxnSp>
-      <p:cxnSp>
-        <p:nvCxnSpPr>
-          <p:cNvPr id="110" name="Shape 109"/>
-          <p:cNvCxnSpPr>
-            <a:stCxn id="7" idx="3"/>
-            <a:endCxn id="64" idx="1"/>
-          </p:cNvCxnSpPr>
-          <p:nvPr/>
-        </p:nvCxnSpPr>
-        <p:spPr>
-          <a:xfrm>
-            <a:off x="6604000" y="2247900"/>
-            <a:ext cx="2019300" cy="4457700"/>
-          </a:xfrm>
-          <a:prstGeom prst="bentConnector3">
-            <a:avLst>
-              <a:gd name="adj1" fmla="val 86981"/>
-            </a:avLst>
-          </a:prstGeom>
-          <a:ln>
-            <a:headEnd type="arrow"/>
-            <a:tailEnd type="arrow"/>
-          </a:ln>
-        </p:spPr>
-        <p:style>
-          <a:lnRef idx="3">
-            <a:schemeClr val="accent4"/>
-          </a:lnRef>
-          <a:fillRef idx="0">
-            <a:schemeClr val="accent4"/>
-          </a:fillRef>
-          <a:effectRef idx="2">
-            <a:schemeClr val="accent4"/>
-          </a:effectRef>
-          <a:fontRef idx="minor">
-            <a:schemeClr val="tx1"/>
-          </a:fontRef>
-        </p:style>
-      </p:cxnSp>
-    </p:spTree>
-  </p:cSld>
-  <p:clrMapOvr>
-    <a:masterClrMapping/>
-  </p:clrMapOvr>
-  <p:timing>
-    <p:tnLst>
-      <p:par>
-        <p:cTn id="1" dur="indefinite" restart="never" nodeType="tmRoot"/>
-      </p:par>
-    </p:tnLst>
-  </p:timing>
-</p:sld>
-</file>
-
-<file path=ppt/slides/slide7.xml><?xml version="1.0" encoding="utf-8"?>
 <p:sld xmlns:a="http://schemas.openxmlformats.org/drawingml/2006/main" xmlns:r="http://schemas.openxmlformats.org/officeDocument/2006/relationships" xmlns:p="http://schemas.openxmlformats.org/presentationml/2006/main">
   <p:cSld>
     <p:bg>
@@ -11051,80 +9939,6 @@
       </p:cxnSp>
       <p:cxnSp>
         <p:nvCxnSpPr>
-          <p:cNvPr id="106" name="Shape 105"/>
-          <p:cNvCxnSpPr>
-            <a:stCxn id="10" idx="3"/>
-            <a:endCxn id="65" idx="0"/>
-          </p:cNvCxnSpPr>
-          <p:nvPr/>
-        </p:nvCxnSpPr>
-        <p:spPr>
-          <a:xfrm>
-            <a:off x="6375400" y="3695700"/>
-            <a:ext cx="2952750" cy="1104900"/>
-          </a:xfrm>
-          <a:prstGeom prst="bentConnector2">
-            <a:avLst/>
-          </a:prstGeom>
-          <a:ln>
-            <a:headEnd type="arrow"/>
-            <a:tailEnd type="arrow"/>
-          </a:ln>
-        </p:spPr>
-        <p:style>
-          <a:lnRef idx="3">
-            <a:schemeClr val="accent3"/>
-          </a:lnRef>
-          <a:fillRef idx="0">
-            <a:schemeClr val="accent3"/>
-          </a:fillRef>
-          <a:effectRef idx="2">
-            <a:schemeClr val="accent3"/>
-          </a:effectRef>
-          <a:fontRef idx="minor">
-            <a:schemeClr val="tx1"/>
-          </a:fontRef>
-        </p:style>
-      </p:cxnSp>
-      <p:cxnSp>
-        <p:nvCxnSpPr>
-          <p:cNvPr id="108" name="Shape 107"/>
-          <p:cNvCxnSpPr>
-            <a:stCxn id="7" idx="3"/>
-            <a:endCxn id="63" idx="0"/>
-          </p:cNvCxnSpPr>
-          <p:nvPr/>
-        </p:nvCxnSpPr>
-        <p:spPr>
-          <a:xfrm>
-            <a:off x="6604000" y="2247900"/>
-            <a:ext cx="1314450" cy="2552700"/>
-          </a:xfrm>
-          <a:prstGeom prst="bentConnector2">
-            <a:avLst/>
-          </a:prstGeom>
-          <a:ln>
-            <a:headEnd type="arrow"/>
-            <a:tailEnd type="arrow"/>
-          </a:ln>
-        </p:spPr>
-        <p:style>
-          <a:lnRef idx="3">
-            <a:schemeClr val="accent4"/>
-          </a:lnRef>
-          <a:fillRef idx="0">
-            <a:schemeClr val="accent4"/>
-          </a:fillRef>
-          <a:effectRef idx="2">
-            <a:schemeClr val="accent4"/>
-          </a:effectRef>
-          <a:fontRef idx="minor">
-            <a:schemeClr val="tx1"/>
-          </a:fontRef>
-        </p:style>
-      </p:cxnSp>
-      <p:cxnSp>
-        <p:nvCxnSpPr>
           <p:cNvPr id="110" name="Shape 109"/>
           <p:cNvCxnSpPr>
             <a:stCxn id="7" idx="3"/>
@@ -11240,6 +10054,80 @@
           </a:fontRef>
         </p:style>
       </p:cxnSp>
+      <p:cxnSp>
+        <p:nvCxnSpPr>
+          <p:cNvPr id="29" name="Shape 28"/>
+          <p:cNvCxnSpPr>
+            <a:stCxn id="10" idx="3"/>
+            <a:endCxn id="65" idx="0"/>
+          </p:cNvCxnSpPr>
+          <p:nvPr/>
+        </p:nvCxnSpPr>
+        <p:spPr>
+          <a:xfrm>
+            <a:off x="6375400" y="3695700"/>
+            <a:ext cx="2952750" cy="1104900"/>
+          </a:xfrm>
+          <a:prstGeom prst="bentConnector2">
+            <a:avLst/>
+          </a:prstGeom>
+          <a:ln>
+            <a:tailEnd type="arrow"/>
+          </a:ln>
+        </p:spPr>
+        <p:style>
+          <a:lnRef idx="3">
+            <a:schemeClr val="accent3"/>
+          </a:lnRef>
+          <a:fillRef idx="0">
+            <a:schemeClr val="accent3"/>
+          </a:fillRef>
+          <a:effectRef idx="2">
+            <a:schemeClr val="accent3"/>
+          </a:effectRef>
+          <a:fontRef idx="minor">
+            <a:schemeClr val="tx1"/>
+          </a:fontRef>
+        </p:style>
+      </p:cxnSp>
+      <p:cxnSp>
+        <p:nvCxnSpPr>
+          <p:cNvPr id="33" name="Elbow Connector 32"/>
+          <p:cNvCxnSpPr>
+            <a:stCxn id="7" idx="2"/>
+            <a:endCxn id="63" idx="0"/>
+          </p:cNvCxnSpPr>
+          <p:nvPr/>
+        </p:nvCxnSpPr>
+        <p:spPr>
+          <a:xfrm rot="16200000" flipH="1">
+            <a:off x="5489575" y="2371725"/>
+            <a:ext cx="2057400" cy="2800350"/>
+          </a:xfrm>
+          <a:prstGeom prst="bentConnector3">
+            <a:avLst>
+              <a:gd name="adj1" fmla="val 11212"/>
+            </a:avLst>
+          </a:prstGeom>
+          <a:ln>
+            <a:tailEnd type="arrow"/>
+          </a:ln>
+        </p:spPr>
+        <p:style>
+          <a:lnRef idx="3">
+            <a:schemeClr val="accent4"/>
+          </a:lnRef>
+          <a:fillRef idx="0">
+            <a:schemeClr val="accent4"/>
+          </a:fillRef>
+          <a:effectRef idx="2">
+            <a:schemeClr val="accent4"/>
+          </a:effectRef>
+          <a:fontRef idx="minor">
+            <a:schemeClr val="tx1"/>
+          </a:fontRef>
+        </p:style>
+      </p:cxnSp>
     </p:spTree>
   </p:cSld>
   <p:clrMapOvr>
@@ -11255,7 +10143,7 @@
 </p:sld>
 </file>
 
-<file path=ppt/slides/slide8.xml><?xml version="1.0" encoding="utf-8"?>
+<file path=ppt/slides/slide7.xml><?xml version="1.0" encoding="utf-8"?>
 <p:sld xmlns:a="http://schemas.openxmlformats.org/drawingml/2006/main" xmlns:r="http://schemas.openxmlformats.org/officeDocument/2006/relationships" xmlns:p="http://schemas.openxmlformats.org/presentationml/2006/main">
   <p:cSld>
     <p:spTree>
@@ -11343,6 +10231,94 @@
 </p:sld>
 </file>
 
+<file path=ppt/slides/slide8.xml><?xml version="1.0" encoding="utf-8"?>
+<p:sld xmlns:a="http://schemas.openxmlformats.org/drawingml/2006/main" xmlns:r="http://schemas.openxmlformats.org/officeDocument/2006/relationships" xmlns:p="http://schemas.openxmlformats.org/presentationml/2006/main">
+  <p:cSld>
+    <p:spTree>
+      <p:nvGrpSpPr>
+        <p:cNvPr id="1" name=""/>
+        <p:cNvGrpSpPr/>
+        <p:nvPr/>
+      </p:nvGrpSpPr>
+      <p:grpSpPr>
+        <a:xfrm>
+          <a:off x="0" y="0"/>
+          <a:ext cx="0" cy="0"/>
+          <a:chOff x="0" y="0"/>
+          <a:chExt cx="0" cy="0"/>
+        </a:xfrm>
+      </p:grpSpPr>
+      <p:sp>
+        <p:nvSpPr>
+          <p:cNvPr id="9" name="Title 8"/>
+          <p:cNvSpPr>
+            <a:spLocks noGrp="1"/>
+          </p:cNvSpPr>
+          <p:nvPr>
+            <p:ph type="title"/>
+          </p:nvPr>
+        </p:nvSpPr>
+        <p:spPr/>
+        <p:txBody>
+          <a:bodyPr/>
+          <a:lstStyle/>
+          <a:p>
+            <a:r>
+              <a:rPr lang="en-US" dirty="0" err="1" smtClean="0"/>
+              <a:t>Django</a:t>
+            </a:r>
+            <a:endParaRPr lang="en-US" dirty="0"/>
+          </a:p>
+        </p:txBody>
+      </p:sp>
+      <p:pic>
+        <p:nvPicPr>
+          <p:cNvPr id="2050" name="Picture 2"/>
+          <p:cNvPicPr>
+            <a:picLocks noChangeAspect="1" noChangeArrowheads="1"/>
+          </p:cNvPicPr>
+          <p:nvPr/>
+        </p:nvPicPr>
+        <p:blipFill>
+          <a:blip r:embed="rId3"/>
+          <a:srcRect l="7031" t="6250" r="6250" b="25000"/>
+          <a:stretch>
+            <a:fillRect/>
+          </a:stretch>
+        </p:blipFill>
+        <p:spPr bwMode="auto">
+          <a:xfrm>
+            <a:off x="431800" y="1905000"/>
+            <a:ext cx="9296400" cy="5527589"/>
+          </a:xfrm>
+          <a:prstGeom prst="rect">
+            <a:avLst/>
+          </a:prstGeom>
+          <a:noFill/>
+          <a:ln w="9525">
+            <a:noFill/>
+            <a:miter lim="800000"/>
+            <a:headEnd/>
+            <a:tailEnd/>
+          </a:ln>
+          <a:effectLst/>
+        </p:spPr>
+      </p:pic>
+    </p:spTree>
+  </p:cSld>
+  <p:clrMapOvr>
+    <a:masterClrMapping/>
+  </p:clrMapOvr>
+  <p:timing>
+    <p:tnLst>
+      <p:par>
+        <p:cTn id="1" dur="indefinite" restart="never" nodeType="tmRoot"/>
+      </p:par>
+    </p:tnLst>
+  </p:timing>
+</p:sld>
+</file>
+
 <file path=ppt/slides/slide9.xml><?xml version="1.0" encoding="utf-8"?>
 <p:sld xmlns:a="http://schemas.openxmlformats.org/drawingml/2006/main" xmlns:r="http://schemas.openxmlformats.org/officeDocument/2006/relationships" xmlns:p="http://schemas.openxmlformats.org/presentationml/2006/main">
   <p:cSld>
@@ -11385,23 +10361,23 @@
       </p:sp>
       <p:pic>
         <p:nvPicPr>
-          <p:cNvPr id="2050" name="Picture 2"/>
+          <p:cNvPr id="3074" name="Picture 2"/>
           <p:cNvPicPr>
             <a:picLocks noChangeAspect="1" noChangeArrowheads="1"/>
           </p:cNvPicPr>
           <p:nvPr/>
         </p:nvPicPr>
         <p:blipFill>
-          <a:blip r:embed="rId2"/>
-          <a:srcRect l="7031" t="6250" r="6250" b="25000"/>
+          <a:blip r:embed="rId3"/>
+          <a:srcRect l="7552" t="6250" r="7973" b="27441"/>
           <a:stretch>
             <a:fillRect/>
           </a:stretch>
         </p:blipFill>
         <p:spPr bwMode="auto">
           <a:xfrm>
-            <a:off x="431800" y="1905000"/>
-            <a:ext cx="9296400" cy="5527589"/>
+            <a:off x="355600" y="1828800"/>
+            <a:ext cx="9448800" cy="5562600"/>
           </a:xfrm>
           <a:prstGeom prst="rect">
             <a:avLst/>

--- a/trunk/pear/submission_materials/PairgrammingDemo.pptx
+++ b/trunk/pear/submission_materials/PairgrammingDemo.pptx
@@ -1030,11 +1030,7 @@
             </a:r>
             <a:r>
               <a:rPr lang="en-US" baseline="0" dirty="0" smtClean="0"/>
-              <a:t>… not well documented, some function say “Don’t use this yet</a:t>
-            </a:r>
-            <a:r>
-              <a:rPr lang="en-US" baseline="0" dirty="0" smtClean="0"/>
-              <a:t>”)</a:t>
+              <a:t>… not well documented, some function say “Don’t use this yet”)</a:t>
             </a:r>
           </a:p>
           <a:p>
@@ -1046,7 +1042,6 @@
               <a:rPr lang="en-US" baseline="0" dirty="0" smtClean="0"/>
               <a:t>Open source is open source for a reason sometimes – especially for smaller projects, the motivation for the original creator to maintain and document the code is usually not high, so you have to be very careful in deciding to take the plunge and commit a lot of time into fixing and adapting possibly irreparable or infeasible code. </a:t>
             </a:r>
-            <a:endParaRPr lang="en-US" baseline="0" dirty="0" smtClean="0"/>
           </a:p>
           <a:p>
             <a:pPr>
@@ -2504,11 +2499,7 @@
           <a:p>
             <a:r>
               <a:rPr lang="en-US" dirty="0" smtClean="0"/>
-              <a:t>PYJAMAS: open </a:t>
-            </a:r>
-            <a:r>
-              <a:rPr lang="en-US" dirty="0" smtClean="0"/>
-              <a:t>source web toolkit in</a:t>
+              <a:t>PYJAMAS: open source web toolkit in</a:t>
             </a:r>
             <a:r>
               <a:rPr lang="en-US" baseline="0" dirty="0" smtClean="0"/>
@@ -7533,23 +7524,7 @@
                 <a:ea typeface="Tahoma" pitchFamily="34" charset="0"/>
                 <a:cs typeface="Tahoma" pitchFamily="34" charset="0"/>
               </a:rPr>
-              <a:t>Improve</a:t>
-            </a:r>
-            <a:r>
-              <a:rPr lang="en-US" sz="4000" dirty="0" smtClean="0">
-                <a:latin typeface="Tahoma" pitchFamily="34" charset="0"/>
-                <a:ea typeface="Tahoma" pitchFamily="34" charset="0"/>
-                <a:cs typeface="Tahoma" pitchFamily="34" charset="0"/>
-              </a:rPr>
-              <a:t> </a:t>
-            </a:r>
-            <a:r>
-              <a:rPr lang="en-US" sz="4000" dirty="0" smtClean="0">
-                <a:latin typeface="Tahoma" pitchFamily="34" charset="0"/>
-                <a:ea typeface="Tahoma" pitchFamily="34" charset="0"/>
-                <a:cs typeface="Tahoma" pitchFamily="34" charset="0"/>
-              </a:rPr>
-              <a:t>file tree</a:t>
+              <a:t>Improve file tree</a:t>
             </a:r>
           </a:p>
           <a:p>
@@ -7597,11 +7572,6 @@
               </a:rPr>
               <a:t>Enhance user communication</a:t>
             </a:r>
-            <a:endParaRPr lang="en-US" sz="4000" dirty="0" smtClean="0">
-              <a:latin typeface="Tahoma" pitchFamily="34" charset="0"/>
-              <a:ea typeface="Tahoma" pitchFamily="34" charset="0"/>
-              <a:cs typeface="Tahoma" pitchFamily="34" charset="0"/>
-            </a:endParaRPr>
           </a:p>
           <a:p>
             <a:pPr marL="457191" lvl="1" indent="-342893">
@@ -7623,21 +7593,8 @@
                 <a:ea typeface="Tahoma" pitchFamily="34" charset="0"/>
                 <a:cs typeface="Tahoma" pitchFamily="34" charset="0"/>
               </a:rPr>
-              <a:t>Bug </a:t>
-            </a:r>
-            <a:r>
-              <a:rPr lang="en-US" sz="4000" dirty="0" smtClean="0">
-                <a:latin typeface="Tahoma" pitchFamily="34" charset="0"/>
-                <a:ea typeface="Tahoma" pitchFamily="34" charset="0"/>
-                <a:cs typeface="Tahoma" pitchFamily="34" charset="0"/>
-              </a:rPr>
-              <a:t>hunting</a:t>
-            </a:r>
-            <a:endParaRPr lang="en-US" sz="4000" dirty="0" smtClean="0">
-              <a:latin typeface="Tahoma" pitchFamily="34" charset="0"/>
-              <a:ea typeface="Tahoma" pitchFamily="34" charset="0"/>
-              <a:cs typeface="Tahoma" pitchFamily="34" charset="0"/>
-            </a:endParaRPr>
+              <a:t>Bug hunting</a:t>
+            </a:r>
           </a:p>
         </p:txBody>
       </p:sp>
@@ -7816,77 +7773,18 @@
               <a:t>Dr. Robert </a:t>
             </a:r>
             <a:r>
-              <a:rPr lang="en-US" sz="4000" dirty="0" err="1" smtClean="0">
+              <a:rPr lang="en-US" sz="4000" smtClean="0">
                 <a:latin typeface="Tahoma" pitchFamily="34" charset="0"/>
                 <a:ea typeface="Tahoma" pitchFamily="34" charset="0"/>
                 <a:cs typeface="Tahoma" pitchFamily="34" charset="0"/>
               </a:rPr>
               <a:t>Dondero</a:t>
             </a:r>
-            <a:endParaRPr lang="en-US" sz="4000" dirty="0">
+            <a:endParaRPr lang="en-US" sz="4000" dirty="0" smtClean="0">
               <a:latin typeface="Tahoma" pitchFamily="34" charset="0"/>
               <a:ea typeface="Tahoma" pitchFamily="34" charset="0"/>
               <a:cs typeface="Tahoma" pitchFamily="34" charset="0"/>
             </a:endParaRPr>
-          </a:p>
-          <a:p>
-            <a:pPr marL="0" indent="0" algn="ctr">
-              <a:lnSpc>
-                <a:spcPct val="150000"/>
-              </a:lnSpc>
-              <a:spcBef>
-                <a:spcPct val="0"/>
-              </a:spcBef>
-              <a:buNone/>
-            </a:pPr>
-            <a:r>
-              <a:rPr lang="en-US" sz="4000" dirty="0" err="1">
-                <a:latin typeface="Tahoma" pitchFamily="34" charset="0"/>
-                <a:ea typeface="Tahoma" pitchFamily="34" charset="0"/>
-                <a:cs typeface="Tahoma" pitchFamily="34" charset="0"/>
-              </a:rPr>
-              <a:t>Gyeong-Sik</a:t>
-            </a:r>
-            <a:r>
-              <a:rPr lang="en-US" sz="4000" dirty="0">
-                <a:latin typeface="Tahoma" pitchFamily="34" charset="0"/>
-                <a:ea typeface="Tahoma" pitchFamily="34" charset="0"/>
-                <a:cs typeface="Tahoma" pitchFamily="34" charset="0"/>
-              </a:rPr>
-              <a:t> </a:t>
-            </a:r>
-            <a:r>
-              <a:rPr lang="en-US" sz="4000" dirty="0" err="1" smtClean="0">
-                <a:latin typeface="Tahoma" pitchFamily="34" charset="0"/>
-                <a:ea typeface="Tahoma" pitchFamily="34" charset="0"/>
-                <a:cs typeface="Tahoma" pitchFamily="34" charset="0"/>
-              </a:rPr>
-              <a:t>Choi</a:t>
-            </a:r>
-            <a:r>
-              <a:rPr lang="en-US" sz="4000" dirty="0" smtClean="0">
-                <a:latin typeface="Tahoma" pitchFamily="34" charset="0"/>
-                <a:ea typeface="Tahoma" pitchFamily="34" charset="0"/>
-                <a:cs typeface="Tahoma" pitchFamily="34" charset="0"/>
-              </a:rPr>
-              <a:t> </a:t>
-            </a:r>
-            <a:r>
-              <a:rPr lang="en-US" sz="4000" dirty="0">
-                <a:latin typeface="Tahoma" pitchFamily="34" charset="0"/>
-                <a:ea typeface="Tahoma" pitchFamily="34" charset="0"/>
-                <a:cs typeface="Tahoma" pitchFamily="34" charset="0"/>
-              </a:rPr>
-              <a:t>&amp; </a:t>
-            </a:r>
-            <a:r>
-              <a:rPr lang="en-US" sz="4000" dirty="0" smtClean="0">
-                <a:latin typeface="Tahoma" pitchFamily="34" charset="0"/>
-                <a:ea typeface="Tahoma" pitchFamily="34" charset="0"/>
-                <a:cs typeface="Tahoma" pitchFamily="34" charset="0"/>
-              </a:rPr>
-              <a:t>our study group</a:t>
-            </a:r>
           </a:p>
           <a:p>
             <a:pPr marL="0" indent="0" algn="ctr">
@@ -8509,23 +8407,7 @@
                 <a:ea typeface="Tahoma" pitchFamily="34" charset="0"/>
                 <a:cs typeface="Tahoma" pitchFamily="34" charset="0"/>
               </a:rPr>
-              <a:t>a web-based </a:t>
-            </a:r>
-            <a:r>
-              <a:rPr lang="en-US" sz="4000" dirty="0" smtClean="0">
-                <a:latin typeface="Tahoma" pitchFamily="34" charset="0"/>
-                <a:ea typeface="Tahoma" pitchFamily="34" charset="0"/>
-                <a:cs typeface="Tahoma" pitchFamily="34" charset="0"/>
-              </a:rPr>
-              <a:t>interface for fully collaborative </a:t>
-            </a:r>
-            <a:r>
-              <a:rPr lang="en-US" sz="4000" dirty="0" smtClean="0">
-                <a:latin typeface="Tahoma" pitchFamily="34" charset="0"/>
-                <a:ea typeface="Tahoma" pitchFamily="34" charset="0"/>
-                <a:cs typeface="Tahoma" pitchFamily="34" charset="0"/>
-              </a:rPr>
-              <a:t>programming:</a:t>
+              <a:t>a web-based interface for fully collaborative programming:</a:t>
             </a:r>
           </a:p>
           <a:p>
@@ -8588,15 +8470,7 @@
                 <a:ea typeface="Tahoma" pitchFamily="34" charset="0"/>
                 <a:cs typeface="Tahoma" pitchFamily="34" charset="0"/>
               </a:rPr>
-              <a:t>	</a:t>
-            </a:r>
-            <a:r>
-              <a:rPr lang="en-US" sz="4000" dirty="0" smtClean="0">
-                <a:latin typeface="Tahoma" pitchFamily="34" charset="0"/>
-                <a:ea typeface="Tahoma" pitchFamily="34" charset="0"/>
-                <a:cs typeface="Tahoma" pitchFamily="34" charset="0"/>
-              </a:rPr>
-              <a:t>2. GUI syntax-highlighted text editor</a:t>
+              <a:t>	2. GUI syntax-highlighted text editor</a:t>
             </a:r>
           </a:p>
           <a:p>
@@ -8618,15 +8492,7 @@
                 <a:ea typeface="Tahoma" pitchFamily="34" charset="0"/>
                 <a:cs typeface="Tahoma" pitchFamily="34" charset="0"/>
               </a:rPr>
-              <a:t>	</a:t>
-            </a:r>
-            <a:r>
-              <a:rPr lang="en-US" sz="4000" dirty="0" smtClean="0">
-                <a:latin typeface="Tahoma" pitchFamily="34" charset="0"/>
-                <a:ea typeface="Tahoma" pitchFamily="34" charset="0"/>
-                <a:cs typeface="Tahoma" pitchFamily="34" charset="0"/>
-              </a:rPr>
-              <a:t>3. communication</a:t>
+              <a:t>	3. communication</a:t>
             </a:r>
           </a:p>
           <a:p>
@@ -8648,15 +8514,7 @@
                 <a:ea typeface="Tahoma" pitchFamily="34" charset="0"/>
                 <a:cs typeface="Tahoma" pitchFamily="34" charset="0"/>
               </a:rPr>
-              <a:t>	</a:t>
-            </a:r>
-            <a:r>
-              <a:rPr lang="en-US" sz="4000" dirty="0" smtClean="0">
-                <a:latin typeface="Tahoma" pitchFamily="34" charset="0"/>
-                <a:ea typeface="Tahoma" pitchFamily="34" charset="0"/>
-                <a:cs typeface="Tahoma" pitchFamily="34" charset="0"/>
-              </a:rPr>
-              <a:t>4. file management</a:t>
+              <a:t>	4. file management</a:t>
             </a:r>
           </a:p>
         </p:txBody>
